--- a/A조 발표.pptx
+++ b/A조 발표.pptx
@@ -2,7 +2,7 @@
 <file path=ppt/presentation.xml><?xml version="1.0" encoding="utf-8"?>
 <p:presentation xmlns:r="http://schemas.openxmlformats.org/officeDocument/2006/relationships" xmlns:c="http://schemas.openxmlformats.org/drawingml/2006/chart" xmlns:a="http://schemas.openxmlformats.org/drawingml/2006/main" xmlns:dgm="http://schemas.openxmlformats.org/drawingml/2006/diagram" xmlns:dsp="http://schemas.microsoft.com/office/drawing/2008/diagram" xmlns:p="http://schemas.openxmlformats.org/presentationml/2006/main">
   <p:sldMasterIdLst>
-    <p:sldMasterId id="2147483783" r:id="rId1"/>
+    <p:sldMasterId id="2147483781" r:id="rId1"/>
   </p:sldMasterIdLst>
   <p:notesMasterIdLst>
     <p:notesMasterId r:id="rId2"/>
@@ -4148,6 +4148,28 @@
                 <a:ea typeface="맑은 고딕"/>
                 <a:cs typeface="맑은 고딕"/>
               </a:rPr>
+              <a:t>4.</a:t>
+            </a:r>
+            <a:r>
+              <a:rPr xmlns:mc="http://schemas.openxmlformats.org/markup-compatibility/2006" xmlns:hp="http://schemas.haansoft.com/office/presentation/8.0" kumimoji="0" lang="ko-KR" altLang="en-US" sz="2800" b="1" i="0" u="none" strike="noStrike" kern="1200" cap="none" spc="0" normalizeH="0" baseline="0" mc:Ignorable="hp" hp:hslEmbossed="0">
+                <a:solidFill>
+                  <a:srgbClr val="000000"/>
+                </a:solidFill>
+                <a:latin typeface="Calibri"/>
+                <a:ea typeface="맑은 고딕"/>
+                <a:cs typeface="맑은 고딕"/>
+              </a:rPr>
+              <a:t> </a:t>
+            </a:r>
+            <a:r>
+              <a:rPr xmlns:mc="http://schemas.openxmlformats.org/markup-compatibility/2006" xmlns:hp="http://schemas.haansoft.com/office/presentation/8.0" kumimoji="0" lang="en-US" altLang="ko-KR" sz="2800" b="1" i="0" u="none" strike="noStrike" kern="1200" cap="none" spc="0" normalizeH="0" baseline="0" mc:Ignorable="hp" hp:hslEmbossed="0">
+                <a:solidFill>
+                  <a:srgbClr val="000000"/>
+                </a:solidFill>
+                <a:latin typeface="Calibri"/>
+                <a:ea typeface="맑은 고딕"/>
+                <a:cs typeface="맑은 고딕"/>
+              </a:rPr>
               <a:t>UI </a:t>
             </a:r>
             <a:r>
@@ -4206,7 +4228,7 @@
               <a:pPr lvl="0">
                 <a:defRPr/>
               </a:pPr>
-              <a:t>9</a:t>
+              <a:t>10</a:t>
             </a:fld>
             <a:endParaRPr lang="en-US" altLang="en-US"/>
           </a:p>
@@ -4749,6 +4771,28 @@
                 <a:ea typeface="맑은 고딕"/>
                 <a:cs typeface="맑은 고딕"/>
               </a:rPr>
+              <a:t>4.</a:t>
+            </a:r>
+            <a:r>
+              <a:rPr xmlns:mc="http://schemas.openxmlformats.org/markup-compatibility/2006" xmlns:hp="http://schemas.haansoft.com/office/presentation/8.0" kumimoji="0" lang="ko-KR" altLang="en-US" sz="2800" b="1" i="0" u="none" strike="noStrike" kern="1200" cap="none" spc="0" normalizeH="0" baseline="0" mc:Ignorable="hp" hp:hslEmbossed="0">
+                <a:solidFill>
+                  <a:srgbClr val="000000"/>
+                </a:solidFill>
+                <a:latin typeface="Calibri"/>
+                <a:ea typeface="맑은 고딕"/>
+                <a:cs typeface="맑은 고딕"/>
+              </a:rPr>
+              <a:t> </a:t>
+            </a:r>
+            <a:r>
+              <a:rPr xmlns:mc="http://schemas.openxmlformats.org/markup-compatibility/2006" xmlns:hp="http://schemas.haansoft.com/office/presentation/8.0" kumimoji="0" lang="en-US" altLang="ko-KR" sz="2800" b="1" i="0" u="none" strike="noStrike" kern="1200" cap="none" spc="0" normalizeH="0" baseline="0" mc:Ignorable="hp" hp:hslEmbossed="0">
+                <a:solidFill>
+                  <a:srgbClr val="000000"/>
+                </a:solidFill>
+                <a:latin typeface="Calibri"/>
+                <a:ea typeface="맑은 고딕"/>
+                <a:cs typeface="맑은 고딕"/>
+              </a:rPr>
               <a:t>UI </a:t>
             </a:r>
             <a:r>
@@ -4807,7 +4851,7 @@
               <a:pPr lvl="0">
                 <a:defRPr/>
               </a:pPr>
-              <a:t>10</a:t>
+              <a:t>11</a:t>
             </a:fld>
             <a:endParaRPr lang="en-US" altLang="en-US"/>
           </a:p>
@@ -4854,8 +4898,8 @@
         </p:nvSpPr>
         <p:spPr>
           <a:xfrm>
-            <a:off x="501332" y="1196927"/>
-            <a:ext cx="7479634" cy="2859820"/>
+            <a:off x="4453216" y="954626"/>
+            <a:ext cx="3285568" cy="4948747"/>
           </a:xfrm>
           <a:prstGeom prst="rect">
             <a:avLst/>
@@ -4880,7 +4924,7 @@
               <a:defRPr/>
             </a:pPr>
             <a:r>
-              <a:rPr xmlns:mc="http://schemas.openxmlformats.org/markup-compatibility/2006" xmlns:hp="http://schemas.haansoft.com/office/presentation/8.0" kumimoji="0" lang="en-US" altLang="ko-KR" sz="2600" b="0" i="0" u="none" strike="noStrike" kern="1200" cap="none" spc="0" normalizeH="0" baseline="0" mc:Ignorable="hp" hp:hslEmbossed="0">
+              <a:rPr xmlns:mc="http://schemas.openxmlformats.org/markup-compatibility/2006" xmlns:hp="http://schemas.haansoft.com/office/presentation/8.0" kumimoji="0" lang="en-US" altLang="ko-KR" sz="2900" b="1" i="0" u="none" strike="noStrike" kern="1200" cap="none" spc="0" normalizeH="0" baseline="0" mc:Ignorable="hp" hp:hslEmbossed="0">
                 <a:solidFill>
                   <a:srgbClr val="000000"/>
                 </a:solidFill>
@@ -4891,7 +4935,7 @@
               <a:t>1.</a:t>
             </a:r>
             <a:r>
-              <a:rPr xmlns:mc="http://schemas.openxmlformats.org/markup-compatibility/2006" xmlns:hp="http://schemas.haansoft.com/office/presentation/8.0" kumimoji="0" lang="ko-KR" altLang="en-US" sz="2600" b="0" i="0" u="none" strike="noStrike" kern="1200" cap="none" spc="0" normalizeH="0" baseline="0" mc:Ignorable="hp" hp:hslEmbossed="0">
+              <a:rPr xmlns:mc="http://schemas.openxmlformats.org/markup-compatibility/2006" xmlns:hp="http://schemas.haansoft.com/office/presentation/8.0" kumimoji="0" lang="ko-KR" altLang="en-US" sz="2900" b="1" i="0" u="none" strike="noStrike" kern="1200" cap="none" spc="0" normalizeH="0" baseline="0" mc:Ignorable="hp" hp:hslEmbossed="0">
                 <a:solidFill>
                   <a:srgbClr val="000000"/>
                 </a:solidFill>
@@ -4901,7 +4945,7 @@
               </a:rPr>
               <a:t> 팀 구성 및 역할</a:t>
             </a:r>
-            <a:endParaRPr xmlns:mc="http://schemas.openxmlformats.org/markup-compatibility/2006" xmlns:hp="http://schemas.haansoft.com/office/presentation/8.0" kumimoji="0" lang="ko-KR" altLang="en-US" sz="2600" b="0" i="0" u="none" strike="noStrike" kern="1200" cap="none" spc="0" normalizeH="0" baseline="0" mc:Ignorable="hp" hp:hslEmbossed="0">
+            <a:endParaRPr xmlns:mc="http://schemas.openxmlformats.org/markup-compatibility/2006" xmlns:hp="http://schemas.haansoft.com/office/presentation/8.0" kumimoji="0" lang="ko-KR" altLang="en-US" sz="2900" b="1" i="0" u="none" strike="noStrike" kern="1200" cap="none" spc="0" normalizeH="0" baseline="0" mc:Ignorable="hp" hp:hslEmbossed="0">
               <a:solidFill>
                 <a:srgbClr val="000000"/>
               </a:solidFill>
@@ -4924,29 +4968,7 @@
               <a:buNone/>
               <a:defRPr/>
             </a:pPr>
-            <a:r>
-              <a:rPr xmlns:mc="http://schemas.openxmlformats.org/markup-compatibility/2006" xmlns:hp="http://schemas.haansoft.com/office/presentation/8.0" kumimoji="0" lang="en-US" altLang="ko-KR" sz="2600" b="0" i="0" u="none" strike="noStrike" kern="1200" cap="none" spc="0" normalizeH="0" baseline="0" mc:Ignorable="hp" hp:hslEmbossed="0">
-                <a:solidFill>
-                  <a:srgbClr val="000000"/>
-                </a:solidFill>
-                <a:latin typeface="Calibri"/>
-                <a:ea typeface="맑은 고딕"/>
-                <a:cs typeface="Calibri"/>
-              </a:rPr>
-              <a:t>2.</a:t>
-            </a:r>
-            <a:r>
-              <a:rPr xmlns:mc="http://schemas.openxmlformats.org/markup-compatibility/2006" xmlns:hp="http://schemas.haansoft.com/office/presentation/8.0" kumimoji="0" lang="ko-KR" altLang="en-US" sz="2600" b="0" i="0" u="none" strike="noStrike" kern="1200" cap="none" spc="0" normalizeH="0" baseline="0" mc:Ignorable="hp" hp:hslEmbossed="0">
-                <a:solidFill>
-                  <a:srgbClr val="000000"/>
-                </a:solidFill>
-                <a:latin typeface="Calibri"/>
-                <a:ea typeface="맑은 고딕"/>
-                <a:cs typeface="Calibri"/>
-              </a:rPr>
-              <a:t> 개요</a:t>
-            </a:r>
-            <a:endParaRPr xmlns:mc="http://schemas.openxmlformats.org/markup-compatibility/2006" xmlns:hp="http://schemas.haansoft.com/office/presentation/8.0" kumimoji="0" lang="ko-KR" altLang="en-US" sz="2600" b="0" i="0" u="none" strike="noStrike" kern="1200" cap="none" spc="0" normalizeH="0" baseline="0" mc:Ignorable="hp" hp:hslEmbossed="0">
+            <a:endParaRPr xmlns:mc="http://schemas.openxmlformats.org/markup-compatibility/2006" xmlns:hp="http://schemas.haansoft.com/office/presentation/8.0" kumimoji="0" lang="en-US" altLang="ko-KR" sz="2900" b="1" i="0" u="none" strike="noStrike" kern="1200" cap="none" spc="0" normalizeH="0" baseline="0" mc:Ignorable="hp" hp:hslEmbossed="0">
               <a:solidFill>
                 <a:srgbClr val="000000"/>
               </a:solidFill>
@@ -4970,7 +4992,7 @@
               <a:defRPr/>
             </a:pPr>
             <a:r>
-              <a:rPr xmlns:mc="http://schemas.openxmlformats.org/markup-compatibility/2006" xmlns:hp="http://schemas.haansoft.com/office/presentation/8.0" kumimoji="0" lang="en-US" altLang="ko-KR" sz="2600" b="0" i="0" u="none" strike="noStrike" kern="1200" cap="none" spc="0" normalizeH="0" baseline="0" mc:Ignorable="hp" hp:hslEmbossed="0">
+              <a:rPr xmlns:mc="http://schemas.openxmlformats.org/markup-compatibility/2006" xmlns:hp="http://schemas.haansoft.com/office/presentation/8.0" kumimoji="0" lang="en-US" altLang="ko-KR" sz="2900" b="1" i="0" u="none" strike="noStrike" kern="1200" cap="none" spc="0" normalizeH="0" baseline="0" mc:Ignorable="hp" hp:hslEmbossed="0">
                 <a:solidFill>
                   <a:srgbClr val="000000"/>
                 </a:solidFill>
@@ -4978,10 +5000,10 @@
                 <a:ea typeface="맑은 고딕"/>
                 <a:cs typeface="Calibri"/>
               </a:rPr>
-              <a:t>(2-1.</a:t>
-            </a:r>
-            <a:r>
-              <a:rPr xmlns:mc="http://schemas.openxmlformats.org/markup-compatibility/2006" xmlns:hp="http://schemas.haansoft.com/office/presentation/8.0" kumimoji="0" lang="ko-KR" altLang="en-US" sz="2600" b="0" i="0" u="none" strike="noStrike" kern="1200" cap="none" spc="0" normalizeH="0" baseline="0" mc:Ignorable="hp" hp:hslEmbossed="0">
+              <a:t>2.</a:t>
+            </a:r>
+            <a:r>
+              <a:rPr xmlns:mc="http://schemas.openxmlformats.org/markup-compatibility/2006" xmlns:hp="http://schemas.haansoft.com/office/presentation/8.0" kumimoji="0" lang="ko-KR" altLang="en-US" sz="2900" b="1" i="0" u="none" strike="noStrike" kern="1200" cap="none" spc="0" normalizeH="0" baseline="0" mc:Ignorable="hp" hp:hslEmbossed="0">
                 <a:solidFill>
                   <a:srgbClr val="000000"/>
                 </a:solidFill>
@@ -4989,86 +5011,9 @@
                 <a:ea typeface="맑은 고딕"/>
                 <a:cs typeface="Calibri"/>
               </a:rPr>
-              <a:t> 배경</a:t>
-            </a:r>
-            <a:r>
-              <a:rPr xmlns:mc="http://schemas.openxmlformats.org/markup-compatibility/2006" xmlns:hp="http://schemas.haansoft.com/office/presentation/8.0" kumimoji="0" lang="en-US" altLang="ko-KR" sz="2600" b="0" i="0" u="none" strike="noStrike" kern="1200" cap="none" spc="0" normalizeH="0" baseline="0" mc:Ignorable="hp" hp:hslEmbossed="0">
-                <a:solidFill>
-                  <a:srgbClr val="000000"/>
-                </a:solidFill>
-                <a:latin typeface="Calibri"/>
-                <a:ea typeface="맑은 고딕"/>
-                <a:cs typeface="Calibri"/>
-              </a:rPr>
-              <a:t>,</a:t>
-            </a:r>
-            <a:r>
-              <a:rPr xmlns:mc="http://schemas.openxmlformats.org/markup-compatibility/2006" xmlns:hp="http://schemas.haansoft.com/office/presentation/8.0" kumimoji="0" lang="ko-KR" altLang="en-US" sz="2600" b="0" i="0" u="none" strike="noStrike" kern="1200" cap="none" spc="0" normalizeH="0" baseline="0" mc:Ignorable="hp" hp:hslEmbossed="0">
-                <a:solidFill>
-                  <a:srgbClr val="000000"/>
-                </a:solidFill>
-                <a:latin typeface="Calibri"/>
-                <a:ea typeface="맑은 고딕"/>
-                <a:cs typeface="Calibri"/>
-              </a:rPr>
-              <a:t> </a:t>
-            </a:r>
-            <a:r>
-              <a:rPr xmlns:mc="http://schemas.openxmlformats.org/markup-compatibility/2006" xmlns:hp="http://schemas.haansoft.com/office/presentation/8.0" kumimoji="0" lang="en-US" altLang="ko-KR" sz="2600" b="0" i="0" u="none" strike="noStrike" kern="1200" cap="none" spc="0" normalizeH="0" baseline="0" mc:Ignorable="hp" hp:hslEmbossed="0">
-                <a:solidFill>
-                  <a:srgbClr val="000000"/>
-                </a:solidFill>
-                <a:latin typeface="Calibri"/>
-                <a:ea typeface="맑은 고딕"/>
-                <a:cs typeface="Calibri"/>
-              </a:rPr>
-              <a:t>2-2.</a:t>
-            </a:r>
-            <a:r>
-              <a:rPr xmlns:mc="http://schemas.openxmlformats.org/markup-compatibility/2006" xmlns:hp="http://schemas.haansoft.com/office/presentation/8.0" kumimoji="0" lang="ko-KR" altLang="en-US" sz="2600" b="0" i="0" u="none" strike="noStrike" kern="1200" cap="none" spc="0" normalizeH="0" baseline="0" mc:Ignorable="hp" hp:hslEmbossed="0">
-                <a:solidFill>
-                  <a:srgbClr val="000000"/>
-                </a:solidFill>
-                <a:latin typeface="Calibri"/>
-                <a:ea typeface="맑은 고딕"/>
-                <a:cs typeface="Calibri"/>
-              </a:rPr>
-              <a:t> 개발 언어</a:t>
-            </a:r>
-            <a:r>
-              <a:rPr xmlns:mc="http://schemas.openxmlformats.org/markup-compatibility/2006" xmlns:hp="http://schemas.haansoft.com/office/presentation/8.0" kumimoji="0" lang="en-US" altLang="ko-KR" sz="2600" b="0" i="0" u="none" strike="noStrike" kern="1200" cap="none" spc="0" normalizeH="0" baseline="0" mc:Ignorable="hp" hp:hslEmbossed="0">
-                <a:solidFill>
-                  <a:srgbClr val="000000"/>
-                </a:solidFill>
-                <a:latin typeface="Calibri"/>
-                <a:ea typeface="맑은 고딕"/>
-                <a:cs typeface="Calibri"/>
-              </a:rPr>
-              <a:t>&amp;</a:t>
-            </a:r>
-            <a:r>
-              <a:rPr xmlns:mc="http://schemas.openxmlformats.org/markup-compatibility/2006" xmlns:hp="http://schemas.haansoft.com/office/presentation/8.0" kumimoji="0" lang="ko-KR" altLang="en-US" sz="2600" b="0" i="0" u="none" strike="noStrike" kern="1200" cap="none" spc="0" normalizeH="0" baseline="0" mc:Ignorable="hp" hp:hslEmbossed="0">
-                <a:solidFill>
-                  <a:srgbClr val="000000"/>
-                </a:solidFill>
-                <a:latin typeface="Calibri"/>
-                <a:ea typeface="맑은 고딕"/>
-                <a:cs typeface="Calibri"/>
-              </a:rPr>
-              <a:t>환경</a:t>
-            </a:r>
-            <a:r>
-              <a:rPr xmlns:mc="http://schemas.openxmlformats.org/markup-compatibility/2006" xmlns:hp="http://schemas.haansoft.com/office/presentation/8.0" kumimoji="0" lang="en-US" altLang="ko-KR" sz="2600" b="0" i="0" u="none" strike="noStrike" kern="1200" cap="none" spc="0" normalizeH="0" baseline="0" mc:Ignorable="hp" hp:hslEmbossed="0">
-                <a:solidFill>
-                  <a:srgbClr val="000000"/>
-                </a:solidFill>
-                <a:latin typeface="Calibri"/>
-                <a:ea typeface="맑은 고딕"/>
-                <a:cs typeface="Calibri"/>
-              </a:rPr>
-              <a:t>)</a:t>
-            </a:r>
-            <a:endParaRPr xmlns:mc="http://schemas.openxmlformats.org/markup-compatibility/2006" xmlns:hp="http://schemas.haansoft.com/office/presentation/8.0" kumimoji="0" lang="ko-KR" altLang="en-US" sz="2600" b="0" i="0" u="none" strike="noStrike" kern="1200" cap="none" spc="0" normalizeH="0" baseline="0" mc:Ignorable="hp" hp:hslEmbossed="0">
+              <a:t> 개요</a:t>
+            </a:r>
+            <a:endParaRPr xmlns:mc="http://schemas.openxmlformats.org/markup-compatibility/2006" xmlns:hp="http://schemas.haansoft.com/office/presentation/8.0" kumimoji="0" lang="ko-KR" altLang="en-US" sz="2900" b="1" i="0" u="none" strike="noStrike" kern="1200" cap="none" spc="0" normalizeH="0" baseline="0" mc:Ignorable="hp" hp:hslEmbossed="0">
               <a:solidFill>
                 <a:srgbClr val="000000"/>
               </a:solidFill>
@@ -5091,29 +5036,7 @@
               <a:buNone/>
               <a:defRPr/>
             </a:pPr>
-            <a:r>
-              <a:rPr xmlns:mc="http://schemas.openxmlformats.org/markup-compatibility/2006" xmlns:hp="http://schemas.haansoft.com/office/presentation/8.0" kumimoji="0" lang="en-US" altLang="ko-KR" sz="2600" b="0" i="0" u="none" strike="noStrike" kern="1200" cap="none" spc="0" normalizeH="0" baseline="0" mc:Ignorable="hp" hp:hslEmbossed="0">
-                <a:solidFill>
-                  <a:srgbClr val="000000"/>
-                </a:solidFill>
-                <a:latin typeface="Calibri"/>
-                <a:ea typeface="맑은 고딕"/>
-                <a:cs typeface="Calibri"/>
-              </a:rPr>
-              <a:t>3.</a:t>
-            </a:r>
-            <a:r>
-              <a:rPr xmlns:mc="http://schemas.openxmlformats.org/markup-compatibility/2006" xmlns:hp="http://schemas.haansoft.com/office/presentation/8.0" kumimoji="0" lang="ko-KR" altLang="en-US" sz="2600" b="0" i="0" u="none" strike="noStrike" kern="1200" cap="none" spc="0" normalizeH="0" baseline="0" mc:Ignorable="hp" hp:hslEmbossed="0">
-                <a:solidFill>
-                  <a:srgbClr val="000000"/>
-                </a:solidFill>
-                <a:latin typeface="Calibri"/>
-                <a:ea typeface="맑은 고딕"/>
-                <a:cs typeface="Calibri"/>
-              </a:rPr>
-              <a:t> 개발 일정</a:t>
-            </a:r>
-            <a:endParaRPr xmlns:mc="http://schemas.openxmlformats.org/markup-compatibility/2006" xmlns:hp="http://schemas.haansoft.com/office/presentation/8.0" kumimoji="0" lang="ko-KR" altLang="en-US" sz="2600" b="0" i="0" u="none" strike="noStrike" kern="1200" cap="none" spc="0" normalizeH="0" baseline="0" mc:Ignorable="hp" hp:hslEmbossed="0">
+            <a:endParaRPr xmlns:mc="http://schemas.openxmlformats.org/markup-compatibility/2006" xmlns:hp="http://schemas.haansoft.com/office/presentation/8.0" kumimoji="0" lang="ko-KR" altLang="en-US" sz="2900" b="1" i="0" u="none" strike="noStrike" kern="1200" cap="none" spc="0" normalizeH="0" baseline="0" mc:Ignorable="hp" hp:hslEmbossed="0">
               <a:solidFill>
                 <a:srgbClr val="000000"/>
               </a:solidFill>
@@ -5137,7 +5060,7 @@
               <a:defRPr/>
             </a:pPr>
             <a:r>
-              <a:rPr xmlns:mc="http://schemas.openxmlformats.org/markup-compatibility/2006" xmlns:hp="http://schemas.haansoft.com/office/presentation/8.0" kumimoji="0" lang="en-US" altLang="ko-KR" sz="2600" b="0" i="0" u="none" strike="noStrike" kern="1200" cap="none" spc="0" normalizeH="0" baseline="0" mc:Ignorable="hp" hp:hslEmbossed="0">
+              <a:rPr xmlns:mc="http://schemas.openxmlformats.org/markup-compatibility/2006" xmlns:hp="http://schemas.haansoft.com/office/presentation/8.0" kumimoji="0" lang="en-US" altLang="ko-KR" sz="2900" b="1" i="0" u="none" strike="noStrike" kern="1200" cap="none" spc="0" normalizeH="0" baseline="0" mc:Ignorable="hp" hp:hslEmbossed="0">
                 <a:solidFill>
                   <a:srgbClr val="000000"/>
                 </a:solidFill>
@@ -5145,10 +5068,10 @@
                 <a:ea typeface="맑은 고딕"/>
                 <a:cs typeface="Calibri"/>
               </a:rPr>
-              <a:t>4.</a:t>
-            </a:r>
-            <a:r>
-              <a:rPr xmlns:mc="http://schemas.openxmlformats.org/markup-compatibility/2006" xmlns:hp="http://schemas.haansoft.com/office/presentation/8.0" kumimoji="0" lang="ko-KR" altLang="en-US" sz="2600" b="0" i="0" u="none" strike="noStrike" kern="1200" cap="none" spc="0" normalizeH="0" baseline="0" mc:Ignorable="hp" hp:hslEmbossed="0">
+              <a:t>3.</a:t>
+            </a:r>
+            <a:r>
+              <a:rPr xmlns:mc="http://schemas.openxmlformats.org/markup-compatibility/2006" xmlns:hp="http://schemas.haansoft.com/office/presentation/8.0" kumimoji="0" lang="ko-KR" altLang="en-US" sz="2900" b="1" i="0" u="none" strike="noStrike" kern="1200" cap="none" spc="0" normalizeH="0" baseline="0" mc:Ignorable="hp" hp:hslEmbossed="0">
                 <a:solidFill>
                   <a:srgbClr val="000000"/>
                 </a:solidFill>
@@ -5156,31 +5079,9 @@
                 <a:ea typeface="맑은 고딕"/>
                 <a:cs typeface="Calibri"/>
               </a:rPr>
-              <a:t> </a:t>
-            </a:r>
-            <a:r>
-              <a:rPr xmlns:mc="http://schemas.openxmlformats.org/markup-compatibility/2006" xmlns:hp="http://schemas.haansoft.com/office/presentation/8.0" kumimoji="0" lang="en-US" altLang="ko-KR" sz="2600" b="0" i="0" u="none" strike="noStrike" kern="1200" cap="none" spc="0" normalizeH="0" baseline="0" mc:Ignorable="hp" hp:hslEmbossed="0">
-                <a:solidFill>
-                  <a:srgbClr val="000000"/>
-                </a:solidFill>
-                <a:latin typeface="Calibri"/>
-                <a:ea typeface="맑은 고딕"/>
-                <a:cs typeface="Calibri"/>
-              </a:rPr>
-              <a:t>UI </a:t>
-            </a:r>
-            <a:r>
-              <a:rPr xmlns:mc="http://schemas.openxmlformats.org/markup-compatibility/2006" xmlns:hp="http://schemas.haansoft.com/office/presentation/8.0" kumimoji="0" lang="ko-KR" altLang="en-US" sz="2600" b="0" i="0" u="none" strike="noStrike" kern="1200" cap="none" spc="0" normalizeH="0" baseline="0" mc:Ignorable="hp" hp:hslEmbossed="0">
-                <a:solidFill>
-                  <a:srgbClr val="000000"/>
-                </a:solidFill>
-                <a:latin typeface="Calibri"/>
-                <a:ea typeface="맑은 고딕"/>
-                <a:cs typeface="Calibri"/>
-              </a:rPr>
-              <a:t>구성</a:t>
-            </a:r>
-            <a:endParaRPr xmlns:mc="http://schemas.openxmlformats.org/markup-compatibility/2006" xmlns:hp="http://schemas.haansoft.com/office/presentation/8.0" kumimoji="0" lang="ko-KR" altLang="en-US" sz="2600" b="0" i="0" u="none" strike="noStrike" kern="1200" cap="none" spc="0" normalizeH="0" baseline="0" mc:Ignorable="hp" hp:hslEmbossed="0">
+              <a:t> 개발 일정</a:t>
+            </a:r>
+            <a:endParaRPr xmlns:mc="http://schemas.openxmlformats.org/markup-compatibility/2006" xmlns:hp="http://schemas.haansoft.com/office/presentation/8.0" kumimoji="0" lang="ko-KR" altLang="en-US" sz="2900" b="1" i="0" u="none" strike="noStrike" kern="1200" cap="none" spc="0" normalizeH="0" baseline="0" mc:Ignorable="hp" hp:hslEmbossed="0">
               <a:solidFill>
                 <a:srgbClr val="000000"/>
               </a:solidFill>
@@ -5203,29 +5104,7 @@
               <a:buNone/>
               <a:defRPr/>
             </a:pPr>
-            <a:r>
-              <a:rPr xmlns:mc="http://schemas.openxmlformats.org/markup-compatibility/2006" xmlns:hp="http://schemas.haansoft.com/office/presentation/8.0" kumimoji="0" lang="en-US" altLang="ko-KR" sz="2600" b="0" i="0" u="none" strike="noStrike" kern="1200" cap="none" spc="0" normalizeH="0" baseline="0" mc:Ignorable="hp" hp:hslEmbossed="0">
-                <a:solidFill>
-                  <a:srgbClr val="000000"/>
-                </a:solidFill>
-                <a:latin typeface="Calibri"/>
-                <a:ea typeface="맑은 고딕"/>
-                <a:cs typeface="Calibri"/>
-              </a:rPr>
-              <a:t>5.</a:t>
-            </a:r>
-            <a:r>
-              <a:rPr xmlns:mc="http://schemas.openxmlformats.org/markup-compatibility/2006" xmlns:hp="http://schemas.haansoft.com/office/presentation/8.0" kumimoji="0" lang="ko-KR" altLang="en-US" sz="2600" b="0" i="0" u="none" strike="noStrike" kern="1200" cap="none" spc="0" normalizeH="0" baseline="0" mc:Ignorable="hp" hp:hslEmbossed="0">
-                <a:solidFill>
-                  <a:srgbClr val="000000"/>
-                </a:solidFill>
-                <a:latin typeface="Calibri"/>
-                <a:ea typeface="맑은 고딕"/>
-                <a:cs typeface="Calibri"/>
-              </a:rPr>
-              <a:t> 흐름도</a:t>
-            </a:r>
-            <a:endParaRPr xmlns:mc="http://schemas.openxmlformats.org/markup-compatibility/2006" xmlns:hp="http://schemas.haansoft.com/office/presentation/8.0" kumimoji="0" lang="ko-KR" altLang="en-US" sz="2600" b="0" i="0" u="none" strike="noStrike" kern="1200" cap="none" spc="0" normalizeH="0" baseline="0" mc:Ignorable="hp" hp:hslEmbossed="0">
+            <a:endParaRPr xmlns:mc="http://schemas.openxmlformats.org/markup-compatibility/2006" xmlns:hp="http://schemas.haansoft.com/office/presentation/8.0" kumimoji="0" lang="en-US" altLang="ko-KR" sz="2900" b="1" i="0" u="none" strike="noStrike" kern="1200" cap="none" spc="0" normalizeH="0" baseline="0" mc:Ignorable="hp" hp:hslEmbossed="0">
               <a:solidFill>
                 <a:srgbClr val="000000"/>
               </a:solidFill>
@@ -5249,7 +5128,7 @@
               <a:defRPr/>
             </a:pPr>
             <a:r>
-              <a:rPr xmlns:mc="http://schemas.openxmlformats.org/markup-compatibility/2006" xmlns:hp="http://schemas.haansoft.com/office/presentation/8.0" kumimoji="0" lang="en-US" altLang="ko-KR" sz="2600" b="0" i="0" u="none" strike="noStrike" kern="1200" cap="none" spc="0" normalizeH="0" baseline="0" mc:Ignorable="hp" hp:hslEmbossed="0">
+              <a:rPr xmlns:mc="http://schemas.openxmlformats.org/markup-compatibility/2006" xmlns:hp="http://schemas.haansoft.com/office/presentation/8.0" kumimoji="0" lang="en-US" altLang="ko-KR" sz="2900" b="1" i="0" u="none" strike="noStrike" kern="1200" cap="none" spc="0" normalizeH="0" baseline="0" mc:Ignorable="hp" hp:hslEmbossed="0">
                 <a:solidFill>
                   <a:srgbClr val="000000"/>
                 </a:solidFill>
@@ -5257,10 +5136,10 @@
                 <a:ea typeface="맑은 고딕"/>
                 <a:cs typeface="Calibri"/>
               </a:rPr>
-              <a:t>6.</a:t>
-            </a:r>
-            <a:r>
-              <a:rPr xmlns:mc="http://schemas.openxmlformats.org/markup-compatibility/2006" xmlns:hp="http://schemas.haansoft.com/office/presentation/8.0" kumimoji="0" lang="ko-KR" altLang="en-US" sz="2600" b="0" i="0" u="none" strike="noStrike" kern="1200" cap="none" spc="0" normalizeH="0" baseline="0" mc:Ignorable="hp" hp:hslEmbossed="0">
+              <a:t>4.</a:t>
+            </a:r>
+            <a:r>
+              <a:rPr xmlns:mc="http://schemas.openxmlformats.org/markup-compatibility/2006" xmlns:hp="http://schemas.haansoft.com/office/presentation/8.0" kumimoji="0" lang="ko-KR" altLang="en-US" sz="2900" b="1" i="0" u="none" strike="noStrike" kern="1200" cap="none" spc="0" normalizeH="0" baseline="0" mc:Ignorable="hp" hp:hslEmbossed="0">
                 <a:solidFill>
                   <a:srgbClr val="000000"/>
                 </a:solidFill>
@@ -5268,9 +5147,167 @@
                 <a:ea typeface="맑은 고딕"/>
                 <a:cs typeface="Calibri"/>
               </a:rPr>
+              <a:t> </a:t>
+            </a:r>
+            <a:r>
+              <a:rPr xmlns:mc="http://schemas.openxmlformats.org/markup-compatibility/2006" xmlns:hp="http://schemas.haansoft.com/office/presentation/8.0" kumimoji="0" lang="en-US" altLang="ko-KR" sz="2900" b="1" i="0" u="none" strike="noStrike" kern="1200" cap="none" spc="0" normalizeH="0" baseline="0" mc:Ignorable="hp" hp:hslEmbossed="0">
+                <a:solidFill>
+                  <a:srgbClr val="000000"/>
+                </a:solidFill>
+                <a:latin typeface="Calibri"/>
+                <a:ea typeface="맑은 고딕"/>
+                <a:cs typeface="Calibri"/>
+              </a:rPr>
+              <a:t>UI </a:t>
+            </a:r>
+            <a:r>
+              <a:rPr xmlns:mc="http://schemas.openxmlformats.org/markup-compatibility/2006" xmlns:hp="http://schemas.haansoft.com/office/presentation/8.0" kumimoji="0" lang="ko-KR" altLang="en-US" sz="2900" b="1" i="0" u="none" strike="noStrike" kern="1200" cap="none" spc="0" normalizeH="0" baseline="0" mc:Ignorable="hp" hp:hslEmbossed="0">
+                <a:solidFill>
+                  <a:srgbClr val="000000"/>
+                </a:solidFill>
+                <a:latin typeface="Calibri"/>
+                <a:ea typeface="맑은 고딕"/>
+                <a:cs typeface="Calibri"/>
+              </a:rPr>
+              <a:t>구성</a:t>
+            </a:r>
+            <a:endParaRPr xmlns:mc="http://schemas.openxmlformats.org/markup-compatibility/2006" xmlns:hp="http://schemas.haansoft.com/office/presentation/8.0" kumimoji="0" lang="ko-KR" altLang="en-US" sz="2900" b="1" i="0" u="none" strike="noStrike" kern="1200" cap="none" spc="0" normalizeH="0" baseline="0" mc:Ignorable="hp" hp:hslEmbossed="0">
+              <a:solidFill>
+                <a:srgbClr val="000000"/>
+              </a:solidFill>
+              <a:latin typeface="Calibri"/>
+              <a:ea typeface="맑은 고딕"/>
+              <a:cs typeface="Calibri"/>
+            </a:endParaRPr>
+          </a:p>
+          <a:p>
+            <a:pPr marL="0" indent="0" defTabSz="914400" rtl="0" eaLnBrk="1" latinLnBrk="1" hangingPunct="1">
+              <a:lnSpc>
+                <a:spcPct val="100000"/>
+              </a:lnSpc>
+              <a:spcBef>
+                <a:spcPct val="0"/>
+              </a:spcBef>
+              <a:spcAft>
+                <a:spcPts val="0"/>
+              </a:spcAft>
+              <a:buNone/>
+              <a:defRPr/>
+            </a:pPr>
+            <a:endParaRPr xmlns:mc="http://schemas.openxmlformats.org/markup-compatibility/2006" xmlns:hp="http://schemas.haansoft.com/office/presentation/8.0" kumimoji="0" lang="en-US" altLang="ko-KR" sz="2900" b="1" i="0" u="none" strike="noStrike" kern="1200" cap="none" spc="0" normalizeH="0" baseline="0" mc:Ignorable="hp" hp:hslEmbossed="0">
+              <a:solidFill>
+                <a:srgbClr val="000000"/>
+              </a:solidFill>
+              <a:latin typeface="Calibri"/>
+              <a:ea typeface="맑은 고딕"/>
+              <a:cs typeface="Calibri"/>
+            </a:endParaRPr>
+          </a:p>
+          <a:p>
+            <a:pPr marL="0" indent="0" defTabSz="914400" rtl="0" eaLnBrk="1" latinLnBrk="1" hangingPunct="1">
+              <a:lnSpc>
+                <a:spcPct val="100000"/>
+              </a:lnSpc>
+              <a:spcBef>
+                <a:spcPct val="0"/>
+              </a:spcBef>
+              <a:spcAft>
+                <a:spcPts val="0"/>
+              </a:spcAft>
+              <a:buNone/>
+              <a:defRPr/>
+            </a:pPr>
+            <a:r>
+              <a:rPr xmlns:mc="http://schemas.openxmlformats.org/markup-compatibility/2006" xmlns:hp="http://schemas.haansoft.com/office/presentation/8.0" kumimoji="0" lang="en-US" altLang="ko-KR" sz="2900" b="1" i="0" u="none" strike="noStrike" kern="1200" cap="none" spc="0" normalizeH="0" baseline="0" mc:Ignorable="hp" hp:hslEmbossed="0">
+                <a:solidFill>
+                  <a:srgbClr val="000000"/>
+                </a:solidFill>
+                <a:latin typeface="Calibri"/>
+                <a:ea typeface="맑은 고딕"/>
+                <a:cs typeface="Calibri"/>
+              </a:rPr>
+              <a:t>5.</a:t>
+            </a:r>
+            <a:r>
+              <a:rPr xmlns:mc="http://schemas.openxmlformats.org/markup-compatibility/2006" xmlns:hp="http://schemas.haansoft.com/office/presentation/8.0" kumimoji="0" lang="ko-KR" altLang="en-US" sz="2900" b="1" i="0" u="none" strike="noStrike" kern="1200" cap="none" spc="0" normalizeH="0" baseline="0" mc:Ignorable="hp" hp:hslEmbossed="0">
+                <a:solidFill>
+                  <a:srgbClr val="000000"/>
+                </a:solidFill>
+                <a:latin typeface="Calibri"/>
+                <a:ea typeface="맑은 고딕"/>
+                <a:cs typeface="Calibri"/>
+              </a:rPr>
+              <a:t> 흐름도</a:t>
+            </a:r>
+            <a:endParaRPr xmlns:mc="http://schemas.openxmlformats.org/markup-compatibility/2006" xmlns:hp="http://schemas.haansoft.com/office/presentation/8.0" kumimoji="0" lang="ko-KR" altLang="en-US" sz="2900" b="1" i="0" u="none" strike="noStrike" kern="1200" cap="none" spc="0" normalizeH="0" baseline="0" mc:Ignorable="hp" hp:hslEmbossed="0">
+              <a:solidFill>
+                <a:srgbClr val="000000"/>
+              </a:solidFill>
+              <a:latin typeface="Calibri"/>
+              <a:ea typeface="맑은 고딕"/>
+              <a:cs typeface="Calibri"/>
+            </a:endParaRPr>
+          </a:p>
+          <a:p>
+            <a:pPr marL="0" indent="0" defTabSz="914400" rtl="0" eaLnBrk="1" latinLnBrk="1" hangingPunct="1">
+              <a:lnSpc>
+                <a:spcPct val="100000"/>
+              </a:lnSpc>
+              <a:spcBef>
+                <a:spcPct val="0"/>
+              </a:spcBef>
+              <a:spcAft>
+                <a:spcPts val="0"/>
+              </a:spcAft>
+              <a:buNone/>
+              <a:defRPr/>
+            </a:pPr>
+            <a:endParaRPr xmlns:mc="http://schemas.openxmlformats.org/markup-compatibility/2006" xmlns:hp="http://schemas.haansoft.com/office/presentation/8.0" kumimoji="0" lang="en-US" altLang="ko-KR" sz="2900" b="1" i="0" u="none" strike="noStrike" kern="1200" cap="none" spc="0" normalizeH="0" baseline="0" mc:Ignorable="hp" hp:hslEmbossed="0">
+              <a:solidFill>
+                <a:srgbClr val="000000"/>
+              </a:solidFill>
+              <a:latin typeface="Calibri"/>
+              <a:ea typeface="맑은 고딕"/>
+              <a:cs typeface="Calibri"/>
+            </a:endParaRPr>
+          </a:p>
+          <a:p>
+            <a:pPr marL="0" indent="0" defTabSz="914400" rtl="0" eaLnBrk="1" latinLnBrk="1" hangingPunct="1">
+              <a:lnSpc>
+                <a:spcPct val="100000"/>
+              </a:lnSpc>
+              <a:spcBef>
+                <a:spcPct val="0"/>
+              </a:spcBef>
+              <a:spcAft>
+                <a:spcPts val="0"/>
+              </a:spcAft>
+              <a:buNone/>
+              <a:defRPr/>
+            </a:pPr>
+            <a:r>
+              <a:rPr xmlns:mc="http://schemas.openxmlformats.org/markup-compatibility/2006" xmlns:hp="http://schemas.haansoft.com/office/presentation/8.0" kumimoji="0" lang="en-US" altLang="ko-KR" sz="2900" b="1" i="0" u="none" strike="noStrike" kern="1200" cap="none" spc="0" normalizeH="0" baseline="0" mc:Ignorable="hp" hp:hslEmbossed="0">
+                <a:solidFill>
+                  <a:srgbClr val="000000"/>
+                </a:solidFill>
+                <a:latin typeface="Calibri"/>
+                <a:ea typeface="맑은 고딕"/>
+                <a:cs typeface="Calibri"/>
+              </a:rPr>
+              <a:t>6.</a:t>
+            </a:r>
+            <a:r>
+              <a:rPr xmlns:mc="http://schemas.openxmlformats.org/markup-compatibility/2006" xmlns:hp="http://schemas.haansoft.com/office/presentation/8.0" kumimoji="0" lang="ko-KR" altLang="en-US" sz="2900" b="1" i="0" u="none" strike="noStrike" kern="1200" cap="none" spc="0" normalizeH="0" baseline="0" mc:Ignorable="hp" hp:hslEmbossed="0">
+                <a:solidFill>
+                  <a:srgbClr val="000000"/>
+                </a:solidFill>
+                <a:latin typeface="Calibri"/>
+                <a:ea typeface="맑은 고딕"/>
+                <a:cs typeface="Calibri"/>
+              </a:rPr>
               <a:t> 의견 및 평가</a:t>
             </a:r>
-            <a:endParaRPr xmlns:mc="http://schemas.openxmlformats.org/markup-compatibility/2006" xmlns:hp="http://schemas.haansoft.com/office/presentation/8.0" kumimoji="0" lang="ko-KR" altLang="en-US" sz="2600" b="0" i="0" u="none" strike="noStrike" kern="1200" cap="none" spc="0" normalizeH="0" baseline="0" mc:Ignorable="hp" hp:hslEmbossed="0">
+            <a:endParaRPr xmlns:mc="http://schemas.openxmlformats.org/markup-compatibility/2006" xmlns:hp="http://schemas.haansoft.com/office/presentation/8.0" kumimoji="0" lang="ko-KR" altLang="en-US" sz="2900" b="1" i="0" u="none" strike="noStrike" kern="1200" cap="none" spc="0" normalizeH="0" baseline="0" mc:Ignorable="hp" hp:hslEmbossed="0">
               <a:solidFill>
                 <a:srgbClr val="000000"/>
               </a:solidFill>
@@ -5359,7 +5396,7 @@
               <a:pPr lvl="0">
                 <a:defRPr/>
               </a:pPr>
-              <a:t>1</a:t>
+              <a:t>2</a:t>
             </a:fld>
             <a:endParaRPr lang="en-US" altLang="en-US"/>
           </a:p>
@@ -5432,7 +5469,7 @@
               <a:defRPr/>
             </a:pPr>
             <a:r>
-              <a:rPr xmlns:mc="http://schemas.openxmlformats.org/markup-compatibility/2006" xmlns:hp="http://schemas.haansoft.com/office/presentation/8.0" kumimoji="0" lang="ko-KR" altLang="en-US" sz="2800" b="1" i="0" u="none" strike="noStrike" kern="1200" cap="none" spc="0" normalizeH="0" baseline="0" mc:Ignorable="hp" hp:hslEmbossed="0">
+              <a:rPr xmlns:mc="http://schemas.openxmlformats.org/markup-compatibility/2006" xmlns:hp="http://schemas.haansoft.com/office/presentation/8.0" kumimoji="0" lang="en-US" altLang="ko-KR" sz="2800" b="1" i="0" u="none" strike="noStrike" kern="1200" cap="none" spc="0" normalizeH="0" baseline="0" mc:Ignorable="hp" hp:hslEmbossed="0">
                 <a:solidFill>
                   <a:srgbClr val="000000"/>
                 </a:solidFill>
@@ -5440,7 +5477,18 @@
                 <a:ea typeface="맑은 고딕"/>
                 <a:cs typeface="맑은 고딕"/>
               </a:rPr>
-              <a:t>팀 구성 및 역할</a:t>
+              <a:t>1.</a:t>
+            </a:r>
+            <a:r>
+              <a:rPr xmlns:mc="http://schemas.openxmlformats.org/markup-compatibility/2006" xmlns:hp="http://schemas.haansoft.com/office/presentation/8.0" kumimoji="0" lang="ko-KR" altLang="en-US" sz="2800" b="1" i="0" u="none" strike="noStrike" kern="1200" cap="none" spc="0" normalizeH="0" baseline="0" mc:Ignorable="hp" hp:hslEmbossed="0">
+                <a:solidFill>
+                  <a:srgbClr val="000000"/>
+                </a:solidFill>
+                <a:latin typeface="Calibri"/>
+                <a:ea typeface="맑은 고딕"/>
+                <a:cs typeface="맑은 고딕"/>
+              </a:rPr>
+              <a:t> 팀 구성 및 역할</a:t>
             </a:r>
             <a:endParaRPr xmlns:mc="http://schemas.openxmlformats.org/markup-compatibility/2006" xmlns:hp="http://schemas.haansoft.com/office/presentation/8.0" kumimoji="0" lang="ko-KR" altLang="en-US" sz="2800" b="1" i="0" u="none" strike="noStrike" kern="1200" cap="none" spc="0" normalizeH="0" baseline="0" mc:Ignorable="hp" hp:hslEmbossed="0">
               <a:solidFill>
@@ -5476,7 +5524,7 @@
               <a:pPr lvl="0">
                 <a:defRPr/>
               </a:pPr>
-              <a:t>2</a:t>
+              <a:t>3</a:t>
             </a:fld>
             <a:endParaRPr lang="en-US" altLang="en-US"/>
           </a:p>
@@ -6139,7 +6187,7 @@
               <a:defRPr/>
             </a:pPr>
             <a:r>
-              <a:rPr xmlns:mc="http://schemas.openxmlformats.org/markup-compatibility/2006" xmlns:hp="http://schemas.haansoft.com/office/presentation/8.0" kumimoji="0" lang="ko-KR" altLang="en-US" sz="2800" b="1" i="0" u="none" strike="noStrike" kern="1200" cap="none" spc="0" normalizeH="0" baseline="0" mc:Ignorable="hp" hp:hslEmbossed="0">
+              <a:rPr xmlns:mc="http://schemas.openxmlformats.org/markup-compatibility/2006" xmlns:hp="http://schemas.haansoft.com/office/presentation/8.0" kumimoji="0" lang="en-US" altLang="ko-KR" sz="2800" b="1" i="0" u="none" strike="noStrike" kern="1200" cap="none" spc="0" normalizeH="0" baseline="0" mc:Ignorable="hp" hp:hslEmbossed="0">
                 <a:solidFill>
                   <a:srgbClr val="000000"/>
                 </a:solidFill>
@@ -6147,7 +6195,18 @@
                 <a:ea typeface="맑은 고딕"/>
                 <a:cs typeface="맑은 고딕"/>
               </a:rPr>
-              <a:t>개	요</a:t>
+              <a:t>2.</a:t>
+            </a:r>
+            <a:r>
+              <a:rPr xmlns:mc="http://schemas.openxmlformats.org/markup-compatibility/2006" xmlns:hp="http://schemas.haansoft.com/office/presentation/8.0" kumimoji="0" lang="ko-KR" altLang="en-US" sz="2800" b="1" i="0" u="none" strike="noStrike" kern="1200" cap="none" spc="0" normalizeH="0" baseline="0" mc:Ignorable="hp" hp:hslEmbossed="0">
+                <a:solidFill>
+                  <a:srgbClr val="000000"/>
+                </a:solidFill>
+                <a:latin typeface="Calibri"/>
+                <a:ea typeface="맑은 고딕"/>
+                <a:cs typeface="맑은 고딕"/>
+              </a:rPr>
+              <a:t> 개	요</a:t>
             </a:r>
             <a:endParaRPr xmlns:mc="http://schemas.openxmlformats.org/markup-compatibility/2006" xmlns:hp="http://schemas.haansoft.com/office/presentation/8.0" kumimoji="0" lang="ko-KR" altLang="en-US" sz="2800" b="1" i="0" u="none" strike="noStrike" kern="1200" cap="none" spc="0" normalizeH="0" baseline="0" mc:Ignorable="hp" hp:hslEmbossed="0">
               <a:solidFill>
@@ -6183,7 +6242,7 @@
               <a:pPr lvl="0">
                 <a:defRPr/>
               </a:pPr>
-              <a:t>3</a:t>
+              <a:t>4</a:t>
             </a:fld>
             <a:endParaRPr lang="en-US" altLang="en-US"/>
           </a:p>
@@ -6360,7 +6419,7 @@
               <a:defRPr/>
             </a:pPr>
             <a:r>
-              <a:rPr xmlns:mc="http://schemas.openxmlformats.org/markup-compatibility/2006" xmlns:hp="http://schemas.haansoft.com/office/presentation/8.0" kumimoji="0" lang="ko-KR" altLang="en-US" sz="2800" b="1" i="0" u="none" strike="noStrike" kern="1200" cap="none" spc="0" normalizeH="0" baseline="0" mc:Ignorable="hp" hp:hslEmbossed="0">
+              <a:rPr xmlns:mc="http://schemas.openxmlformats.org/markup-compatibility/2006" xmlns:hp="http://schemas.haansoft.com/office/presentation/8.0" kumimoji="0" lang="en-US" altLang="ko-KR" sz="2800" b="1" i="0" u="none" strike="noStrike" kern="1200" cap="none" spc="0" normalizeH="0" baseline="0" mc:Ignorable="hp" hp:hslEmbossed="0">
                 <a:solidFill>
                   <a:srgbClr val="000000"/>
                 </a:solidFill>
@@ -6368,7 +6427,18 @@
                 <a:ea typeface="맑은 고딕"/>
                 <a:cs typeface="맑은 고딕"/>
               </a:rPr>
-              <a:t>개발 일정</a:t>
+              <a:t>3.</a:t>
+            </a:r>
+            <a:r>
+              <a:rPr xmlns:mc="http://schemas.openxmlformats.org/markup-compatibility/2006" xmlns:hp="http://schemas.haansoft.com/office/presentation/8.0" kumimoji="0" lang="ko-KR" altLang="en-US" sz="2800" b="1" i="0" u="none" strike="noStrike" kern="1200" cap="none" spc="0" normalizeH="0" baseline="0" mc:Ignorable="hp" hp:hslEmbossed="0">
+                <a:solidFill>
+                  <a:srgbClr val="000000"/>
+                </a:solidFill>
+                <a:latin typeface="Calibri"/>
+                <a:ea typeface="맑은 고딕"/>
+                <a:cs typeface="맑은 고딕"/>
+              </a:rPr>
+              <a:t> 개발 일정</a:t>
             </a:r>
             <a:endParaRPr xmlns:mc="http://schemas.openxmlformats.org/markup-compatibility/2006" xmlns:hp="http://schemas.haansoft.com/office/presentation/8.0" kumimoji="0" lang="ko-KR" altLang="en-US" sz="2800" b="1" i="0" u="none" strike="noStrike" kern="1200" cap="none" spc="0" normalizeH="0" baseline="0" mc:Ignorable="hp" hp:hslEmbossed="0">
               <a:solidFill>
@@ -6404,7 +6474,7 @@
               <a:pPr lvl="0">
                 <a:defRPr/>
               </a:pPr>
-              <a:t>4</a:t>
+              <a:t>5</a:t>
             </a:fld>
             <a:endParaRPr lang="en-US" altLang="en-US"/>
           </a:p>
@@ -7058,6 +7128,28 @@
                 <a:ea typeface="맑은 고딕"/>
                 <a:cs typeface="맑은 고딕"/>
               </a:rPr>
+              <a:t>4.</a:t>
+            </a:r>
+            <a:r>
+              <a:rPr xmlns:mc="http://schemas.openxmlformats.org/markup-compatibility/2006" xmlns:hp="http://schemas.haansoft.com/office/presentation/8.0" kumimoji="0" lang="ko-KR" altLang="en-US" sz="2800" b="1" i="0" u="none" strike="noStrike" kern="1200" cap="none" spc="0" normalizeH="0" baseline="0" mc:Ignorable="hp" hp:hslEmbossed="0">
+                <a:solidFill>
+                  <a:srgbClr val="000000"/>
+                </a:solidFill>
+                <a:latin typeface="Calibri"/>
+                <a:ea typeface="맑은 고딕"/>
+                <a:cs typeface="맑은 고딕"/>
+              </a:rPr>
+              <a:t> </a:t>
+            </a:r>
+            <a:r>
+              <a:rPr xmlns:mc="http://schemas.openxmlformats.org/markup-compatibility/2006" xmlns:hp="http://schemas.haansoft.com/office/presentation/8.0" kumimoji="0" lang="en-US" altLang="ko-KR" sz="2800" b="1" i="0" u="none" strike="noStrike" kern="1200" cap="none" spc="0" normalizeH="0" baseline="0" mc:Ignorable="hp" hp:hslEmbossed="0">
+                <a:solidFill>
+                  <a:srgbClr val="000000"/>
+                </a:solidFill>
+                <a:latin typeface="Calibri"/>
+                <a:ea typeface="맑은 고딕"/>
+                <a:cs typeface="맑은 고딕"/>
+              </a:rPr>
               <a:t>UI </a:t>
             </a:r>
             <a:r>
@@ -7116,7 +7208,7 @@
               <a:pPr lvl="0">
                 <a:defRPr/>
               </a:pPr>
-              <a:t>5</a:t>
+              <a:t>6</a:t>
             </a:fld>
             <a:endParaRPr lang="en-US" altLang="en-US"/>
           </a:p>
@@ -7269,6 +7361,28 @@
                 <a:ea typeface="맑은 고딕"/>
                 <a:cs typeface="맑은 고딕"/>
               </a:rPr>
+              <a:t>4.</a:t>
+            </a:r>
+            <a:r>
+              <a:rPr xmlns:mc="http://schemas.openxmlformats.org/markup-compatibility/2006" xmlns:hp="http://schemas.haansoft.com/office/presentation/8.0" kumimoji="0" lang="ko-KR" altLang="en-US" sz="2800" b="1" i="0" u="none" strike="noStrike" kern="1200" cap="none" spc="0" normalizeH="0" baseline="0" mc:Ignorable="hp" hp:hslEmbossed="0">
+                <a:solidFill>
+                  <a:srgbClr val="000000"/>
+                </a:solidFill>
+                <a:latin typeface="Calibri"/>
+                <a:ea typeface="맑은 고딕"/>
+                <a:cs typeface="맑은 고딕"/>
+              </a:rPr>
+              <a:t> </a:t>
+            </a:r>
+            <a:r>
+              <a:rPr xmlns:mc="http://schemas.openxmlformats.org/markup-compatibility/2006" xmlns:hp="http://schemas.haansoft.com/office/presentation/8.0" kumimoji="0" lang="en-US" altLang="ko-KR" sz="2800" b="1" i="0" u="none" strike="noStrike" kern="1200" cap="none" spc="0" normalizeH="0" baseline="0" mc:Ignorable="hp" hp:hslEmbossed="0">
+                <a:solidFill>
+                  <a:srgbClr val="000000"/>
+                </a:solidFill>
+                <a:latin typeface="Calibri"/>
+                <a:ea typeface="맑은 고딕"/>
+                <a:cs typeface="맑은 고딕"/>
+              </a:rPr>
               <a:t>UI </a:t>
             </a:r>
             <a:r>
@@ -7327,7 +7441,7 @@
               <a:pPr lvl="0">
                 <a:defRPr/>
               </a:pPr>
-              <a:t>6</a:t>
+              <a:t>7</a:t>
             </a:fld>
             <a:endParaRPr lang="en-US" altLang="en-US"/>
           </a:p>
@@ -7480,6 +7594,28 @@
                 <a:ea typeface="맑은 고딕"/>
                 <a:cs typeface="맑은 고딕"/>
               </a:rPr>
+              <a:t>4.</a:t>
+            </a:r>
+            <a:r>
+              <a:rPr xmlns:mc="http://schemas.openxmlformats.org/markup-compatibility/2006" xmlns:hp="http://schemas.haansoft.com/office/presentation/8.0" kumimoji="0" lang="ko-KR" altLang="en-US" sz="2800" b="1" i="0" u="none" strike="noStrike" kern="1200" cap="none" spc="0" normalizeH="0" baseline="0" mc:Ignorable="hp" hp:hslEmbossed="0">
+                <a:solidFill>
+                  <a:srgbClr val="000000"/>
+                </a:solidFill>
+                <a:latin typeface="Calibri"/>
+                <a:ea typeface="맑은 고딕"/>
+                <a:cs typeface="맑은 고딕"/>
+              </a:rPr>
+              <a:t> </a:t>
+            </a:r>
+            <a:r>
+              <a:rPr xmlns:mc="http://schemas.openxmlformats.org/markup-compatibility/2006" xmlns:hp="http://schemas.haansoft.com/office/presentation/8.0" kumimoji="0" lang="en-US" altLang="ko-KR" sz="2800" b="1" i="0" u="none" strike="noStrike" kern="1200" cap="none" spc="0" normalizeH="0" baseline="0" mc:Ignorable="hp" hp:hslEmbossed="0">
+                <a:solidFill>
+                  <a:srgbClr val="000000"/>
+                </a:solidFill>
+                <a:latin typeface="Calibri"/>
+                <a:ea typeface="맑은 고딕"/>
+                <a:cs typeface="맑은 고딕"/>
+              </a:rPr>
               <a:t>UI </a:t>
             </a:r>
             <a:r>
@@ -7538,7 +7674,7 @@
               <a:pPr lvl="0">
                 <a:defRPr/>
               </a:pPr>
-              <a:t>7</a:t>
+              <a:t>8</a:t>
             </a:fld>
             <a:endParaRPr lang="en-US" altLang="en-US"/>
           </a:p>
@@ -7691,6 +7827,28 @@
                 <a:ea typeface="맑은 고딕"/>
                 <a:cs typeface="맑은 고딕"/>
               </a:rPr>
+              <a:t>4.</a:t>
+            </a:r>
+            <a:r>
+              <a:rPr xmlns:mc="http://schemas.openxmlformats.org/markup-compatibility/2006" xmlns:hp="http://schemas.haansoft.com/office/presentation/8.0" kumimoji="0" lang="ko-KR" altLang="en-US" sz="2800" b="1" i="0" u="none" strike="noStrike" kern="1200" cap="none" spc="0" normalizeH="0" baseline="0" mc:Ignorable="hp" hp:hslEmbossed="0">
+                <a:solidFill>
+                  <a:srgbClr val="000000"/>
+                </a:solidFill>
+                <a:latin typeface="Calibri"/>
+                <a:ea typeface="맑은 고딕"/>
+                <a:cs typeface="맑은 고딕"/>
+              </a:rPr>
+              <a:t> </a:t>
+            </a:r>
+            <a:r>
+              <a:rPr xmlns:mc="http://schemas.openxmlformats.org/markup-compatibility/2006" xmlns:hp="http://schemas.haansoft.com/office/presentation/8.0" kumimoji="0" lang="en-US" altLang="ko-KR" sz="2800" b="1" i="0" u="none" strike="noStrike" kern="1200" cap="none" spc="0" normalizeH="0" baseline="0" mc:Ignorable="hp" hp:hslEmbossed="0">
+                <a:solidFill>
+                  <a:srgbClr val="000000"/>
+                </a:solidFill>
+                <a:latin typeface="Calibri"/>
+                <a:ea typeface="맑은 고딕"/>
+                <a:cs typeface="맑은 고딕"/>
+              </a:rPr>
               <a:t>UI </a:t>
             </a:r>
             <a:r>
@@ -7749,7 +7907,7 @@
               <a:pPr lvl="0">
                 <a:defRPr/>
               </a:pPr>
-              <a:t>8</a:t>
+              <a:t>9</a:t>
             </a:fld>
             <a:endParaRPr lang="en-US" altLang="en-US"/>
           </a:p>

--- a/A조 발표.pptx
+++ b/A조 발표.pptx
@@ -2,7 +2,7 @@
 <file path=ppt/presentation.xml><?xml version="1.0" encoding="utf-8"?>
 <p:presentation xmlns:r="http://schemas.openxmlformats.org/officeDocument/2006/relationships" xmlns:c="http://schemas.openxmlformats.org/drawingml/2006/chart" xmlns:a="http://schemas.openxmlformats.org/drawingml/2006/main" xmlns:dgm="http://schemas.openxmlformats.org/drawingml/2006/diagram" xmlns:dsp="http://schemas.microsoft.com/office/drawing/2008/diagram" xmlns:p="http://schemas.openxmlformats.org/presentationml/2006/main">
   <p:sldMasterIdLst>
-    <p:sldMasterId id="2147483781" r:id="rId1"/>
+    <p:sldMasterId id="2147483824" r:id="rId1"/>
   </p:sldMasterIdLst>
   <p:notesMasterIdLst>
     <p:notesMasterId r:id="rId2"/>
@@ -218,7 +218,7 @@
               <a:pPr lvl="0">
                 <a:defRPr/>
               </a:pPr>
-              <a:t>2022-10-18</a:t>
+              <a:t>2022-10-19</a:t>
             </a:fld>
             <a:endParaRPr lang="ko-KR" altLang="en-US"/>
           </a:p>
@@ -404,7 +404,7 @@
               <a:pPr lvl="0">
                 <a:defRPr/>
               </a:pPr>
-              <a:t>2022-10-18</a:t>
+              <a:t>2022-10-19</a:t>
             </a:fld>
             <a:endParaRPr lang="ko-KR" altLang="en-US"/>
           </a:p>
@@ -3018,11 +3018,9 @@
 <p:sldMaster xmlns:r="http://schemas.openxmlformats.org/officeDocument/2006/relationships" xmlns:c="http://schemas.openxmlformats.org/drawingml/2006/chart" xmlns:a="http://schemas.openxmlformats.org/drawingml/2006/main" xmlns:dgm="http://schemas.openxmlformats.org/drawingml/2006/diagram" xmlns:dsp="http://schemas.microsoft.com/office/drawing/2008/diagram" xmlns:p="http://schemas.openxmlformats.org/presentationml/2006/main">
   <p:cSld name="사용자 테마1">
     <p:bg>
-      <p:bgPr shadeToTitle="0">
-        <a:solidFill>
-          <a:schemeClr val="bg1"/>
-        </a:solidFill>
-      </p:bgPr>
+      <p:bgRef idx="1001">
+        <a:schemeClr val="bg1"/>
+      </p:bgRef>
     </p:bg>
     <p:spTree>
       <p:nvGrpSpPr>
@@ -3157,7 +3155,7 @@
           </a:ln>
         </p:spPr>
         <p:txBody>
-          <a:bodyPr tIns="10800" bIns="10800">
+          <a:bodyPr tIns="10799" bIns="10799">
             <a:spAutoFit/>
           </a:bodyPr>
           <a:lstStyle/>
@@ -3295,7 +3293,7 @@
           </a:ln>
         </p:spPr>
         <p:txBody>
-          <a:bodyPr wrap="square" tIns="10800" bIns="10800">
+          <a:bodyPr wrap="square" tIns="10799" bIns="10799">
             <a:spAutoFit/>
           </a:bodyPr>
           <a:lstStyle/>
@@ -3339,12 +3337,12 @@
   </p:cSld>
   <p:clrMap bg1="lt1" tx1="dk1" bg2="lt2" tx2="dk2" accent1="accent1" accent2="accent2" accent3="accent3" accent4="accent4" accent5="accent5" accent6="accent6" hlink="hlink" folHlink="folHlink"/>
   <p:sldLayoutIdLst>
-    <p:sldLayoutId id="2147483774" r:id="rId1"/>
-    <p:sldLayoutId id="2147483775" r:id="rId2"/>
-    <p:sldLayoutId id="2147483776" r:id="rId3"/>
-    <p:sldLayoutId id="2147483777" r:id="rId4"/>
-    <p:sldLayoutId id="2147483778" r:id="rId5"/>
-    <p:sldLayoutId id="2147483779" r:id="rId6"/>
+    <p:sldLayoutId id="2147483817" r:id="rId1"/>
+    <p:sldLayoutId id="2147483818" r:id="rId2"/>
+    <p:sldLayoutId id="2147483819" r:id="rId3"/>
+    <p:sldLayoutId id="2147483820" r:id="rId4"/>
+    <p:sldLayoutId id="2147483821" r:id="rId5"/>
+    <p:sldLayoutId id="2147483822" r:id="rId6"/>
   </p:sldLayoutIdLst>
   <p:transition xmlns:mc="http://schemas.openxmlformats.org/markup-compatibility/2006" xmlns:hp="http://schemas.haansoft.com/office/presentation/8.0" mc:Ignorable="hp" hp:hslDur="500"/>
   <p:hf hdr="0" ftr="0" dt="0"/>
@@ -3792,13 +3790,6 @@
 <file path=ppt/slides/slide1.xml><?xml version="1.0" encoding="utf-8"?>
 <p:sld xmlns:r="http://schemas.openxmlformats.org/officeDocument/2006/relationships" xmlns:c="http://schemas.openxmlformats.org/drawingml/2006/chart" xmlns:a="http://schemas.openxmlformats.org/drawingml/2006/main" xmlns:dgm="http://schemas.openxmlformats.org/drawingml/2006/diagram" xmlns:dsp="http://schemas.microsoft.com/office/drawing/2008/diagram" xmlns:p="http://schemas.openxmlformats.org/presentationml/2006/main">
   <p:cSld name="Slide 1">
-    <p:bg>
-      <p:bgPr shadeToTitle="0">
-        <a:solidFill>
-          <a:srgbClr val="ffffff"/>
-        </a:solidFill>
-      </p:bgPr>
-    </p:bg>
     <p:spTree>
       <p:nvGrpSpPr>
         <p:cNvPr id="1" name=""/>
@@ -4108,105 +4099,6 @@
       </p:pic>
       <p:sp>
         <p:nvSpPr>
-          <p:cNvPr id="10" name=""/>
-          <p:cNvSpPr txBox="1"/>
-          <p:nvPr/>
-        </p:nvSpPr>
-        <p:spPr>
-          <a:xfrm>
-            <a:off x="0" y="28575"/>
-            <a:ext cx="2927701" cy="512445"/>
-          </a:xfrm>
-          <a:prstGeom prst="rect">
-            <a:avLst/>
-          </a:prstGeom>
-        </p:spPr>
-        <p:txBody>
-          <a:bodyPr wrap="square">
-            <a:spAutoFit/>
-          </a:bodyPr>
-          <a:p>
-            <a:pPr marL="0" indent="0" algn="ctr" defTabSz="914400" rtl="0" eaLnBrk="1" latinLnBrk="1" hangingPunct="1">
-              <a:lnSpc>
-                <a:spcPct val="100000"/>
-              </a:lnSpc>
-              <a:spcBef>
-                <a:spcPct val="0"/>
-              </a:spcBef>
-              <a:spcAft>
-                <a:spcPts val="0"/>
-              </a:spcAft>
-              <a:buNone/>
-              <a:defRPr/>
-            </a:pPr>
-            <a:r>
-              <a:rPr xmlns:mc="http://schemas.openxmlformats.org/markup-compatibility/2006" xmlns:hp="http://schemas.haansoft.com/office/presentation/8.0" kumimoji="0" lang="en-US" altLang="ko-KR" sz="2800" b="1" i="0" u="none" strike="noStrike" kern="1200" cap="none" spc="0" normalizeH="0" baseline="0" mc:Ignorable="hp" hp:hslEmbossed="0">
-                <a:solidFill>
-                  <a:srgbClr val="000000"/>
-                </a:solidFill>
-                <a:latin typeface="Calibri"/>
-                <a:ea typeface="맑은 고딕"/>
-                <a:cs typeface="맑은 고딕"/>
-              </a:rPr>
-              <a:t>4.</a:t>
-            </a:r>
-            <a:r>
-              <a:rPr xmlns:mc="http://schemas.openxmlformats.org/markup-compatibility/2006" xmlns:hp="http://schemas.haansoft.com/office/presentation/8.0" kumimoji="0" lang="ko-KR" altLang="en-US" sz="2800" b="1" i="0" u="none" strike="noStrike" kern="1200" cap="none" spc="0" normalizeH="0" baseline="0" mc:Ignorable="hp" hp:hslEmbossed="0">
-                <a:solidFill>
-                  <a:srgbClr val="000000"/>
-                </a:solidFill>
-                <a:latin typeface="Calibri"/>
-                <a:ea typeface="맑은 고딕"/>
-                <a:cs typeface="맑은 고딕"/>
-              </a:rPr>
-              <a:t> </a:t>
-            </a:r>
-            <a:r>
-              <a:rPr xmlns:mc="http://schemas.openxmlformats.org/markup-compatibility/2006" xmlns:hp="http://schemas.haansoft.com/office/presentation/8.0" kumimoji="0" lang="en-US" altLang="ko-KR" sz="2800" b="1" i="0" u="none" strike="noStrike" kern="1200" cap="none" spc="0" normalizeH="0" baseline="0" mc:Ignorable="hp" hp:hslEmbossed="0">
-                <a:solidFill>
-                  <a:srgbClr val="000000"/>
-                </a:solidFill>
-                <a:latin typeface="Calibri"/>
-                <a:ea typeface="맑은 고딕"/>
-                <a:cs typeface="맑은 고딕"/>
-              </a:rPr>
-              <a:t>UI </a:t>
-            </a:r>
-            <a:r>
-              <a:rPr xmlns:mc="http://schemas.openxmlformats.org/markup-compatibility/2006" xmlns:hp="http://schemas.haansoft.com/office/presentation/8.0" kumimoji="0" lang="ko-KR" altLang="en-US" sz="2800" b="1" i="0" u="none" strike="noStrike" kern="1200" cap="none" spc="0" normalizeH="0" baseline="0" mc:Ignorable="hp" hp:hslEmbossed="0">
-                <a:solidFill>
-                  <a:srgbClr val="000000"/>
-                </a:solidFill>
-                <a:latin typeface="Calibri"/>
-                <a:ea typeface="맑은 고딕"/>
-                <a:cs typeface="맑은 고딕"/>
-              </a:rPr>
-              <a:t>구성</a:t>
-            </a:r>
-            <a:r>
-              <a:rPr xmlns:mc="http://schemas.openxmlformats.org/markup-compatibility/2006" xmlns:hp="http://schemas.haansoft.com/office/presentation/8.0" kumimoji="0" lang="en-US" altLang="ko-KR" sz="2800" b="1" i="0" u="none" strike="noStrike" kern="1200" cap="none" spc="0" normalizeH="0" baseline="0" mc:Ignorable="hp" hp:hslEmbossed="0">
-                <a:solidFill>
-                  <a:srgbClr val="000000"/>
-                </a:solidFill>
-                <a:latin typeface="Calibri"/>
-                <a:ea typeface="맑은 고딕"/>
-                <a:cs typeface="맑은 고딕"/>
-              </a:rPr>
-              <a:t> (Main)</a:t>
-            </a:r>
-            <a:endParaRPr xmlns:mc="http://schemas.openxmlformats.org/markup-compatibility/2006" xmlns:hp="http://schemas.haansoft.com/office/presentation/8.0" kumimoji="0" lang="en-US" altLang="ko-KR" sz="2800" b="1" i="0" u="none" strike="noStrike" kern="1200" cap="none" spc="0" normalizeH="0" baseline="0" mc:Ignorable="hp" hp:hslEmbossed="0">
-              <a:solidFill>
-                <a:srgbClr val="000000"/>
-              </a:solidFill>
-              <a:latin typeface="Calibri"/>
-              <a:ea typeface="맑은 고딕"/>
-              <a:cs typeface="맑은 고딕"/>
-            </a:endParaRPr>
-          </a:p>
-        </p:txBody>
-      </p:sp>
-      <p:sp>
-        <p:nvSpPr>
           <p:cNvPr id="11" name="슬라이드 번호 개체 틀 5"/>
           <p:cNvSpPr>
             <a:spLocks noGrp="1"/>
@@ -4231,6 +4123,105 @@
               <a:t>10</a:t>
             </a:fld>
             <a:endParaRPr lang="en-US" altLang="en-US"/>
+          </a:p>
+        </p:txBody>
+      </p:sp>
+      <p:sp>
+        <p:nvSpPr>
+          <p:cNvPr id="13" name=""/>
+          <p:cNvSpPr txBox="1"/>
+          <p:nvPr/>
+        </p:nvSpPr>
+        <p:spPr>
+          <a:xfrm>
+            <a:off x="0" y="-38100"/>
+            <a:ext cx="3479148" cy="598170"/>
+          </a:xfrm>
+          <a:prstGeom prst="rect">
+            <a:avLst/>
+          </a:prstGeom>
+        </p:spPr>
+        <p:txBody>
+          <a:bodyPr wrap="square">
+            <a:spAutoFit/>
+          </a:bodyPr>
+          <a:p>
+            <a:pPr marL="0" indent="0" algn="ctr" defTabSz="914400" rtl="0" eaLnBrk="1" latinLnBrk="1" hangingPunct="1">
+              <a:lnSpc>
+                <a:spcPct val="100000"/>
+              </a:lnSpc>
+              <a:spcBef>
+                <a:spcPct val="0"/>
+              </a:spcBef>
+              <a:spcAft>
+                <a:spcPts val="0"/>
+              </a:spcAft>
+              <a:buNone/>
+              <a:defRPr/>
+            </a:pPr>
+            <a:r>
+              <a:rPr xmlns:mc="http://schemas.openxmlformats.org/markup-compatibility/2006" xmlns:hp="http://schemas.haansoft.com/office/presentation/8.0" kumimoji="0" lang="en-US" altLang="ko-KR" sz="3400" b="1" i="0" u="none" strike="noStrike" kern="1200" cap="none" spc="0" normalizeH="0" baseline="0" mc:Ignorable="hp" hp:hslEmbossed="0">
+                <a:solidFill>
+                  <a:srgbClr val="000000"/>
+                </a:solidFill>
+                <a:latin typeface="Calibri"/>
+                <a:ea typeface="맑은 고딕"/>
+                <a:cs typeface="맑은 고딕"/>
+              </a:rPr>
+              <a:t>4.</a:t>
+            </a:r>
+            <a:r>
+              <a:rPr xmlns:mc="http://schemas.openxmlformats.org/markup-compatibility/2006" xmlns:hp="http://schemas.haansoft.com/office/presentation/8.0" kumimoji="0" lang="ko-KR" altLang="en-US" sz="3400" b="1" i="0" u="none" strike="noStrike" kern="1200" cap="none" spc="0" normalizeH="0" baseline="0" mc:Ignorable="hp" hp:hslEmbossed="0">
+                <a:solidFill>
+                  <a:srgbClr val="000000"/>
+                </a:solidFill>
+                <a:latin typeface="Calibri"/>
+                <a:ea typeface="맑은 고딕"/>
+                <a:cs typeface="맑은 고딕"/>
+              </a:rPr>
+              <a:t> </a:t>
+            </a:r>
+            <a:r>
+              <a:rPr xmlns:mc="http://schemas.openxmlformats.org/markup-compatibility/2006" xmlns:hp="http://schemas.haansoft.com/office/presentation/8.0" kumimoji="0" lang="en-US" altLang="ko-KR" sz="3400" b="1" i="0" u="none" strike="noStrike" kern="1200" cap="none" spc="0" normalizeH="0" baseline="0" mc:Ignorable="hp" hp:hslEmbossed="0">
+                <a:solidFill>
+                  <a:srgbClr val="000000"/>
+                </a:solidFill>
+                <a:latin typeface="Calibri"/>
+                <a:ea typeface="맑은 고딕"/>
+                <a:cs typeface="맑은 고딕"/>
+              </a:rPr>
+              <a:t>UI </a:t>
+            </a:r>
+            <a:r>
+              <a:rPr xmlns:mc="http://schemas.openxmlformats.org/markup-compatibility/2006" xmlns:hp="http://schemas.haansoft.com/office/presentation/8.0" kumimoji="0" lang="ko-KR" altLang="en-US" sz="3400" b="1" i="0" u="none" strike="noStrike" kern="1200" cap="none" spc="0" normalizeH="0" baseline="0" mc:Ignorable="hp" hp:hslEmbossed="0">
+                <a:solidFill>
+                  <a:srgbClr val="000000"/>
+                </a:solidFill>
+                <a:latin typeface="Calibri"/>
+                <a:ea typeface="맑은 고딕"/>
+                <a:cs typeface="맑은 고딕"/>
+              </a:rPr>
+              <a:t>구성</a:t>
+            </a:r>
+            <a:r>
+              <a:rPr xmlns:mc="http://schemas.openxmlformats.org/markup-compatibility/2006" xmlns:hp="http://schemas.haansoft.com/office/presentation/8.0" kumimoji="0" lang="en-US" altLang="ko-KR" sz="3400" b="1" i="0" u="none" strike="noStrike" kern="1200" cap="none" spc="0" normalizeH="0" baseline="0" mc:Ignorable="hp" hp:hslEmbossed="0">
+                <a:solidFill>
+                  <a:srgbClr val="000000"/>
+                </a:solidFill>
+                <a:latin typeface="Calibri"/>
+                <a:ea typeface="맑은 고딕"/>
+                <a:cs typeface="맑은 고딕"/>
+              </a:rPr>
+              <a:t> (Main)</a:t>
+            </a:r>
+            <a:endParaRPr xmlns:mc="http://schemas.openxmlformats.org/markup-compatibility/2006" xmlns:hp="http://schemas.haansoft.com/office/presentation/8.0" kumimoji="0" lang="en-US" altLang="ko-KR" sz="3400" b="1" i="0" u="none" strike="noStrike" kern="1200" cap="none" spc="0" normalizeH="0" baseline="0" mc:Ignorable="hp" hp:hslEmbossed="0">
+              <a:solidFill>
+                <a:srgbClr val="000000"/>
+              </a:solidFill>
+              <a:latin typeface="Calibri"/>
+              <a:ea typeface="맑은 고딕"/>
+              <a:cs typeface="맑은 고딕"/>
+            </a:endParaRPr>
           </a:p>
         </p:txBody>
       </p:sp>
@@ -4731,105 +4722,6 @@
       </p:grpSp>
       <p:sp>
         <p:nvSpPr>
-          <p:cNvPr id="17" name=""/>
-          <p:cNvSpPr txBox="1"/>
-          <p:nvPr/>
-        </p:nvSpPr>
-        <p:spPr>
-          <a:xfrm>
-            <a:off x="0" y="28575"/>
-            <a:ext cx="2927701" cy="512445"/>
-          </a:xfrm>
-          <a:prstGeom prst="rect">
-            <a:avLst/>
-          </a:prstGeom>
-        </p:spPr>
-        <p:txBody>
-          <a:bodyPr wrap="square">
-            <a:spAutoFit/>
-          </a:bodyPr>
-          <a:p>
-            <a:pPr marL="0" indent="0" algn="ctr" defTabSz="914400" rtl="0" eaLnBrk="1" latinLnBrk="1" hangingPunct="1">
-              <a:lnSpc>
-                <a:spcPct val="100000"/>
-              </a:lnSpc>
-              <a:spcBef>
-                <a:spcPct val="0"/>
-              </a:spcBef>
-              <a:spcAft>
-                <a:spcPts val="0"/>
-              </a:spcAft>
-              <a:buNone/>
-              <a:defRPr/>
-            </a:pPr>
-            <a:r>
-              <a:rPr xmlns:mc="http://schemas.openxmlformats.org/markup-compatibility/2006" xmlns:hp="http://schemas.haansoft.com/office/presentation/8.0" kumimoji="0" lang="en-US" altLang="ko-KR" sz="2800" b="1" i="0" u="none" strike="noStrike" kern="1200" cap="none" spc="0" normalizeH="0" baseline="0" mc:Ignorable="hp" hp:hslEmbossed="0">
-                <a:solidFill>
-                  <a:srgbClr val="000000"/>
-                </a:solidFill>
-                <a:latin typeface="Calibri"/>
-                <a:ea typeface="맑은 고딕"/>
-                <a:cs typeface="맑은 고딕"/>
-              </a:rPr>
-              <a:t>4.</a:t>
-            </a:r>
-            <a:r>
-              <a:rPr xmlns:mc="http://schemas.openxmlformats.org/markup-compatibility/2006" xmlns:hp="http://schemas.haansoft.com/office/presentation/8.0" kumimoji="0" lang="ko-KR" altLang="en-US" sz="2800" b="1" i="0" u="none" strike="noStrike" kern="1200" cap="none" spc="0" normalizeH="0" baseline="0" mc:Ignorable="hp" hp:hslEmbossed="0">
-                <a:solidFill>
-                  <a:srgbClr val="000000"/>
-                </a:solidFill>
-                <a:latin typeface="Calibri"/>
-                <a:ea typeface="맑은 고딕"/>
-                <a:cs typeface="맑은 고딕"/>
-              </a:rPr>
-              <a:t> </a:t>
-            </a:r>
-            <a:r>
-              <a:rPr xmlns:mc="http://schemas.openxmlformats.org/markup-compatibility/2006" xmlns:hp="http://schemas.haansoft.com/office/presentation/8.0" kumimoji="0" lang="en-US" altLang="ko-KR" sz="2800" b="1" i="0" u="none" strike="noStrike" kern="1200" cap="none" spc="0" normalizeH="0" baseline="0" mc:Ignorable="hp" hp:hslEmbossed="0">
-                <a:solidFill>
-                  <a:srgbClr val="000000"/>
-                </a:solidFill>
-                <a:latin typeface="Calibri"/>
-                <a:ea typeface="맑은 고딕"/>
-                <a:cs typeface="맑은 고딕"/>
-              </a:rPr>
-              <a:t>UI </a:t>
-            </a:r>
-            <a:r>
-              <a:rPr xmlns:mc="http://schemas.openxmlformats.org/markup-compatibility/2006" xmlns:hp="http://schemas.haansoft.com/office/presentation/8.0" kumimoji="0" lang="ko-KR" altLang="en-US" sz="2800" b="1" i="0" u="none" strike="noStrike" kern="1200" cap="none" spc="0" normalizeH="0" baseline="0" mc:Ignorable="hp" hp:hslEmbossed="0">
-                <a:solidFill>
-                  <a:srgbClr val="000000"/>
-                </a:solidFill>
-                <a:latin typeface="Calibri"/>
-                <a:ea typeface="맑은 고딕"/>
-                <a:cs typeface="맑은 고딕"/>
-              </a:rPr>
-              <a:t>구성</a:t>
-            </a:r>
-            <a:r>
-              <a:rPr xmlns:mc="http://schemas.openxmlformats.org/markup-compatibility/2006" xmlns:hp="http://schemas.haansoft.com/office/presentation/8.0" kumimoji="0" lang="en-US" altLang="ko-KR" sz="2800" b="1" i="0" u="none" strike="noStrike" kern="1200" cap="none" spc="0" normalizeH="0" baseline="0" mc:Ignorable="hp" hp:hslEmbossed="0">
-                <a:solidFill>
-                  <a:srgbClr val="000000"/>
-                </a:solidFill>
-                <a:latin typeface="Calibri"/>
-                <a:ea typeface="맑은 고딕"/>
-                <a:cs typeface="맑은 고딕"/>
-              </a:rPr>
-              <a:t> (Info)</a:t>
-            </a:r>
-            <a:endParaRPr xmlns:mc="http://schemas.openxmlformats.org/markup-compatibility/2006" xmlns:hp="http://schemas.haansoft.com/office/presentation/8.0" kumimoji="0" lang="en-US" altLang="ko-KR" sz="2800" b="1" i="0" u="none" strike="noStrike" kern="1200" cap="none" spc="0" normalizeH="0" baseline="0" mc:Ignorable="hp" hp:hslEmbossed="0">
-              <a:solidFill>
-                <a:srgbClr val="000000"/>
-              </a:solidFill>
-              <a:latin typeface="Calibri"/>
-              <a:ea typeface="맑은 고딕"/>
-              <a:cs typeface="맑은 고딕"/>
-            </a:endParaRPr>
-          </a:p>
-        </p:txBody>
-      </p:sp>
-      <p:sp>
-        <p:nvSpPr>
           <p:cNvPr id="18" name="슬라이드 번호 개체 틀 5"/>
           <p:cNvSpPr>
             <a:spLocks noGrp="1"/>
@@ -4854,6 +4746,105 @@
               <a:t>11</a:t>
             </a:fld>
             <a:endParaRPr lang="en-US" altLang="en-US"/>
+          </a:p>
+        </p:txBody>
+      </p:sp>
+      <p:sp>
+        <p:nvSpPr>
+          <p:cNvPr id="19" name=""/>
+          <p:cNvSpPr txBox="1"/>
+          <p:nvPr/>
+        </p:nvSpPr>
+        <p:spPr>
+          <a:xfrm>
+            <a:off x="0" y="-38100"/>
+            <a:ext cx="3479148" cy="598170"/>
+          </a:xfrm>
+          <a:prstGeom prst="rect">
+            <a:avLst/>
+          </a:prstGeom>
+        </p:spPr>
+        <p:txBody>
+          <a:bodyPr wrap="square">
+            <a:spAutoFit/>
+          </a:bodyPr>
+          <a:p>
+            <a:pPr marL="0" indent="0" algn="ctr" defTabSz="914400" rtl="0" eaLnBrk="1" latinLnBrk="1" hangingPunct="1">
+              <a:lnSpc>
+                <a:spcPct val="100000"/>
+              </a:lnSpc>
+              <a:spcBef>
+                <a:spcPct val="0"/>
+              </a:spcBef>
+              <a:spcAft>
+                <a:spcPts val="0"/>
+              </a:spcAft>
+              <a:buNone/>
+              <a:defRPr/>
+            </a:pPr>
+            <a:r>
+              <a:rPr xmlns:mc="http://schemas.openxmlformats.org/markup-compatibility/2006" xmlns:hp="http://schemas.haansoft.com/office/presentation/8.0" kumimoji="0" lang="en-US" altLang="ko-KR" sz="3400" b="1" i="0" u="none" strike="noStrike" kern="1200" cap="none" spc="0" normalizeH="0" baseline="0" mc:Ignorable="hp" hp:hslEmbossed="0">
+                <a:solidFill>
+                  <a:srgbClr val="000000"/>
+                </a:solidFill>
+                <a:latin typeface="Calibri"/>
+                <a:ea typeface="맑은 고딕"/>
+                <a:cs typeface="맑은 고딕"/>
+              </a:rPr>
+              <a:t>4.</a:t>
+            </a:r>
+            <a:r>
+              <a:rPr xmlns:mc="http://schemas.openxmlformats.org/markup-compatibility/2006" xmlns:hp="http://schemas.haansoft.com/office/presentation/8.0" kumimoji="0" lang="ko-KR" altLang="en-US" sz="3400" b="1" i="0" u="none" strike="noStrike" kern="1200" cap="none" spc="0" normalizeH="0" baseline="0" mc:Ignorable="hp" hp:hslEmbossed="0">
+                <a:solidFill>
+                  <a:srgbClr val="000000"/>
+                </a:solidFill>
+                <a:latin typeface="Calibri"/>
+                <a:ea typeface="맑은 고딕"/>
+                <a:cs typeface="맑은 고딕"/>
+              </a:rPr>
+              <a:t> </a:t>
+            </a:r>
+            <a:r>
+              <a:rPr xmlns:mc="http://schemas.openxmlformats.org/markup-compatibility/2006" xmlns:hp="http://schemas.haansoft.com/office/presentation/8.0" kumimoji="0" lang="en-US" altLang="ko-KR" sz="3400" b="1" i="0" u="none" strike="noStrike" kern="1200" cap="none" spc="0" normalizeH="0" baseline="0" mc:Ignorable="hp" hp:hslEmbossed="0">
+                <a:solidFill>
+                  <a:srgbClr val="000000"/>
+                </a:solidFill>
+                <a:latin typeface="Calibri"/>
+                <a:ea typeface="맑은 고딕"/>
+                <a:cs typeface="맑은 고딕"/>
+              </a:rPr>
+              <a:t>UI </a:t>
+            </a:r>
+            <a:r>
+              <a:rPr xmlns:mc="http://schemas.openxmlformats.org/markup-compatibility/2006" xmlns:hp="http://schemas.haansoft.com/office/presentation/8.0" kumimoji="0" lang="ko-KR" altLang="en-US" sz="3400" b="1" i="0" u="none" strike="noStrike" kern="1200" cap="none" spc="0" normalizeH="0" baseline="0" mc:Ignorable="hp" hp:hslEmbossed="0">
+                <a:solidFill>
+                  <a:srgbClr val="000000"/>
+                </a:solidFill>
+                <a:latin typeface="Calibri"/>
+                <a:ea typeface="맑은 고딕"/>
+                <a:cs typeface="맑은 고딕"/>
+              </a:rPr>
+              <a:t>구성</a:t>
+            </a:r>
+            <a:r>
+              <a:rPr xmlns:mc="http://schemas.openxmlformats.org/markup-compatibility/2006" xmlns:hp="http://schemas.haansoft.com/office/presentation/8.0" kumimoji="0" lang="en-US" altLang="ko-KR" sz="3400" b="1" i="0" u="none" strike="noStrike" kern="1200" cap="none" spc="0" normalizeH="0" baseline="0" mc:Ignorable="hp" hp:hslEmbossed="0">
+                <a:solidFill>
+                  <a:srgbClr val="000000"/>
+                </a:solidFill>
+                <a:latin typeface="Calibri"/>
+                <a:ea typeface="맑은 고딕"/>
+                <a:cs typeface="맑은 고딕"/>
+              </a:rPr>
+              <a:t> (Main)</a:t>
+            </a:r>
+            <a:endParaRPr xmlns:mc="http://schemas.openxmlformats.org/markup-compatibility/2006" xmlns:hp="http://schemas.haansoft.com/office/presentation/8.0" kumimoji="0" lang="en-US" altLang="ko-KR" sz="3400" b="1" i="0" u="none" strike="noStrike" kern="1200" cap="none" spc="0" normalizeH="0" baseline="0" mc:Ignorable="hp" hp:hslEmbossed="0">
+              <a:solidFill>
+                <a:srgbClr val="000000"/>
+              </a:solidFill>
+              <a:latin typeface="Calibri"/>
+              <a:ea typeface="맑은 고딕"/>
+              <a:cs typeface="맑은 고딕"/>
+            </a:endParaRPr>
           </a:p>
         </p:txBody>
       </p:sp>
@@ -5320,61 +5311,6 @@
       </p:sp>
       <p:sp>
         <p:nvSpPr>
-          <p:cNvPr id="7" name=""/>
-          <p:cNvSpPr txBox="1"/>
-          <p:nvPr/>
-        </p:nvSpPr>
-        <p:spPr>
-          <a:xfrm>
-            <a:off x="0" y="28575"/>
-            <a:ext cx="2927701" cy="512445"/>
-          </a:xfrm>
-          <a:prstGeom prst="rect">
-            <a:avLst/>
-          </a:prstGeom>
-        </p:spPr>
-        <p:txBody>
-          <a:bodyPr wrap="square">
-            <a:spAutoFit/>
-          </a:bodyPr>
-          <a:p>
-            <a:pPr marL="0" indent="0" algn="ctr" defTabSz="914400" rtl="0" eaLnBrk="1" latinLnBrk="1" hangingPunct="1">
-              <a:lnSpc>
-                <a:spcPct val="100000"/>
-              </a:lnSpc>
-              <a:spcBef>
-                <a:spcPct val="0"/>
-              </a:spcBef>
-              <a:spcAft>
-                <a:spcPts val="0"/>
-              </a:spcAft>
-              <a:buNone/>
-              <a:defRPr/>
-            </a:pPr>
-            <a:r>
-              <a:rPr xmlns:mc="http://schemas.openxmlformats.org/markup-compatibility/2006" xmlns:hp="http://schemas.haansoft.com/office/presentation/8.0" kumimoji="0" lang="ko-KR" altLang="en-US" sz="2800" b="1" i="0" u="none" strike="noStrike" kern="1200" cap="none" spc="0" normalizeH="0" baseline="0" mc:Ignorable="hp" hp:hslEmbossed="0">
-                <a:solidFill>
-                  <a:srgbClr val="000000"/>
-                </a:solidFill>
-                <a:latin typeface="Calibri"/>
-                <a:ea typeface="맑은 고딕"/>
-                <a:cs typeface="맑은 고딕"/>
-              </a:rPr>
-              <a:t>목	차</a:t>
-            </a:r>
-            <a:endParaRPr xmlns:mc="http://schemas.openxmlformats.org/markup-compatibility/2006" xmlns:hp="http://schemas.haansoft.com/office/presentation/8.0" kumimoji="0" lang="ko-KR" altLang="en-US" sz="2800" b="1" i="0" u="none" strike="noStrike" kern="1200" cap="none" spc="0" normalizeH="0" baseline="0" mc:Ignorable="hp" hp:hslEmbossed="0">
-              <a:solidFill>
-                <a:srgbClr val="000000"/>
-              </a:solidFill>
-              <a:latin typeface="Calibri"/>
-              <a:ea typeface="맑은 고딕"/>
-              <a:cs typeface="맑은 고딕"/>
-            </a:endParaRPr>
-          </a:p>
-        </p:txBody>
-      </p:sp>
-      <p:sp>
-        <p:nvSpPr>
           <p:cNvPr id="8" name="슬라이드 번호 개체 틀 5"/>
           <p:cNvSpPr>
             <a:spLocks noGrp="1"/>
@@ -5399,6 +5335,61 @@
               <a:t>2</a:t>
             </a:fld>
             <a:endParaRPr lang="en-US" altLang="en-US"/>
+          </a:p>
+        </p:txBody>
+      </p:sp>
+      <p:sp>
+        <p:nvSpPr>
+          <p:cNvPr id="9" name=""/>
+          <p:cNvSpPr txBox="1"/>
+          <p:nvPr/>
+        </p:nvSpPr>
+        <p:spPr>
+          <a:xfrm>
+            <a:off x="0" y="-38100"/>
+            <a:ext cx="2219390" cy="598170"/>
+          </a:xfrm>
+          <a:prstGeom prst="rect">
+            <a:avLst/>
+          </a:prstGeom>
+        </p:spPr>
+        <p:txBody>
+          <a:bodyPr wrap="square">
+            <a:spAutoFit/>
+          </a:bodyPr>
+          <a:p>
+            <a:pPr marL="0" indent="0" defTabSz="914400" rtl="0" eaLnBrk="1" latinLnBrk="1" hangingPunct="1">
+              <a:lnSpc>
+                <a:spcPct val="100000"/>
+              </a:lnSpc>
+              <a:spcBef>
+                <a:spcPct val="0"/>
+              </a:spcBef>
+              <a:spcAft>
+                <a:spcPts val="0"/>
+              </a:spcAft>
+              <a:buNone/>
+              <a:defRPr/>
+            </a:pPr>
+            <a:r>
+              <a:rPr xmlns:mc="http://schemas.openxmlformats.org/markup-compatibility/2006" xmlns:hp="http://schemas.haansoft.com/office/presentation/8.0" kumimoji="0" lang="ko-KR" altLang="en-US" sz="3400" b="1" i="0" u="none" strike="noStrike" kern="1200" cap="none" spc="0" normalizeH="0" baseline="0" mc:Ignorable="hp" hp:hslEmbossed="0">
+                <a:solidFill>
+                  <a:schemeClr val="dk1"/>
+                </a:solidFill>
+                <a:latin typeface="Calibri"/>
+                <a:ea typeface="맑은 고딕"/>
+                <a:cs typeface="맑은 고딕"/>
+              </a:rPr>
+              <a:t>목차 구성</a:t>
+            </a:r>
+            <a:endParaRPr xmlns:mc="http://schemas.openxmlformats.org/markup-compatibility/2006" xmlns:hp="http://schemas.haansoft.com/office/presentation/8.0" kumimoji="0" lang="ko-KR" altLang="en-US" sz="3400" b="1" i="0" u="none" strike="noStrike" kern="1200" cap="none" spc="0" normalizeH="0" baseline="0" mc:Ignorable="hp" hp:hslEmbossed="0">
+              <a:solidFill>
+                <a:schemeClr val="dk1"/>
+              </a:solidFill>
+              <a:latin typeface="Calibri"/>
+              <a:ea typeface="맑은 고딕"/>
+              <a:cs typeface="맑은 고딕"/>
+            </a:endParaRPr>
           </a:p>
         </p:txBody>
       </p:sp>
@@ -5435,72 +5426,6 @@
           <a:chExt cx="0" cy="0"/>
         </a:xfrm>
       </p:grpSpPr>
-      <p:sp>
-        <p:nvSpPr>
-          <p:cNvPr id="7" name=""/>
-          <p:cNvSpPr txBox="1"/>
-          <p:nvPr/>
-        </p:nvSpPr>
-        <p:spPr>
-          <a:xfrm>
-            <a:off x="0" y="28575"/>
-            <a:ext cx="2927701" cy="512445"/>
-          </a:xfrm>
-          <a:prstGeom prst="rect">
-            <a:avLst/>
-          </a:prstGeom>
-        </p:spPr>
-        <p:txBody>
-          <a:bodyPr wrap="square">
-            <a:spAutoFit/>
-          </a:bodyPr>
-          <a:p>
-            <a:pPr marL="0" indent="0" algn="ctr" defTabSz="914400" rtl="0" eaLnBrk="1" latinLnBrk="1" hangingPunct="1">
-              <a:lnSpc>
-                <a:spcPct val="100000"/>
-              </a:lnSpc>
-              <a:spcBef>
-                <a:spcPct val="0"/>
-              </a:spcBef>
-              <a:spcAft>
-                <a:spcPts val="0"/>
-              </a:spcAft>
-              <a:buNone/>
-              <a:defRPr/>
-            </a:pPr>
-            <a:r>
-              <a:rPr xmlns:mc="http://schemas.openxmlformats.org/markup-compatibility/2006" xmlns:hp="http://schemas.haansoft.com/office/presentation/8.0" kumimoji="0" lang="en-US" altLang="ko-KR" sz="2800" b="1" i="0" u="none" strike="noStrike" kern="1200" cap="none" spc="0" normalizeH="0" baseline="0" mc:Ignorable="hp" hp:hslEmbossed="0">
-                <a:solidFill>
-                  <a:srgbClr val="000000"/>
-                </a:solidFill>
-                <a:latin typeface="Calibri"/>
-                <a:ea typeface="맑은 고딕"/>
-                <a:cs typeface="맑은 고딕"/>
-              </a:rPr>
-              <a:t>1.</a:t>
-            </a:r>
-            <a:r>
-              <a:rPr xmlns:mc="http://schemas.openxmlformats.org/markup-compatibility/2006" xmlns:hp="http://schemas.haansoft.com/office/presentation/8.0" kumimoji="0" lang="ko-KR" altLang="en-US" sz="2800" b="1" i="0" u="none" strike="noStrike" kern="1200" cap="none" spc="0" normalizeH="0" baseline="0" mc:Ignorable="hp" hp:hslEmbossed="0">
-                <a:solidFill>
-                  <a:srgbClr val="000000"/>
-                </a:solidFill>
-                <a:latin typeface="Calibri"/>
-                <a:ea typeface="맑은 고딕"/>
-                <a:cs typeface="맑은 고딕"/>
-              </a:rPr>
-              <a:t> 팀 구성 및 역할</a:t>
-            </a:r>
-            <a:endParaRPr xmlns:mc="http://schemas.openxmlformats.org/markup-compatibility/2006" xmlns:hp="http://schemas.haansoft.com/office/presentation/8.0" kumimoji="0" lang="ko-KR" altLang="en-US" sz="2800" b="1" i="0" u="none" strike="noStrike" kern="1200" cap="none" spc="0" normalizeH="0" baseline="0" mc:Ignorable="hp" hp:hslEmbossed="0">
-              <a:solidFill>
-                <a:srgbClr val="000000"/>
-              </a:solidFill>
-              <a:latin typeface="Calibri"/>
-              <a:ea typeface="맑은 고딕"/>
-              <a:cs typeface="맑은 고딕"/>
-            </a:endParaRPr>
-          </a:p>
-        </p:txBody>
-      </p:sp>
       <p:sp>
         <p:nvSpPr>
           <p:cNvPr id="8" name="슬라이드 번호 개체 틀 5"/>
@@ -5549,7 +5474,7 @@
           <a:noFill/>
           <a:ln w="38100">
             <a:solidFill>
-              <a:srgbClr val="000000">
+              <a:srgbClr val="9c3b00">
                 <a:alpha val="100000"/>
               </a:srgbClr>
             </a:solidFill>
@@ -5574,7 +5499,7 @@
               <a:defRPr/>
             </a:pPr>
             <a:r>
-              <a:rPr xmlns:mc="http://schemas.openxmlformats.org/markup-compatibility/2006" xmlns:hp="http://schemas.haansoft.com/office/presentation/8.0" kumimoji="0" lang="ko-KR" altLang="en-US" sz="2500" b="0" i="0" u="none" strike="noStrike" kern="1200" cap="none" spc="0" normalizeH="0" baseline="0" mc:Ignorable="hp" hp:hslEmbossed="0">
+              <a:rPr xmlns:mc="http://schemas.openxmlformats.org/markup-compatibility/2006" xmlns:hp="http://schemas.haansoft.com/office/presentation/8.0" kumimoji="0" lang="ko-KR" altLang="en-US" sz="3300" b="0" i="0" u="none" strike="noStrike" kern="1200" cap="none" spc="0" normalizeH="0" baseline="0" mc:Ignorable="hp" hp:hslEmbossed="0">
                 <a:solidFill>
                   <a:srgbClr val="000000"/>
                 </a:solidFill>
@@ -5584,7 +5509,7 @@
               </a:rPr>
               <a:t>김서윤</a:t>
             </a:r>
-            <a:endParaRPr xmlns:mc="http://schemas.openxmlformats.org/markup-compatibility/2006" xmlns:hp="http://schemas.haansoft.com/office/presentation/8.0" kumimoji="0" lang="ko-KR" altLang="en-US" sz="2500" b="0" i="0" u="none" strike="noStrike" kern="1200" cap="none" spc="0" normalizeH="0" baseline="0" mc:Ignorable="hp" hp:hslEmbossed="0">
+            <a:endParaRPr xmlns:mc="http://schemas.openxmlformats.org/markup-compatibility/2006" xmlns:hp="http://schemas.haansoft.com/office/presentation/8.0" kumimoji="0" lang="ko-KR" altLang="en-US" sz="3300" b="0" i="0" u="none" strike="noStrike" kern="1200" cap="none" spc="0" normalizeH="0" baseline="0" mc:Ignorable="hp" hp:hslEmbossed="0">
               <a:solidFill>
                 <a:srgbClr val="000000"/>
               </a:solidFill>
@@ -5614,7 +5539,7 @@
           <a:noFill/>
           <a:ln w="38100">
             <a:solidFill>
-              <a:srgbClr val="000000">
+              <a:srgbClr val="9c3b00">
                 <a:alpha val="100000"/>
               </a:srgbClr>
             </a:solidFill>
@@ -5639,7 +5564,7 @@
               <a:defRPr/>
             </a:pPr>
             <a:r>
-              <a:rPr xmlns:mc="http://schemas.openxmlformats.org/markup-compatibility/2006" xmlns:hp="http://schemas.haansoft.com/office/presentation/8.0" kumimoji="0" lang="ko-KR" altLang="en-US" sz="2500" b="0" i="0" u="none" strike="noStrike" kern="1200" cap="none" spc="0" normalizeH="0" baseline="0" mc:Ignorable="hp" hp:hslEmbossed="0">
+              <a:rPr xmlns:mc="http://schemas.openxmlformats.org/markup-compatibility/2006" xmlns:hp="http://schemas.haansoft.com/office/presentation/8.0" kumimoji="0" lang="ko-KR" altLang="en-US" sz="3300" b="0" i="0" u="none" strike="noStrike" kern="1200" cap="none" spc="0" normalizeH="0" baseline="0" mc:Ignorable="hp" hp:hslEmbossed="0">
                 <a:solidFill>
                   <a:srgbClr val="000000"/>
                 </a:solidFill>
@@ -5649,7 +5574,7 @@
               </a:rPr>
               <a:t>김재곤</a:t>
             </a:r>
-            <a:endParaRPr xmlns:mc="http://schemas.openxmlformats.org/markup-compatibility/2006" xmlns:hp="http://schemas.haansoft.com/office/presentation/8.0" kumimoji="0" lang="ko-KR" altLang="en-US" sz="2500" b="0" i="0" u="none" strike="noStrike" kern="1200" cap="none" spc="0" normalizeH="0" baseline="0" mc:Ignorable="hp" hp:hslEmbossed="0">
+            <a:endParaRPr xmlns:mc="http://schemas.openxmlformats.org/markup-compatibility/2006" xmlns:hp="http://schemas.haansoft.com/office/presentation/8.0" kumimoji="0" lang="ko-KR" altLang="en-US" sz="3300" b="0" i="0" u="none" strike="noStrike" kern="1200" cap="none" spc="0" normalizeH="0" baseline="0" mc:Ignorable="hp" hp:hslEmbossed="0">
               <a:solidFill>
                 <a:srgbClr val="000000"/>
               </a:solidFill>
@@ -5679,7 +5604,7 @@
           <a:noFill/>
           <a:ln w="38100">
             <a:solidFill>
-              <a:srgbClr val="000000">
+              <a:srgbClr val="9c3b00">
                 <a:alpha val="100000"/>
               </a:srgbClr>
             </a:solidFill>
@@ -5704,7 +5629,7 @@
               <a:defRPr/>
             </a:pPr>
             <a:r>
-              <a:rPr xmlns:mc="http://schemas.openxmlformats.org/markup-compatibility/2006" xmlns:hp="http://schemas.haansoft.com/office/presentation/8.0" kumimoji="0" lang="ko-KR" altLang="en-US" sz="2500" b="0" i="0" u="none" strike="noStrike" kern="1200" cap="none" spc="0" normalizeH="0" baseline="0" mc:Ignorable="hp" hp:hslEmbossed="0">
+              <a:rPr xmlns:mc="http://schemas.openxmlformats.org/markup-compatibility/2006" xmlns:hp="http://schemas.haansoft.com/office/presentation/8.0" kumimoji="0" lang="ko-KR" altLang="en-US" sz="3300" b="0" i="0" u="none" strike="noStrike" kern="1200" cap="none" spc="0" normalizeH="0" baseline="0" mc:Ignorable="hp" hp:hslEmbossed="0">
                 <a:solidFill>
                   <a:srgbClr val="000000"/>
                 </a:solidFill>
@@ -5714,7 +5639,7 @@
               </a:rPr>
               <a:t>계민석</a:t>
             </a:r>
-            <a:endParaRPr xmlns:mc="http://schemas.openxmlformats.org/markup-compatibility/2006" xmlns:hp="http://schemas.haansoft.com/office/presentation/8.0" kumimoji="0" lang="ko-KR" altLang="en-US" sz="2500" b="0" i="0" u="none" strike="noStrike" kern="1200" cap="none" spc="0" normalizeH="0" baseline="0" mc:Ignorable="hp" hp:hslEmbossed="0">
+            <a:endParaRPr xmlns:mc="http://schemas.openxmlformats.org/markup-compatibility/2006" xmlns:hp="http://schemas.haansoft.com/office/presentation/8.0" kumimoji="0" lang="ko-KR" altLang="en-US" sz="3300" b="0" i="0" u="none" strike="noStrike" kern="1200" cap="none" spc="0" normalizeH="0" baseline="0" mc:Ignorable="hp" hp:hslEmbossed="0">
               <a:solidFill>
                 <a:srgbClr val="000000"/>
               </a:solidFill>
@@ -5744,7 +5669,7 @@
           <a:noFill/>
           <a:ln w="38100">
             <a:solidFill>
-              <a:srgbClr val="000000">
+              <a:srgbClr val="9c3b00">
                 <a:alpha val="100000"/>
               </a:srgbClr>
             </a:solidFill>
@@ -5769,7 +5694,7 @@
               <a:defRPr/>
             </a:pPr>
             <a:r>
-              <a:rPr xmlns:mc="http://schemas.openxmlformats.org/markup-compatibility/2006" xmlns:hp="http://schemas.haansoft.com/office/presentation/8.0" kumimoji="0" lang="ko-KR" altLang="en-US" sz="2500" b="0" i="0" u="none" strike="noStrike" kern="1200" cap="none" spc="0" normalizeH="0" baseline="0" mc:Ignorable="hp" hp:hslEmbossed="0">
+              <a:rPr xmlns:mc="http://schemas.openxmlformats.org/markup-compatibility/2006" xmlns:hp="http://schemas.haansoft.com/office/presentation/8.0" kumimoji="0" lang="ko-KR" altLang="en-US" sz="3300" b="0" i="0" u="none" strike="noStrike" kern="1200" cap="none" spc="0" normalizeH="0" baseline="0" mc:Ignorable="hp" hp:hslEmbossed="0">
                 <a:solidFill>
                   <a:srgbClr val="000000"/>
                 </a:solidFill>
@@ -5779,7 +5704,7 @@
               </a:rPr>
               <a:t>한성현</a:t>
             </a:r>
-            <a:endParaRPr xmlns:mc="http://schemas.openxmlformats.org/markup-compatibility/2006" xmlns:hp="http://schemas.haansoft.com/office/presentation/8.0" kumimoji="0" lang="ko-KR" altLang="en-US" sz="2500" b="0" i="0" u="none" strike="noStrike" kern="1200" cap="none" spc="0" normalizeH="0" baseline="0" mc:Ignorable="hp" hp:hslEmbossed="0">
+            <a:endParaRPr xmlns:mc="http://schemas.openxmlformats.org/markup-compatibility/2006" xmlns:hp="http://schemas.haansoft.com/office/presentation/8.0" kumimoji="0" lang="ko-KR" altLang="en-US" sz="3300" b="0" i="0" u="none" strike="noStrike" kern="1200" cap="none" spc="0" normalizeH="0" baseline="0" mc:Ignorable="hp" hp:hslEmbossed="0">
               <a:solidFill>
                 <a:srgbClr val="000000"/>
               </a:solidFill>
@@ -5807,7 +5732,7 @@
           <a:noFill/>
           <a:ln w="38100">
             <a:solidFill>
-              <a:srgbClr val="000000">
+              <a:srgbClr val="9c3b00">
                 <a:alpha val="100000"/>
               </a:srgbClr>
             </a:solidFill>
@@ -5859,7 +5784,7 @@
           <a:noFill/>
           <a:ln w="38100" cap="flat">
             <a:solidFill>
-              <a:srgbClr val="000000">
+              <a:srgbClr val="9c3b00">
                 <a:alpha val="100000"/>
               </a:srgbClr>
             </a:solidFill>
@@ -5911,7 +5836,7 @@
           <a:noFill/>
           <a:ln w="38100">
             <a:solidFill>
-              <a:srgbClr val="000000">
+              <a:srgbClr val="9c3b00">
                 <a:alpha val="100000"/>
               </a:srgbClr>
             </a:solidFill>
@@ -5963,7 +5888,7 @@
           <a:noFill/>
           <a:ln w="38100">
             <a:solidFill>
-              <a:srgbClr val="000000">
+              <a:srgbClr val="9c3b00">
                 <a:alpha val="100000"/>
               </a:srgbClr>
             </a:solidFill>
@@ -5994,6 +5919,72 @@
               <a:latin typeface="맑은 고딕"/>
               <a:ea typeface="맑은 고딕"/>
               <a:cs typeface="Arial Unicode MS"/>
+            </a:endParaRPr>
+          </a:p>
+        </p:txBody>
+      </p:sp>
+      <p:sp>
+        <p:nvSpPr>
+          <p:cNvPr id="20" name=""/>
+          <p:cNvSpPr txBox="1"/>
+          <p:nvPr/>
+        </p:nvSpPr>
+        <p:spPr>
+          <a:xfrm>
+            <a:off x="0" y="-38100"/>
+            <a:ext cx="4100779" cy="598170"/>
+          </a:xfrm>
+          <a:prstGeom prst="rect">
+            <a:avLst/>
+          </a:prstGeom>
+        </p:spPr>
+        <p:txBody>
+          <a:bodyPr wrap="square">
+            <a:spAutoFit/>
+          </a:bodyPr>
+          <a:p>
+            <a:pPr marL="0" indent="0" defTabSz="914400" rtl="0" eaLnBrk="1" latinLnBrk="1" hangingPunct="1">
+              <a:lnSpc>
+                <a:spcPct val="100000"/>
+              </a:lnSpc>
+              <a:spcBef>
+                <a:spcPct val="0"/>
+              </a:spcBef>
+              <a:spcAft>
+                <a:spcPts val="0"/>
+              </a:spcAft>
+              <a:buNone/>
+              <a:defRPr/>
+            </a:pPr>
+            <a:r>
+              <a:rPr xmlns:mc="http://schemas.openxmlformats.org/markup-compatibility/2006" xmlns:hp="http://schemas.haansoft.com/office/presentation/8.0" kumimoji="0" lang="en-US" altLang="ko-KR" sz="3400" b="1" i="0" u="none" strike="noStrike" kern="1200" cap="none" spc="0" normalizeH="0" baseline="0" mc:Ignorable="hp" hp:hslEmbossed="0">
+                <a:solidFill>
+                  <a:schemeClr val="dk1"/>
+                </a:solidFill>
+                <a:latin typeface="Calibri"/>
+                <a:ea typeface="맑은 고딕"/>
+                <a:cs typeface="맑은 고딕"/>
+              </a:rPr>
+              <a:t>1.</a:t>
+            </a:r>
+            <a:r>
+              <a:rPr xmlns:mc="http://schemas.openxmlformats.org/markup-compatibility/2006" xmlns:hp="http://schemas.haansoft.com/office/presentation/8.0" kumimoji="0" lang="ko-KR" altLang="en-US" sz="3400" b="1" i="0" u="none" strike="noStrike" kern="1200" cap="none" spc="0" normalizeH="0" baseline="0" mc:Ignorable="hp" hp:hslEmbossed="0">
+                <a:solidFill>
+                  <a:schemeClr val="dk1"/>
+                </a:solidFill>
+                <a:latin typeface="Calibri"/>
+                <a:ea typeface="맑은 고딕"/>
+                <a:cs typeface="맑은 고딕"/>
+              </a:rPr>
+              <a:t> 팀 구성 및 역할</a:t>
+            </a:r>
+            <a:endParaRPr xmlns:mc="http://schemas.openxmlformats.org/markup-compatibility/2006" xmlns:hp="http://schemas.haansoft.com/office/presentation/8.0" kumimoji="0" lang="ko-KR" altLang="en-US" sz="3400" b="1" i="0" u="none" strike="noStrike" kern="1200" cap="none" spc="0" normalizeH="0" baseline="0" mc:Ignorable="hp" hp:hslEmbossed="0">
+              <a:solidFill>
+                <a:schemeClr val="dk1"/>
+              </a:solidFill>
+              <a:latin typeface="Calibri"/>
+              <a:ea typeface="맑은 고딕"/>
+              <a:cs typeface="맑은 고딕"/>
             </a:endParaRPr>
           </a:p>
         </p:txBody>
@@ -6149,72 +6140,6 @@
               <a:latin typeface="맑은 고딕"/>
               <a:ea typeface="맑은 고딕"/>
               <a:cs typeface="Arial Unicode MS"/>
-            </a:endParaRPr>
-          </a:p>
-        </p:txBody>
-      </p:sp>
-      <p:sp>
-        <p:nvSpPr>
-          <p:cNvPr id="9" name=""/>
-          <p:cNvSpPr txBox="1"/>
-          <p:nvPr/>
-        </p:nvSpPr>
-        <p:spPr>
-          <a:xfrm>
-            <a:off x="0" y="28575"/>
-            <a:ext cx="2927701" cy="512445"/>
-          </a:xfrm>
-          <a:prstGeom prst="rect">
-            <a:avLst/>
-          </a:prstGeom>
-        </p:spPr>
-        <p:txBody>
-          <a:bodyPr wrap="square">
-            <a:spAutoFit/>
-          </a:bodyPr>
-          <a:p>
-            <a:pPr marL="0" indent="0" algn="ctr" defTabSz="914400" rtl="0" eaLnBrk="1" latinLnBrk="1" hangingPunct="1">
-              <a:lnSpc>
-                <a:spcPct val="100000"/>
-              </a:lnSpc>
-              <a:spcBef>
-                <a:spcPct val="0"/>
-              </a:spcBef>
-              <a:spcAft>
-                <a:spcPts val="0"/>
-              </a:spcAft>
-              <a:buNone/>
-              <a:defRPr/>
-            </a:pPr>
-            <a:r>
-              <a:rPr xmlns:mc="http://schemas.openxmlformats.org/markup-compatibility/2006" xmlns:hp="http://schemas.haansoft.com/office/presentation/8.0" kumimoji="0" lang="en-US" altLang="ko-KR" sz="2800" b="1" i="0" u="none" strike="noStrike" kern="1200" cap="none" spc="0" normalizeH="0" baseline="0" mc:Ignorable="hp" hp:hslEmbossed="0">
-                <a:solidFill>
-                  <a:srgbClr val="000000"/>
-                </a:solidFill>
-                <a:latin typeface="Calibri"/>
-                <a:ea typeface="맑은 고딕"/>
-                <a:cs typeface="맑은 고딕"/>
-              </a:rPr>
-              <a:t>2.</a:t>
-            </a:r>
-            <a:r>
-              <a:rPr xmlns:mc="http://schemas.openxmlformats.org/markup-compatibility/2006" xmlns:hp="http://schemas.haansoft.com/office/presentation/8.0" kumimoji="0" lang="ko-KR" altLang="en-US" sz="2800" b="1" i="0" u="none" strike="noStrike" kern="1200" cap="none" spc="0" normalizeH="0" baseline="0" mc:Ignorable="hp" hp:hslEmbossed="0">
-                <a:solidFill>
-                  <a:srgbClr val="000000"/>
-                </a:solidFill>
-                <a:latin typeface="Calibri"/>
-                <a:ea typeface="맑은 고딕"/>
-                <a:cs typeface="맑은 고딕"/>
-              </a:rPr>
-              <a:t> 개	요</a:t>
-            </a:r>
-            <a:endParaRPr xmlns:mc="http://schemas.openxmlformats.org/markup-compatibility/2006" xmlns:hp="http://schemas.haansoft.com/office/presentation/8.0" kumimoji="0" lang="ko-KR" altLang="en-US" sz="2800" b="1" i="0" u="none" strike="noStrike" kern="1200" cap="none" spc="0" normalizeH="0" baseline="0" mc:Ignorable="hp" hp:hslEmbossed="0">
-              <a:solidFill>
-                <a:srgbClr val="000000"/>
-              </a:solidFill>
-              <a:latin typeface="Calibri"/>
-              <a:ea typeface="맑은 고딕"/>
-              <a:cs typeface="맑은 고딕"/>
             </a:endParaRPr>
           </a:p>
         </p:txBody>
@@ -6352,6 +6277,72 @@
           </a:p>
         </p:txBody>
       </p:sp>
+      <p:sp>
+        <p:nvSpPr>
+          <p:cNvPr id="14" name=""/>
+          <p:cNvSpPr txBox="1"/>
+          <p:nvPr/>
+        </p:nvSpPr>
+        <p:spPr>
+          <a:xfrm>
+            <a:off x="0" y="-38100"/>
+            <a:ext cx="3479148" cy="598170"/>
+          </a:xfrm>
+          <a:prstGeom prst="rect">
+            <a:avLst/>
+          </a:prstGeom>
+        </p:spPr>
+        <p:txBody>
+          <a:bodyPr wrap="square">
+            <a:spAutoFit/>
+          </a:bodyPr>
+          <a:p>
+            <a:pPr marL="0" indent="0" algn="ctr" defTabSz="914400" rtl="0" eaLnBrk="1" latinLnBrk="1" hangingPunct="1">
+              <a:lnSpc>
+                <a:spcPct val="100000"/>
+              </a:lnSpc>
+              <a:spcBef>
+                <a:spcPct val="0"/>
+              </a:spcBef>
+              <a:spcAft>
+                <a:spcPts val="0"/>
+              </a:spcAft>
+              <a:buNone/>
+              <a:defRPr/>
+            </a:pPr>
+            <a:r>
+              <a:rPr xmlns:mc="http://schemas.openxmlformats.org/markup-compatibility/2006" xmlns:hp="http://schemas.haansoft.com/office/presentation/8.0" kumimoji="0" lang="en-US" altLang="ko-KR" sz="3400" b="1" i="0" u="none" strike="noStrike" kern="1200" cap="none" spc="0" normalizeH="0" baseline="0" mc:Ignorable="hp" hp:hslEmbossed="0">
+                <a:solidFill>
+                  <a:srgbClr val="000000"/>
+                </a:solidFill>
+                <a:latin typeface="Calibri"/>
+                <a:ea typeface="맑은 고딕"/>
+                <a:cs typeface="맑은 고딕"/>
+              </a:rPr>
+              <a:t>2.</a:t>
+            </a:r>
+            <a:r>
+              <a:rPr xmlns:mc="http://schemas.openxmlformats.org/markup-compatibility/2006" xmlns:hp="http://schemas.haansoft.com/office/presentation/8.0" kumimoji="0" lang="ko-KR" altLang="en-US" sz="3400" b="1" i="0" u="none" strike="noStrike" kern="1200" cap="none" spc="0" normalizeH="0" baseline="0" mc:Ignorable="hp" hp:hslEmbossed="0">
+                <a:solidFill>
+                  <a:srgbClr val="000000"/>
+                </a:solidFill>
+                <a:latin typeface="Calibri"/>
+                <a:ea typeface="맑은 고딕"/>
+                <a:cs typeface="맑은 고딕"/>
+              </a:rPr>
+              <a:t> 개요</a:t>
+            </a:r>
+            <a:endParaRPr xmlns:mc="http://schemas.openxmlformats.org/markup-compatibility/2006" xmlns:hp="http://schemas.haansoft.com/office/presentation/8.0" kumimoji="0" lang="ko-KR" altLang="en-US" sz="3400" b="1" i="0" u="none" strike="noStrike" kern="1200" cap="none" spc="0" normalizeH="0" baseline="0" mc:Ignorable="hp" hp:hslEmbossed="0">
+              <a:solidFill>
+                <a:srgbClr val="000000"/>
+              </a:solidFill>
+              <a:latin typeface="Calibri"/>
+              <a:ea typeface="맑은 고딕"/>
+              <a:cs typeface="맑은 고딕"/>
+            </a:endParaRPr>
+          </a:p>
+        </p:txBody>
+      </p:sp>
     </p:spTree>
   </p:cSld>
   <p:clrMapOvr>
@@ -6387,72 +6378,6 @@
       </p:grpSpPr>
       <p:sp>
         <p:nvSpPr>
-          <p:cNvPr id="5" name=""/>
-          <p:cNvSpPr txBox="1"/>
-          <p:nvPr/>
-        </p:nvSpPr>
-        <p:spPr>
-          <a:xfrm>
-            <a:off x="0" y="28575"/>
-            <a:ext cx="2927701" cy="512445"/>
-          </a:xfrm>
-          <a:prstGeom prst="rect">
-            <a:avLst/>
-          </a:prstGeom>
-        </p:spPr>
-        <p:txBody>
-          <a:bodyPr wrap="square">
-            <a:spAutoFit/>
-          </a:bodyPr>
-          <a:p>
-            <a:pPr marL="0" indent="0" algn="ctr" defTabSz="914400" rtl="0" eaLnBrk="1" latinLnBrk="1" hangingPunct="1">
-              <a:lnSpc>
-                <a:spcPct val="100000"/>
-              </a:lnSpc>
-              <a:spcBef>
-                <a:spcPct val="0"/>
-              </a:spcBef>
-              <a:spcAft>
-                <a:spcPts val="0"/>
-              </a:spcAft>
-              <a:buNone/>
-              <a:defRPr/>
-            </a:pPr>
-            <a:r>
-              <a:rPr xmlns:mc="http://schemas.openxmlformats.org/markup-compatibility/2006" xmlns:hp="http://schemas.haansoft.com/office/presentation/8.0" kumimoji="0" lang="en-US" altLang="ko-KR" sz="2800" b="1" i="0" u="none" strike="noStrike" kern="1200" cap="none" spc="0" normalizeH="0" baseline="0" mc:Ignorable="hp" hp:hslEmbossed="0">
-                <a:solidFill>
-                  <a:srgbClr val="000000"/>
-                </a:solidFill>
-                <a:latin typeface="Calibri"/>
-                <a:ea typeface="맑은 고딕"/>
-                <a:cs typeface="맑은 고딕"/>
-              </a:rPr>
-              <a:t>3.</a:t>
-            </a:r>
-            <a:r>
-              <a:rPr xmlns:mc="http://schemas.openxmlformats.org/markup-compatibility/2006" xmlns:hp="http://schemas.haansoft.com/office/presentation/8.0" kumimoji="0" lang="ko-KR" altLang="en-US" sz="2800" b="1" i="0" u="none" strike="noStrike" kern="1200" cap="none" spc="0" normalizeH="0" baseline="0" mc:Ignorable="hp" hp:hslEmbossed="0">
-                <a:solidFill>
-                  <a:srgbClr val="000000"/>
-                </a:solidFill>
-                <a:latin typeface="Calibri"/>
-                <a:ea typeface="맑은 고딕"/>
-                <a:cs typeface="맑은 고딕"/>
-              </a:rPr>
-              <a:t> 개발 일정</a:t>
-            </a:r>
-            <a:endParaRPr xmlns:mc="http://schemas.openxmlformats.org/markup-compatibility/2006" xmlns:hp="http://schemas.haansoft.com/office/presentation/8.0" kumimoji="0" lang="ko-KR" altLang="en-US" sz="2800" b="1" i="0" u="none" strike="noStrike" kern="1200" cap="none" spc="0" normalizeH="0" baseline="0" mc:Ignorable="hp" hp:hslEmbossed="0">
-              <a:solidFill>
-                <a:srgbClr val="000000"/>
-              </a:solidFill>
-              <a:latin typeface="Calibri"/>
-              <a:ea typeface="맑은 고딕"/>
-              <a:cs typeface="맑은 고딕"/>
-            </a:endParaRPr>
-          </a:p>
-        </p:txBody>
-      </p:sp>
-      <p:sp>
-        <p:nvSpPr>
           <p:cNvPr id="9" name="슬라이드 번호 개체 틀 5"/>
           <p:cNvSpPr>
             <a:spLocks noGrp="1"/>
@@ -6480,6 +6405,3546 @@
           </a:p>
         </p:txBody>
       </p:sp>
+      <p:sp>
+        <p:nvSpPr>
+          <p:cNvPr id="10" name=""/>
+          <p:cNvSpPr txBox="1"/>
+          <p:nvPr/>
+        </p:nvSpPr>
+        <p:spPr>
+          <a:xfrm>
+            <a:off x="0" y="-38100"/>
+            <a:ext cx="3479148" cy="598170"/>
+          </a:xfrm>
+          <a:prstGeom prst="rect">
+            <a:avLst/>
+          </a:prstGeom>
+        </p:spPr>
+        <p:txBody>
+          <a:bodyPr wrap="square">
+            <a:spAutoFit/>
+          </a:bodyPr>
+          <a:p>
+            <a:pPr marL="0" indent="0" algn="ctr" defTabSz="914400" rtl="0" eaLnBrk="1" latinLnBrk="1" hangingPunct="1">
+              <a:lnSpc>
+                <a:spcPct val="100000"/>
+              </a:lnSpc>
+              <a:spcBef>
+                <a:spcPct val="0"/>
+              </a:spcBef>
+              <a:spcAft>
+                <a:spcPts val="0"/>
+              </a:spcAft>
+              <a:buNone/>
+              <a:defRPr/>
+            </a:pPr>
+            <a:r>
+              <a:rPr xmlns:mc="http://schemas.openxmlformats.org/markup-compatibility/2006" xmlns:hp="http://schemas.haansoft.com/office/presentation/8.0" kumimoji="0" lang="en-US" altLang="ko-KR" sz="3400" b="1" i="0" u="none" strike="noStrike" kern="1200" cap="none" spc="0" normalizeH="0" baseline="0" mc:Ignorable="hp" hp:hslEmbossed="0">
+                <a:solidFill>
+                  <a:srgbClr val="000000"/>
+                </a:solidFill>
+                <a:latin typeface="Calibri"/>
+                <a:ea typeface="맑은 고딕"/>
+                <a:cs typeface="맑은 고딕"/>
+              </a:rPr>
+              <a:t>3.</a:t>
+            </a:r>
+            <a:r>
+              <a:rPr xmlns:mc="http://schemas.openxmlformats.org/markup-compatibility/2006" xmlns:hp="http://schemas.haansoft.com/office/presentation/8.0" kumimoji="0" lang="ko-KR" altLang="en-US" sz="3400" b="1" i="0" u="none" strike="noStrike" kern="1200" cap="none" spc="0" normalizeH="0" baseline="0" mc:Ignorable="hp" hp:hslEmbossed="0">
+                <a:solidFill>
+                  <a:srgbClr val="000000"/>
+                </a:solidFill>
+                <a:latin typeface="Calibri"/>
+                <a:ea typeface="맑은 고딕"/>
+                <a:cs typeface="맑은 고딕"/>
+              </a:rPr>
+              <a:t> 개발 일정</a:t>
+            </a:r>
+            <a:endParaRPr xmlns:mc="http://schemas.openxmlformats.org/markup-compatibility/2006" xmlns:hp="http://schemas.haansoft.com/office/presentation/8.0" kumimoji="0" lang="ko-KR" altLang="en-US" sz="3400" b="1" i="0" u="none" strike="noStrike" kern="1200" cap="none" spc="0" normalizeH="0" baseline="0" mc:Ignorable="hp" hp:hslEmbossed="0">
+              <a:solidFill>
+                <a:srgbClr val="000000"/>
+              </a:solidFill>
+              <a:latin typeface="Calibri"/>
+              <a:ea typeface="맑은 고딕"/>
+              <a:cs typeface="맑은 고딕"/>
+            </a:endParaRPr>
+          </a:p>
+        </p:txBody>
+      </p:sp>
+      <p:graphicFrame>
+        <p:nvGraphicFramePr>
+          <p:cNvPr id="12" name=""/>
+          <p:cNvGraphicFramePr>
+            <a:graphicFrameLocks noGrp="1"/>
+          </p:cNvGraphicFramePr>
+          <p:nvPr/>
+        </p:nvGraphicFramePr>
+        <p:xfrm>
+          <a:off x="104775" y="1207007"/>
+          <a:ext cx="11989500" cy="4443984"/>
+        </p:xfrm>
+        <a:graphic>
+          <a:graphicData uri="http://schemas.openxmlformats.org/drawingml/2006/table">
+            <a:tbl>
+              <a:tblPr firstRow="1" bandRow="1">
+                <a:tableStyleId>{D68EC60B-5C72-4F00-A40B-8A06571290DB}</a:tableStyleId>
+              </a:tblPr>
+              <a:tblGrid>
+                <a:gridCol w="1620202"/>
+                <a:gridCol w="2160270"/>
+                <a:gridCol w="684085"/>
+                <a:gridCol w="684085"/>
+                <a:gridCol w="684085"/>
+                <a:gridCol w="684085"/>
+                <a:gridCol w="684085"/>
+                <a:gridCol w="684085"/>
+                <a:gridCol w="684085"/>
+                <a:gridCol w="684085"/>
+                <a:gridCol w="684085"/>
+                <a:gridCol w="684085"/>
+                <a:gridCol w="684085"/>
+                <a:gridCol w="684085"/>
+              </a:tblGrid>
+              <a:tr h="180022">
+                <a:tc rowSpan="3">
+                  <a:txBody>
+                    <a:bodyPr vert="horz" wrap="square" lIns="91440" tIns="45720" rIns="91440" bIns="45720" anchor="ctr" anchorCtr="0">
+                      <a:spAutoFit/>
+                    </a:bodyPr>
+                    <a:p>
+                      <a:pPr algn="ctr">
+                        <a:defRPr/>
+                      </a:pPr>
+                      <a:r>
+                        <a:rPr lang="ko-KR" altLang="en-US" sz="1900"/>
+                        <a:t>진행 구분</a:t>
+                      </a:r>
+                      <a:endParaRPr lang="ko-KR" altLang="en-US" sz="1900"/>
+                    </a:p>
+                  </a:txBody>
+                  <a:tcPr marL="91440" marR="91440" anchor="ctr">
+                    <a:lnL w="12700" cap="flat" cmpd="sng" algn="ctr">
+                      <a:solidFill>
+                        <a:schemeClr val="lt1"/>
+                      </a:solidFill>
+                      <a:prstDash val="solid"/>
+                      <a:round/>
+                      <a:headEnd w="med" len="med"/>
+                      <a:tailEnd w="med" len="med"/>
+                    </a:lnL>
+                    <a:lnR w="12700" cap="flat" cmpd="sng" algn="ctr">
+                      <a:solidFill>
+                        <a:schemeClr val="lt1"/>
+                      </a:solidFill>
+                      <a:prstDash val="solid"/>
+                      <a:round/>
+                      <a:headEnd w="med" len="med"/>
+                      <a:tailEnd w="med" len="med"/>
+                    </a:lnR>
+                    <a:lnT w="12700" cap="flat" cmpd="sng" algn="ctr">
+                      <a:solidFill>
+                        <a:schemeClr val="lt1"/>
+                      </a:solidFill>
+                      <a:prstDash val="solid"/>
+                      <a:round/>
+                      <a:headEnd w="med" len="med"/>
+                      <a:tailEnd w="med" len="med"/>
+                    </a:lnT>
+                    <a:lnB w="38100" cap="flat" cmpd="sng" algn="ctr">
+                      <a:solidFill>
+                        <a:schemeClr val="lt1"/>
+                      </a:solidFill>
+                      <a:prstDash val="solid"/>
+                      <a:round/>
+                      <a:headEnd w="med" len="med"/>
+                      <a:tailEnd w="med" len="med"/>
+                    </a:lnB>
+                  </a:tcPr>
+                </a:tc>
+                <a:tc rowSpan="3">
+                  <a:txBody>
+                    <a:bodyPr vert="horz" wrap="square" lIns="91440" tIns="45720" rIns="91440" bIns="45720" anchor="ctr" anchorCtr="0">
+                      <a:spAutoFit/>
+                    </a:bodyPr>
+                    <a:p>
+                      <a:pPr algn="ctr">
+                        <a:defRPr/>
+                      </a:pPr>
+                      <a:r>
+                        <a:rPr lang="ko-KR" altLang="en-US" sz="1900"/>
+                        <a:t>세부 내역</a:t>
+                      </a:r>
+                      <a:endParaRPr lang="ko-KR" altLang="en-US" sz="1900"/>
+                    </a:p>
+                  </a:txBody>
+                  <a:tcPr marL="91440" marR="91440" anchor="ctr">
+                    <a:lnL w="12700" cap="flat" cmpd="sng" algn="ctr">
+                      <a:solidFill>
+                        <a:schemeClr val="lt1"/>
+                      </a:solidFill>
+                      <a:prstDash val="solid"/>
+                      <a:round/>
+                      <a:headEnd w="med" len="med"/>
+                      <a:tailEnd w="med" len="med"/>
+                    </a:lnL>
+                    <a:lnR w="12700" cap="flat" cmpd="sng" algn="ctr">
+                      <a:solidFill>
+                        <a:schemeClr val="lt1"/>
+                      </a:solidFill>
+                      <a:prstDash val="solid"/>
+                      <a:round/>
+                      <a:headEnd w="med" len="med"/>
+                      <a:tailEnd w="med" len="med"/>
+                    </a:lnR>
+                    <a:lnT w="12700" cap="flat" cmpd="sng" algn="ctr">
+                      <a:solidFill>
+                        <a:schemeClr val="lt1"/>
+                      </a:solidFill>
+                      <a:prstDash val="solid"/>
+                      <a:round/>
+                      <a:headEnd w="med" len="med"/>
+                      <a:tailEnd w="med" len="med"/>
+                    </a:lnT>
+                    <a:lnB w="38100" cap="flat" cmpd="sng" algn="ctr">
+                      <a:solidFill>
+                        <a:schemeClr val="lt1"/>
+                      </a:solidFill>
+                      <a:prstDash val="solid"/>
+                      <a:round/>
+                      <a:headEnd w="med" len="med"/>
+                      <a:tailEnd w="med" len="med"/>
+                    </a:lnB>
+                  </a:tcPr>
+                </a:tc>
+                <a:tc gridSpan="12">
+                  <a:txBody>
+                    <a:bodyPr vert="horz" wrap="square" lIns="91440" tIns="45720" rIns="91440" bIns="45720" anchor="t" anchorCtr="0">
+                      <a:spAutoFit/>
+                    </a:bodyPr>
+                    <a:p>
+                      <a:pPr algn="ctr">
+                        <a:defRPr/>
+                      </a:pPr>
+                      <a:r>
+                        <a:rPr lang="ko-KR" altLang="en-US" sz="1900"/>
+                        <a:t>진행 경과</a:t>
+                      </a:r>
+                      <a:endParaRPr lang="ko-KR" altLang="en-US" sz="1900"/>
+                    </a:p>
+                  </a:txBody>
+                  <a:tcPr marL="91440" marR="91440">
+                    <a:lnL w="12700" cap="flat" cmpd="sng" algn="ctr">
+                      <a:solidFill>
+                        <a:schemeClr val="lt1"/>
+                      </a:solidFill>
+                      <a:prstDash val="solid"/>
+                      <a:round/>
+                      <a:headEnd w="med" len="med"/>
+                      <a:tailEnd w="med" len="med"/>
+                    </a:lnL>
+                    <a:lnR w="12700" cap="flat" cmpd="sng" algn="ctr">
+                      <a:solidFill>
+                        <a:schemeClr val="lt1"/>
+                      </a:solidFill>
+                      <a:prstDash val="solid"/>
+                      <a:round/>
+                      <a:headEnd w="med" len="med"/>
+                      <a:tailEnd w="med" len="med"/>
+                    </a:lnR>
+                    <a:lnT w="12700" cap="flat" cmpd="sng" algn="ctr">
+                      <a:solidFill>
+                        <a:schemeClr val="lt1"/>
+                      </a:solidFill>
+                      <a:prstDash val="solid"/>
+                      <a:round/>
+                      <a:headEnd w="med" len="med"/>
+                      <a:tailEnd w="med" len="med"/>
+                    </a:lnT>
+                    <a:lnB w="12700" cap="flat" cmpd="sng" algn="ctr">
+                      <a:solidFill>
+                        <a:schemeClr val="lt1"/>
+                      </a:solidFill>
+                      <a:prstDash val="solid"/>
+                      <a:round/>
+                      <a:headEnd w="med" len="med"/>
+                      <a:tailEnd w="med" len="med"/>
+                    </a:lnB>
+                  </a:tcPr>
+                </a:tc>
+                <a:tc hMerge="1">
+                  <a:txBody>
+                    <a:bodyPr vert="horz" wrap="square" lIns="91440" tIns="45720" rIns="91440" bIns="45720" anchor="t" anchorCtr="0">
+                      <a:spAutoFit/>
+                    </a:bodyPr>
+                    <a:p>
+                      <a:pPr>
+                        <a:defRPr/>
+                      </a:pPr>
+                      <a:endParaRPr lang="ko-KR" altLang="en-US"/>
+                    </a:p>
+                  </a:txBody>
+                  <a:tcPr marL="91440" marR="91440">
+                    <a:lnL w="12700" cap="flat" cmpd="sng" algn="ctr">
+                      <a:solidFill>
+                        <a:schemeClr val="lt1"/>
+                      </a:solidFill>
+                      <a:prstDash val="solid"/>
+                      <a:round/>
+                      <a:headEnd w="med" len="med"/>
+                      <a:tailEnd w="med" len="med"/>
+                    </a:lnL>
+                    <a:lnR w="12700" cap="flat" cmpd="sng" algn="ctr">
+                      <a:solidFill>
+                        <a:schemeClr val="lt1"/>
+                      </a:solidFill>
+                      <a:prstDash val="solid"/>
+                      <a:round/>
+                      <a:headEnd w="med" len="med"/>
+                      <a:tailEnd w="med" len="med"/>
+                    </a:lnR>
+                    <a:lnT w="38100" cap="flat" cmpd="sng" algn="ctr">
+                      <a:solidFill>
+                        <a:schemeClr val="lt1"/>
+                      </a:solidFill>
+                      <a:prstDash val="solid"/>
+                      <a:round/>
+                      <a:headEnd w="med" len="med"/>
+                      <a:tailEnd w="med" len="med"/>
+                    </a:lnT>
+                    <a:lnB w="12700" cap="flat" cmpd="sng" algn="ctr">
+                      <a:solidFill>
+                        <a:schemeClr val="lt1"/>
+                      </a:solidFill>
+                      <a:prstDash val="solid"/>
+                      <a:round/>
+                      <a:headEnd w="med" len="med"/>
+                      <a:tailEnd w="med" len="med"/>
+                    </a:lnB>
+                  </a:tcPr>
+                </a:tc>
+                <a:tc hMerge="1">
+                  <a:txBody>
+                    <a:bodyPr vert="horz" wrap="square" lIns="91440" tIns="45720" rIns="91440" bIns="45720" anchor="t" anchorCtr="0">
+                      <a:spAutoFit/>
+                    </a:bodyPr>
+                    <a:p>
+                      <a:pPr>
+                        <a:defRPr/>
+                      </a:pPr>
+                      <a:endParaRPr lang="ko-KR" altLang="en-US"/>
+                    </a:p>
+                  </a:txBody>
+                  <a:tcPr marL="91440" marR="91440">
+                    <a:lnL w="12700" cap="flat" cmpd="sng" algn="ctr">
+                      <a:solidFill>
+                        <a:schemeClr val="lt1"/>
+                      </a:solidFill>
+                      <a:prstDash val="solid"/>
+                      <a:round/>
+                      <a:headEnd w="med" len="med"/>
+                      <a:tailEnd w="med" len="med"/>
+                    </a:lnL>
+                    <a:lnR w="12700" cap="flat" cmpd="sng" algn="ctr">
+                      <a:solidFill>
+                        <a:schemeClr val="lt1"/>
+                      </a:solidFill>
+                      <a:prstDash val="solid"/>
+                      <a:round/>
+                      <a:headEnd w="med" len="med"/>
+                      <a:tailEnd w="med" len="med"/>
+                    </a:lnR>
+                    <a:lnT w="38100" cap="flat" cmpd="sng" algn="ctr">
+                      <a:solidFill>
+                        <a:schemeClr val="lt1"/>
+                      </a:solidFill>
+                      <a:prstDash val="solid"/>
+                      <a:round/>
+                      <a:headEnd w="med" len="med"/>
+                      <a:tailEnd w="med" len="med"/>
+                    </a:lnT>
+                    <a:lnB w="12700" cap="flat" cmpd="sng" algn="ctr">
+                      <a:solidFill>
+                        <a:schemeClr val="lt1"/>
+                      </a:solidFill>
+                      <a:prstDash val="solid"/>
+                      <a:round/>
+                      <a:headEnd w="med" len="med"/>
+                      <a:tailEnd w="med" len="med"/>
+                    </a:lnB>
+                  </a:tcPr>
+                </a:tc>
+                <a:tc hMerge="1">
+                  <a:txBody>
+                    <a:bodyPr vert="horz" wrap="square" lIns="91440" tIns="45720" rIns="91440" bIns="45720" anchor="t" anchorCtr="0">
+                      <a:spAutoFit/>
+                    </a:bodyPr>
+                    <a:p>
+                      <a:pPr>
+                        <a:defRPr/>
+                      </a:pPr>
+                      <a:endParaRPr lang="ko-KR" altLang="en-US"/>
+                    </a:p>
+                  </a:txBody>
+                  <a:tcPr marL="91440" marR="91440">
+                    <a:lnL w="12700" cap="flat" cmpd="sng" algn="ctr">
+                      <a:solidFill>
+                        <a:schemeClr val="lt1"/>
+                      </a:solidFill>
+                      <a:prstDash val="solid"/>
+                      <a:round/>
+                      <a:headEnd w="med" len="med"/>
+                      <a:tailEnd w="med" len="med"/>
+                    </a:lnL>
+                    <a:lnR w="12700" cap="flat" cmpd="sng" algn="ctr">
+                      <a:solidFill>
+                        <a:schemeClr val="lt1"/>
+                      </a:solidFill>
+                      <a:prstDash val="solid"/>
+                      <a:round/>
+                      <a:headEnd w="med" len="med"/>
+                      <a:tailEnd w="med" len="med"/>
+                    </a:lnR>
+                    <a:lnT w="38100" cap="flat" cmpd="sng" algn="ctr">
+                      <a:solidFill>
+                        <a:schemeClr val="lt1"/>
+                      </a:solidFill>
+                      <a:prstDash val="solid"/>
+                      <a:round/>
+                      <a:headEnd w="med" len="med"/>
+                      <a:tailEnd w="med" len="med"/>
+                    </a:lnT>
+                    <a:lnB w="12700" cap="flat" cmpd="sng" algn="ctr">
+                      <a:solidFill>
+                        <a:schemeClr val="lt1"/>
+                      </a:solidFill>
+                      <a:prstDash val="solid"/>
+                      <a:round/>
+                      <a:headEnd w="med" len="med"/>
+                      <a:tailEnd w="med" len="med"/>
+                    </a:lnB>
+                  </a:tcPr>
+                </a:tc>
+                <a:tc hMerge="1">
+                  <a:txBody>
+                    <a:bodyPr vert="horz" wrap="square" lIns="91440" tIns="45720" rIns="91440" bIns="45720" anchor="t" anchorCtr="0">
+                      <a:spAutoFit/>
+                    </a:bodyPr>
+                    <a:p>
+                      <a:pPr>
+                        <a:defRPr/>
+                      </a:pPr>
+                      <a:endParaRPr lang="ko-KR" altLang="en-US"/>
+                    </a:p>
+                  </a:txBody>
+                  <a:tcPr marL="91440" marR="91440">
+                    <a:lnL w="12700" cap="flat" cmpd="sng" algn="ctr">
+                      <a:solidFill>
+                        <a:schemeClr val="lt1"/>
+                      </a:solidFill>
+                      <a:prstDash val="solid"/>
+                      <a:round/>
+                      <a:headEnd w="med" len="med"/>
+                      <a:tailEnd w="med" len="med"/>
+                    </a:lnL>
+                    <a:lnR w="12700" cap="flat" cmpd="sng" algn="ctr">
+                      <a:solidFill>
+                        <a:schemeClr val="lt1"/>
+                      </a:solidFill>
+                      <a:prstDash val="solid"/>
+                      <a:round/>
+                      <a:headEnd w="med" len="med"/>
+                      <a:tailEnd w="med" len="med"/>
+                    </a:lnR>
+                    <a:lnT w="38100" cap="flat" cmpd="sng" algn="ctr">
+                      <a:solidFill>
+                        <a:schemeClr val="lt1"/>
+                      </a:solidFill>
+                      <a:prstDash val="solid"/>
+                      <a:round/>
+                      <a:headEnd w="med" len="med"/>
+                      <a:tailEnd w="med" len="med"/>
+                    </a:lnT>
+                    <a:lnB w="12700" cap="flat" cmpd="sng" algn="ctr">
+                      <a:solidFill>
+                        <a:schemeClr val="lt1"/>
+                      </a:solidFill>
+                      <a:prstDash val="solid"/>
+                      <a:round/>
+                      <a:headEnd w="med" len="med"/>
+                      <a:tailEnd w="med" len="med"/>
+                    </a:lnB>
+                  </a:tcPr>
+                </a:tc>
+                <a:tc hMerge="1">
+                  <a:txBody>
+                    <a:bodyPr vert="horz" wrap="square" lIns="91440" tIns="45720" rIns="91440" bIns="45720" anchor="t" anchorCtr="0">
+                      <a:spAutoFit/>
+                    </a:bodyPr>
+                    <a:p>
+                      <a:pPr>
+                        <a:defRPr/>
+                      </a:pPr>
+                      <a:endParaRPr lang="ko-KR" altLang="en-US"/>
+                    </a:p>
+                  </a:txBody>
+                  <a:tcPr marL="91440" marR="91440">
+                    <a:lnL w="12700" cap="flat" cmpd="sng" algn="ctr">
+                      <a:solidFill>
+                        <a:schemeClr val="lt1"/>
+                      </a:solidFill>
+                      <a:prstDash val="solid"/>
+                      <a:round/>
+                      <a:headEnd w="med" len="med"/>
+                      <a:tailEnd w="med" len="med"/>
+                    </a:lnL>
+                    <a:lnR w="12700" cap="flat" cmpd="sng" algn="ctr">
+                      <a:solidFill>
+                        <a:schemeClr val="lt1"/>
+                      </a:solidFill>
+                      <a:prstDash val="solid"/>
+                      <a:round/>
+                      <a:headEnd w="med" len="med"/>
+                      <a:tailEnd w="med" len="med"/>
+                    </a:lnR>
+                    <a:lnT w="38100" cap="flat" cmpd="sng" algn="ctr">
+                      <a:solidFill>
+                        <a:schemeClr val="lt1"/>
+                      </a:solidFill>
+                      <a:prstDash val="solid"/>
+                      <a:round/>
+                      <a:headEnd w="med" len="med"/>
+                      <a:tailEnd w="med" len="med"/>
+                    </a:lnT>
+                    <a:lnB w="12700" cap="flat" cmpd="sng" algn="ctr">
+                      <a:solidFill>
+                        <a:schemeClr val="lt1"/>
+                      </a:solidFill>
+                      <a:prstDash val="solid"/>
+                      <a:round/>
+                      <a:headEnd w="med" len="med"/>
+                      <a:tailEnd w="med" len="med"/>
+                    </a:lnB>
+                  </a:tcPr>
+                </a:tc>
+                <a:tc hMerge="1">
+                  <a:txBody>
+                    <a:bodyPr vert="horz" wrap="square" lIns="91440" tIns="45720" rIns="91440" bIns="45720" anchor="t" anchorCtr="0">
+                      <a:spAutoFit/>
+                    </a:bodyPr>
+                    <a:p>
+                      <a:pPr>
+                        <a:defRPr/>
+                      </a:pPr>
+                      <a:endParaRPr lang="ko-KR" altLang="en-US"/>
+                    </a:p>
+                  </a:txBody>
+                  <a:tcPr marL="91440" marR="91440">
+                    <a:lnL w="12700" cap="flat" cmpd="sng" algn="ctr">
+                      <a:solidFill>
+                        <a:schemeClr val="lt1"/>
+                      </a:solidFill>
+                      <a:prstDash val="solid"/>
+                      <a:round/>
+                      <a:headEnd w="med" len="med"/>
+                      <a:tailEnd w="med" len="med"/>
+                    </a:lnL>
+                    <a:lnR w="12700" cap="flat" cmpd="sng" algn="ctr">
+                      <a:solidFill>
+                        <a:schemeClr val="lt1"/>
+                      </a:solidFill>
+                      <a:prstDash val="solid"/>
+                      <a:round/>
+                      <a:headEnd w="med" len="med"/>
+                      <a:tailEnd w="med" len="med"/>
+                    </a:lnR>
+                    <a:lnT w="38100" cap="flat" cmpd="sng" algn="ctr">
+                      <a:solidFill>
+                        <a:schemeClr val="lt1"/>
+                      </a:solidFill>
+                      <a:prstDash val="solid"/>
+                      <a:round/>
+                      <a:headEnd w="med" len="med"/>
+                      <a:tailEnd w="med" len="med"/>
+                    </a:lnT>
+                    <a:lnB w="12700" cap="flat" cmpd="sng" algn="ctr">
+                      <a:solidFill>
+                        <a:schemeClr val="lt1"/>
+                      </a:solidFill>
+                      <a:prstDash val="solid"/>
+                      <a:round/>
+                      <a:headEnd w="med" len="med"/>
+                      <a:tailEnd w="med" len="med"/>
+                    </a:lnB>
+                  </a:tcPr>
+                </a:tc>
+                <a:tc hMerge="1">
+                  <a:txBody>
+                    <a:bodyPr vert="horz" wrap="square" lIns="91440" tIns="45720" rIns="91440" bIns="45720" anchor="t" anchorCtr="0">
+                      <a:spAutoFit/>
+                    </a:bodyPr>
+                    <a:p>
+                      <a:pPr>
+                        <a:defRPr/>
+                      </a:pPr>
+                      <a:endParaRPr lang="ko-KR" altLang="en-US"/>
+                    </a:p>
+                  </a:txBody>
+                  <a:tcPr marL="91440" marR="91440">
+                    <a:lnL w="12700" cap="flat" cmpd="sng" algn="ctr">
+                      <a:solidFill>
+                        <a:schemeClr val="lt1"/>
+                      </a:solidFill>
+                      <a:prstDash val="solid"/>
+                      <a:round/>
+                      <a:headEnd w="med" len="med"/>
+                      <a:tailEnd w="med" len="med"/>
+                    </a:lnL>
+                    <a:lnR w="12700" cap="flat" cmpd="sng" algn="ctr">
+                      <a:solidFill>
+                        <a:schemeClr val="lt1"/>
+                      </a:solidFill>
+                      <a:prstDash val="solid"/>
+                      <a:round/>
+                      <a:headEnd w="med" len="med"/>
+                      <a:tailEnd w="med" len="med"/>
+                    </a:lnR>
+                    <a:lnT w="38100" cap="flat" cmpd="sng" algn="ctr">
+                      <a:solidFill>
+                        <a:schemeClr val="lt1"/>
+                      </a:solidFill>
+                      <a:prstDash val="solid"/>
+                      <a:round/>
+                      <a:headEnd w="med" len="med"/>
+                      <a:tailEnd w="med" len="med"/>
+                    </a:lnT>
+                    <a:lnB w="12700" cap="flat" cmpd="sng" algn="ctr">
+                      <a:solidFill>
+                        <a:schemeClr val="lt1"/>
+                      </a:solidFill>
+                      <a:prstDash val="solid"/>
+                      <a:round/>
+                      <a:headEnd w="med" len="med"/>
+                      <a:tailEnd w="med" len="med"/>
+                    </a:lnB>
+                  </a:tcPr>
+                </a:tc>
+                <a:tc hMerge="1">
+                  <a:txBody>
+                    <a:bodyPr vert="horz" wrap="square" lIns="91440" tIns="45720" rIns="91440" bIns="45720" anchor="t" anchorCtr="0">
+                      <a:spAutoFit/>
+                    </a:bodyPr>
+                    <a:p>
+                      <a:pPr>
+                        <a:defRPr/>
+                      </a:pPr>
+                      <a:endParaRPr lang="ko-KR" altLang="en-US"/>
+                    </a:p>
+                  </a:txBody>
+                  <a:tcPr marL="91440" marR="91440">
+                    <a:lnL w="12700" cap="flat" cmpd="sng" algn="ctr">
+                      <a:solidFill>
+                        <a:schemeClr val="lt1"/>
+                      </a:solidFill>
+                      <a:prstDash val="solid"/>
+                      <a:round/>
+                      <a:headEnd w="med" len="med"/>
+                      <a:tailEnd w="med" len="med"/>
+                    </a:lnL>
+                    <a:lnR w="12700" cap="flat" cmpd="sng" algn="ctr">
+                      <a:solidFill>
+                        <a:schemeClr val="lt1"/>
+                      </a:solidFill>
+                      <a:prstDash val="solid"/>
+                      <a:round/>
+                      <a:headEnd w="med" len="med"/>
+                      <a:tailEnd w="med" len="med"/>
+                    </a:lnR>
+                    <a:lnT w="38100" cap="flat" cmpd="sng" algn="ctr">
+                      <a:solidFill>
+                        <a:schemeClr val="lt1"/>
+                      </a:solidFill>
+                      <a:prstDash val="solid"/>
+                      <a:round/>
+                      <a:headEnd w="med" len="med"/>
+                      <a:tailEnd w="med" len="med"/>
+                    </a:lnT>
+                    <a:lnB w="12700" cap="flat" cmpd="sng" algn="ctr">
+                      <a:solidFill>
+                        <a:schemeClr val="lt1"/>
+                      </a:solidFill>
+                      <a:prstDash val="solid"/>
+                      <a:round/>
+                      <a:headEnd w="med" len="med"/>
+                      <a:tailEnd w="med" len="med"/>
+                    </a:lnB>
+                  </a:tcPr>
+                </a:tc>
+                <a:tc hMerge="1">
+                  <a:txBody>
+                    <a:bodyPr vert="horz" wrap="square" lIns="91440" tIns="45720" rIns="91440" bIns="45720" anchor="t" anchorCtr="0">
+                      <a:spAutoFit/>
+                    </a:bodyPr>
+                    <a:p>
+                      <a:pPr>
+                        <a:defRPr/>
+                      </a:pPr>
+                      <a:endParaRPr lang="ko-KR" altLang="en-US"/>
+                    </a:p>
+                  </a:txBody>
+                  <a:tcPr marL="91440" marR="91440">
+                    <a:lnL w="12700" cap="flat" cmpd="sng" algn="ctr">
+                      <a:solidFill>
+                        <a:schemeClr val="lt1"/>
+                      </a:solidFill>
+                      <a:prstDash val="solid"/>
+                      <a:round/>
+                      <a:headEnd w="med" len="med"/>
+                      <a:tailEnd w="med" len="med"/>
+                    </a:lnL>
+                    <a:lnR w="12700" cap="flat" cmpd="sng" algn="ctr">
+                      <a:solidFill>
+                        <a:schemeClr val="lt1"/>
+                      </a:solidFill>
+                      <a:prstDash val="solid"/>
+                      <a:round/>
+                      <a:headEnd w="med" len="med"/>
+                      <a:tailEnd w="med" len="med"/>
+                    </a:lnR>
+                    <a:lnT w="38100" cap="flat" cmpd="sng" algn="ctr">
+                      <a:solidFill>
+                        <a:schemeClr val="lt1"/>
+                      </a:solidFill>
+                      <a:prstDash val="solid"/>
+                      <a:round/>
+                      <a:headEnd w="med" len="med"/>
+                      <a:tailEnd w="med" len="med"/>
+                    </a:lnT>
+                    <a:lnB w="12700" cap="flat" cmpd="sng" algn="ctr">
+                      <a:solidFill>
+                        <a:schemeClr val="lt1"/>
+                      </a:solidFill>
+                      <a:prstDash val="solid"/>
+                      <a:round/>
+                      <a:headEnd w="med" len="med"/>
+                      <a:tailEnd w="med" len="med"/>
+                    </a:lnB>
+                  </a:tcPr>
+                </a:tc>
+                <a:tc hMerge="1">
+                  <a:txBody>
+                    <a:bodyPr vert="horz" wrap="square" lIns="91440" tIns="45720" rIns="91440" bIns="45720" anchor="t" anchorCtr="0">
+                      <a:spAutoFit/>
+                    </a:bodyPr>
+                    <a:p>
+                      <a:pPr>
+                        <a:defRPr/>
+                      </a:pPr>
+                      <a:endParaRPr lang="ko-KR" altLang="en-US"/>
+                    </a:p>
+                  </a:txBody>
+                  <a:tcPr marL="91440" marR="91440">
+                    <a:lnL w="12700" cap="flat" cmpd="sng" algn="ctr">
+                      <a:solidFill>
+                        <a:schemeClr val="lt1"/>
+                      </a:solidFill>
+                      <a:prstDash val="solid"/>
+                      <a:round/>
+                      <a:headEnd w="med" len="med"/>
+                      <a:tailEnd w="med" len="med"/>
+                    </a:lnL>
+                    <a:lnR w="12700" cap="flat" cmpd="sng" algn="ctr">
+                      <a:solidFill>
+                        <a:schemeClr val="lt1"/>
+                      </a:solidFill>
+                      <a:prstDash val="solid"/>
+                      <a:round/>
+                      <a:headEnd w="med" len="med"/>
+                      <a:tailEnd w="med" len="med"/>
+                    </a:lnR>
+                    <a:lnT w="38100" cap="flat" cmpd="sng" algn="ctr">
+                      <a:solidFill>
+                        <a:schemeClr val="lt1"/>
+                      </a:solidFill>
+                      <a:prstDash val="solid"/>
+                      <a:round/>
+                      <a:headEnd w="med" len="med"/>
+                      <a:tailEnd w="med" len="med"/>
+                    </a:lnT>
+                    <a:lnB w="12700" cap="flat" cmpd="sng" algn="ctr">
+                      <a:solidFill>
+                        <a:schemeClr val="lt1"/>
+                      </a:solidFill>
+                      <a:prstDash val="solid"/>
+                      <a:round/>
+                      <a:headEnd w="med" len="med"/>
+                      <a:tailEnd w="med" len="med"/>
+                    </a:lnB>
+                  </a:tcPr>
+                </a:tc>
+                <a:tc hMerge="1">
+                  <a:txBody>
+                    <a:bodyPr vert="horz" wrap="square" lIns="91440" tIns="45720" rIns="91440" bIns="45720" anchor="t" anchorCtr="0">
+                      <a:spAutoFit/>
+                    </a:bodyPr>
+                    <a:p>
+                      <a:pPr>
+                        <a:defRPr/>
+                      </a:pPr>
+                      <a:endParaRPr lang="ko-KR" altLang="en-US"/>
+                    </a:p>
+                  </a:txBody>
+                  <a:tcPr marL="91440" marR="91440">
+                    <a:lnL w="12700" cap="flat" cmpd="sng" algn="ctr">
+                      <a:solidFill>
+                        <a:schemeClr val="lt1"/>
+                      </a:solidFill>
+                      <a:prstDash val="solid"/>
+                      <a:round/>
+                      <a:headEnd w="med" len="med"/>
+                      <a:tailEnd w="med" len="med"/>
+                    </a:lnL>
+                    <a:lnR w="38100" cap="flat" cmpd="sng" algn="ctr">
+                      <a:solidFill>
+                        <a:schemeClr val="lt1"/>
+                      </a:solidFill>
+                      <a:prstDash val="solid"/>
+                      <a:round/>
+                      <a:headEnd w="med" len="med"/>
+                      <a:tailEnd w="med" len="med"/>
+                    </a:lnR>
+                    <a:lnT w="38100" cap="flat" cmpd="sng" algn="ctr">
+                      <a:solidFill>
+                        <a:schemeClr val="lt1"/>
+                      </a:solidFill>
+                      <a:prstDash val="solid"/>
+                      <a:round/>
+                      <a:headEnd w="med" len="med"/>
+                      <a:tailEnd w="med" len="med"/>
+                    </a:lnT>
+                    <a:lnB w="12700" cap="flat" cmpd="sng" algn="ctr">
+                      <a:solidFill>
+                        <a:schemeClr val="lt1"/>
+                      </a:solidFill>
+                      <a:prstDash val="solid"/>
+                      <a:round/>
+                      <a:headEnd w="med" len="med"/>
+                      <a:tailEnd w="med" len="med"/>
+                    </a:lnB>
+                  </a:tcPr>
+                </a:tc>
+              </a:tr>
+              <a:tr h="180022">
+                <a:tc vMerge="1">
+                  <a:txBody>
+                    <a:bodyPr wrap="square">
+                      <a:spAutoFit/>
+                    </a:bodyPr>
+                    <a:p>
+                      <a:pPr>
+                        <a:defRPr/>
+                      </a:pPr>
+                      <a:endParaRPr lang="ko-KR" altLang="en-US"/>
+                    </a:p>
+                  </a:txBody>
+                  <a:tcPr marL="91440" marR="91440"/>
+                </a:tc>
+                <a:tc vMerge="1">
+                  <a:txBody>
+                    <a:bodyPr wrap="square">
+                      <a:spAutoFit/>
+                    </a:bodyPr>
+                    <a:p>
+                      <a:pPr>
+                        <a:defRPr/>
+                      </a:pPr>
+                      <a:endParaRPr lang="ko-KR" altLang="en-US"/>
+                    </a:p>
+                  </a:txBody>
+                  <a:tcPr marL="91440" marR="91440"/>
+                </a:tc>
+                <a:tc gridSpan="4">
+                  <a:txBody>
+                    <a:bodyPr vert="horz" wrap="square" lIns="91440" tIns="45720" rIns="91440" bIns="45720" anchor="t" anchorCtr="0">
+                      <a:spAutoFit/>
+                    </a:bodyPr>
+                    <a:p>
+                      <a:pPr algn="ctr">
+                        <a:defRPr/>
+                      </a:pPr>
+                      <a:r>
+                        <a:rPr lang="en-US" altLang="ko-KR" sz="1900" b="1">
+                          <a:solidFill>
+                            <a:schemeClr val="lt1"/>
+                          </a:solidFill>
+                        </a:rPr>
+                        <a:t>8</a:t>
+                      </a:r>
+                      <a:r>
+                        <a:rPr lang="ko-KR" altLang="en-US" sz="1900" b="1">
+                          <a:solidFill>
+                            <a:schemeClr val="lt1"/>
+                          </a:solidFill>
+                        </a:rPr>
+                        <a:t>월</a:t>
+                      </a:r>
+                      <a:endParaRPr lang="ko-KR" altLang="en-US" sz="1900" b="1">
+                        <a:solidFill>
+                          <a:schemeClr val="lt1"/>
+                        </a:solidFill>
+                      </a:endParaRPr>
+                    </a:p>
+                  </a:txBody>
+                  <a:tcPr marL="91440" marR="91440">
+                    <a:lnL w="12700" cap="flat" cmpd="sng" algn="ctr">
+                      <a:solidFill>
+                        <a:schemeClr val="lt1"/>
+                      </a:solidFill>
+                      <a:prstDash val="solid"/>
+                      <a:round/>
+                      <a:headEnd w="med" len="med"/>
+                      <a:tailEnd w="med" len="med"/>
+                    </a:lnL>
+                    <a:lnR w="12700" cap="flat" cmpd="sng" algn="ctr">
+                      <a:solidFill>
+                        <a:schemeClr val="lt1"/>
+                      </a:solidFill>
+                      <a:prstDash val="solid"/>
+                      <a:round/>
+                      <a:headEnd w="med" len="med"/>
+                      <a:tailEnd w="med" len="med"/>
+                    </a:lnR>
+                    <a:lnT w="12700" cap="flat" cmpd="sng" algn="ctr">
+                      <a:solidFill>
+                        <a:schemeClr val="lt1"/>
+                      </a:solidFill>
+                      <a:prstDash val="solid"/>
+                      <a:round/>
+                      <a:headEnd w="med" len="med"/>
+                      <a:tailEnd w="med" len="med"/>
+                    </a:lnT>
+                    <a:lnB w="12700" cap="flat" cmpd="sng" algn="ctr">
+                      <a:solidFill>
+                        <a:schemeClr val="lt1"/>
+                      </a:solidFill>
+                      <a:prstDash val="solid"/>
+                      <a:round/>
+                      <a:headEnd w="med" len="med"/>
+                      <a:tailEnd w="med" len="med"/>
+                    </a:lnB>
+                    <a:solidFill>
+                      <a:srgbClr val="ff843a"/>
+                    </a:solidFill>
+                  </a:tcPr>
+                </a:tc>
+                <a:tc hMerge="1">
+                  <a:txBody>
+                    <a:bodyPr vert="horz" wrap="square" lIns="91440" tIns="45720" rIns="91440" bIns="45720" anchor="t" anchorCtr="0">
+                      <a:spAutoFit/>
+                    </a:bodyPr>
+                    <a:p>
+                      <a:pPr>
+                        <a:defRPr/>
+                      </a:pPr>
+                      <a:endParaRPr lang="ko-KR" altLang="en-US"/>
+                    </a:p>
+                  </a:txBody>
+                  <a:tcPr marL="91440" marR="91440">
+                    <a:lnL w="12700" cap="flat" cmpd="sng" algn="ctr">
+                      <a:solidFill>
+                        <a:schemeClr val="lt1"/>
+                      </a:solidFill>
+                      <a:prstDash val="solid"/>
+                      <a:round/>
+                      <a:headEnd w="med" len="med"/>
+                      <a:tailEnd w="med" len="med"/>
+                    </a:lnL>
+                    <a:lnR w="12700" cap="flat" cmpd="sng" algn="ctr">
+                      <a:solidFill>
+                        <a:schemeClr val="lt1"/>
+                      </a:solidFill>
+                      <a:prstDash val="solid"/>
+                      <a:round/>
+                      <a:headEnd w="med" len="med"/>
+                      <a:tailEnd w="med" len="med"/>
+                    </a:lnR>
+                    <a:lnT w="12700" cap="flat" cmpd="sng" algn="ctr">
+                      <a:solidFill>
+                        <a:schemeClr val="lt1"/>
+                      </a:solidFill>
+                      <a:prstDash val="solid"/>
+                      <a:round/>
+                      <a:headEnd w="med" len="med"/>
+                      <a:tailEnd w="med" len="med"/>
+                    </a:lnT>
+                    <a:lnB w="12700" cap="flat" cmpd="sng" algn="ctr">
+                      <a:solidFill>
+                        <a:schemeClr val="lt1"/>
+                      </a:solidFill>
+                      <a:prstDash val="solid"/>
+                      <a:round/>
+                      <a:headEnd w="med" len="med"/>
+                      <a:tailEnd w="med" len="med"/>
+                    </a:lnB>
+                    <a:solidFill>
+                      <a:srgbClr val="ff843a"/>
+                    </a:solidFill>
+                  </a:tcPr>
+                </a:tc>
+                <a:tc hMerge="1">
+                  <a:txBody>
+                    <a:bodyPr vert="horz" wrap="square" lIns="91440" tIns="45720" rIns="91440" bIns="45720" anchor="t" anchorCtr="0">
+                      <a:spAutoFit/>
+                    </a:bodyPr>
+                    <a:p>
+                      <a:pPr>
+                        <a:defRPr/>
+                      </a:pPr>
+                      <a:endParaRPr lang="ko-KR" altLang="en-US"/>
+                    </a:p>
+                  </a:txBody>
+                  <a:tcPr marL="91440" marR="91440">
+                    <a:lnL w="12700" cap="flat" cmpd="sng" algn="ctr">
+                      <a:solidFill>
+                        <a:schemeClr val="lt1"/>
+                      </a:solidFill>
+                      <a:prstDash val="solid"/>
+                      <a:round/>
+                      <a:headEnd w="med" len="med"/>
+                      <a:tailEnd w="med" len="med"/>
+                    </a:lnL>
+                    <a:lnR w="12700" cap="flat" cmpd="sng" algn="ctr">
+                      <a:solidFill>
+                        <a:schemeClr val="lt1"/>
+                      </a:solidFill>
+                      <a:prstDash val="solid"/>
+                      <a:round/>
+                      <a:headEnd w="med" len="med"/>
+                      <a:tailEnd w="med" len="med"/>
+                    </a:lnR>
+                    <a:lnT w="12700" cap="flat" cmpd="sng" algn="ctr">
+                      <a:solidFill>
+                        <a:schemeClr val="lt1"/>
+                      </a:solidFill>
+                      <a:prstDash val="solid"/>
+                      <a:round/>
+                      <a:headEnd w="med" len="med"/>
+                      <a:tailEnd w="med" len="med"/>
+                    </a:lnT>
+                    <a:lnB w="12700" cap="flat" cmpd="sng" algn="ctr">
+                      <a:solidFill>
+                        <a:schemeClr val="lt1"/>
+                      </a:solidFill>
+                      <a:prstDash val="solid"/>
+                      <a:round/>
+                      <a:headEnd w="med" len="med"/>
+                      <a:tailEnd w="med" len="med"/>
+                    </a:lnB>
+                    <a:solidFill>
+                      <a:srgbClr val="ff843a"/>
+                    </a:solidFill>
+                  </a:tcPr>
+                </a:tc>
+                <a:tc hMerge="1">
+                  <a:txBody>
+                    <a:bodyPr vert="horz" wrap="square" lIns="91440" tIns="45720" rIns="91440" bIns="45720" anchor="t" anchorCtr="0">
+                      <a:spAutoFit/>
+                    </a:bodyPr>
+                    <a:p>
+                      <a:pPr>
+                        <a:defRPr/>
+                      </a:pPr>
+                      <a:endParaRPr lang="ko-KR" altLang="en-US"/>
+                    </a:p>
+                  </a:txBody>
+                  <a:tcPr marL="91440" marR="91440">
+                    <a:lnL w="12700" cap="flat" cmpd="sng" algn="ctr">
+                      <a:solidFill>
+                        <a:schemeClr val="lt1"/>
+                      </a:solidFill>
+                      <a:prstDash val="solid"/>
+                      <a:round/>
+                      <a:headEnd w="med" len="med"/>
+                      <a:tailEnd w="med" len="med"/>
+                    </a:lnL>
+                    <a:lnR w="12700" cap="flat" cmpd="sng" algn="ctr">
+                      <a:solidFill>
+                        <a:schemeClr val="lt1"/>
+                      </a:solidFill>
+                      <a:prstDash val="solid"/>
+                      <a:round/>
+                      <a:headEnd w="med" len="med"/>
+                      <a:tailEnd w="med" len="med"/>
+                    </a:lnR>
+                    <a:lnT w="12700" cap="flat" cmpd="sng" algn="ctr">
+                      <a:solidFill>
+                        <a:schemeClr val="lt1"/>
+                      </a:solidFill>
+                      <a:prstDash val="solid"/>
+                      <a:round/>
+                      <a:headEnd w="med" len="med"/>
+                      <a:tailEnd w="med" len="med"/>
+                    </a:lnT>
+                    <a:lnB w="12700" cap="flat" cmpd="sng" algn="ctr">
+                      <a:solidFill>
+                        <a:schemeClr val="lt1"/>
+                      </a:solidFill>
+                      <a:prstDash val="solid"/>
+                      <a:round/>
+                      <a:headEnd w="med" len="med"/>
+                      <a:tailEnd w="med" len="med"/>
+                    </a:lnB>
+                    <a:solidFill>
+                      <a:srgbClr val="ff843a"/>
+                    </a:solidFill>
+                  </a:tcPr>
+                </a:tc>
+                <a:tc gridSpan="4">
+                  <a:txBody>
+                    <a:bodyPr vert="horz" wrap="square" lIns="91440" tIns="45720" rIns="91440" bIns="45720" anchor="t" anchorCtr="0">
+                      <a:spAutoFit/>
+                    </a:bodyPr>
+                    <a:p>
+                      <a:pPr algn="ctr">
+                        <a:defRPr/>
+                      </a:pPr>
+                      <a:r>
+                        <a:rPr lang="en-US" altLang="ko-KR" sz="1900" b="1">
+                          <a:solidFill>
+                            <a:schemeClr val="lt1"/>
+                          </a:solidFill>
+                        </a:rPr>
+                        <a:t>9</a:t>
+                      </a:r>
+                      <a:r>
+                        <a:rPr lang="ko-KR" altLang="en-US" sz="1900" b="1">
+                          <a:solidFill>
+                            <a:schemeClr val="lt1"/>
+                          </a:solidFill>
+                        </a:rPr>
+                        <a:t>월</a:t>
+                      </a:r>
+                      <a:endParaRPr lang="en-US" altLang="ko-KR" sz="1900" b="1">
+                        <a:solidFill>
+                          <a:schemeClr val="lt1"/>
+                        </a:solidFill>
+                      </a:endParaRPr>
+                    </a:p>
+                  </a:txBody>
+                  <a:tcPr marL="91440" marR="91440">
+                    <a:lnL w="12700" cap="flat" cmpd="sng" algn="ctr">
+                      <a:solidFill>
+                        <a:schemeClr val="lt1"/>
+                      </a:solidFill>
+                      <a:prstDash val="solid"/>
+                      <a:round/>
+                      <a:headEnd w="med" len="med"/>
+                      <a:tailEnd w="med" len="med"/>
+                    </a:lnL>
+                    <a:lnR w="12700" cap="flat" cmpd="sng" algn="ctr">
+                      <a:solidFill>
+                        <a:schemeClr val="lt1"/>
+                      </a:solidFill>
+                      <a:prstDash val="solid"/>
+                      <a:round/>
+                      <a:headEnd w="med" len="med"/>
+                      <a:tailEnd w="med" len="med"/>
+                    </a:lnR>
+                    <a:lnT w="12700" cap="flat" cmpd="sng" algn="ctr">
+                      <a:solidFill>
+                        <a:schemeClr val="lt1"/>
+                      </a:solidFill>
+                      <a:prstDash val="solid"/>
+                      <a:round/>
+                      <a:headEnd w="med" len="med"/>
+                      <a:tailEnd w="med" len="med"/>
+                    </a:lnT>
+                    <a:lnB w="12700" cap="flat" cmpd="sng" algn="ctr">
+                      <a:solidFill>
+                        <a:schemeClr val="lt1"/>
+                      </a:solidFill>
+                      <a:prstDash val="solid"/>
+                      <a:round/>
+                      <a:headEnd w="med" len="med"/>
+                      <a:tailEnd w="med" len="med"/>
+                    </a:lnB>
+                    <a:solidFill>
+                      <a:srgbClr val="ff843a"/>
+                    </a:solidFill>
+                  </a:tcPr>
+                </a:tc>
+                <a:tc hMerge="1">
+                  <a:txBody>
+                    <a:bodyPr vert="horz" wrap="square" lIns="91440" tIns="45720" rIns="91440" bIns="45720" anchor="t" anchorCtr="0">
+                      <a:spAutoFit/>
+                    </a:bodyPr>
+                    <a:p>
+                      <a:pPr>
+                        <a:defRPr/>
+                      </a:pPr>
+                      <a:endParaRPr lang="ko-KR" altLang="en-US"/>
+                    </a:p>
+                  </a:txBody>
+                  <a:tcPr marL="91440" marR="91440">
+                    <a:lnL w="12700" cap="flat" cmpd="sng" algn="ctr">
+                      <a:solidFill>
+                        <a:schemeClr val="lt1"/>
+                      </a:solidFill>
+                      <a:prstDash val="solid"/>
+                      <a:round/>
+                      <a:headEnd w="med" len="med"/>
+                      <a:tailEnd w="med" len="med"/>
+                    </a:lnL>
+                    <a:lnR w="12700" cap="flat" cmpd="sng" algn="ctr">
+                      <a:solidFill>
+                        <a:schemeClr val="lt1"/>
+                      </a:solidFill>
+                      <a:prstDash val="solid"/>
+                      <a:round/>
+                      <a:headEnd w="med" len="med"/>
+                      <a:tailEnd w="med" len="med"/>
+                    </a:lnR>
+                    <a:lnT w="12700" cap="flat" cmpd="sng" algn="ctr">
+                      <a:solidFill>
+                        <a:schemeClr val="lt1"/>
+                      </a:solidFill>
+                      <a:prstDash val="solid"/>
+                      <a:round/>
+                      <a:headEnd w="med" len="med"/>
+                      <a:tailEnd w="med" len="med"/>
+                    </a:lnT>
+                    <a:lnB w="12700" cap="flat" cmpd="sng" algn="ctr">
+                      <a:solidFill>
+                        <a:schemeClr val="lt1"/>
+                      </a:solidFill>
+                      <a:prstDash val="solid"/>
+                      <a:round/>
+                      <a:headEnd w="med" len="med"/>
+                      <a:tailEnd w="med" len="med"/>
+                    </a:lnB>
+                    <a:solidFill>
+                      <a:srgbClr val="ff843a"/>
+                    </a:solidFill>
+                  </a:tcPr>
+                </a:tc>
+                <a:tc hMerge="1">
+                  <a:txBody>
+                    <a:bodyPr vert="horz" wrap="square" lIns="91440" tIns="45720" rIns="91440" bIns="45720" anchor="t" anchorCtr="0">
+                      <a:spAutoFit/>
+                    </a:bodyPr>
+                    <a:p>
+                      <a:pPr>
+                        <a:defRPr/>
+                      </a:pPr>
+                      <a:endParaRPr lang="ko-KR" altLang="en-US"/>
+                    </a:p>
+                  </a:txBody>
+                  <a:tcPr marL="91440" marR="91440">
+                    <a:lnL w="12700" cap="flat" cmpd="sng" algn="ctr">
+                      <a:solidFill>
+                        <a:schemeClr val="lt1"/>
+                      </a:solidFill>
+                      <a:prstDash val="solid"/>
+                      <a:round/>
+                      <a:headEnd w="med" len="med"/>
+                      <a:tailEnd w="med" len="med"/>
+                    </a:lnL>
+                    <a:lnR w="12700" cap="flat" cmpd="sng" algn="ctr">
+                      <a:solidFill>
+                        <a:schemeClr val="lt1"/>
+                      </a:solidFill>
+                      <a:prstDash val="solid"/>
+                      <a:round/>
+                      <a:headEnd w="med" len="med"/>
+                      <a:tailEnd w="med" len="med"/>
+                    </a:lnR>
+                    <a:lnT w="12700" cap="flat" cmpd="sng" algn="ctr">
+                      <a:solidFill>
+                        <a:schemeClr val="lt1"/>
+                      </a:solidFill>
+                      <a:prstDash val="solid"/>
+                      <a:round/>
+                      <a:headEnd w="med" len="med"/>
+                      <a:tailEnd w="med" len="med"/>
+                    </a:lnT>
+                    <a:lnB w="12700" cap="flat" cmpd="sng" algn="ctr">
+                      <a:solidFill>
+                        <a:schemeClr val="lt1"/>
+                      </a:solidFill>
+                      <a:prstDash val="solid"/>
+                      <a:round/>
+                      <a:headEnd w="med" len="med"/>
+                      <a:tailEnd w="med" len="med"/>
+                    </a:lnB>
+                    <a:solidFill>
+                      <a:srgbClr val="ff843a"/>
+                    </a:solidFill>
+                  </a:tcPr>
+                </a:tc>
+                <a:tc hMerge="1">
+                  <a:txBody>
+                    <a:bodyPr vert="horz" wrap="square" lIns="91440" tIns="45720" rIns="91440" bIns="45720" anchor="t" anchorCtr="0">
+                      <a:spAutoFit/>
+                    </a:bodyPr>
+                    <a:p>
+                      <a:pPr>
+                        <a:defRPr/>
+                      </a:pPr>
+                      <a:endParaRPr lang="ko-KR" altLang="en-US"/>
+                    </a:p>
+                  </a:txBody>
+                  <a:tcPr marL="91440" marR="91440">
+                    <a:lnL w="12700" cap="flat" cmpd="sng" algn="ctr">
+                      <a:solidFill>
+                        <a:schemeClr val="lt1"/>
+                      </a:solidFill>
+                      <a:prstDash val="solid"/>
+                      <a:round/>
+                      <a:headEnd w="med" len="med"/>
+                      <a:tailEnd w="med" len="med"/>
+                    </a:lnL>
+                    <a:lnR w="12700" cap="flat" cmpd="sng" algn="ctr">
+                      <a:solidFill>
+                        <a:schemeClr val="lt1"/>
+                      </a:solidFill>
+                      <a:prstDash val="solid"/>
+                      <a:round/>
+                      <a:headEnd w="med" len="med"/>
+                      <a:tailEnd w="med" len="med"/>
+                    </a:lnR>
+                    <a:lnT w="12700" cap="flat" cmpd="sng" algn="ctr">
+                      <a:solidFill>
+                        <a:schemeClr val="lt1"/>
+                      </a:solidFill>
+                      <a:prstDash val="solid"/>
+                      <a:round/>
+                      <a:headEnd w="med" len="med"/>
+                      <a:tailEnd w="med" len="med"/>
+                    </a:lnT>
+                    <a:lnB w="12700" cap="flat" cmpd="sng" algn="ctr">
+                      <a:solidFill>
+                        <a:schemeClr val="lt1"/>
+                      </a:solidFill>
+                      <a:prstDash val="solid"/>
+                      <a:round/>
+                      <a:headEnd w="med" len="med"/>
+                      <a:tailEnd w="med" len="med"/>
+                    </a:lnB>
+                    <a:solidFill>
+                      <a:srgbClr val="ff843a"/>
+                    </a:solidFill>
+                  </a:tcPr>
+                </a:tc>
+                <a:tc gridSpan="4">
+                  <a:txBody>
+                    <a:bodyPr vert="horz" wrap="square" lIns="91440" tIns="45720" rIns="91440" bIns="45720" anchor="t" anchorCtr="0">
+                      <a:spAutoFit/>
+                    </a:bodyPr>
+                    <a:p>
+                      <a:pPr algn="ctr">
+                        <a:defRPr/>
+                      </a:pPr>
+                      <a:r>
+                        <a:rPr lang="en-US" altLang="ko-KR" sz="1900" b="1">
+                          <a:solidFill>
+                            <a:schemeClr val="lt1"/>
+                          </a:solidFill>
+                        </a:rPr>
+                        <a:t>10</a:t>
+                      </a:r>
+                      <a:r>
+                        <a:rPr lang="ko-KR" altLang="en-US" sz="1900" b="1">
+                          <a:solidFill>
+                            <a:schemeClr val="lt1"/>
+                          </a:solidFill>
+                        </a:rPr>
+                        <a:t>월</a:t>
+                      </a:r>
+                      <a:endParaRPr lang="ko-KR" altLang="en-US" sz="1900" b="1">
+                        <a:solidFill>
+                          <a:schemeClr val="lt1"/>
+                        </a:solidFill>
+                      </a:endParaRPr>
+                    </a:p>
+                  </a:txBody>
+                  <a:tcPr marL="91440" marR="91440">
+                    <a:lnL w="12700" cap="flat" cmpd="sng" algn="ctr">
+                      <a:solidFill>
+                        <a:schemeClr val="lt1"/>
+                      </a:solidFill>
+                      <a:prstDash val="solid"/>
+                      <a:round/>
+                      <a:headEnd w="med" len="med"/>
+                      <a:tailEnd w="med" len="med"/>
+                    </a:lnL>
+                    <a:lnR w="12700" cap="flat" cmpd="sng" algn="ctr">
+                      <a:solidFill>
+                        <a:schemeClr val="lt1"/>
+                      </a:solidFill>
+                      <a:prstDash val="solid"/>
+                      <a:round/>
+                      <a:headEnd w="med" len="med"/>
+                      <a:tailEnd w="med" len="med"/>
+                    </a:lnR>
+                    <a:lnT w="12700" cap="flat" cmpd="sng" algn="ctr">
+                      <a:solidFill>
+                        <a:schemeClr val="lt1"/>
+                      </a:solidFill>
+                      <a:prstDash val="solid"/>
+                      <a:round/>
+                      <a:headEnd w="med" len="med"/>
+                      <a:tailEnd w="med" len="med"/>
+                    </a:lnT>
+                    <a:lnB w="12700" cap="flat" cmpd="sng" algn="ctr">
+                      <a:solidFill>
+                        <a:schemeClr val="lt1"/>
+                      </a:solidFill>
+                      <a:prstDash val="solid"/>
+                      <a:round/>
+                      <a:headEnd w="med" len="med"/>
+                      <a:tailEnd w="med" len="med"/>
+                    </a:lnB>
+                    <a:solidFill>
+                      <a:srgbClr val="ff843a"/>
+                    </a:solidFill>
+                  </a:tcPr>
+                </a:tc>
+                <a:tc hMerge="1">
+                  <a:txBody>
+                    <a:bodyPr vert="horz" wrap="square" lIns="91440" tIns="45720" rIns="91440" bIns="45720" anchor="t" anchorCtr="0">
+                      <a:spAutoFit/>
+                    </a:bodyPr>
+                    <a:p>
+                      <a:pPr>
+                        <a:defRPr/>
+                      </a:pPr>
+                      <a:endParaRPr lang="ko-KR" altLang="en-US"/>
+                    </a:p>
+                  </a:txBody>
+                  <a:tcPr marL="91440" marR="91440">
+                    <a:lnL w="12700" cap="flat" cmpd="sng" algn="ctr">
+                      <a:solidFill>
+                        <a:schemeClr val="lt1"/>
+                      </a:solidFill>
+                      <a:prstDash val="solid"/>
+                      <a:round/>
+                      <a:headEnd w="med" len="med"/>
+                      <a:tailEnd w="med" len="med"/>
+                    </a:lnL>
+                    <a:lnR w="12700" cap="flat" cmpd="sng" algn="ctr">
+                      <a:solidFill>
+                        <a:schemeClr val="lt1"/>
+                      </a:solidFill>
+                      <a:prstDash val="solid"/>
+                      <a:round/>
+                      <a:headEnd w="med" len="med"/>
+                      <a:tailEnd w="med" len="med"/>
+                    </a:lnR>
+                    <a:lnT w="12700" cap="flat" cmpd="sng" algn="ctr">
+                      <a:solidFill>
+                        <a:schemeClr val="lt1"/>
+                      </a:solidFill>
+                      <a:prstDash val="solid"/>
+                      <a:round/>
+                      <a:headEnd w="med" len="med"/>
+                      <a:tailEnd w="med" len="med"/>
+                    </a:lnT>
+                    <a:lnB w="12700" cap="flat" cmpd="sng" algn="ctr">
+                      <a:solidFill>
+                        <a:schemeClr val="lt1"/>
+                      </a:solidFill>
+                      <a:prstDash val="solid"/>
+                      <a:round/>
+                      <a:headEnd w="med" len="med"/>
+                      <a:tailEnd w="med" len="med"/>
+                    </a:lnB>
+                    <a:solidFill>
+                      <a:srgbClr val="ff843a"/>
+                    </a:solidFill>
+                  </a:tcPr>
+                </a:tc>
+                <a:tc hMerge="1">
+                  <a:txBody>
+                    <a:bodyPr vert="horz" wrap="square" lIns="91440" tIns="45720" rIns="91440" bIns="45720" anchor="t" anchorCtr="0">
+                      <a:spAutoFit/>
+                    </a:bodyPr>
+                    <a:p>
+                      <a:pPr>
+                        <a:defRPr/>
+                      </a:pPr>
+                      <a:endParaRPr lang="ko-KR" altLang="en-US"/>
+                    </a:p>
+                  </a:txBody>
+                  <a:tcPr marL="91440" marR="91440">
+                    <a:lnL w="12700" cap="flat" cmpd="sng" algn="ctr">
+                      <a:solidFill>
+                        <a:schemeClr val="lt1"/>
+                      </a:solidFill>
+                      <a:prstDash val="solid"/>
+                      <a:round/>
+                      <a:headEnd w="med" len="med"/>
+                      <a:tailEnd w="med" len="med"/>
+                    </a:lnL>
+                    <a:lnR w="12700" cap="flat" cmpd="sng" algn="ctr">
+                      <a:solidFill>
+                        <a:schemeClr val="lt1"/>
+                      </a:solidFill>
+                      <a:prstDash val="solid"/>
+                      <a:round/>
+                      <a:headEnd w="med" len="med"/>
+                      <a:tailEnd w="med" len="med"/>
+                    </a:lnR>
+                    <a:lnT w="12700" cap="flat" cmpd="sng" algn="ctr">
+                      <a:solidFill>
+                        <a:schemeClr val="lt1"/>
+                      </a:solidFill>
+                      <a:prstDash val="solid"/>
+                      <a:round/>
+                      <a:headEnd w="med" len="med"/>
+                      <a:tailEnd w="med" len="med"/>
+                    </a:lnT>
+                    <a:lnB w="12700" cap="flat" cmpd="sng" algn="ctr">
+                      <a:solidFill>
+                        <a:schemeClr val="lt1"/>
+                      </a:solidFill>
+                      <a:prstDash val="solid"/>
+                      <a:round/>
+                      <a:headEnd w="med" len="med"/>
+                      <a:tailEnd w="med" len="med"/>
+                    </a:lnB>
+                    <a:solidFill>
+                      <a:srgbClr val="ff843a"/>
+                    </a:solidFill>
+                  </a:tcPr>
+                </a:tc>
+                <a:tc hMerge="1">
+                  <a:txBody>
+                    <a:bodyPr vert="horz" wrap="square" lIns="91440" tIns="45720" rIns="91440" bIns="45720" anchor="t" anchorCtr="0">
+                      <a:spAutoFit/>
+                    </a:bodyPr>
+                    <a:p>
+                      <a:pPr>
+                        <a:defRPr/>
+                      </a:pPr>
+                      <a:endParaRPr lang="ko-KR" altLang="en-US"/>
+                    </a:p>
+                  </a:txBody>
+                  <a:tcPr marL="91440" marR="91440">
+                    <a:lnL w="12700" cap="flat" cmpd="sng" algn="ctr">
+                      <a:solidFill>
+                        <a:schemeClr val="lt1"/>
+                      </a:solidFill>
+                      <a:prstDash val="solid"/>
+                      <a:round/>
+                      <a:headEnd w="med" len="med"/>
+                      <a:tailEnd w="med" len="med"/>
+                    </a:lnL>
+                    <a:lnR w="38100" cap="flat" cmpd="sng" algn="ctr">
+                      <a:solidFill>
+                        <a:schemeClr val="lt1"/>
+                      </a:solidFill>
+                      <a:prstDash val="solid"/>
+                      <a:round/>
+                      <a:headEnd w="med" len="med"/>
+                      <a:tailEnd w="med" len="med"/>
+                    </a:lnR>
+                    <a:lnT w="12700" cap="flat" cmpd="sng" algn="ctr">
+                      <a:solidFill>
+                        <a:schemeClr val="lt1"/>
+                      </a:solidFill>
+                      <a:prstDash val="solid"/>
+                      <a:round/>
+                      <a:headEnd w="med" len="med"/>
+                      <a:tailEnd w="med" len="med"/>
+                    </a:lnT>
+                    <a:lnB w="12700" cap="flat" cmpd="sng" algn="ctr">
+                      <a:solidFill>
+                        <a:schemeClr val="lt1"/>
+                      </a:solidFill>
+                      <a:prstDash val="solid"/>
+                      <a:round/>
+                      <a:headEnd w="med" len="med"/>
+                      <a:tailEnd w="med" len="med"/>
+                    </a:lnB>
+                    <a:solidFill>
+                      <a:srgbClr val="ff843a"/>
+                    </a:solidFill>
+                  </a:tcPr>
+                </a:tc>
+              </a:tr>
+              <a:tr h="180022">
+                <a:tc vMerge="1">
+                  <a:txBody>
+                    <a:bodyPr wrap="square">
+                      <a:spAutoFit/>
+                    </a:bodyPr>
+                    <a:p>
+                      <a:pPr>
+                        <a:defRPr/>
+                      </a:pPr>
+                      <a:endParaRPr lang="ko-KR" altLang="en-US"/>
+                    </a:p>
+                  </a:txBody>
+                  <a:tcPr marL="91440" marR="91440"/>
+                </a:tc>
+                <a:tc vMerge="1">
+                  <a:txBody>
+                    <a:bodyPr wrap="square">
+                      <a:spAutoFit/>
+                    </a:bodyPr>
+                    <a:p>
+                      <a:pPr>
+                        <a:defRPr/>
+                      </a:pPr>
+                      <a:endParaRPr lang="ko-KR" altLang="en-US"/>
+                    </a:p>
+                  </a:txBody>
+                  <a:tcPr marL="91440" marR="91440"/>
+                </a:tc>
+                <a:tc>
+                  <a:txBody>
+                    <a:bodyPr vert="horz" wrap="square" lIns="91440" tIns="45720" rIns="91440" bIns="45720" anchor="t" anchorCtr="0">
+                      <a:spAutoFit/>
+                    </a:bodyPr>
+                    <a:p>
+                      <a:pPr algn="ctr">
+                        <a:defRPr/>
+                      </a:pPr>
+                      <a:r>
+                        <a:rPr lang="en-US" altLang="ko-KR" sz="1900" b="1">
+                          <a:solidFill>
+                            <a:schemeClr val="lt1"/>
+                          </a:solidFill>
+                        </a:rPr>
+                        <a:t>1</a:t>
+                      </a:r>
+                      <a:endParaRPr lang="en-US" altLang="ko-KR" sz="1900" b="1">
+                        <a:solidFill>
+                          <a:schemeClr val="lt1"/>
+                        </a:solidFill>
+                      </a:endParaRPr>
+                    </a:p>
+                  </a:txBody>
+                  <a:tcPr marL="91440" marR="91440">
+                    <a:lnL w="12700" cap="flat" cmpd="sng" algn="ctr">
+                      <a:solidFill>
+                        <a:schemeClr val="lt1"/>
+                      </a:solidFill>
+                      <a:prstDash val="solid"/>
+                      <a:round/>
+                      <a:headEnd w="med" len="med"/>
+                      <a:tailEnd w="med" len="med"/>
+                    </a:lnL>
+                    <a:lnR w="12700" cap="flat" cmpd="sng" algn="ctr">
+                      <a:solidFill>
+                        <a:schemeClr val="lt1"/>
+                      </a:solidFill>
+                      <a:prstDash val="solid"/>
+                      <a:round/>
+                      <a:headEnd w="med" len="med"/>
+                      <a:tailEnd w="med" len="med"/>
+                    </a:lnR>
+                    <a:lnT w="12700" cap="flat" cmpd="sng" algn="ctr">
+                      <a:solidFill>
+                        <a:schemeClr val="lt1"/>
+                      </a:solidFill>
+                      <a:prstDash val="solid"/>
+                      <a:round/>
+                      <a:headEnd w="med" len="med"/>
+                      <a:tailEnd w="med" len="med"/>
+                    </a:lnT>
+                    <a:lnB w="38100" cap="flat" cmpd="sng" algn="ctr">
+                      <a:solidFill>
+                        <a:schemeClr val="lt1"/>
+                      </a:solidFill>
+                      <a:prstDash val="solid"/>
+                      <a:round/>
+                      <a:headEnd w="med" len="med"/>
+                      <a:tailEnd w="med" len="med"/>
+                    </a:lnB>
+                    <a:solidFill>
+                      <a:schemeClr val="accent2"/>
+                    </a:solidFill>
+                  </a:tcPr>
+                </a:tc>
+                <a:tc>
+                  <a:txBody>
+                    <a:bodyPr vert="horz" wrap="square" lIns="91440" tIns="45720" rIns="91440" bIns="45720" anchor="t" anchorCtr="0">
+                      <a:spAutoFit/>
+                    </a:bodyPr>
+                    <a:p>
+                      <a:pPr algn="ctr">
+                        <a:defRPr/>
+                      </a:pPr>
+                      <a:r>
+                        <a:rPr lang="en-US" altLang="ko-KR" sz="1900" b="1">
+                          <a:solidFill>
+                            <a:schemeClr val="lt1"/>
+                          </a:solidFill>
+                        </a:rPr>
+                        <a:t>2</a:t>
+                      </a:r>
+                      <a:endParaRPr lang="en-US" altLang="ko-KR" sz="1900" b="1">
+                        <a:solidFill>
+                          <a:schemeClr val="lt1"/>
+                        </a:solidFill>
+                      </a:endParaRPr>
+                    </a:p>
+                  </a:txBody>
+                  <a:tcPr marL="91440" marR="91440">
+                    <a:lnL w="12700" cap="flat" cmpd="sng" algn="ctr">
+                      <a:solidFill>
+                        <a:schemeClr val="lt1"/>
+                      </a:solidFill>
+                      <a:prstDash val="solid"/>
+                      <a:round/>
+                      <a:headEnd w="med" len="med"/>
+                      <a:tailEnd w="med" len="med"/>
+                    </a:lnL>
+                    <a:lnR w="12700" cap="flat" cmpd="sng" algn="ctr">
+                      <a:solidFill>
+                        <a:schemeClr val="lt1"/>
+                      </a:solidFill>
+                      <a:prstDash val="solid"/>
+                      <a:round/>
+                      <a:headEnd w="med" len="med"/>
+                      <a:tailEnd w="med" len="med"/>
+                    </a:lnR>
+                    <a:lnT w="12700" cap="flat" cmpd="sng" algn="ctr">
+                      <a:solidFill>
+                        <a:schemeClr val="lt1"/>
+                      </a:solidFill>
+                      <a:prstDash val="solid"/>
+                      <a:round/>
+                      <a:headEnd w="med" len="med"/>
+                      <a:tailEnd w="med" len="med"/>
+                    </a:lnT>
+                    <a:lnB w="38100" cap="flat" cmpd="sng" algn="ctr">
+                      <a:solidFill>
+                        <a:schemeClr val="lt1"/>
+                      </a:solidFill>
+                      <a:prstDash val="solid"/>
+                      <a:round/>
+                      <a:headEnd w="med" len="med"/>
+                      <a:tailEnd w="med" len="med"/>
+                    </a:lnB>
+                    <a:solidFill>
+                      <a:schemeClr val="accent2"/>
+                    </a:solidFill>
+                  </a:tcPr>
+                </a:tc>
+                <a:tc>
+                  <a:txBody>
+                    <a:bodyPr vert="horz" wrap="square" lIns="91440" tIns="45720" rIns="91440" bIns="45720" anchor="t" anchorCtr="0">
+                      <a:spAutoFit/>
+                    </a:bodyPr>
+                    <a:p>
+                      <a:pPr algn="ctr">
+                        <a:defRPr/>
+                      </a:pPr>
+                      <a:r>
+                        <a:rPr lang="en-US" altLang="ko-KR" sz="1900" b="1">
+                          <a:solidFill>
+                            <a:schemeClr val="lt1"/>
+                          </a:solidFill>
+                        </a:rPr>
+                        <a:t>3</a:t>
+                      </a:r>
+                      <a:endParaRPr lang="en-US" altLang="ko-KR" sz="1900" b="1">
+                        <a:solidFill>
+                          <a:schemeClr val="lt1"/>
+                        </a:solidFill>
+                      </a:endParaRPr>
+                    </a:p>
+                  </a:txBody>
+                  <a:tcPr marL="91440" marR="91440">
+                    <a:lnL w="12700" cap="flat" cmpd="sng" algn="ctr">
+                      <a:solidFill>
+                        <a:schemeClr val="lt1"/>
+                      </a:solidFill>
+                      <a:prstDash val="solid"/>
+                      <a:round/>
+                      <a:headEnd w="med" len="med"/>
+                      <a:tailEnd w="med" len="med"/>
+                    </a:lnL>
+                    <a:lnR w="12700" cap="flat" cmpd="sng" algn="ctr">
+                      <a:solidFill>
+                        <a:schemeClr val="lt1"/>
+                      </a:solidFill>
+                      <a:prstDash val="solid"/>
+                      <a:round/>
+                      <a:headEnd w="med" len="med"/>
+                      <a:tailEnd w="med" len="med"/>
+                    </a:lnR>
+                    <a:lnT w="12700" cap="flat" cmpd="sng" algn="ctr">
+                      <a:solidFill>
+                        <a:schemeClr val="lt1"/>
+                      </a:solidFill>
+                      <a:prstDash val="solid"/>
+                      <a:round/>
+                      <a:headEnd w="med" len="med"/>
+                      <a:tailEnd w="med" len="med"/>
+                    </a:lnT>
+                    <a:lnB w="38100" cap="flat" cmpd="sng" algn="ctr">
+                      <a:solidFill>
+                        <a:schemeClr val="lt1"/>
+                      </a:solidFill>
+                      <a:prstDash val="solid"/>
+                      <a:round/>
+                      <a:headEnd w="med" len="med"/>
+                      <a:tailEnd w="med" len="med"/>
+                    </a:lnB>
+                    <a:solidFill>
+                      <a:schemeClr val="accent2"/>
+                    </a:solidFill>
+                  </a:tcPr>
+                </a:tc>
+                <a:tc>
+                  <a:txBody>
+                    <a:bodyPr vert="horz" wrap="square" lIns="91440" tIns="45720" rIns="91440" bIns="45720" anchor="t" anchorCtr="0">
+                      <a:spAutoFit/>
+                    </a:bodyPr>
+                    <a:p>
+                      <a:pPr algn="ctr">
+                        <a:defRPr/>
+                      </a:pPr>
+                      <a:r>
+                        <a:rPr lang="en-US" altLang="ko-KR" sz="1900" b="1">
+                          <a:solidFill>
+                            <a:schemeClr val="lt1"/>
+                          </a:solidFill>
+                        </a:rPr>
+                        <a:t>4</a:t>
+                      </a:r>
+                      <a:endParaRPr lang="en-US" altLang="ko-KR" sz="1900" b="1">
+                        <a:solidFill>
+                          <a:schemeClr val="lt1"/>
+                        </a:solidFill>
+                      </a:endParaRPr>
+                    </a:p>
+                  </a:txBody>
+                  <a:tcPr marL="91440" marR="91440">
+                    <a:lnL w="12700" cap="flat" cmpd="sng" algn="ctr">
+                      <a:solidFill>
+                        <a:schemeClr val="lt1"/>
+                      </a:solidFill>
+                      <a:prstDash val="solid"/>
+                      <a:round/>
+                      <a:headEnd w="med" len="med"/>
+                      <a:tailEnd w="med" len="med"/>
+                    </a:lnL>
+                    <a:lnR w="12700" cap="flat" cmpd="sng" algn="ctr">
+                      <a:solidFill>
+                        <a:schemeClr val="lt1"/>
+                      </a:solidFill>
+                      <a:prstDash val="solid"/>
+                      <a:round/>
+                      <a:headEnd w="med" len="med"/>
+                      <a:tailEnd w="med" len="med"/>
+                    </a:lnR>
+                    <a:lnT w="12700" cap="flat" cmpd="sng" algn="ctr">
+                      <a:solidFill>
+                        <a:schemeClr val="lt1"/>
+                      </a:solidFill>
+                      <a:prstDash val="solid"/>
+                      <a:round/>
+                      <a:headEnd w="med" len="med"/>
+                      <a:tailEnd w="med" len="med"/>
+                    </a:lnT>
+                    <a:lnB w="38100" cap="flat" cmpd="sng" algn="ctr">
+                      <a:solidFill>
+                        <a:schemeClr val="lt1"/>
+                      </a:solidFill>
+                      <a:prstDash val="solid"/>
+                      <a:round/>
+                      <a:headEnd w="med" len="med"/>
+                      <a:tailEnd w="med" len="med"/>
+                    </a:lnB>
+                    <a:solidFill>
+                      <a:schemeClr val="accent2"/>
+                    </a:solidFill>
+                  </a:tcPr>
+                </a:tc>
+                <a:tc>
+                  <a:txBody>
+                    <a:bodyPr vert="horz" wrap="square" lIns="91440" tIns="45720" rIns="91440" bIns="45720" anchor="t" anchorCtr="0">
+                      <a:spAutoFit/>
+                    </a:bodyPr>
+                    <a:p>
+                      <a:pPr algn="ctr">
+                        <a:defRPr/>
+                      </a:pPr>
+                      <a:r>
+                        <a:rPr lang="en-US" altLang="ko-KR" sz="1900" b="1">
+                          <a:solidFill>
+                            <a:schemeClr val="lt1"/>
+                          </a:solidFill>
+                        </a:rPr>
+                        <a:t>5</a:t>
+                      </a:r>
+                      <a:endParaRPr lang="en-US" altLang="ko-KR" sz="1900" b="1">
+                        <a:solidFill>
+                          <a:schemeClr val="lt1"/>
+                        </a:solidFill>
+                      </a:endParaRPr>
+                    </a:p>
+                  </a:txBody>
+                  <a:tcPr marL="91440" marR="91440">
+                    <a:lnL w="12700" cap="flat" cmpd="sng" algn="ctr">
+                      <a:solidFill>
+                        <a:schemeClr val="lt1"/>
+                      </a:solidFill>
+                      <a:prstDash val="solid"/>
+                      <a:round/>
+                      <a:headEnd w="med" len="med"/>
+                      <a:tailEnd w="med" len="med"/>
+                    </a:lnL>
+                    <a:lnR w="12700" cap="flat" cmpd="sng" algn="ctr">
+                      <a:solidFill>
+                        <a:schemeClr val="lt1"/>
+                      </a:solidFill>
+                      <a:prstDash val="solid"/>
+                      <a:round/>
+                      <a:headEnd w="med" len="med"/>
+                      <a:tailEnd w="med" len="med"/>
+                    </a:lnR>
+                    <a:lnT w="12700" cap="flat" cmpd="sng" algn="ctr">
+                      <a:solidFill>
+                        <a:schemeClr val="lt1"/>
+                      </a:solidFill>
+                      <a:prstDash val="solid"/>
+                      <a:round/>
+                      <a:headEnd w="med" len="med"/>
+                      <a:tailEnd w="med" len="med"/>
+                    </a:lnT>
+                    <a:lnB w="38100" cap="flat" cmpd="sng" algn="ctr">
+                      <a:solidFill>
+                        <a:schemeClr val="lt1"/>
+                      </a:solidFill>
+                      <a:prstDash val="solid"/>
+                      <a:round/>
+                      <a:headEnd w="med" len="med"/>
+                      <a:tailEnd w="med" len="med"/>
+                    </a:lnB>
+                    <a:solidFill>
+                      <a:schemeClr val="accent2"/>
+                    </a:solidFill>
+                  </a:tcPr>
+                </a:tc>
+                <a:tc>
+                  <a:txBody>
+                    <a:bodyPr vert="horz" wrap="square" lIns="91440" tIns="45720" rIns="91440" bIns="45720" anchor="t" anchorCtr="0">
+                      <a:spAutoFit/>
+                    </a:bodyPr>
+                    <a:p>
+                      <a:pPr algn="ctr">
+                        <a:defRPr/>
+                      </a:pPr>
+                      <a:r>
+                        <a:rPr lang="en-US" altLang="ko-KR" sz="1900" b="1">
+                          <a:solidFill>
+                            <a:schemeClr val="lt1"/>
+                          </a:solidFill>
+                        </a:rPr>
+                        <a:t>6</a:t>
+                      </a:r>
+                      <a:endParaRPr lang="en-US" altLang="ko-KR" sz="1900" b="1">
+                        <a:solidFill>
+                          <a:schemeClr val="lt1"/>
+                        </a:solidFill>
+                      </a:endParaRPr>
+                    </a:p>
+                  </a:txBody>
+                  <a:tcPr marL="91440" marR="91440">
+                    <a:lnL w="12700" cap="flat" cmpd="sng" algn="ctr">
+                      <a:solidFill>
+                        <a:schemeClr val="lt1"/>
+                      </a:solidFill>
+                      <a:prstDash val="solid"/>
+                      <a:round/>
+                      <a:headEnd w="med" len="med"/>
+                      <a:tailEnd w="med" len="med"/>
+                    </a:lnL>
+                    <a:lnR w="12700" cap="flat" cmpd="sng" algn="ctr">
+                      <a:solidFill>
+                        <a:schemeClr val="lt1"/>
+                      </a:solidFill>
+                      <a:prstDash val="solid"/>
+                      <a:round/>
+                      <a:headEnd w="med" len="med"/>
+                      <a:tailEnd w="med" len="med"/>
+                    </a:lnR>
+                    <a:lnT w="12700" cap="flat" cmpd="sng" algn="ctr">
+                      <a:solidFill>
+                        <a:schemeClr val="lt1"/>
+                      </a:solidFill>
+                      <a:prstDash val="solid"/>
+                      <a:round/>
+                      <a:headEnd w="med" len="med"/>
+                      <a:tailEnd w="med" len="med"/>
+                    </a:lnT>
+                    <a:lnB w="38100" cap="flat" cmpd="sng" algn="ctr">
+                      <a:solidFill>
+                        <a:schemeClr val="lt1"/>
+                      </a:solidFill>
+                      <a:prstDash val="solid"/>
+                      <a:round/>
+                      <a:headEnd w="med" len="med"/>
+                      <a:tailEnd w="med" len="med"/>
+                    </a:lnB>
+                    <a:solidFill>
+                      <a:schemeClr val="accent2"/>
+                    </a:solidFill>
+                  </a:tcPr>
+                </a:tc>
+                <a:tc>
+                  <a:txBody>
+                    <a:bodyPr vert="horz" wrap="square" lIns="91440" tIns="45720" rIns="91440" bIns="45720" anchor="t" anchorCtr="0">
+                      <a:spAutoFit/>
+                    </a:bodyPr>
+                    <a:p>
+                      <a:pPr algn="ctr">
+                        <a:defRPr/>
+                      </a:pPr>
+                      <a:r>
+                        <a:rPr lang="en-US" altLang="ko-KR" sz="1900" b="1">
+                          <a:solidFill>
+                            <a:schemeClr val="lt1"/>
+                          </a:solidFill>
+                        </a:rPr>
+                        <a:t>7</a:t>
+                      </a:r>
+                      <a:endParaRPr lang="en-US" altLang="ko-KR" sz="1900" b="1">
+                        <a:solidFill>
+                          <a:schemeClr val="lt1"/>
+                        </a:solidFill>
+                      </a:endParaRPr>
+                    </a:p>
+                  </a:txBody>
+                  <a:tcPr marL="91440" marR="91440">
+                    <a:lnL w="12700" cap="flat" cmpd="sng" algn="ctr">
+                      <a:solidFill>
+                        <a:schemeClr val="lt1"/>
+                      </a:solidFill>
+                      <a:prstDash val="solid"/>
+                      <a:round/>
+                      <a:headEnd w="med" len="med"/>
+                      <a:tailEnd w="med" len="med"/>
+                    </a:lnL>
+                    <a:lnR w="12700" cap="flat" cmpd="sng" algn="ctr">
+                      <a:solidFill>
+                        <a:schemeClr val="lt1"/>
+                      </a:solidFill>
+                      <a:prstDash val="solid"/>
+                      <a:round/>
+                      <a:headEnd w="med" len="med"/>
+                      <a:tailEnd w="med" len="med"/>
+                    </a:lnR>
+                    <a:lnT w="12700" cap="flat" cmpd="sng" algn="ctr">
+                      <a:solidFill>
+                        <a:schemeClr val="lt1"/>
+                      </a:solidFill>
+                      <a:prstDash val="solid"/>
+                      <a:round/>
+                      <a:headEnd w="med" len="med"/>
+                      <a:tailEnd w="med" len="med"/>
+                    </a:lnT>
+                    <a:lnB w="38100" cap="flat" cmpd="sng" algn="ctr">
+                      <a:solidFill>
+                        <a:schemeClr val="lt1"/>
+                      </a:solidFill>
+                      <a:prstDash val="solid"/>
+                      <a:round/>
+                      <a:headEnd w="med" len="med"/>
+                      <a:tailEnd w="med" len="med"/>
+                    </a:lnB>
+                    <a:solidFill>
+                      <a:schemeClr val="accent2"/>
+                    </a:solidFill>
+                  </a:tcPr>
+                </a:tc>
+                <a:tc>
+                  <a:txBody>
+                    <a:bodyPr vert="horz" wrap="square" lIns="91440" tIns="45720" rIns="91440" bIns="45720" anchor="t" anchorCtr="0">
+                      <a:spAutoFit/>
+                    </a:bodyPr>
+                    <a:p>
+                      <a:pPr algn="ctr">
+                        <a:defRPr/>
+                      </a:pPr>
+                      <a:r>
+                        <a:rPr lang="en-US" altLang="ko-KR" sz="1900" b="1">
+                          <a:solidFill>
+                            <a:schemeClr val="lt1"/>
+                          </a:solidFill>
+                        </a:rPr>
+                        <a:t>8</a:t>
+                      </a:r>
+                      <a:endParaRPr lang="en-US" altLang="ko-KR" sz="1900" b="1">
+                        <a:solidFill>
+                          <a:schemeClr val="lt1"/>
+                        </a:solidFill>
+                      </a:endParaRPr>
+                    </a:p>
+                  </a:txBody>
+                  <a:tcPr marL="91440" marR="91440">
+                    <a:lnL w="12700" cap="flat" cmpd="sng" algn="ctr">
+                      <a:solidFill>
+                        <a:schemeClr val="lt1"/>
+                      </a:solidFill>
+                      <a:prstDash val="solid"/>
+                      <a:round/>
+                      <a:headEnd w="med" len="med"/>
+                      <a:tailEnd w="med" len="med"/>
+                    </a:lnL>
+                    <a:lnR w="12700" cap="flat" cmpd="sng" algn="ctr">
+                      <a:solidFill>
+                        <a:schemeClr val="lt1"/>
+                      </a:solidFill>
+                      <a:prstDash val="solid"/>
+                      <a:round/>
+                      <a:headEnd w="med" len="med"/>
+                      <a:tailEnd w="med" len="med"/>
+                    </a:lnR>
+                    <a:lnT w="12700" cap="flat" cmpd="sng" algn="ctr">
+                      <a:solidFill>
+                        <a:schemeClr val="lt1"/>
+                      </a:solidFill>
+                      <a:prstDash val="solid"/>
+                      <a:round/>
+                      <a:headEnd w="med" len="med"/>
+                      <a:tailEnd w="med" len="med"/>
+                    </a:lnT>
+                    <a:lnB w="38100" cap="flat" cmpd="sng" algn="ctr">
+                      <a:solidFill>
+                        <a:schemeClr val="lt1"/>
+                      </a:solidFill>
+                      <a:prstDash val="solid"/>
+                      <a:round/>
+                      <a:headEnd w="med" len="med"/>
+                      <a:tailEnd w="med" len="med"/>
+                    </a:lnB>
+                    <a:solidFill>
+                      <a:schemeClr val="accent2"/>
+                    </a:solidFill>
+                  </a:tcPr>
+                </a:tc>
+                <a:tc>
+                  <a:txBody>
+                    <a:bodyPr vert="horz" wrap="square" lIns="91440" tIns="45720" rIns="91440" bIns="45720" anchor="t" anchorCtr="0">
+                      <a:spAutoFit/>
+                    </a:bodyPr>
+                    <a:p>
+                      <a:pPr algn="ctr">
+                        <a:defRPr/>
+                      </a:pPr>
+                      <a:r>
+                        <a:rPr lang="en-US" altLang="ko-KR" sz="1900" b="1">
+                          <a:solidFill>
+                            <a:schemeClr val="lt1"/>
+                          </a:solidFill>
+                        </a:rPr>
+                        <a:t>9</a:t>
+                      </a:r>
+                      <a:endParaRPr lang="en-US" altLang="ko-KR" sz="1900" b="1">
+                        <a:solidFill>
+                          <a:schemeClr val="lt1"/>
+                        </a:solidFill>
+                      </a:endParaRPr>
+                    </a:p>
+                  </a:txBody>
+                  <a:tcPr marL="91440" marR="91440">
+                    <a:lnL w="12700" cap="flat" cmpd="sng" algn="ctr">
+                      <a:solidFill>
+                        <a:schemeClr val="lt1"/>
+                      </a:solidFill>
+                      <a:prstDash val="solid"/>
+                      <a:round/>
+                      <a:headEnd w="med" len="med"/>
+                      <a:tailEnd w="med" len="med"/>
+                    </a:lnL>
+                    <a:lnR w="12700" cap="flat" cmpd="sng" algn="ctr">
+                      <a:solidFill>
+                        <a:schemeClr val="lt1"/>
+                      </a:solidFill>
+                      <a:prstDash val="solid"/>
+                      <a:round/>
+                      <a:headEnd w="med" len="med"/>
+                      <a:tailEnd w="med" len="med"/>
+                    </a:lnR>
+                    <a:lnT w="12700" cap="flat" cmpd="sng" algn="ctr">
+                      <a:solidFill>
+                        <a:schemeClr val="lt1"/>
+                      </a:solidFill>
+                      <a:prstDash val="solid"/>
+                      <a:round/>
+                      <a:headEnd w="med" len="med"/>
+                      <a:tailEnd w="med" len="med"/>
+                    </a:lnT>
+                    <a:lnB w="38100" cap="flat" cmpd="sng" algn="ctr">
+                      <a:solidFill>
+                        <a:schemeClr val="lt1"/>
+                      </a:solidFill>
+                      <a:prstDash val="solid"/>
+                      <a:round/>
+                      <a:headEnd w="med" len="med"/>
+                      <a:tailEnd w="med" len="med"/>
+                    </a:lnB>
+                    <a:solidFill>
+                      <a:schemeClr val="accent2"/>
+                    </a:solidFill>
+                  </a:tcPr>
+                </a:tc>
+                <a:tc>
+                  <a:txBody>
+                    <a:bodyPr vert="horz" wrap="square" lIns="91440" tIns="45720" rIns="91440" bIns="45720" anchor="t" anchorCtr="0">
+                      <a:spAutoFit/>
+                    </a:bodyPr>
+                    <a:p>
+                      <a:pPr algn="ctr">
+                        <a:defRPr/>
+                      </a:pPr>
+                      <a:r>
+                        <a:rPr lang="en-US" altLang="ko-KR" sz="1900" b="1">
+                          <a:solidFill>
+                            <a:schemeClr val="lt1"/>
+                          </a:solidFill>
+                        </a:rPr>
+                        <a:t>10</a:t>
+                      </a:r>
+                      <a:endParaRPr lang="en-US" altLang="ko-KR" sz="1900" b="1">
+                        <a:solidFill>
+                          <a:schemeClr val="lt1"/>
+                        </a:solidFill>
+                      </a:endParaRPr>
+                    </a:p>
+                  </a:txBody>
+                  <a:tcPr marL="91440" marR="91440">
+                    <a:lnL w="12700" cap="flat" cmpd="sng" algn="ctr">
+                      <a:solidFill>
+                        <a:schemeClr val="lt1"/>
+                      </a:solidFill>
+                      <a:prstDash val="solid"/>
+                      <a:round/>
+                      <a:headEnd w="med" len="med"/>
+                      <a:tailEnd w="med" len="med"/>
+                    </a:lnL>
+                    <a:lnR w="12700" cap="flat" cmpd="sng" algn="ctr">
+                      <a:solidFill>
+                        <a:schemeClr val="lt1"/>
+                      </a:solidFill>
+                      <a:prstDash val="solid"/>
+                      <a:round/>
+                      <a:headEnd w="med" len="med"/>
+                      <a:tailEnd w="med" len="med"/>
+                    </a:lnR>
+                    <a:lnT w="12700" cap="flat" cmpd="sng" algn="ctr">
+                      <a:solidFill>
+                        <a:schemeClr val="lt1"/>
+                      </a:solidFill>
+                      <a:prstDash val="solid"/>
+                      <a:round/>
+                      <a:headEnd w="med" len="med"/>
+                      <a:tailEnd w="med" len="med"/>
+                    </a:lnT>
+                    <a:lnB w="38100" cap="flat" cmpd="sng" algn="ctr">
+                      <a:solidFill>
+                        <a:schemeClr val="lt1"/>
+                      </a:solidFill>
+                      <a:prstDash val="solid"/>
+                      <a:round/>
+                      <a:headEnd w="med" len="med"/>
+                      <a:tailEnd w="med" len="med"/>
+                    </a:lnB>
+                    <a:solidFill>
+                      <a:schemeClr val="accent2"/>
+                    </a:solidFill>
+                  </a:tcPr>
+                </a:tc>
+                <a:tc>
+                  <a:txBody>
+                    <a:bodyPr vert="horz" wrap="square" lIns="91440" tIns="45720" rIns="91440" bIns="45720" anchor="t" anchorCtr="0">
+                      <a:spAutoFit/>
+                    </a:bodyPr>
+                    <a:p>
+                      <a:pPr algn="ctr">
+                        <a:defRPr/>
+                      </a:pPr>
+                      <a:r>
+                        <a:rPr lang="en-US" altLang="ko-KR" sz="1900" b="1">
+                          <a:solidFill>
+                            <a:schemeClr val="lt1"/>
+                          </a:solidFill>
+                        </a:rPr>
+                        <a:t>11</a:t>
+                      </a:r>
+                      <a:endParaRPr lang="en-US" altLang="ko-KR" sz="1900" b="1">
+                        <a:solidFill>
+                          <a:schemeClr val="lt1"/>
+                        </a:solidFill>
+                      </a:endParaRPr>
+                    </a:p>
+                  </a:txBody>
+                  <a:tcPr marL="91440" marR="91440">
+                    <a:lnL w="12700" cap="flat" cmpd="sng" algn="ctr">
+                      <a:solidFill>
+                        <a:schemeClr val="lt1"/>
+                      </a:solidFill>
+                      <a:prstDash val="solid"/>
+                      <a:round/>
+                      <a:headEnd w="med" len="med"/>
+                      <a:tailEnd w="med" len="med"/>
+                    </a:lnL>
+                    <a:lnR w="12700" cap="flat" cmpd="sng" algn="ctr">
+                      <a:solidFill>
+                        <a:schemeClr val="lt1"/>
+                      </a:solidFill>
+                      <a:prstDash val="solid"/>
+                      <a:round/>
+                      <a:headEnd w="med" len="med"/>
+                      <a:tailEnd w="med" len="med"/>
+                    </a:lnR>
+                    <a:lnT w="12700" cap="flat" cmpd="sng" algn="ctr">
+                      <a:solidFill>
+                        <a:schemeClr val="lt1"/>
+                      </a:solidFill>
+                      <a:prstDash val="solid"/>
+                      <a:round/>
+                      <a:headEnd w="med" len="med"/>
+                      <a:tailEnd w="med" len="med"/>
+                    </a:lnT>
+                    <a:lnB w="38100" cap="flat" cmpd="sng" algn="ctr">
+                      <a:solidFill>
+                        <a:schemeClr val="lt1"/>
+                      </a:solidFill>
+                      <a:prstDash val="solid"/>
+                      <a:round/>
+                      <a:headEnd w="med" len="med"/>
+                      <a:tailEnd w="med" len="med"/>
+                    </a:lnB>
+                    <a:solidFill>
+                      <a:schemeClr val="accent2"/>
+                    </a:solidFill>
+                  </a:tcPr>
+                </a:tc>
+                <a:tc>
+                  <a:txBody>
+                    <a:bodyPr vert="horz" wrap="square" lIns="91440" tIns="45720" rIns="91440" bIns="45720" anchor="t" anchorCtr="0">
+                      <a:spAutoFit/>
+                    </a:bodyPr>
+                    <a:p>
+                      <a:pPr algn="ctr">
+                        <a:defRPr/>
+                      </a:pPr>
+                      <a:r>
+                        <a:rPr lang="en-US" altLang="ko-KR" sz="1900" b="1">
+                          <a:solidFill>
+                            <a:schemeClr val="lt1"/>
+                          </a:solidFill>
+                        </a:rPr>
+                        <a:t>12</a:t>
+                      </a:r>
+                      <a:endParaRPr lang="en-US" altLang="ko-KR" sz="1900" b="1">
+                        <a:solidFill>
+                          <a:schemeClr val="lt1"/>
+                        </a:solidFill>
+                      </a:endParaRPr>
+                    </a:p>
+                  </a:txBody>
+                  <a:tcPr marL="91440" marR="91440">
+                    <a:lnL w="12700" cap="flat" cmpd="sng" algn="ctr">
+                      <a:solidFill>
+                        <a:schemeClr val="lt1"/>
+                      </a:solidFill>
+                      <a:prstDash val="solid"/>
+                      <a:round/>
+                      <a:headEnd w="med" len="med"/>
+                      <a:tailEnd w="med" len="med"/>
+                    </a:lnL>
+                    <a:lnR w="12700" cap="flat" cmpd="sng" algn="ctr">
+                      <a:solidFill>
+                        <a:schemeClr val="lt1"/>
+                      </a:solidFill>
+                      <a:prstDash val="solid"/>
+                      <a:round/>
+                      <a:headEnd w="med" len="med"/>
+                      <a:tailEnd w="med" len="med"/>
+                    </a:lnR>
+                    <a:lnT w="12700" cap="flat" cmpd="sng" algn="ctr">
+                      <a:solidFill>
+                        <a:schemeClr val="lt1"/>
+                      </a:solidFill>
+                      <a:prstDash val="solid"/>
+                      <a:round/>
+                      <a:headEnd w="med" len="med"/>
+                      <a:tailEnd w="med" len="med"/>
+                    </a:lnT>
+                    <a:lnB w="38100" cap="flat" cmpd="sng" algn="ctr">
+                      <a:solidFill>
+                        <a:schemeClr val="lt1"/>
+                      </a:solidFill>
+                      <a:prstDash val="solid"/>
+                      <a:round/>
+                      <a:headEnd w="med" len="med"/>
+                      <a:tailEnd w="med" len="med"/>
+                    </a:lnB>
+                    <a:solidFill>
+                      <a:schemeClr val="accent2"/>
+                    </a:solidFill>
+                  </a:tcPr>
+                </a:tc>
+              </a:tr>
+              <a:tr h="828103">
+                <a:tc>
+                  <a:txBody>
+                    <a:bodyPr vert="horz" wrap="square" lIns="91440" tIns="45720" rIns="91440" bIns="45720" anchor="t" anchorCtr="0">
+                      <a:spAutoFit/>
+                    </a:bodyPr>
+                    <a:p>
+                      <a:pPr>
+                        <a:defRPr/>
+                      </a:pPr>
+                      <a:endParaRPr lang="ko-KR" altLang="en-US"/>
+                    </a:p>
+                  </a:txBody>
+                  <a:tcPr marL="91440" marR="91440">
+                    <a:lnL w="12700" cap="flat" cmpd="sng" algn="ctr">
+                      <a:solidFill>
+                        <a:schemeClr val="lt1"/>
+                      </a:solidFill>
+                      <a:prstDash val="solid"/>
+                      <a:round/>
+                      <a:headEnd w="med" len="med"/>
+                      <a:tailEnd w="med" len="med"/>
+                    </a:lnL>
+                    <a:lnT w="38100" cap="flat" cmpd="sng" algn="ctr">
+                      <a:solidFill>
+                        <a:schemeClr val="lt1"/>
+                      </a:solidFill>
+                      <a:prstDash val="solid"/>
+                      <a:round/>
+                      <a:headEnd w="med" len="med"/>
+                      <a:tailEnd w="med" len="med"/>
+                    </a:lnT>
+                  </a:tcPr>
+                </a:tc>
+                <a:tc>
+                  <a:txBody>
+                    <a:bodyPr vert="horz" wrap="square" lIns="91440" tIns="45720" rIns="91440" bIns="45720" anchor="t" anchorCtr="0">
+                      <a:spAutoFit/>
+                    </a:bodyPr>
+                    <a:p>
+                      <a:pPr>
+                        <a:defRPr/>
+                      </a:pPr>
+                      <a:endParaRPr lang="ko-KR" altLang="en-US"/>
+                    </a:p>
+                  </a:txBody>
+                  <a:tcPr marL="91440" marR="91440">
+                    <a:lnT w="38100" cap="flat" cmpd="sng" algn="ctr">
+                      <a:solidFill>
+                        <a:schemeClr val="lt1"/>
+                      </a:solidFill>
+                      <a:prstDash val="solid"/>
+                      <a:round/>
+                      <a:headEnd w="med" len="med"/>
+                      <a:tailEnd w="med" len="med"/>
+                    </a:lnT>
+                  </a:tcPr>
+                </a:tc>
+                <a:tc>
+                  <a:txBody>
+                    <a:bodyPr vert="horz" wrap="square" lIns="91440" tIns="45720" rIns="91440" bIns="45720" anchor="t" anchorCtr="0">
+                      <a:spAutoFit/>
+                    </a:bodyPr>
+                    <a:p>
+                      <a:pPr>
+                        <a:defRPr/>
+                      </a:pPr>
+                      <a:endParaRPr lang="ko-KR" altLang="en-US"/>
+                    </a:p>
+                  </a:txBody>
+                  <a:tcPr marL="91440" marR="91440">
+                    <a:lnT w="38100" cap="flat" cmpd="sng" algn="ctr">
+                      <a:solidFill>
+                        <a:schemeClr val="lt1"/>
+                      </a:solidFill>
+                      <a:prstDash val="solid"/>
+                      <a:round/>
+                      <a:headEnd w="med" len="med"/>
+                      <a:tailEnd w="med" len="med"/>
+                    </a:lnT>
+                  </a:tcPr>
+                </a:tc>
+                <a:tc>
+                  <a:txBody>
+                    <a:bodyPr vert="horz" wrap="square" lIns="91440" tIns="45720" rIns="91440" bIns="45720" anchor="t" anchorCtr="0">
+                      <a:spAutoFit/>
+                    </a:bodyPr>
+                    <a:p>
+                      <a:pPr>
+                        <a:defRPr/>
+                      </a:pPr>
+                      <a:endParaRPr lang="ko-KR" altLang="en-US"/>
+                    </a:p>
+                  </a:txBody>
+                  <a:tcPr marL="91440" marR="91440">
+                    <a:lnT w="38100" cap="flat" cmpd="sng" algn="ctr">
+                      <a:solidFill>
+                        <a:schemeClr val="lt1"/>
+                      </a:solidFill>
+                      <a:prstDash val="solid"/>
+                      <a:round/>
+                      <a:headEnd w="med" len="med"/>
+                      <a:tailEnd w="med" len="med"/>
+                    </a:lnT>
+                  </a:tcPr>
+                </a:tc>
+                <a:tc>
+                  <a:txBody>
+                    <a:bodyPr vert="horz" wrap="square" lIns="91440" tIns="45720" rIns="91440" bIns="45720" anchor="t" anchorCtr="0">
+                      <a:spAutoFit/>
+                    </a:bodyPr>
+                    <a:p>
+                      <a:pPr>
+                        <a:defRPr/>
+                      </a:pPr>
+                      <a:endParaRPr lang="ko-KR" altLang="en-US"/>
+                    </a:p>
+                  </a:txBody>
+                  <a:tcPr marL="91440" marR="91440">
+                    <a:lnT w="38100" cap="flat" cmpd="sng" algn="ctr">
+                      <a:solidFill>
+                        <a:schemeClr val="lt1"/>
+                      </a:solidFill>
+                      <a:prstDash val="solid"/>
+                      <a:round/>
+                      <a:headEnd w="med" len="med"/>
+                      <a:tailEnd w="med" len="med"/>
+                    </a:lnT>
+                  </a:tcPr>
+                </a:tc>
+                <a:tc>
+                  <a:txBody>
+                    <a:bodyPr vert="horz" wrap="square" lIns="91440" tIns="45720" rIns="91440" bIns="45720" anchor="t" anchorCtr="0">
+                      <a:spAutoFit/>
+                    </a:bodyPr>
+                    <a:p>
+                      <a:pPr>
+                        <a:defRPr/>
+                      </a:pPr>
+                      <a:endParaRPr lang="ko-KR" altLang="en-US"/>
+                    </a:p>
+                  </a:txBody>
+                  <a:tcPr marL="91440" marR="91440">
+                    <a:lnT w="38100" cap="flat" cmpd="sng" algn="ctr">
+                      <a:solidFill>
+                        <a:schemeClr val="lt1"/>
+                      </a:solidFill>
+                      <a:prstDash val="solid"/>
+                      <a:round/>
+                      <a:headEnd w="med" len="med"/>
+                      <a:tailEnd w="med" len="med"/>
+                    </a:lnT>
+                  </a:tcPr>
+                </a:tc>
+                <a:tc>
+                  <a:txBody>
+                    <a:bodyPr vert="horz" wrap="square" lIns="91440" tIns="45720" rIns="91440" bIns="45720" anchor="t" anchorCtr="0">
+                      <a:spAutoFit/>
+                    </a:bodyPr>
+                    <a:p>
+                      <a:pPr>
+                        <a:defRPr/>
+                      </a:pPr>
+                      <a:endParaRPr lang="ko-KR" altLang="en-US"/>
+                    </a:p>
+                  </a:txBody>
+                  <a:tcPr marL="91440" marR="91440">
+                    <a:lnT w="38100" cap="flat" cmpd="sng" algn="ctr">
+                      <a:solidFill>
+                        <a:schemeClr val="lt1"/>
+                      </a:solidFill>
+                      <a:prstDash val="solid"/>
+                      <a:round/>
+                      <a:headEnd w="med" len="med"/>
+                      <a:tailEnd w="med" len="med"/>
+                    </a:lnT>
+                  </a:tcPr>
+                </a:tc>
+                <a:tc>
+                  <a:txBody>
+                    <a:bodyPr vert="horz" wrap="square" lIns="91440" tIns="45720" rIns="91440" bIns="45720" anchor="t" anchorCtr="0">
+                      <a:spAutoFit/>
+                    </a:bodyPr>
+                    <a:p>
+                      <a:pPr>
+                        <a:defRPr/>
+                      </a:pPr>
+                      <a:endParaRPr lang="ko-KR" altLang="en-US"/>
+                    </a:p>
+                  </a:txBody>
+                  <a:tcPr marL="91440" marR="91440">
+                    <a:lnT w="38100" cap="flat" cmpd="sng" algn="ctr">
+                      <a:solidFill>
+                        <a:schemeClr val="lt1"/>
+                      </a:solidFill>
+                      <a:prstDash val="solid"/>
+                      <a:round/>
+                      <a:headEnd w="med" len="med"/>
+                      <a:tailEnd w="med" len="med"/>
+                    </a:lnT>
+                  </a:tcPr>
+                </a:tc>
+                <a:tc>
+                  <a:txBody>
+                    <a:bodyPr vert="horz" wrap="square" lIns="91440" tIns="45720" rIns="91440" bIns="45720" anchor="t" anchorCtr="0">
+                      <a:spAutoFit/>
+                    </a:bodyPr>
+                    <a:p>
+                      <a:pPr>
+                        <a:defRPr/>
+                      </a:pPr>
+                      <a:endParaRPr lang="ko-KR" altLang="en-US"/>
+                    </a:p>
+                  </a:txBody>
+                  <a:tcPr marL="91440" marR="91440">
+                    <a:lnT w="38100" cap="flat" cmpd="sng" algn="ctr">
+                      <a:solidFill>
+                        <a:schemeClr val="lt1"/>
+                      </a:solidFill>
+                      <a:prstDash val="solid"/>
+                      <a:round/>
+                      <a:headEnd w="med" len="med"/>
+                      <a:tailEnd w="med" len="med"/>
+                    </a:lnT>
+                  </a:tcPr>
+                </a:tc>
+                <a:tc>
+                  <a:txBody>
+                    <a:bodyPr vert="horz" wrap="square" lIns="91440" tIns="45720" rIns="91440" bIns="45720" anchor="t" anchorCtr="0">
+                      <a:spAutoFit/>
+                    </a:bodyPr>
+                    <a:p>
+                      <a:pPr>
+                        <a:defRPr/>
+                      </a:pPr>
+                      <a:endParaRPr lang="ko-KR" altLang="en-US"/>
+                    </a:p>
+                  </a:txBody>
+                  <a:tcPr marL="91440" marR="91440">
+                    <a:lnT w="38100" cap="flat" cmpd="sng" algn="ctr">
+                      <a:solidFill>
+                        <a:schemeClr val="lt1"/>
+                      </a:solidFill>
+                      <a:prstDash val="solid"/>
+                      <a:round/>
+                      <a:headEnd w="med" len="med"/>
+                      <a:tailEnd w="med" len="med"/>
+                    </a:lnT>
+                  </a:tcPr>
+                </a:tc>
+                <a:tc>
+                  <a:txBody>
+                    <a:bodyPr vert="horz" wrap="square" lIns="91440" tIns="45720" rIns="91440" bIns="45720" anchor="t" anchorCtr="0">
+                      <a:spAutoFit/>
+                    </a:bodyPr>
+                    <a:p>
+                      <a:pPr>
+                        <a:defRPr/>
+                      </a:pPr>
+                      <a:endParaRPr lang="ko-KR" altLang="en-US"/>
+                    </a:p>
+                  </a:txBody>
+                  <a:tcPr marL="91440" marR="91440">
+                    <a:lnT w="38100" cap="flat" cmpd="sng" algn="ctr">
+                      <a:solidFill>
+                        <a:schemeClr val="lt1"/>
+                      </a:solidFill>
+                      <a:prstDash val="solid"/>
+                      <a:round/>
+                      <a:headEnd w="med" len="med"/>
+                      <a:tailEnd w="med" len="med"/>
+                    </a:lnT>
+                  </a:tcPr>
+                </a:tc>
+                <a:tc>
+                  <a:txBody>
+                    <a:bodyPr vert="horz" wrap="square" lIns="91440" tIns="45720" rIns="91440" bIns="45720" anchor="t" anchorCtr="0">
+                      <a:spAutoFit/>
+                    </a:bodyPr>
+                    <a:p>
+                      <a:pPr>
+                        <a:defRPr/>
+                      </a:pPr>
+                      <a:endParaRPr lang="ko-KR" altLang="en-US"/>
+                    </a:p>
+                  </a:txBody>
+                  <a:tcPr marL="91440" marR="91440">
+                    <a:lnT w="38100" cap="flat" cmpd="sng" algn="ctr">
+                      <a:solidFill>
+                        <a:schemeClr val="lt1"/>
+                      </a:solidFill>
+                      <a:prstDash val="solid"/>
+                      <a:round/>
+                      <a:headEnd w="med" len="med"/>
+                      <a:tailEnd w="med" len="med"/>
+                    </a:lnT>
+                  </a:tcPr>
+                </a:tc>
+                <a:tc>
+                  <a:txBody>
+                    <a:bodyPr vert="horz" wrap="square" lIns="91440" tIns="45720" rIns="91440" bIns="45720" anchor="t" anchorCtr="0">
+                      <a:spAutoFit/>
+                    </a:bodyPr>
+                    <a:p>
+                      <a:pPr>
+                        <a:defRPr/>
+                      </a:pPr>
+                      <a:endParaRPr lang="ko-KR" altLang="en-US"/>
+                    </a:p>
+                  </a:txBody>
+                  <a:tcPr marL="91440" marR="91440">
+                    <a:lnT w="38100" cap="flat" cmpd="sng" algn="ctr">
+                      <a:solidFill>
+                        <a:schemeClr val="lt1"/>
+                      </a:solidFill>
+                      <a:prstDash val="solid"/>
+                      <a:round/>
+                      <a:headEnd w="med" len="med"/>
+                      <a:tailEnd w="med" len="med"/>
+                    </a:lnT>
+                  </a:tcPr>
+                </a:tc>
+                <a:tc>
+                  <a:txBody>
+                    <a:bodyPr vert="horz" wrap="square" lIns="91440" tIns="45720" rIns="91440" bIns="45720" anchor="t" anchorCtr="0">
+                      <a:spAutoFit/>
+                    </a:bodyPr>
+                    <a:p>
+                      <a:pPr>
+                        <a:defRPr/>
+                      </a:pPr>
+                      <a:endParaRPr lang="ko-KR" altLang="en-US"/>
+                    </a:p>
+                  </a:txBody>
+                  <a:tcPr marL="91440" marR="91440">
+                    <a:lnR w="12700" cap="flat" cmpd="sng" algn="ctr">
+                      <a:solidFill>
+                        <a:schemeClr val="lt1"/>
+                      </a:solidFill>
+                      <a:prstDash val="solid"/>
+                      <a:round/>
+                      <a:headEnd w="med" len="med"/>
+                      <a:tailEnd w="med" len="med"/>
+                    </a:lnR>
+                    <a:lnT w="38100" cap="flat" cmpd="sng" algn="ctr">
+                      <a:solidFill>
+                        <a:schemeClr val="lt1"/>
+                      </a:solidFill>
+                      <a:prstDash val="solid"/>
+                      <a:round/>
+                      <a:headEnd w="med" len="med"/>
+                      <a:tailEnd w="med" len="med"/>
+                    </a:lnT>
+                  </a:tcPr>
+                </a:tc>
+              </a:tr>
+              <a:tr h="828103">
+                <a:tc>
+                  <a:txBody>
+                    <a:bodyPr vert="horz" wrap="square" lIns="91440" tIns="45720" rIns="91440" bIns="45720" anchor="t" anchorCtr="0">
+                      <a:spAutoFit/>
+                    </a:bodyPr>
+                    <a:p>
+                      <a:pPr>
+                        <a:defRPr/>
+                      </a:pPr>
+                      <a:endParaRPr lang="ko-KR" altLang="en-US"/>
+                    </a:p>
+                  </a:txBody>
+                  <a:tcPr marL="91440" marR="91440">
+                    <a:lnL w="12700" cap="flat" cmpd="sng" algn="ctr">
+                      <a:solidFill>
+                        <a:schemeClr val="lt1"/>
+                      </a:solidFill>
+                      <a:prstDash val="solid"/>
+                      <a:round/>
+                      <a:headEnd w="med" len="med"/>
+                      <a:tailEnd w="med" len="med"/>
+                    </a:lnL>
+                  </a:tcPr>
+                </a:tc>
+                <a:tc>
+                  <a:txBody>
+                    <a:bodyPr vert="horz" wrap="square" lIns="91440" tIns="45720" rIns="91440" bIns="45720" anchor="t" anchorCtr="0">
+                      <a:spAutoFit/>
+                    </a:bodyPr>
+                    <a:p>
+                      <a:pPr>
+                        <a:defRPr/>
+                      </a:pPr>
+                      <a:endParaRPr lang="ko-KR" altLang="en-US"/>
+                    </a:p>
+                  </a:txBody>
+                  <a:tcPr marL="91440" marR="91440"/>
+                </a:tc>
+                <a:tc>
+                  <a:txBody>
+                    <a:bodyPr vert="horz" wrap="square" lIns="91440" tIns="45720" rIns="91440" bIns="45720" anchor="t" anchorCtr="0">
+                      <a:spAutoFit/>
+                    </a:bodyPr>
+                    <a:p>
+                      <a:pPr>
+                        <a:defRPr/>
+                      </a:pPr>
+                      <a:endParaRPr lang="ko-KR" altLang="en-US"/>
+                    </a:p>
+                  </a:txBody>
+                  <a:tcPr marL="91440" marR="91440"/>
+                </a:tc>
+                <a:tc>
+                  <a:txBody>
+                    <a:bodyPr vert="horz" wrap="square" lIns="91440" tIns="45720" rIns="91440" bIns="45720" anchor="t" anchorCtr="0">
+                      <a:spAutoFit/>
+                    </a:bodyPr>
+                    <a:p>
+                      <a:pPr>
+                        <a:defRPr/>
+                      </a:pPr>
+                      <a:endParaRPr lang="ko-KR" altLang="en-US"/>
+                    </a:p>
+                  </a:txBody>
+                  <a:tcPr marL="91440" marR="91440"/>
+                </a:tc>
+                <a:tc>
+                  <a:txBody>
+                    <a:bodyPr vert="horz" wrap="square" lIns="91440" tIns="45720" rIns="91440" bIns="45720" anchor="t" anchorCtr="0">
+                      <a:spAutoFit/>
+                    </a:bodyPr>
+                    <a:p>
+                      <a:pPr>
+                        <a:defRPr/>
+                      </a:pPr>
+                      <a:endParaRPr lang="ko-KR" altLang="en-US"/>
+                    </a:p>
+                  </a:txBody>
+                  <a:tcPr marL="91440" marR="91440"/>
+                </a:tc>
+                <a:tc>
+                  <a:txBody>
+                    <a:bodyPr vert="horz" wrap="square" lIns="91440" tIns="45720" rIns="91440" bIns="45720" anchor="t" anchorCtr="0">
+                      <a:spAutoFit/>
+                    </a:bodyPr>
+                    <a:p>
+                      <a:pPr>
+                        <a:defRPr/>
+                      </a:pPr>
+                      <a:endParaRPr lang="ko-KR" altLang="en-US"/>
+                    </a:p>
+                  </a:txBody>
+                  <a:tcPr marL="91440" marR="91440"/>
+                </a:tc>
+                <a:tc>
+                  <a:txBody>
+                    <a:bodyPr vert="horz" wrap="square" lIns="91440" tIns="45720" rIns="91440" bIns="45720" anchor="t" anchorCtr="0">
+                      <a:spAutoFit/>
+                    </a:bodyPr>
+                    <a:p>
+                      <a:pPr>
+                        <a:defRPr/>
+                      </a:pPr>
+                      <a:endParaRPr lang="ko-KR" altLang="en-US"/>
+                    </a:p>
+                  </a:txBody>
+                  <a:tcPr marL="91440" marR="91440"/>
+                </a:tc>
+                <a:tc>
+                  <a:txBody>
+                    <a:bodyPr vert="horz" wrap="square" lIns="91440" tIns="45720" rIns="91440" bIns="45720" anchor="t" anchorCtr="0">
+                      <a:spAutoFit/>
+                    </a:bodyPr>
+                    <a:p>
+                      <a:pPr>
+                        <a:defRPr/>
+                      </a:pPr>
+                      <a:endParaRPr lang="ko-KR" altLang="en-US"/>
+                    </a:p>
+                  </a:txBody>
+                  <a:tcPr marL="91440" marR="91440"/>
+                </a:tc>
+                <a:tc>
+                  <a:txBody>
+                    <a:bodyPr vert="horz" wrap="square" lIns="91440" tIns="45720" rIns="91440" bIns="45720" anchor="t" anchorCtr="0">
+                      <a:spAutoFit/>
+                    </a:bodyPr>
+                    <a:p>
+                      <a:pPr>
+                        <a:defRPr/>
+                      </a:pPr>
+                      <a:endParaRPr lang="ko-KR" altLang="en-US"/>
+                    </a:p>
+                  </a:txBody>
+                  <a:tcPr marL="91440" marR="91440"/>
+                </a:tc>
+                <a:tc>
+                  <a:txBody>
+                    <a:bodyPr vert="horz" wrap="square" lIns="91440" tIns="45720" rIns="91440" bIns="45720" anchor="t" anchorCtr="0">
+                      <a:spAutoFit/>
+                    </a:bodyPr>
+                    <a:p>
+                      <a:pPr>
+                        <a:defRPr/>
+                      </a:pPr>
+                      <a:endParaRPr lang="ko-KR" altLang="en-US"/>
+                    </a:p>
+                  </a:txBody>
+                  <a:tcPr marL="91440" marR="91440"/>
+                </a:tc>
+                <a:tc>
+                  <a:txBody>
+                    <a:bodyPr vert="horz" wrap="square" lIns="91440" tIns="45720" rIns="91440" bIns="45720" anchor="t" anchorCtr="0">
+                      <a:spAutoFit/>
+                    </a:bodyPr>
+                    <a:p>
+                      <a:pPr>
+                        <a:defRPr/>
+                      </a:pPr>
+                      <a:endParaRPr lang="ko-KR" altLang="en-US"/>
+                    </a:p>
+                  </a:txBody>
+                  <a:tcPr marL="91440" marR="91440"/>
+                </a:tc>
+                <a:tc>
+                  <a:txBody>
+                    <a:bodyPr vert="horz" wrap="square" lIns="91440" tIns="45720" rIns="91440" bIns="45720" anchor="t" anchorCtr="0">
+                      <a:spAutoFit/>
+                    </a:bodyPr>
+                    <a:p>
+                      <a:pPr>
+                        <a:defRPr/>
+                      </a:pPr>
+                      <a:endParaRPr lang="ko-KR" altLang="en-US"/>
+                    </a:p>
+                  </a:txBody>
+                  <a:tcPr marL="91440" marR="91440"/>
+                </a:tc>
+                <a:tc>
+                  <a:txBody>
+                    <a:bodyPr vert="horz" wrap="square" lIns="91440" tIns="45720" rIns="91440" bIns="45720" anchor="t" anchorCtr="0">
+                      <a:spAutoFit/>
+                    </a:bodyPr>
+                    <a:p>
+                      <a:pPr>
+                        <a:defRPr/>
+                      </a:pPr>
+                      <a:endParaRPr lang="ko-KR" altLang="en-US"/>
+                    </a:p>
+                  </a:txBody>
+                  <a:tcPr marL="91440" marR="91440"/>
+                </a:tc>
+                <a:tc>
+                  <a:txBody>
+                    <a:bodyPr vert="horz" wrap="square" lIns="91440" tIns="45720" rIns="91440" bIns="45720" anchor="t" anchorCtr="0">
+                      <a:spAutoFit/>
+                    </a:bodyPr>
+                    <a:p>
+                      <a:pPr>
+                        <a:defRPr/>
+                      </a:pPr>
+                      <a:endParaRPr lang="ko-KR" altLang="en-US"/>
+                    </a:p>
+                  </a:txBody>
+                  <a:tcPr marL="91440" marR="91440">
+                    <a:lnR w="12700" cap="flat" cmpd="sng" algn="ctr">
+                      <a:solidFill>
+                        <a:schemeClr val="lt1"/>
+                      </a:solidFill>
+                      <a:prstDash val="solid"/>
+                      <a:round/>
+                      <a:headEnd w="med" len="med"/>
+                      <a:tailEnd w="med" len="med"/>
+                    </a:lnR>
+                  </a:tcPr>
+                </a:tc>
+              </a:tr>
+              <a:tr h="828103">
+                <a:tc>
+                  <a:txBody>
+                    <a:bodyPr vert="horz" wrap="square" lIns="91440" tIns="45720" rIns="91440" bIns="45720" anchor="t" anchorCtr="0">
+                      <a:spAutoFit/>
+                    </a:bodyPr>
+                    <a:p>
+                      <a:pPr>
+                        <a:defRPr/>
+                      </a:pPr>
+                      <a:endParaRPr lang="ko-KR" altLang="en-US"/>
+                    </a:p>
+                  </a:txBody>
+                  <a:tcPr marL="91440" marR="91440">
+                    <a:lnL w="12700" cap="flat" cmpd="sng" algn="ctr">
+                      <a:solidFill>
+                        <a:schemeClr val="lt1"/>
+                      </a:solidFill>
+                      <a:prstDash val="solid"/>
+                      <a:round/>
+                      <a:headEnd w="med" len="med"/>
+                      <a:tailEnd w="med" len="med"/>
+                    </a:lnL>
+                  </a:tcPr>
+                </a:tc>
+                <a:tc>
+                  <a:txBody>
+                    <a:bodyPr vert="horz" wrap="square" lIns="91440" tIns="45720" rIns="91440" bIns="45720" anchor="t" anchorCtr="0">
+                      <a:spAutoFit/>
+                    </a:bodyPr>
+                    <a:p>
+                      <a:pPr>
+                        <a:defRPr/>
+                      </a:pPr>
+                      <a:endParaRPr lang="ko-KR" altLang="en-US"/>
+                    </a:p>
+                  </a:txBody>
+                  <a:tcPr marL="91440" marR="91440"/>
+                </a:tc>
+                <a:tc>
+                  <a:txBody>
+                    <a:bodyPr vert="horz" wrap="square" lIns="91440" tIns="45720" rIns="91440" bIns="45720" anchor="t" anchorCtr="0">
+                      <a:spAutoFit/>
+                    </a:bodyPr>
+                    <a:p>
+                      <a:pPr>
+                        <a:defRPr/>
+                      </a:pPr>
+                      <a:endParaRPr lang="ko-KR" altLang="en-US"/>
+                    </a:p>
+                  </a:txBody>
+                  <a:tcPr marL="91440" marR="91440"/>
+                </a:tc>
+                <a:tc>
+                  <a:txBody>
+                    <a:bodyPr vert="horz" wrap="square" lIns="91440" tIns="45720" rIns="91440" bIns="45720" anchor="t" anchorCtr="0">
+                      <a:spAutoFit/>
+                    </a:bodyPr>
+                    <a:p>
+                      <a:pPr>
+                        <a:defRPr/>
+                      </a:pPr>
+                      <a:endParaRPr lang="ko-KR" altLang="en-US"/>
+                    </a:p>
+                  </a:txBody>
+                  <a:tcPr marL="91440" marR="91440"/>
+                </a:tc>
+                <a:tc>
+                  <a:txBody>
+                    <a:bodyPr vert="horz" wrap="square" lIns="91440" tIns="45720" rIns="91440" bIns="45720" anchor="t" anchorCtr="0">
+                      <a:spAutoFit/>
+                    </a:bodyPr>
+                    <a:p>
+                      <a:pPr>
+                        <a:defRPr/>
+                      </a:pPr>
+                      <a:endParaRPr lang="ko-KR" altLang="en-US"/>
+                    </a:p>
+                  </a:txBody>
+                  <a:tcPr marL="91440" marR="91440"/>
+                </a:tc>
+                <a:tc>
+                  <a:txBody>
+                    <a:bodyPr vert="horz" wrap="square" lIns="91440" tIns="45720" rIns="91440" bIns="45720" anchor="t" anchorCtr="0">
+                      <a:spAutoFit/>
+                    </a:bodyPr>
+                    <a:p>
+                      <a:pPr>
+                        <a:defRPr/>
+                      </a:pPr>
+                      <a:endParaRPr lang="ko-KR" altLang="en-US"/>
+                    </a:p>
+                  </a:txBody>
+                  <a:tcPr marL="91440" marR="91440"/>
+                </a:tc>
+                <a:tc>
+                  <a:txBody>
+                    <a:bodyPr vert="horz" wrap="square" lIns="91440" tIns="45720" rIns="91440" bIns="45720" anchor="t" anchorCtr="0">
+                      <a:spAutoFit/>
+                    </a:bodyPr>
+                    <a:p>
+                      <a:pPr>
+                        <a:defRPr/>
+                      </a:pPr>
+                      <a:endParaRPr lang="ko-KR" altLang="en-US"/>
+                    </a:p>
+                  </a:txBody>
+                  <a:tcPr marL="91440" marR="91440"/>
+                </a:tc>
+                <a:tc>
+                  <a:txBody>
+                    <a:bodyPr vert="horz" wrap="square" lIns="91440" tIns="45720" rIns="91440" bIns="45720" anchor="t" anchorCtr="0">
+                      <a:spAutoFit/>
+                    </a:bodyPr>
+                    <a:p>
+                      <a:pPr>
+                        <a:defRPr/>
+                      </a:pPr>
+                      <a:endParaRPr lang="ko-KR" altLang="en-US"/>
+                    </a:p>
+                  </a:txBody>
+                  <a:tcPr marL="91440" marR="91440"/>
+                </a:tc>
+                <a:tc>
+                  <a:txBody>
+                    <a:bodyPr vert="horz" wrap="square" lIns="91440" tIns="45720" rIns="91440" bIns="45720" anchor="t" anchorCtr="0">
+                      <a:spAutoFit/>
+                    </a:bodyPr>
+                    <a:p>
+                      <a:pPr>
+                        <a:defRPr/>
+                      </a:pPr>
+                      <a:endParaRPr lang="ko-KR" altLang="en-US"/>
+                    </a:p>
+                  </a:txBody>
+                  <a:tcPr marL="91440" marR="91440"/>
+                </a:tc>
+                <a:tc>
+                  <a:txBody>
+                    <a:bodyPr vert="horz" wrap="square" lIns="91440" tIns="45720" rIns="91440" bIns="45720" anchor="t" anchorCtr="0">
+                      <a:spAutoFit/>
+                    </a:bodyPr>
+                    <a:p>
+                      <a:pPr>
+                        <a:defRPr/>
+                      </a:pPr>
+                      <a:endParaRPr lang="ko-KR" altLang="en-US"/>
+                    </a:p>
+                  </a:txBody>
+                  <a:tcPr marL="91440" marR="91440"/>
+                </a:tc>
+                <a:tc>
+                  <a:txBody>
+                    <a:bodyPr vert="horz" wrap="square" lIns="91440" tIns="45720" rIns="91440" bIns="45720" anchor="t" anchorCtr="0">
+                      <a:spAutoFit/>
+                    </a:bodyPr>
+                    <a:p>
+                      <a:pPr>
+                        <a:defRPr/>
+                      </a:pPr>
+                      <a:endParaRPr lang="ko-KR" altLang="en-US"/>
+                    </a:p>
+                  </a:txBody>
+                  <a:tcPr marL="91440" marR="91440"/>
+                </a:tc>
+                <a:tc>
+                  <a:txBody>
+                    <a:bodyPr vert="horz" wrap="square" lIns="91440" tIns="45720" rIns="91440" bIns="45720" anchor="t" anchorCtr="0">
+                      <a:spAutoFit/>
+                    </a:bodyPr>
+                    <a:p>
+                      <a:pPr>
+                        <a:defRPr/>
+                      </a:pPr>
+                      <a:endParaRPr lang="ko-KR" altLang="en-US"/>
+                    </a:p>
+                  </a:txBody>
+                  <a:tcPr marL="91440" marR="91440"/>
+                </a:tc>
+                <a:tc>
+                  <a:txBody>
+                    <a:bodyPr vert="horz" wrap="square" lIns="91440" tIns="45720" rIns="91440" bIns="45720" anchor="t" anchorCtr="0">
+                      <a:spAutoFit/>
+                    </a:bodyPr>
+                    <a:p>
+                      <a:pPr>
+                        <a:defRPr/>
+                      </a:pPr>
+                      <a:endParaRPr lang="ko-KR" altLang="en-US"/>
+                    </a:p>
+                  </a:txBody>
+                  <a:tcPr marL="91440" marR="91440"/>
+                </a:tc>
+                <a:tc>
+                  <a:txBody>
+                    <a:bodyPr vert="horz" wrap="square" lIns="91440" tIns="45720" rIns="91440" bIns="45720" anchor="t" anchorCtr="0">
+                      <a:spAutoFit/>
+                    </a:bodyPr>
+                    <a:p>
+                      <a:pPr>
+                        <a:defRPr/>
+                      </a:pPr>
+                      <a:endParaRPr lang="ko-KR" altLang="en-US"/>
+                    </a:p>
+                  </a:txBody>
+                  <a:tcPr marL="91440" marR="91440">
+                    <a:lnR w="12700" cap="flat" cmpd="sng" algn="ctr">
+                      <a:solidFill>
+                        <a:schemeClr val="lt1"/>
+                      </a:solidFill>
+                      <a:prstDash val="solid"/>
+                      <a:round/>
+                      <a:headEnd w="med" len="med"/>
+                      <a:tailEnd w="med" len="med"/>
+                    </a:lnR>
+                  </a:tcPr>
+                </a:tc>
+              </a:tr>
+              <a:tr h="828103">
+                <a:tc>
+                  <a:txBody>
+                    <a:bodyPr vert="horz" wrap="square" lIns="91440" tIns="45720" rIns="91440" bIns="45720" anchor="t" anchorCtr="0">
+                      <a:spAutoFit/>
+                    </a:bodyPr>
+                    <a:p>
+                      <a:pPr>
+                        <a:defRPr/>
+                      </a:pPr>
+                      <a:endParaRPr lang="ko-KR" altLang="en-US"/>
+                    </a:p>
+                  </a:txBody>
+                  <a:tcPr marL="91440" marR="91440">
+                    <a:lnL w="12700" cap="flat" cmpd="sng" algn="ctr">
+                      <a:solidFill>
+                        <a:schemeClr val="lt1"/>
+                      </a:solidFill>
+                      <a:prstDash val="solid"/>
+                      <a:round/>
+                      <a:headEnd w="med" len="med"/>
+                      <a:tailEnd w="med" len="med"/>
+                    </a:lnL>
+                    <a:lnB w="12700" cap="flat" cmpd="sng" algn="ctr">
+                      <a:solidFill>
+                        <a:schemeClr val="lt1"/>
+                      </a:solidFill>
+                      <a:prstDash val="solid"/>
+                      <a:round/>
+                      <a:headEnd w="med" len="med"/>
+                      <a:tailEnd w="med" len="med"/>
+                    </a:lnB>
+                  </a:tcPr>
+                </a:tc>
+                <a:tc>
+                  <a:txBody>
+                    <a:bodyPr vert="horz" wrap="square" lIns="91440" tIns="45720" rIns="91440" bIns="45720" anchor="t" anchorCtr="0">
+                      <a:spAutoFit/>
+                    </a:bodyPr>
+                    <a:p>
+                      <a:pPr>
+                        <a:defRPr/>
+                      </a:pPr>
+                      <a:endParaRPr lang="ko-KR" altLang="en-US"/>
+                    </a:p>
+                  </a:txBody>
+                  <a:tcPr marL="91440" marR="91440">
+                    <a:lnB w="12700" cap="flat" cmpd="sng" algn="ctr">
+                      <a:solidFill>
+                        <a:schemeClr val="lt1"/>
+                      </a:solidFill>
+                      <a:prstDash val="solid"/>
+                      <a:round/>
+                      <a:headEnd w="med" len="med"/>
+                      <a:tailEnd w="med" len="med"/>
+                    </a:lnB>
+                  </a:tcPr>
+                </a:tc>
+                <a:tc>
+                  <a:txBody>
+                    <a:bodyPr vert="horz" wrap="square" lIns="91440" tIns="45720" rIns="91440" bIns="45720" anchor="t" anchorCtr="0">
+                      <a:spAutoFit/>
+                    </a:bodyPr>
+                    <a:p>
+                      <a:pPr>
+                        <a:defRPr/>
+                      </a:pPr>
+                      <a:endParaRPr lang="ko-KR" altLang="en-US"/>
+                    </a:p>
+                  </a:txBody>
+                  <a:tcPr marL="91440" marR="91440">
+                    <a:lnB w="12700" cap="flat" cmpd="sng" algn="ctr">
+                      <a:solidFill>
+                        <a:schemeClr val="lt1"/>
+                      </a:solidFill>
+                      <a:prstDash val="solid"/>
+                      <a:round/>
+                      <a:headEnd w="med" len="med"/>
+                      <a:tailEnd w="med" len="med"/>
+                    </a:lnB>
+                  </a:tcPr>
+                </a:tc>
+                <a:tc>
+                  <a:txBody>
+                    <a:bodyPr vert="horz" wrap="square" lIns="91440" tIns="45720" rIns="91440" bIns="45720" anchor="t" anchorCtr="0">
+                      <a:spAutoFit/>
+                    </a:bodyPr>
+                    <a:p>
+                      <a:pPr>
+                        <a:defRPr/>
+                      </a:pPr>
+                      <a:endParaRPr lang="ko-KR" altLang="en-US"/>
+                    </a:p>
+                  </a:txBody>
+                  <a:tcPr marL="91440" marR="91440">
+                    <a:lnB w="12700" cap="flat" cmpd="sng" algn="ctr">
+                      <a:solidFill>
+                        <a:schemeClr val="lt1"/>
+                      </a:solidFill>
+                      <a:prstDash val="solid"/>
+                      <a:round/>
+                      <a:headEnd w="med" len="med"/>
+                      <a:tailEnd w="med" len="med"/>
+                    </a:lnB>
+                  </a:tcPr>
+                </a:tc>
+                <a:tc>
+                  <a:txBody>
+                    <a:bodyPr vert="horz" wrap="square" lIns="91440" tIns="45720" rIns="91440" bIns="45720" anchor="t" anchorCtr="0">
+                      <a:spAutoFit/>
+                    </a:bodyPr>
+                    <a:p>
+                      <a:pPr>
+                        <a:defRPr/>
+                      </a:pPr>
+                      <a:endParaRPr lang="ko-KR" altLang="en-US"/>
+                    </a:p>
+                  </a:txBody>
+                  <a:tcPr marL="91440" marR="91440">
+                    <a:lnB w="12700" cap="flat" cmpd="sng" algn="ctr">
+                      <a:solidFill>
+                        <a:schemeClr val="lt1"/>
+                      </a:solidFill>
+                      <a:prstDash val="solid"/>
+                      <a:round/>
+                      <a:headEnd w="med" len="med"/>
+                      <a:tailEnd w="med" len="med"/>
+                    </a:lnB>
+                  </a:tcPr>
+                </a:tc>
+                <a:tc>
+                  <a:txBody>
+                    <a:bodyPr vert="horz" wrap="square" lIns="91440" tIns="45720" rIns="91440" bIns="45720" anchor="t" anchorCtr="0">
+                      <a:spAutoFit/>
+                    </a:bodyPr>
+                    <a:p>
+                      <a:pPr>
+                        <a:defRPr/>
+                      </a:pPr>
+                      <a:endParaRPr lang="ko-KR" altLang="en-US"/>
+                    </a:p>
+                  </a:txBody>
+                  <a:tcPr marL="91440" marR="91440">
+                    <a:lnB w="12700" cap="flat" cmpd="sng" algn="ctr">
+                      <a:solidFill>
+                        <a:schemeClr val="lt1"/>
+                      </a:solidFill>
+                      <a:prstDash val="solid"/>
+                      <a:round/>
+                      <a:headEnd w="med" len="med"/>
+                      <a:tailEnd w="med" len="med"/>
+                    </a:lnB>
+                  </a:tcPr>
+                </a:tc>
+                <a:tc>
+                  <a:txBody>
+                    <a:bodyPr vert="horz" wrap="square" lIns="91440" tIns="45720" rIns="91440" bIns="45720" anchor="t" anchorCtr="0">
+                      <a:spAutoFit/>
+                    </a:bodyPr>
+                    <a:p>
+                      <a:pPr>
+                        <a:defRPr/>
+                      </a:pPr>
+                      <a:endParaRPr lang="ko-KR" altLang="en-US"/>
+                    </a:p>
+                  </a:txBody>
+                  <a:tcPr marL="91440" marR="91440">
+                    <a:lnB w="12700" cap="flat" cmpd="sng" algn="ctr">
+                      <a:solidFill>
+                        <a:schemeClr val="lt1"/>
+                      </a:solidFill>
+                      <a:prstDash val="solid"/>
+                      <a:round/>
+                      <a:headEnd w="med" len="med"/>
+                      <a:tailEnd w="med" len="med"/>
+                    </a:lnB>
+                  </a:tcPr>
+                </a:tc>
+                <a:tc>
+                  <a:txBody>
+                    <a:bodyPr vert="horz" wrap="square" lIns="91440" tIns="45720" rIns="91440" bIns="45720" anchor="t" anchorCtr="0">
+                      <a:spAutoFit/>
+                    </a:bodyPr>
+                    <a:p>
+                      <a:pPr>
+                        <a:defRPr/>
+                      </a:pPr>
+                      <a:endParaRPr lang="ko-KR" altLang="en-US"/>
+                    </a:p>
+                  </a:txBody>
+                  <a:tcPr marL="91440" marR="91440">
+                    <a:lnB w="12700" cap="flat" cmpd="sng" algn="ctr">
+                      <a:solidFill>
+                        <a:schemeClr val="lt1"/>
+                      </a:solidFill>
+                      <a:prstDash val="solid"/>
+                      <a:round/>
+                      <a:headEnd w="med" len="med"/>
+                      <a:tailEnd w="med" len="med"/>
+                    </a:lnB>
+                  </a:tcPr>
+                </a:tc>
+                <a:tc>
+                  <a:txBody>
+                    <a:bodyPr vert="horz" wrap="square" lIns="91440" tIns="45720" rIns="91440" bIns="45720" anchor="t" anchorCtr="0">
+                      <a:spAutoFit/>
+                    </a:bodyPr>
+                    <a:p>
+                      <a:pPr>
+                        <a:defRPr/>
+                      </a:pPr>
+                      <a:endParaRPr lang="ko-KR" altLang="en-US"/>
+                    </a:p>
+                  </a:txBody>
+                  <a:tcPr marL="91440" marR="91440">
+                    <a:lnB w="12700" cap="flat" cmpd="sng" algn="ctr">
+                      <a:solidFill>
+                        <a:schemeClr val="lt1"/>
+                      </a:solidFill>
+                      <a:prstDash val="solid"/>
+                      <a:round/>
+                      <a:headEnd w="med" len="med"/>
+                      <a:tailEnd w="med" len="med"/>
+                    </a:lnB>
+                  </a:tcPr>
+                </a:tc>
+                <a:tc>
+                  <a:txBody>
+                    <a:bodyPr vert="horz" wrap="square" lIns="91440" tIns="45720" rIns="91440" bIns="45720" anchor="t" anchorCtr="0">
+                      <a:spAutoFit/>
+                    </a:bodyPr>
+                    <a:p>
+                      <a:pPr>
+                        <a:defRPr/>
+                      </a:pPr>
+                      <a:endParaRPr lang="ko-KR" altLang="en-US"/>
+                    </a:p>
+                  </a:txBody>
+                  <a:tcPr marL="91440" marR="91440">
+                    <a:lnB w="12700" cap="flat" cmpd="sng" algn="ctr">
+                      <a:solidFill>
+                        <a:schemeClr val="lt1"/>
+                      </a:solidFill>
+                      <a:prstDash val="solid"/>
+                      <a:round/>
+                      <a:headEnd w="med" len="med"/>
+                      <a:tailEnd w="med" len="med"/>
+                    </a:lnB>
+                  </a:tcPr>
+                </a:tc>
+                <a:tc>
+                  <a:txBody>
+                    <a:bodyPr vert="horz" wrap="square" lIns="91440" tIns="45720" rIns="91440" bIns="45720" anchor="t" anchorCtr="0">
+                      <a:spAutoFit/>
+                    </a:bodyPr>
+                    <a:p>
+                      <a:pPr>
+                        <a:defRPr/>
+                      </a:pPr>
+                      <a:endParaRPr lang="ko-KR" altLang="en-US"/>
+                    </a:p>
+                  </a:txBody>
+                  <a:tcPr marL="91440" marR="91440">
+                    <a:lnB w="12700" cap="flat" cmpd="sng" algn="ctr">
+                      <a:solidFill>
+                        <a:schemeClr val="lt1"/>
+                      </a:solidFill>
+                      <a:prstDash val="solid"/>
+                      <a:round/>
+                      <a:headEnd w="med" len="med"/>
+                      <a:tailEnd w="med" len="med"/>
+                    </a:lnB>
+                  </a:tcPr>
+                </a:tc>
+                <a:tc>
+                  <a:txBody>
+                    <a:bodyPr vert="horz" wrap="square" lIns="91440" tIns="45720" rIns="91440" bIns="45720" anchor="t" anchorCtr="0">
+                      <a:spAutoFit/>
+                    </a:bodyPr>
+                    <a:p>
+                      <a:pPr>
+                        <a:defRPr/>
+                      </a:pPr>
+                      <a:endParaRPr lang="ko-KR" altLang="en-US"/>
+                    </a:p>
+                  </a:txBody>
+                  <a:tcPr marL="91440" marR="91440">
+                    <a:lnB w="12700" cap="flat" cmpd="sng" algn="ctr">
+                      <a:solidFill>
+                        <a:schemeClr val="lt1"/>
+                      </a:solidFill>
+                      <a:prstDash val="solid"/>
+                      <a:round/>
+                      <a:headEnd w="med" len="med"/>
+                      <a:tailEnd w="med" len="med"/>
+                    </a:lnB>
+                  </a:tcPr>
+                </a:tc>
+                <a:tc>
+                  <a:txBody>
+                    <a:bodyPr vert="horz" wrap="square" lIns="91440" tIns="45720" rIns="91440" bIns="45720" anchor="t" anchorCtr="0">
+                      <a:spAutoFit/>
+                    </a:bodyPr>
+                    <a:p>
+                      <a:pPr>
+                        <a:defRPr/>
+                      </a:pPr>
+                      <a:endParaRPr lang="ko-KR" altLang="en-US"/>
+                    </a:p>
+                  </a:txBody>
+                  <a:tcPr marL="91440" marR="91440">
+                    <a:lnB w="12700" cap="flat" cmpd="sng" algn="ctr">
+                      <a:solidFill>
+                        <a:schemeClr val="lt1"/>
+                      </a:solidFill>
+                      <a:prstDash val="solid"/>
+                      <a:round/>
+                      <a:headEnd w="med" len="med"/>
+                      <a:tailEnd w="med" len="med"/>
+                    </a:lnB>
+                  </a:tcPr>
+                </a:tc>
+                <a:tc>
+                  <a:txBody>
+                    <a:bodyPr vert="horz" wrap="square" lIns="91440" tIns="45720" rIns="91440" bIns="45720" anchor="t" anchorCtr="0">
+                      <a:spAutoFit/>
+                    </a:bodyPr>
+                    <a:p>
+                      <a:pPr>
+                        <a:defRPr/>
+                      </a:pPr>
+                      <a:endParaRPr lang="ko-KR" altLang="en-US"/>
+                    </a:p>
+                  </a:txBody>
+                  <a:tcPr marL="91440" marR="91440">
+                    <a:lnR w="12700" cap="flat" cmpd="sng" algn="ctr">
+                      <a:solidFill>
+                        <a:schemeClr val="lt1"/>
+                      </a:solidFill>
+                      <a:prstDash val="solid"/>
+                      <a:round/>
+                      <a:headEnd w="med" len="med"/>
+                      <a:tailEnd w="med" len="med"/>
+                    </a:lnR>
+                    <a:lnB w="12700" cap="flat" cmpd="sng" algn="ctr">
+                      <a:solidFill>
+                        <a:schemeClr val="lt1"/>
+                      </a:solidFill>
+                      <a:prstDash val="solid"/>
+                      <a:round/>
+                      <a:headEnd w="med" len="med"/>
+                      <a:tailEnd w="med" len="med"/>
+                    </a:lnB>
+                  </a:tcPr>
+                </a:tc>
+              </a:tr>
+            </a:tbl>
+          </a:graphicData>
+        </a:graphic>
+      </p:graphicFrame>
     </p:spTree>
   </p:cSld>
   <p:clrMapOvr>
@@ -7088,105 +10553,6 @@
       </p:cxnSp>
       <p:sp>
         <p:nvSpPr>
-          <p:cNvPr id="30" name=""/>
-          <p:cNvSpPr txBox="1"/>
-          <p:nvPr/>
-        </p:nvSpPr>
-        <p:spPr>
-          <a:xfrm>
-            <a:off x="0" y="28575"/>
-            <a:ext cx="2927701" cy="512445"/>
-          </a:xfrm>
-          <a:prstGeom prst="rect">
-            <a:avLst/>
-          </a:prstGeom>
-        </p:spPr>
-        <p:txBody>
-          <a:bodyPr wrap="square">
-            <a:spAutoFit/>
-          </a:bodyPr>
-          <a:p>
-            <a:pPr marL="0" indent="0" algn="ctr" defTabSz="914400" rtl="0" eaLnBrk="1" latinLnBrk="1" hangingPunct="1">
-              <a:lnSpc>
-                <a:spcPct val="100000"/>
-              </a:lnSpc>
-              <a:spcBef>
-                <a:spcPct val="0"/>
-              </a:spcBef>
-              <a:spcAft>
-                <a:spcPts val="0"/>
-              </a:spcAft>
-              <a:buNone/>
-              <a:defRPr/>
-            </a:pPr>
-            <a:r>
-              <a:rPr xmlns:mc="http://schemas.openxmlformats.org/markup-compatibility/2006" xmlns:hp="http://schemas.haansoft.com/office/presentation/8.0" kumimoji="0" lang="en-US" altLang="ko-KR" sz="2800" b="1" i="0" u="none" strike="noStrike" kern="1200" cap="none" spc="0" normalizeH="0" baseline="0" mc:Ignorable="hp" hp:hslEmbossed="0">
-                <a:solidFill>
-                  <a:srgbClr val="000000"/>
-                </a:solidFill>
-                <a:latin typeface="Calibri"/>
-                <a:ea typeface="맑은 고딕"/>
-                <a:cs typeface="맑은 고딕"/>
-              </a:rPr>
-              <a:t>4.</a:t>
-            </a:r>
-            <a:r>
-              <a:rPr xmlns:mc="http://schemas.openxmlformats.org/markup-compatibility/2006" xmlns:hp="http://schemas.haansoft.com/office/presentation/8.0" kumimoji="0" lang="ko-KR" altLang="en-US" sz="2800" b="1" i="0" u="none" strike="noStrike" kern="1200" cap="none" spc="0" normalizeH="0" baseline="0" mc:Ignorable="hp" hp:hslEmbossed="0">
-                <a:solidFill>
-                  <a:srgbClr val="000000"/>
-                </a:solidFill>
-                <a:latin typeface="Calibri"/>
-                <a:ea typeface="맑은 고딕"/>
-                <a:cs typeface="맑은 고딕"/>
-              </a:rPr>
-              <a:t> </a:t>
-            </a:r>
-            <a:r>
-              <a:rPr xmlns:mc="http://schemas.openxmlformats.org/markup-compatibility/2006" xmlns:hp="http://schemas.haansoft.com/office/presentation/8.0" kumimoji="0" lang="en-US" altLang="ko-KR" sz="2800" b="1" i="0" u="none" strike="noStrike" kern="1200" cap="none" spc="0" normalizeH="0" baseline="0" mc:Ignorable="hp" hp:hslEmbossed="0">
-                <a:solidFill>
-                  <a:srgbClr val="000000"/>
-                </a:solidFill>
-                <a:latin typeface="Calibri"/>
-                <a:ea typeface="맑은 고딕"/>
-                <a:cs typeface="맑은 고딕"/>
-              </a:rPr>
-              <a:t>UI </a:t>
-            </a:r>
-            <a:r>
-              <a:rPr xmlns:mc="http://schemas.openxmlformats.org/markup-compatibility/2006" xmlns:hp="http://schemas.haansoft.com/office/presentation/8.0" kumimoji="0" lang="ko-KR" altLang="en-US" sz="2800" b="1" i="0" u="none" strike="noStrike" kern="1200" cap="none" spc="0" normalizeH="0" baseline="0" mc:Ignorable="hp" hp:hslEmbossed="0">
-                <a:solidFill>
-                  <a:srgbClr val="000000"/>
-                </a:solidFill>
-                <a:latin typeface="Calibri"/>
-                <a:ea typeface="맑은 고딕"/>
-                <a:cs typeface="맑은 고딕"/>
-              </a:rPr>
-              <a:t>구성</a:t>
-            </a:r>
-            <a:r>
-              <a:rPr xmlns:mc="http://schemas.openxmlformats.org/markup-compatibility/2006" xmlns:hp="http://schemas.haansoft.com/office/presentation/8.0" kumimoji="0" lang="en-US" altLang="ko-KR" sz="2800" b="1" i="0" u="none" strike="noStrike" kern="1200" cap="none" spc="0" normalizeH="0" baseline="0" mc:Ignorable="hp" hp:hslEmbossed="0">
-                <a:solidFill>
-                  <a:srgbClr val="000000"/>
-                </a:solidFill>
-                <a:latin typeface="Calibri"/>
-                <a:ea typeface="맑은 고딕"/>
-                <a:cs typeface="맑은 고딕"/>
-              </a:rPr>
-              <a:t> (Main)</a:t>
-            </a:r>
-            <a:endParaRPr xmlns:mc="http://schemas.openxmlformats.org/markup-compatibility/2006" xmlns:hp="http://schemas.haansoft.com/office/presentation/8.0" kumimoji="0" lang="en-US" altLang="ko-KR" sz="2800" b="1" i="0" u="none" strike="noStrike" kern="1200" cap="none" spc="0" normalizeH="0" baseline="0" mc:Ignorable="hp" hp:hslEmbossed="0">
-              <a:solidFill>
-                <a:srgbClr val="000000"/>
-              </a:solidFill>
-              <a:latin typeface="Calibri"/>
-              <a:ea typeface="맑은 고딕"/>
-              <a:cs typeface="맑은 고딕"/>
-            </a:endParaRPr>
-          </a:p>
-        </p:txBody>
-      </p:sp>
-      <p:sp>
-        <p:nvSpPr>
           <p:cNvPr id="31" name="슬라이드 번호 개체 틀 5"/>
           <p:cNvSpPr>
             <a:spLocks noGrp="1"/>
@@ -7211,6 +10577,105 @@
               <a:t>6</a:t>
             </a:fld>
             <a:endParaRPr lang="en-US" altLang="en-US"/>
+          </a:p>
+        </p:txBody>
+      </p:sp>
+      <p:sp>
+        <p:nvSpPr>
+          <p:cNvPr id="32" name=""/>
+          <p:cNvSpPr txBox="1"/>
+          <p:nvPr/>
+        </p:nvSpPr>
+        <p:spPr>
+          <a:xfrm>
+            <a:off x="0" y="-38100"/>
+            <a:ext cx="3479148" cy="598170"/>
+          </a:xfrm>
+          <a:prstGeom prst="rect">
+            <a:avLst/>
+          </a:prstGeom>
+        </p:spPr>
+        <p:txBody>
+          <a:bodyPr wrap="square">
+            <a:spAutoFit/>
+          </a:bodyPr>
+          <a:p>
+            <a:pPr marL="0" indent="0" algn="ctr" defTabSz="914400" rtl="0" eaLnBrk="1" latinLnBrk="1" hangingPunct="1">
+              <a:lnSpc>
+                <a:spcPct val="100000"/>
+              </a:lnSpc>
+              <a:spcBef>
+                <a:spcPct val="0"/>
+              </a:spcBef>
+              <a:spcAft>
+                <a:spcPts val="0"/>
+              </a:spcAft>
+              <a:buNone/>
+              <a:defRPr/>
+            </a:pPr>
+            <a:r>
+              <a:rPr xmlns:mc="http://schemas.openxmlformats.org/markup-compatibility/2006" xmlns:hp="http://schemas.haansoft.com/office/presentation/8.0" kumimoji="0" lang="en-US" altLang="ko-KR" sz="3400" b="1" i="0" u="none" strike="noStrike" kern="1200" cap="none" spc="0" normalizeH="0" baseline="0" mc:Ignorable="hp" hp:hslEmbossed="0">
+                <a:solidFill>
+                  <a:srgbClr val="000000"/>
+                </a:solidFill>
+                <a:latin typeface="Calibri"/>
+                <a:ea typeface="맑은 고딕"/>
+                <a:cs typeface="맑은 고딕"/>
+              </a:rPr>
+              <a:t>4.</a:t>
+            </a:r>
+            <a:r>
+              <a:rPr xmlns:mc="http://schemas.openxmlformats.org/markup-compatibility/2006" xmlns:hp="http://schemas.haansoft.com/office/presentation/8.0" kumimoji="0" lang="ko-KR" altLang="en-US" sz="3400" b="1" i="0" u="none" strike="noStrike" kern="1200" cap="none" spc="0" normalizeH="0" baseline="0" mc:Ignorable="hp" hp:hslEmbossed="0">
+                <a:solidFill>
+                  <a:srgbClr val="000000"/>
+                </a:solidFill>
+                <a:latin typeface="Calibri"/>
+                <a:ea typeface="맑은 고딕"/>
+                <a:cs typeface="맑은 고딕"/>
+              </a:rPr>
+              <a:t> </a:t>
+            </a:r>
+            <a:r>
+              <a:rPr xmlns:mc="http://schemas.openxmlformats.org/markup-compatibility/2006" xmlns:hp="http://schemas.haansoft.com/office/presentation/8.0" kumimoji="0" lang="en-US" altLang="ko-KR" sz="3400" b="1" i="0" u="none" strike="noStrike" kern="1200" cap="none" spc="0" normalizeH="0" baseline="0" mc:Ignorable="hp" hp:hslEmbossed="0">
+                <a:solidFill>
+                  <a:srgbClr val="000000"/>
+                </a:solidFill>
+                <a:latin typeface="Calibri"/>
+                <a:ea typeface="맑은 고딕"/>
+                <a:cs typeface="맑은 고딕"/>
+              </a:rPr>
+              <a:t>UI </a:t>
+            </a:r>
+            <a:r>
+              <a:rPr xmlns:mc="http://schemas.openxmlformats.org/markup-compatibility/2006" xmlns:hp="http://schemas.haansoft.com/office/presentation/8.0" kumimoji="0" lang="ko-KR" altLang="en-US" sz="3400" b="1" i="0" u="none" strike="noStrike" kern="1200" cap="none" spc="0" normalizeH="0" baseline="0" mc:Ignorable="hp" hp:hslEmbossed="0">
+                <a:solidFill>
+                  <a:srgbClr val="000000"/>
+                </a:solidFill>
+                <a:latin typeface="Calibri"/>
+                <a:ea typeface="맑은 고딕"/>
+                <a:cs typeface="맑은 고딕"/>
+              </a:rPr>
+              <a:t>구성</a:t>
+            </a:r>
+            <a:r>
+              <a:rPr xmlns:mc="http://schemas.openxmlformats.org/markup-compatibility/2006" xmlns:hp="http://schemas.haansoft.com/office/presentation/8.0" kumimoji="0" lang="en-US" altLang="ko-KR" sz="3400" b="1" i="0" u="none" strike="noStrike" kern="1200" cap="none" spc="0" normalizeH="0" baseline="0" mc:Ignorable="hp" hp:hslEmbossed="0">
+                <a:solidFill>
+                  <a:srgbClr val="000000"/>
+                </a:solidFill>
+                <a:latin typeface="Calibri"/>
+                <a:ea typeface="맑은 고딕"/>
+                <a:cs typeface="맑은 고딕"/>
+              </a:rPr>
+              <a:t> (Main)</a:t>
+            </a:r>
+            <a:endParaRPr xmlns:mc="http://schemas.openxmlformats.org/markup-compatibility/2006" xmlns:hp="http://schemas.haansoft.com/office/presentation/8.0" kumimoji="0" lang="en-US" altLang="ko-KR" sz="3400" b="1" i="0" u="none" strike="noStrike" kern="1200" cap="none" spc="0" normalizeH="0" baseline="0" mc:Ignorable="hp" hp:hslEmbossed="0">
+              <a:solidFill>
+                <a:srgbClr val="000000"/>
+              </a:solidFill>
+              <a:latin typeface="Calibri"/>
+              <a:ea typeface="맑은 고딕"/>
+              <a:cs typeface="맑은 고딕"/>
+            </a:endParaRPr>
           </a:p>
         </p:txBody>
       </p:sp>
@@ -7321,105 +10786,6 @@
       </p:pic>
       <p:sp>
         <p:nvSpPr>
-          <p:cNvPr id="9" name=""/>
-          <p:cNvSpPr txBox="1"/>
-          <p:nvPr/>
-        </p:nvSpPr>
-        <p:spPr>
-          <a:xfrm>
-            <a:off x="0" y="28575"/>
-            <a:ext cx="2927701" cy="512445"/>
-          </a:xfrm>
-          <a:prstGeom prst="rect">
-            <a:avLst/>
-          </a:prstGeom>
-        </p:spPr>
-        <p:txBody>
-          <a:bodyPr wrap="square">
-            <a:spAutoFit/>
-          </a:bodyPr>
-          <a:p>
-            <a:pPr marL="0" indent="0" algn="ctr" defTabSz="914400" rtl="0" eaLnBrk="1" latinLnBrk="1" hangingPunct="1">
-              <a:lnSpc>
-                <a:spcPct val="100000"/>
-              </a:lnSpc>
-              <a:spcBef>
-                <a:spcPct val="0"/>
-              </a:spcBef>
-              <a:spcAft>
-                <a:spcPts val="0"/>
-              </a:spcAft>
-              <a:buNone/>
-              <a:defRPr/>
-            </a:pPr>
-            <a:r>
-              <a:rPr xmlns:mc="http://schemas.openxmlformats.org/markup-compatibility/2006" xmlns:hp="http://schemas.haansoft.com/office/presentation/8.0" kumimoji="0" lang="en-US" altLang="ko-KR" sz="2800" b="1" i="0" u="none" strike="noStrike" kern="1200" cap="none" spc="0" normalizeH="0" baseline="0" mc:Ignorable="hp" hp:hslEmbossed="0">
-                <a:solidFill>
-                  <a:srgbClr val="000000"/>
-                </a:solidFill>
-                <a:latin typeface="Calibri"/>
-                <a:ea typeface="맑은 고딕"/>
-                <a:cs typeface="맑은 고딕"/>
-              </a:rPr>
-              <a:t>4.</a:t>
-            </a:r>
-            <a:r>
-              <a:rPr xmlns:mc="http://schemas.openxmlformats.org/markup-compatibility/2006" xmlns:hp="http://schemas.haansoft.com/office/presentation/8.0" kumimoji="0" lang="ko-KR" altLang="en-US" sz="2800" b="1" i="0" u="none" strike="noStrike" kern="1200" cap="none" spc="0" normalizeH="0" baseline="0" mc:Ignorable="hp" hp:hslEmbossed="0">
-                <a:solidFill>
-                  <a:srgbClr val="000000"/>
-                </a:solidFill>
-                <a:latin typeface="Calibri"/>
-                <a:ea typeface="맑은 고딕"/>
-                <a:cs typeface="맑은 고딕"/>
-              </a:rPr>
-              <a:t> </a:t>
-            </a:r>
-            <a:r>
-              <a:rPr xmlns:mc="http://schemas.openxmlformats.org/markup-compatibility/2006" xmlns:hp="http://schemas.haansoft.com/office/presentation/8.0" kumimoji="0" lang="en-US" altLang="ko-KR" sz="2800" b="1" i="0" u="none" strike="noStrike" kern="1200" cap="none" spc="0" normalizeH="0" baseline="0" mc:Ignorable="hp" hp:hslEmbossed="0">
-                <a:solidFill>
-                  <a:srgbClr val="000000"/>
-                </a:solidFill>
-                <a:latin typeface="Calibri"/>
-                <a:ea typeface="맑은 고딕"/>
-                <a:cs typeface="맑은 고딕"/>
-              </a:rPr>
-              <a:t>UI </a:t>
-            </a:r>
-            <a:r>
-              <a:rPr xmlns:mc="http://schemas.openxmlformats.org/markup-compatibility/2006" xmlns:hp="http://schemas.haansoft.com/office/presentation/8.0" kumimoji="0" lang="ko-KR" altLang="en-US" sz="2800" b="1" i="0" u="none" strike="noStrike" kern="1200" cap="none" spc="0" normalizeH="0" baseline="0" mc:Ignorable="hp" hp:hslEmbossed="0">
-                <a:solidFill>
-                  <a:srgbClr val="000000"/>
-                </a:solidFill>
-                <a:latin typeface="Calibri"/>
-                <a:ea typeface="맑은 고딕"/>
-                <a:cs typeface="맑은 고딕"/>
-              </a:rPr>
-              <a:t>구성</a:t>
-            </a:r>
-            <a:r>
-              <a:rPr xmlns:mc="http://schemas.openxmlformats.org/markup-compatibility/2006" xmlns:hp="http://schemas.haansoft.com/office/presentation/8.0" kumimoji="0" lang="en-US" altLang="ko-KR" sz="2800" b="1" i="0" u="none" strike="noStrike" kern="1200" cap="none" spc="0" normalizeH="0" baseline="0" mc:Ignorable="hp" hp:hslEmbossed="0">
-                <a:solidFill>
-                  <a:srgbClr val="000000"/>
-                </a:solidFill>
-                <a:latin typeface="Calibri"/>
-                <a:ea typeface="맑은 고딕"/>
-                <a:cs typeface="맑은 고딕"/>
-              </a:rPr>
-              <a:t> (Main)</a:t>
-            </a:r>
-            <a:endParaRPr xmlns:mc="http://schemas.openxmlformats.org/markup-compatibility/2006" xmlns:hp="http://schemas.haansoft.com/office/presentation/8.0" kumimoji="0" lang="en-US" altLang="ko-KR" sz="2800" b="1" i="0" u="none" strike="noStrike" kern="1200" cap="none" spc="0" normalizeH="0" baseline="0" mc:Ignorable="hp" hp:hslEmbossed="0">
-              <a:solidFill>
-                <a:srgbClr val="000000"/>
-              </a:solidFill>
-              <a:latin typeface="Calibri"/>
-              <a:ea typeface="맑은 고딕"/>
-              <a:cs typeface="맑은 고딕"/>
-            </a:endParaRPr>
-          </a:p>
-        </p:txBody>
-      </p:sp>
-      <p:sp>
-        <p:nvSpPr>
           <p:cNvPr id="10" name="슬라이드 번호 개체 틀 5"/>
           <p:cNvSpPr>
             <a:spLocks noGrp="1"/>
@@ -7444,6 +10810,105 @@
               <a:t>7</a:t>
             </a:fld>
             <a:endParaRPr lang="en-US" altLang="en-US"/>
+          </a:p>
+        </p:txBody>
+      </p:sp>
+      <p:sp>
+        <p:nvSpPr>
+          <p:cNvPr id="12" name=""/>
+          <p:cNvSpPr txBox="1"/>
+          <p:nvPr/>
+        </p:nvSpPr>
+        <p:spPr>
+          <a:xfrm>
+            <a:off x="0" y="-38100"/>
+            <a:ext cx="3479148" cy="598170"/>
+          </a:xfrm>
+          <a:prstGeom prst="rect">
+            <a:avLst/>
+          </a:prstGeom>
+        </p:spPr>
+        <p:txBody>
+          <a:bodyPr wrap="square">
+            <a:spAutoFit/>
+          </a:bodyPr>
+          <a:p>
+            <a:pPr marL="0" indent="0" algn="ctr" defTabSz="914400" rtl="0" eaLnBrk="1" latinLnBrk="1" hangingPunct="1">
+              <a:lnSpc>
+                <a:spcPct val="100000"/>
+              </a:lnSpc>
+              <a:spcBef>
+                <a:spcPct val="0"/>
+              </a:spcBef>
+              <a:spcAft>
+                <a:spcPts val="0"/>
+              </a:spcAft>
+              <a:buNone/>
+              <a:defRPr/>
+            </a:pPr>
+            <a:r>
+              <a:rPr xmlns:mc="http://schemas.openxmlformats.org/markup-compatibility/2006" xmlns:hp="http://schemas.haansoft.com/office/presentation/8.0" kumimoji="0" lang="en-US" altLang="ko-KR" sz="3400" b="1" i="0" u="none" strike="noStrike" kern="1200" cap="none" spc="0" normalizeH="0" baseline="0" mc:Ignorable="hp" hp:hslEmbossed="0">
+                <a:solidFill>
+                  <a:srgbClr val="000000"/>
+                </a:solidFill>
+                <a:latin typeface="Calibri"/>
+                <a:ea typeface="맑은 고딕"/>
+                <a:cs typeface="맑은 고딕"/>
+              </a:rPr>
+              <a:t>4.</a:t>
+            </a:r>
+            <a:r>
+              <a:rPr xmlns:mc="http://schemas.openxmlformats.org/markup-compatibility/2006" xmlns:hp="http://schemas.haansoft.com/office/presentation/8.0" kumimoji="0" lang="ko-KR" altLang="en-US" sz="3400" b="1" i="0" u="none" strike="noStrike" kern="1200" cap="none" spc="0" normalizeH="0" baseline="0" mc:Ignorable="hp" hp:hslEmbossed="0">
+                <a:solidFill>
+                  <a:srgbClr val="000000"/>
+                </a:solidFill>
+                <a:latin typeface="Calibri"/>
+                <a:ea typeface="맑은 고딕"/>
+                <a:cs typeface="맑은 고딕"/>
+              </a:rPr>
+              <a:t> </a:t>
+            </a:r>
+            <a:r>
+              <a:rPr xmlns:mc="http://schemas.openxmlformats.org/markup-compatibility/2006" xmlns:hp="http://schemas.haansoft.com/office/presentation/8.0" kumimoji="0" lang="en-US" altLang="ko-KR" sz="3400" b="1" i="0" u="none" strike="noStrike" kern="1200" cap="none" spc="0" normalizeH="0" baseline="0" mc:Ignorable="hp" hp:hslEmbossed="0">
+                <a:solidFill>
+                  <a:srgbClr val="000000"/>
+                </a:solidFill>
+                <a:latin typeface="Calibri"/>
+                <a:ea typeface="맑은 고딕"/>
+                <a:cs typeface="맑은 고딕"/>
+              </a:rPr>
+              <a:t>UI </a:t>
+            </a:r>
+            <a:r>
+              <a:rPr xmlns:mc="http://schemas.openxmlformats.org/markup-compatibility/2006" xmlns:hp="http://schemas.haansoft.com/office/presentation/8.0" kumimoji="0" lang="ko-KR" altLang="en-US" sz="3400" b="1" i="0" u="none" strike="noStrike" kern="1200" cap="none" spc="0" normalizeH="0" baseline="0" mc:Ignorable="hp" hp:hslEmbossed="0">
+                <a:solidFill>
+                  <a:srgbClr val="000000"/>
+                </a:solidFill>
+                <a:latin typeface="Calibri"/>
+                <a:ea typeface="맑은 고딕"/>
+                <a:cs typeface="맑은 고딕"/>
+              </a:rPr>
+              <a:t>구성</a:t>
+            </a:r>
+            <a:r>
+              <a:rPr xmlns:mc="http://schemas.openxmlformats.org/markup-compatibility/2006" xmlns:hp="http://schemas.haansoft.com/office/presentation/8.0" kumimoji="0" lang="en-US" altLang="ko-KR" sz="3400" b="1" i="0" u="none" strike="noStrike" kern="1200" cap="none" spc="0" normalizeH="0" baseline="0" mc:Ignorable="hp" hp:hslEmbossed="0">
+                <a:solidFill>
+                  <a:srgbClr val="000000"/>
+                </a:solidFill>
+                <a:latin typeface="Calibri"/>
+                <a:ea typeface="맑은 고딕"/>
+                <a:cs typeface="맑은 고딕"/>
+              </a:rPr>
+              <a:t> (Main)</a:t>
+            </a:r>
+            <a:endParaRPr xmlns:mc="http://schemas.openxmlformats.org/markup-compatibility/2006" xmlns:hp="http://schemas.haansoft.com/office/presentation/8.0" kumimoji="0" lang="en-US" altLang="ko-KR" sz="3400" b="1" i="0" u="none" strike="noStrike" kern="1200" cap="none" spc="0" normalizeH="0" baseline="0" mc:Ignorable="hp" hp:hslEmbossed="0">
+              <a:solidFill>
+                <a:srgbClr val="000000"/>
+              </a:solidFill>
+              <a:latin typeface="Calibri"/>
+              <a:ea typeface="맑은 고딕"/>
+              <a:cs typeface="맑은 고딕"/>
+            </a:endParaRPr>
           </a:p>
         </p:txBody>
       </p:sp>
@@ -7554,105 +11019,6 @@
       </p:pic>
       <p:sp>
         <p:nvSpPr>
-          <p:cNvPr id="12" name=""/>
-          <p:cNvSpPr txBox="1"/>
-          <p:nvPr/>
-        </p:nvSpPr>
-        <p:spPr>
-          <a:xfrm>
-            <a:off x="0" y="28575"/>
-            <a:ext cx="2927701" cy="512445"/>
-          </a:xfrm>
-          <a:prstGeom prst="rect">
-            <a:avLst/>
-          </a:prstGeom>
-        </p:spPr>
-        <p:txBody>
-          <a:bodyPr wrap="square">
-            <a:spAutoFit/>
-          </a:bodyPr>
-          <a:p>
-            <a:pPr marL="0" indent="0" algn="ctr" defTabSz="914400" rtl="0" eaLnBrk="1" latinLnBrk="1" hangingPunct="1">
-              <a:lnSpc>
-                <a:spcPct val="100000"/>
-              </a:lnSpc>
-              <a:spcBef>
-                <a:spcPct val="0"/>
-              </a:spcBef>
-              <a:spcAft>
-                <a:spcPts val="0"/>
-              </a:spcAft>
-              <a:buNone/>
-              <a:defRPr/>
-            </a:pPr>
-            <a:r>
-              <a:rPr xmlns:mc="http://schemas.openxmlformats.org/markup-compatibility/2006" xmlns:hp="http://schemas.haansoft.com/office/presentation/8.0" kumimoji="0" lang="en-US" altLang="ko-KR" sz="2800" b="1" i="0" u="none" strike="noStrike" kern="1200" cap="none" spc="0" normalizeH="0" baseline="0" mc:Ignorable="hp" hp:hslEmbossed="0">
-                <a:solidFill>
-                  <a:srgbClr val="000000"/>
-                </a:solidFill>
-                <a:latin typeface="Calibri"/>
-                <a:ea typeface="맑은 고딕"/>
-                <a:cs typeface="맑은 고딕"/>
-              </a:rPr>
-              <a:t>4.</a:t>
-            </a:r>
-            <a:r>
-              <a:rPr xmlns:mc="http://schemas.openxmlformats.org/markup-compatibility/2006" xmlns:hp="http://schemas.haansoft.com/office/presentation/8.0" kumimoji="0" lang="ko-KR" altLang="en-US" sz="2800" b="1" i="0" u="none" strike="noStrike" kern="1200" cap="none" spc="0" normalizeH="0" baseline="0" mc:Ignorable="hp" hp:hslEmbossed="0">
-                <a:solidFill>
-                  <a:srgbClr val="000000"/>
-                </a:solidFill>
-                <a:latin typeface="Calibri"/>
-                <a:ea typeface="맑은 고딕"/>
-                <a:cs typeface="맑은 고딕"/>
-              </a:rPr>
-              <a:t> </a:t>
-            </a:r>
-            <a:r>
-              <a:rPr xmlns:mc="http://schemas.openxmlformats.org/markup-compatibility/2006" xmlns:hp="http://schemas.haansoft.com/office/presentation/8.0" kumimoji="0" lang="en-US" altLang="ko-KR" sz="2800" b="1" i="0" u="none" strike="noStrike" kern="1200" cap="none" spc="0" normalizeH="0" baseline="0" mc:Ignorable="hp" hp:hslEmbossed="0">
-                <a:solidFill>
-                  <a:srgbClr val="000000"/>
-                </a:solidFill>
-                <a:latin typeface="Calibri"/>
-                <a:ea typeface="맑은 고딕"/>
-                <a:cs typeface="맑은 고딕"/>
-              </a:rPr>
-              <a:t>UI </a:t>
-            </a:r>
-            <a:r>
-              <a:rPr xmlns:mc="http://schemas.openxmlformats.org/markup-compatibility/2006" xmlns:hp="http://schemas.haansoft.com/office/presentation/8.0" kumimoji="0" lang="ko-KR" altLang="en-US" sz="2800" b="1" i="0" u="none" strike="noStrike" kern="1200" cap="none" spc="0" normalizeH="0" baseline="0" mc:Ignorable="hp" hp:hslEmbossed="0">
-                <a:solidFill>
-                  <a:srgbClr val="000000"/>
-                </a:solidFill>
-                <a:latin typeface="Calibri"/>
-                <a:ea typeface="맑은 고딕"/>
-                <a:cs typeface="맑은 고딕"/>
-              </a:rPr>
-              <a:t>구성</a:t>
-            </a:r>
-            <a:r>
-              <a:rPr xmlns:mc="http://schemas.openxmlformats.org/markup-compatibility/2006" xmlns:hp="http://schemas.haansoft.com/office/presentation/8.0" kumimoji="0" lang="en-US" altLang="ko-KR" sz="2800" b="1" i="0" u="none" strike="noStrike" kern="1200" cap="none" spc="0" normalizeH="0" baseline="0" mc:Ignorable="hp" hp:hslEmbossed="0">
-                <a:solidFill>
-                  <a:srgbClr val="000000"/>
-                </a:solidFill>
-                <a:latin typeface="Calibri"/>
-                <a:ea typeface="맑은 고딕"/>
-                <a:cs typeface="맑은 고딕"/>
-              </a:rPr>
-              <a:t> (Main)</a:t>
-            </a:r>
-            <a:endParaRPr xmlns:mc="http://schemas.openxmlformats.org/markup-compatibility/2006" xmlns:hp="http://schemas.haansoft.com/office/presentation/8.0" kumimoji="0" lang="en-US" altLang="ko-KR" sz="2800" b="1" i="0" u="none" strike="noStrike" kern="1200" cap="none" spc="0" normalizeH="0" baseline="0" mc:Ignorable="hp" hp:hslEmbossed="0">
-              <a:solidFill>
-                <a:srgbClr val="000000"/>
-              </a:solidFill>
-              <a:latin typeface="Calibri"/>
-              <a:ea typeface="맑은 고딕"/>
-              <a:cs typeface="맑은 고딕"/>
-            </a:endParaRPr>
-          </a:p>
-        </p:txBody>
-      </p:sp>
-      <p:sp>
-        <p:nvSpPr>
           <p:cNvPr id="13" name="슬라이드 번호 개체 틀 5"/>
           <p:cNvSpPr>
             <a:spLocks noGrp="1"/>
@@ -7677,6 +11043,105 @@
               <a:t>8</a:t>
             </a:fld>
             <a:endParaRPr lang="en-US" altLang="en-US"/>
+          </a:p>
+        </p:txBody>
+      </p:sp>
+      <p:sp>
+        <p:nvSpPr>
+          <p:cNvPr id="15" name=""/>
+          <p:cNvSpPr txBox="1"/>
+          <p:nvPr/>
+        </p:nvSpPr>
+        <p:spPr>
+          <a:xfrm>
+            <a:off x="0" y="-38100"/>
+            <a:ext cx="3479148" cy="598170"/>
+          </a:xfrm>
+          <a:prstGeom prst="rect">
+            <a:avLst/>
+          </a:prstGeom>
+        </p:spPr>
+        <p:txBody>
+          <a:bodyPr wrap="square">
+            <a:spAutoFit/>
+          </a:bodyPr>
+          <a:p>
+            <a:pPr marL="0" indent="0" algn="ctr" defTabSz="914400" rtl="0" eaLnBrk="1" latinLnBrk="1" hangingPunct="1">
+              <a:lnSpc>
+                <a:spcPct val="100000"/>
+              </a:lnSpc>
+              <a:spcBef>
+                <a:spcPct val="0"/>
+              </a:spcBef>
+              <a:spcAft>
+                <a:spcPts val="0"/>
+              </a:spcAft>
+              <a:buNone/>
+              <a:defRPr/>
+            </a:pPr>
+            <a:r>
+              <a:rPr xmlns:mc="http://schemas.openxmlformats.org/markup-compatibility/2006" xmlns:hp="http://schemas.haansoft.com/office/presentation/8.0" kumimoji="0" lang="en-US" altLang="ko-KR" sz="3400" b="1" i="0" u="none" strike="noStrike" kern="1200" cap="none" spc="0" normalizeH="0" baseline="0" mc:Ignorable="hp" hp:hslEmbossed="0">
+                <a:solidFill>
+                  <a:srgbClr val="000000"/>
+                </a:solidFill>
+                <a:latin typeface="Calibri"/>
+                <a:ea typeface="맑은 고딕"/>
+                <a:cs typeface="맑은 고딕"/>
+              </a:rPr>
+              <a:t>4.</a:t>
+            </a:r>
+            <a:r>
+              <a:rPr xmlns:mc="http://schemas.openxmlformats.org/markup-compatibility/2006" xmlns:hp="http://schemas.haansoft.com/office/presentation/8.0" kumimoji="0" lang="ko-KR" altLang="en-US" sz="3400" b="1" i="0" u="none" strike="noStrike" kern="1200" cap="none" spc="0" normalizeH="0" baseline="0" mc:Ignorable="hp" hp:hslEmbossed="0">
+                <a:solidFill>
+                  <a:srgbClr val="000000"/>
+                </a:solidFill>
+                <a:latin typeface="Calibri"/>
+                <a:ea typeface="맑은 고딕"/>
+                <a:cs typeface="맑은 고딕"/>
+              </a:rPr>
+              <a:t> </a:t>
+            </a:r>
+            <a:r>
+              <a:rPr xmlns:mc="http://schemas.openxmlformats.org/markup-compatibility/2006" xmlns:hp="http://schemas.haansoft.com/office/presentation/8.0" kumimoji="0" lang="en-US" altLang="ko-KR" sz="3400" b="1" i="0" u="none" strike="noStrike" kern="1200" cap="none" spc="0" normalizeH="0" baseline="0" mc:Ignorable="hp" hp:hslEmbossed="0">
+                <a:solidFill>
+                  <a:srgbClr val="000000"/>
+                </a:solidFill>
+                <a:latin typeface="Calibri"/>
+                <a:ea typeface="맑은 고딕"/>
+                <a:cs typeface="맑은 고딕"/>
+              </a:rPr>
+              <a:t>UI </a:t>
+            </a:r>
+            <a:r>
+              <a:rPr xmlns:mc="http://schemas.openxmlformats.org/markup-compatibility/2006" xmlns:hp="http://schemas.haansoft.com/office/presentation/8.0" kumimoji="0" lang="ko-KR" altLang="en-US" sz="3400" b="1" i="0" u="none" strike="noStrike" kern="1200" cap="none" spc="0" normalizeH="0" baseline="0" mc:Ignorable="hp" hp:hslEmbossed="0">
+                <a:solidFill>
+                  <a:srgbClr val="000000"/>
+                </a:solidFill>
+                <a:latin typeface="Calibri"/>
+                <a:ea typeface="맑은 고딕"/>
+                <a:cs typeface="맑은 고딕"/>
+              </a:rPr>
+              <a:t>구성</a:t>
+            </a:r>
+            <a:r>
+              <a:rPr xmlns:mc="http://schemas.openxmlformats.org/markup-compatibility/2006" xmlns:hp="http://schemas.haansoft.com/office/presentation/8.0" kumimoji="0" lang="en-US" altLang="ko-KR" sz="3400" b="1" i="0" u="none" strike="noStrike" kern="1200" cap="none" spc="0" normalizeH="0" baseline="0" mc:Ignorable="hp" hp:hslEmbossed="0">
+                <a:solidFill>
+                  <a:srgbClr val="000000"/>
+                </a:solidFill>
+                <a:latin typeface="Calibri"/>
+                <a:ea typeface="맑은 고딕"/>
+                <a:cs typeface="맑은 고딕"/>
+              </a:rPr>
+              <a:t> (Main)</a:t>
+            </a:r>
+            <a:endParaRPr xmlns:mc="http://schemas.openxmlformats.org/markup-compatibility/2006" xmlns:hp="http://schemas.haansoft.com/office/presentation/8.0" kumimoji="0" lang="en-US" altLang="ko-KR" sz="3400" b="1" i="0" u="none" strike="noStrike" kern="1200" cap="none" spc="0" normalizeH="0" baseline="0" mc:Ignorable="hp" hp:hslEmbossed="0">
+              <a:solidFill>
+                <a:srgbClr val="000000"/>
+              </a:solidFill>
+              <a:latin typeface="Calibri"/>
+              <a:ea typeface="맑은 고딕"/>
+              <a:cs typeface="맑은 고딕"/>
+            </a:endParaRPr>
           </a:p>
         </p:txBody>
       </p:sp>
@@ -7787,105 +11252,6 @@
       </p:pic>
       <p:sp>
         <p:nvSpPr>
-          <p:cNvPr id="12" name=""/>
-          <p:cNvSpPr txBox="1"/>
-          <p:nvPr/>
-        </p:nvSpPr>
-        <p:spPr>
-          <a:xfrm>
-            <a:off x="0" y="28575"/>
-            <a:ext cx="2927701" cy="512445"/>
-          </a:xfrm>
-          <a:prstGeom prst="rect">
-            <a:avLst/>
-          </a:prstGeom>
-        </p:spPr>
-        <p:txBody>
-          <a:bodyPr wrap="square">
-            <a:spAutoFit/>
-          </a:bodyPr>
-          <a:p>
-            <a:pPr marL="0" indent="0" algn="ctr" defTabSz="914400" rtl="0" eaLnBrk="1" latinLnBrk="1" hangingPunct="1">
-              <a:lnSpc>
-                <a:spcPct val="100000"/>
-              </a:lnSpc>
-              <a:spcBef>
-                <a:spcPct val="0"/>
-              </a:spcBef>
-              <a:spcAft>
-                <a:spcPts val="0"/>
-              </a:spcAft>
-              <a:buNone/>
-              <a:defRPr/>
-            </a:pPr>
-            <a:r>
-              <a:rPr xmlns:mc="http://schemas.openxmlformats.org/markup-compatibility/2006" xmlns:hp="http://schemas.haansoft.com/office/presentation/8.0" kumimoji="0" lang="en-US" altLang="ko-KR" sz="2800" b="1" i="0" u="none" strike="noStrike" kern="1200" cap="none" spc="0" normalizeH="0" baseline="0" mc:Ignorable="hp" hp:hslEmbossed="0">
-                <a:solidFill>
-                  <a:srgbClr val="000000"/>
-                </a:solidFill>
-                <a:latin typeface="Calibri"/>
-                <a:ea typeface="맑은 고딕"/>
-                <a:cs typeface="맑은 고딕"/>
-              </a:rPr>
-              <a:t>4.</a:t>
-            </a:r>
-            <a:r>
-              <a:rPr xmlns:mc="http://schemas.openxmlformats.org/markup-compatibility/2006" xmlns:hp="http://schemas.haansoft.com/office/presentation/8.0" kumimoji="0" lang="ko-KR" altLang="en-US" sz="2800" b="1" i="0" u="none" strike="noStrike" kern="1200" cap="none" spc="0" normalizeH="0" baseline="0" mc:Ignorable="hp" hp:hslEmbossed="0">
-                <a:solidFill>
-                  <a:srgbClr val="000000"/>
-                </a:solidFill>
-                <a:latin typeface="Calibri"/>
-                <a:ea typeface="맑은 고딕"/>
-                <a:cs typeface="맑은 고딕"/>
-              </a:rPr>
-              <a:t> </a:t>
-            </a:r>
-            <a:r>
-              <a:rPr xmlns:mc="http://schemas.openxmlformats.org/markup-compatibility/2006" xmlns:hp="http://schemas.haansoft.com/office/presentation/8.0" kumimoji="0" lang="en-US" altLang="ko-KR" sz="2800" b="1" i="0" u="none" strike="noStrike" kern="1200" cap="none" spc="0" normalizeH="0" baseline="0" mc:Ignorable="hp" hp:hslEmbossed="0">
-                <a:solidFill>
-                  <a:srgbClr val="000000"/>
-                </a:solidFill>
-                <a:latin typeface="Calibri"/>
-                <a:ea typeface="맑은 고딕"/>
-                <a:cs typeface="맑은 고딕"/>
-              </a:rPr>
-              <a:t>UI </a:t>
-            </a:r>
-            <a:r>
-              <a:rPr xmlns:mc="http://schemas.openxmlformats.org/markup-compatibility/2006" xmlns:hp="http://schemas.haansoft.com/office/presentation/8.0" kumimoji="0" lang="ko-KR" altLang="en-US" sz="2800" b="1" i="0" u="none" strike="noStrike" kern="1200" cap="none" spc="0" normalizeH="0" baseline="0" mc:Ignorable="hp" hp:hslEmbossed="0">
-                <a:solidFill>
-                  <a:srgbClr val="000000"/>
-                </a:solidFill>
-                <a:latin typeface="Calibri"/>
-                <a:ea typeface="맑은 고딕"/>
-                <a:cs typeface="맑은 고딕"/>
-              </a:rPr>
-              <a:t>구성</a:t>
-            </a:r>
-            <a:r>
-              <a:rPr xmlns:mc="http://schemas.openxmlformats.org/markup-compatibility/2006" xmlns:hp="http://schemas.haansoft.com/office/presentation/8.0" kumimoji="0" lang="en-US" altLang="ko-KR" sz="2800" b="1" i="0" u="none" strike="noStrike" kern="1200" cap="none" spc="0" normalizeH="0" baseline="0" mc:Ignorable="hp" hp:hslEmbossed="0">
-                <a:solidFill>
-                  <a:srgbClr val="000000"/>
-                </a:solidFill>
-                <a:latin typeface="Calibri"/>
-                <a:ea typeface="맑은 고딕"/>
-                <a:cs typeface="맑은 고딕"/>
-              </a:rPr>
-              <a:t> (Main)</a:t>
-            </a:r>
-            <a:endParaRPr xmlns:mc="http://schemas.openxmlformats.org/markup-compatibility/2006" xmlns:hp="http://schemas.haansoft.com/office/presentation/8.0" kumimoji="0" lang="en-US" altLang="ko-KR" sz="2800" b="1" i="0" u="none" strike="noStrike" kern="1200" cap="none" spc="0" normalizeH="0" baseline="0" mc:Ignorable="hp" hp:hslEmbossed="0">
-              <a:solidFill>
-                <a:srgbClr val="000000"/>
-              </a:solidFill>
-              <a:latin typeface="Calibri"/>
-              <a:ea typeface="맑은 고딕"/>
-              <a:cs typeface="맑은 고딕"/>
-            </a:endParaRPr>
-          </a:p>
-        </p:txBody>
-      </p:sp>
-      <p:sp>
-        <p:nvSpPr>
           <p:cNvPr id="13" name="슬라이드 번호 개체 틀 5"/>
           <p:cNvSpPr>
             <a:spLocks noGrp="1"/>
@@ -7910,6 +11276,105 @@
               <a:t>9</a:t>
             </a:fld>
             <a:endParaRPr lang="en-US" altLang="en-US"/>
+          </a:p>
+        </p:txBody>
+      </p:sp>
+      <p:sp>
+        <p:nvSpPr>
+          <p:cNvPr id="15" name=""/>
+          <p:cNvSpPr txBox="1"/>
+          <p:nvPr/>
+        </p:nvSpPr>
+        <p:spPr>
+          <a:xfrm>
+            <a:off x="0" y="-38100"/>
+            <a:ext cx="3479148" cy="598170"/>
+          </a:xfrm>
+          <a:prstGeom prst="rect">
+            <a:avLst/>
+          </a:prstGeom>
+        </p:spPr>
+        <p:txBody>
+          <a:bodyPr wrap="square">
+            <a:spAutoFit/>
+          </a:bodyPr>
+          <a:p>
+            <a:pPr marL="0" indent="0" algn="ctr" defTabSz="914400" rtl="0" eaLnBrk="1" latinLnBrk="1" hangingPunct="1">
+              <a:lnSpc>
+                <a:spcPct val="100000"/>
+              </a:lnSpc>
+              <a:spcBef>
+                <a:spcPct val="0"/>
+              </a:spcBef>
+              <a:spcAft>
+                <a:spcPts val="0"/>
+              </a:spcAft>
+              <a:buNone/>
+              <a:defRPr/>
+            </a:pPr>
+            <a:r>
+              <a:rPr xmlns:mc="http://schemas.openxmlformats.org/markup-compatibility/2006" xmlns:hp="http://schemas.haansoft.com/office/presentation/8.0" kumimoji="0" lang="en-US" altLang="ko-KR" sz="3400" b="1" i="0" u="none" strike="noStrike" kern="1200" cap="none" spc="0" normalizeH="0" baseline="0" mc:Ignorable="hp" hp:hslEmbossed="0">
+                <a:solidFill>
+                  <a:srgbClr val="000000"/>
+                </a:solidFill>
+                <a:latin typeface="Calibri"/>
+                <a:ea typeface="맑은 고딕"/>
+                <a:cs typeface="맑은 고딕"/>
+              </a:rPr>
+              <a:t>4.</a:t>
+            </a:r>
+            <a:r>
+              <a:rPr xmlns:mc="http://schemas.openxmlformats.org/markup-compatibility/2006" xmlns:hp="http://schemas.haansoft.com/office/presentation/8.0" kumimoji="0" lang="ko-KR" altLang="en-US" sz="3400" b="1" i="0" u="none" strike="noStrike" kern="1200" cap="none" spc="0" normalizeH="0" baseline="0" mc:Ignorable="hp" hp:hslEmbossed="0">
+                <a:solidFill>
+                  <a:srgbClr val="000000"/>
+                </a:solidFill>
+                <a:latin typeface="Calibri"/>
+                <a:ea typeface="맑은 고딕"/>
+                <a:cs typeface="맑은 고딕"/>
+              </a:rPr>
+              <a:t> </a:t>
+            </a:r>
+            <a:r>
+              <a:rPr xmlns:mc="http://schemas.openxmlformats.org/markup-compatibility/2006" xmlns:hp="http://schemas.haansoft.com/office/presentation/8.0" kumimoji="0" lang="en-US" altLang="ko-KR" sz="3400" b="1" i="0" u="none" strike="noStrike" kern="1200" cap="none" spc="0" normalizeH="0" baseline="0" mc:Ignorable="hp" hp:hslEmbossed="0">
+                <a:solidFill>
+                  <a:srgbClr val="000000"/>
+                </a:solidFill>
+                <a:latin typeface="Calibri"/>
+                <a:ea typeface="맑은 고딕"/>
+                <a:cs typeface="맑은 고딕"/>
+              </a:rPr>
+              <a:t>UI </a:t>
+            </a:r>
+            <a:r>
+              <a:rPr xmlns:mc="http://schemas.openxmlformats.org/markup-compatibility/2006" xmlns:hp="http://schemas.haansoft.com/office/presentation/8.0" kumimoji="0" lang="ko-KR" altLang="en-US" sz="3400" b="1" i="0" u="none" strike="noStrike" kern="1200" cap="none" spc="0" normalizeH="0" baseline="0" mc:Ignorable="hp" hp:hslEmbossed="0">
+                <a:solidFill>
+                  <a:srgbClr val="000000"/>
+                </a:solidFill>
+                <a:latin typeface="Calibri"/>
+                <a:ea typeface="맑은 고딕"/>
+                <a:cs typeface="맑은 고딕"/>
+              </a:rPr>
+              <a:t>구성</a:t>
+            </a:r>
+            <a:r>
+              <a:rPr xmlns:mc="http://schemas.openxmlformats.org/markup-compatibility/2006" xmlns:hp="http://schemas.haansoft.com/office/presentation/8.0" kumimoji="0" lang="en-US" altLang="ko-KR" sz="3400" b="1" i="0" u="none" strike="noStrike" kern="1200" cap="none" spc="0" normalizeH="0" baseline="0" mc:Ignorable="hp" hp:hslEmbossed="0">
+                <a:solidFill>
+                  <a:srgbClr val="000000"/>
+                </a:solidFill>
+                <a:latin typeface="Calibri"/>
+                <a:ea typeface="맑은 고딕"/>
+                <a:cs typeface="맑은 고딕"/>
+              </a:rPr>
+              <a:t> (Main)</a:t>
+            </a:r>
+            <a:endParaRPr xmlns:mc="http://schemas.openxmlformats.org/markup-compatibility/2006" xmlns:hp="http://schemas.haansoft.com/office/presentation/8.0" kumimoji="0" lang="en-US" altLang="ko-KR" sz="3400" b="1" i="0" u="none" strike="noStrike" kern="1200" cap="none" spc="0" normalizeH="0" baseline="0" mc:Ignorable="hp" hp:hslEmbossed="0">
+              <a:solidFill>
+                <a:srgbClr val="000000"/>
+              </a:solidFill>
+              <a:latin typeface="Calibri"/>
+              <a:ea typeface="맑은 고딕"/>
+              <a:cs typeface="맑은 고딕"/>
+            </a:endParaRPr>
           </a:p>
         </p:txBody>
       </p:sp>

--- a/A조 발표.pptx
+++ b/A조 발표.pptx
@@ -2,7 +2,7 @@
 <file path=ppt/presentation.xml><?xml version="1.0" encoding="utf-8"?>
 <p:presentation xmlns:r="http://schemas.openxmlformats.org/officeDocument/2006/relationships" xmlns:c="http://schemas.openxmlformats.org/drawingml/2006/chart" xmlns:a="http://schemas.openxmlformats.org/drawingml/2006/main" xmlns:dgm="http://schemas.openxmlformats.org/drawingml/2006/diagram" xmlns:dsp="http://schemas.microsoft.com/office/drawing/2008/diagram" xmlns:p="http://schemas.openxmlformats.org/presentationml/2006/main">
   <p:sldMasterIdLst>
-    <p:sldMasterId id="2147483795" r:id="rId1"/>
+    <p:sldMasterId id="2147483798" r:id="rId1"/>
   </p:sldMasterIdLst>
   <p:notesMasterIdLst>
     <p:notesMasterId r:id="rId2"/>
@@ -12,20 +12,19 @@
   </p:handoutMasterIdLst>
   <p:sldIdLst>
     <p:sldId id="292" r:id="rId4"/>
-    <p:sldId id="299" r:id="rId5"/>
-    <p:sldId id="280" r:id="rId6"/>
-    <p:sldId id="281" r:id="rId7"/>
-    <p:sldId id="259" r:id="rId8"/>
-    <p:sldId id="283" r:id="rId9"/>
-    <p:sldId id="284" r:id="rId10"/>
-    <p:sldId id="285" r:id="rId11"/>
-    <p:sldId id="279" r:id="rId12"/>
-    <p:sldId id="293" r:id="rId13"/>
-    <p:sldId id="294" r:id="rId14"/>
-    <p:sldId id="295" r:id="rId15"/>
-    <p:sldId id="296" r:id="rId16"/>
-    <p:sldId id="297" r:id="rId17"/>
-    <p:sldId id="298" r:id="rId18"/>
+    <p:sldId id="280" r:id="rId5"/>
+    <p:sldId id="281" r:id="rId6"/>
+    <p:sldId id="259" r:id="rId7"/>
+    <p:sldId id="283" r:id="rId8"/>
+    <p:sldId id="284" r:id="rId9"/>
+    <p:sldId id="285" r:id="rId10"/>
+    <p:sldId id="279" r:id="rId11"/>
+    <p:sldId id="293" r:id="rId12"/>
+    <p:sldId id="294" r:id="rId13"/>
+    <p:sldId id="295" r:id="rId14"/>
+    <p:sldId id="296" r:id="rId15"/>
+    <p:sldId id="297" r:id="rId16"/>
+    <p:sldId id="298" r:id="rId17"/>
   </p:sldIdLst>
   <p:sldSz cx="12192000" cy="6858000"/>
   <p:notesSz cx="6858000" cy="9144000"/>
@@ -6045,573 +6044,6 @@
               <a:pPr lvl="0">
                 <a:defRPr/>
               </a:pPr>
-              <a:t>9</a:t>
-            </a:fld>
-            <a:endParaRPr lang="en-US" altLang="en-US"/>
-          </a:p>
-        </p:txBody>
-      </p:sp>
-      <p:grpSp>
-        <p:nvGrpSpPr>
-          <p:cNvPr id="8" name="그룹 7"/>
-          <p:cNvGrpSpPr/>
-          <p:nvPr/>
-        </p:nvGrpSpPr>
-        <p:grpSpPr>
-          <a:xfrm rot="0">
-            <a:off x="299752" y="1231636"/>
-            <a:ext cx="5088185" cy="4401569"/>
-            <a:chOff x="299752" y="1231636"/>
-            <a:chExt cx="5088185" cy="4401569"/>
-          </a:xfrm>
-        </p:grpSpPr>
-        <p:pic>
-          <p:nvPicPr>
-            <p:cNvPr id="15" name="그림 14"/>
-            <p:cNvPicPr>
-              <a:picLocks noChangeAspect="1"/>
-            </p:cNvPicPr>
-            <p:nvPr/>
-          </p:nvPicPr>
-          <p:blipFill rotWithShape="1">
-            <a:blip r:embed="rId3"/>
-            <a:stretch>
-              <a:fillRect/>
-            </a:stretch>
-          </p:blipFill>
-          <p:spPr>
-            <a:xfrm>
-              <a:off x="299752" y="1231636"/>
-              <a:ext cx="5088185" cy="4401569"/>
-            </a:xfrm>
-            <a:prstGeom prst="rect">
-              <a:avLst/>
-            </a:prstGeom>
-          </p:spPr>
-        </p:pic>
-        <p:sp>
-          <p:nvSpPr>
-            <p:cNvPr id="14" name="직사각형 13"/>
-            <p:cNvSpPr/>
-            <p:nvPr/>
-          </p:nvSpPr>
-          <p:spPr>
-            <a:xfrm>
-              <a:off x="429208" y="1295721"/>
-              <a:ext cx="4879910" cy="550609"/>
-            </a:xfrm>
-            <a:prstGeom prst="rect">
-              <a:avLst/>
-            </a:prstGeom>
-            <a:noFill/>
-            <a:ln w="38100">
-              <a:solidFill>
-                <a:srgbClr val="c00000"/>
-              </a:solidFill>
-              <a:miter/>
-            </a:ln>
-          </p:spPr>
-          <p:txBody>
-            <a:bodyPr anchor="ctr"/>
-            <a:lstStyle/>
-            <a:p>
-              <a:pPr algn="l">
-                <a:lnSpc>
-                  <a:spcPct val="150000"/>
-                </a:lnSpc>
-                <a:buFontTx/>
-                <a:buNone/>
-                <a:defRPr/>
-              </a:pPr>
-              <a:endParaRPr lang="ko-KR" altLang="en-US">
-                <a:solidFill>
-                  <a:srgbClr val="000099"/>
-                </a:solidFill>
-                <a:latin typeface="+mn-ea"/>
-                <a:ea typeface="+mn-ea"/>
-                <a:cs typeface="Arial Unicode MS"/>
-              </a:endParaRPr>
-            </a:p>
-          </p:txBody>
-        </p:sp>
-      </p:grpSp>
-      <p:grpSp>
-        <p:nvGrpSpPr>
-          <p:cNvPr id="2" name="그룹 1"/>
-          <p:cNvGrpSpPr/>
-          <p:nvPr/>
-        </p:nvGrpSpPr>
-        <p:grpSpPr>
-          <a:xfrm rot="0">
-            <a:off x="5641750" y="1483005"/>
-            <a:ext cx="6024637" cy="1250590"/>
-            <a:chOff x="5946705" y="1716543"/>
-            <a:chExt cx="5719681" cy="1250590"/>
-          </a:xfrm>
-        </p:grpSpPr>
-        <p:sp>
-          <p:nvSpPr>
-            <p:cNvPr id="12" name="TextBox 11"/>
-            <p:cNvSpPr txBox="1"/>
-            <p:nvPr/>
-          </p:nvSpPr>
-          <p:spPr>
-            <a:xfrm>
-              <a:off x="5946705" y="1716543"/>
-              <a:ext cx="3167701" cy="332931"/>
-            </a:xfrm>
-            <a:prstGeom prst="rect">
-              <a:avLst/>
-            </a:prstGeom>
-            <a:noFill/>
-          </p:spPr>
-          <p:txBody>
-            <a:bodyPr wrap="square">
-              <a:spAutoFit/>
-            </a:bodyPr>
-            <a:lstStyle/>
-            <a:p>
-              <a:pPr lvl="0">
-                <a:defRPr/>
-              </a:pPr>
-              <a:r>
-                <a:rPr lang="en-US" altLang="ko-KR" sz="1600" b="1">
-                  <a:latin typeface="Amasis MT Pro Black"/>
-                </a:rPr>
-                <a:t>[ Total Running/ Cleaning  Time</a:t>
-              </a:r>
-              <a:r>
-                <a:rPr lang="ko-KR" altLang="en-US" sz="1600" b="1">
-                  <a:latin typeface="Amasis MT Pro Black"/>
-                </a:rPr>
-                <a:t> </a:t>
-              </a:r>
-              <a:r>
-                <a:rPr lang="en-US" altLang="ko-KR" sz="1600" b="1">
-                  <a:latin typeface="Amasis MT Pro Black"/>
-                </a:rPr>
-                <a:t>]</a:t>
-              </a:r>
-              <a:endParaRPr lang="en-US" altLang="ko-KR" sz="1600" b="1">
-                <a:latin typeface="Amasis MT Pro Black"/>
-              </a:endParaRPr>
-            </a:p>
-          </p:txBody>
-        </p:sp>
-        <p:pic>
-          <p:nvPicPr>
-            <p:cNvPr id="3" name="그림 2" descr="텍스트이(가) 표시된 사진  자동 생성된 설명"/>
-            <p:cNvPicPr>
-              <a:picLocks noChangeAspect="1"/>
-            </p:cNvPicPr>
-            <p:nvPr/>
-          </p:nvPicPr>
-          <p:blipFill rotWithShape="1">
-            <a:blip r:embed="rId4"/>
-            <a:stretch>
-              <a:fillRect/>
-            </a:stretch>
-          </p:blipFill>
-          <p:spPr>
-            <a:xfrm>
-              <a:off x="6040013" y="2164087"/>
-              <a:ext cx="5626374" cy="803047"/>
-            </a:xfrm>
-            <a:prstGeom prst="rect">
-              <a:avLst/>
-            </a:prstGeom>
-          </p:spPr>
-        </p:pic>
-      </p:grpSp>
-      <p:grpSp>
-        <p:nvGrpSpPr>
-          <p:cNvPr id="4" name="그룹 3"/>
-          <p:cNvGrpSpPr/>
-          <p:nvPr/>
-        </p:nvGrpSpPr>
-        <p:grpSpPr>
-          <a:xfrm rot="0">
-            <a:off x="5641750" y="3519066"/>
-            <a:ext cx="6365958" cy="2125959"/>
-            <a:chOff x="5946707" y="3519066"/>
-            <a:chExt cx="6061001" cy="2125959"/>
-          </a:xfrm>
-        </p:grpSpPr>
-        <p:sp>
-          <p:nvSpPr>
-            <p:cNvPr id="9" name="TextBox 8"/>
-            <p:cNvSpPr txBox="1"/>
-            <p:nvPr/>
-          </p:nvSpPr>
-          <p:spPr>
-            <a:xfrm>
-              <a:off x="5946707" y="3519066"/>
-              <a:ext cx="2730762" cy="338554"/>
-            </a:xfrm>
-            <a:prstGeom prst="rect">
-              <a:avLst/>
-            </a:prstGeom>
-            <a:noFill/>
-          </p:spPr>
-          <p:txBody>
-            <a:bodyPr wrap="square">
-              <a:spAutoFit/>
-            </a:bodyPr>
-            <a:lstStyle/>
-            <a:p>
-              <a:pPr lvl="0">
-                <a:defRPr/>
-              </a:pPr>
-              <a:r>
-                <a:rPr lang="en-US" altLang="ko-KR" sz="1600" b="1">
-                  <a:latin typeface="Amasis MT Pro Black"/>
-                </a:rPr>
-                <a:t>[ Output / Throughput</a:t>
-              </a:r>
-              <a:r>
-                <a:rPr lang="ko-KR" altLang="en-US" sz="1600" b="1">
-                  <a:latin typeface="Amasis MT Pro Black"/>
-                </a:rPr>
-                <a:t> </a:t>
-              </a:r>
-              <a:r>
-                <a:rPr lang="en-US" altLang="ko-KR" sz="1600" b="1">
-                  <a:latin typeface="Amasis MT Pro Black"/>
-                </a:rPr>
-                <a:t>]</a:t>
-              </a:r>
-              <a:endParaRPr lang="ko-KR" altLang="en-US" sz="1600" b="1">
-                <a:latin typeface="Amasis MT Pro Black"/>
-              </a:endParaRPr>
-            </a:p>
-          </p:txBody>
-        </p:sp>
-        <p:pic>
-          <p:nvPicPr>
-            <p:cNvPr id="6" name="그림 5"/>
-            <p:cNvPicPr>
-              <a:picLocks noChangeAspect="1"/>
-            </p:cNvPicPr>
-            <p:nvPr/>
-          </p:nvPicPr>
-          <p:blipFill rotWithShape="1">
-            <a:blip r:embed="rId5"/>
-            <a:stretch>
-              <a:fillRect/>
-            </a:stretch>
-          </p:blipFill>
-          <p:spPr>
-            <a:xfrm>
-              <a:off x="6040014" y="4178589"/>
-              <a:ext cx="3165993" cy="1466436"/>
-            </a:xfrm>
-            <a:prstGeom prst="rect">
-              <a:avLst/>
-            </a:prstGeom>
-          </p:spPr>
-        </p:pic>
-        <p:sp>
-          <p:nvSpPr>
-            <p:cNvPr id="10" name="TextBox 9"/>
-            <p:cNvSpPr txBox="1"/>
-            <p:nvPr/>
-          </p:nvSpPr>
-          <p:spPr>
-            <a:xfrm>
-              <a:off x="9162659" y="4327031"/>
-              <a:ext cx="2845049" cy="976489"/>
-            </a:xfrm>
-            <a:prstGeom prst="rect">
-              <a:avLst/>
-            </a:prstGeom>
-            <a:noFill/>
-          </p:spPr>
-          <p:txBody>
-            <a:bodyPr wrap="square">
-              <a:spAutoFit/>
-            </a:bodyPr>
-            <a:lstStyle/>
-            <a:p>
-              <a:pPr marL="171450" indent="-171450">
-                <a:buFont typeface="Arial"/>
-                <a:buChar char="•"/>
-                <a:defRPr/>
-              </a:pPr>
-              <a:r>
-                <a:rPr lang="en-US" altLang="ko-KR" sz="1200" b="1">
-                  <a:solidFill>
-                    <a:srgbClr val="0070c0"/>
-                  </a:solidFill>
-                  <a:latin typeface="Amasis MT Pro Black"/>
-                </a:rPr>
-                <a:t>Output : </a:t>
-              </a:r>
-              <a:r>
-                <a:rPr lang="ko-KR" altLang="en-US" sz="1200" b="1">
-                  <a:solidFill>
-                    <a:srgbClr val="0070c0"/>
-                  </a:solidFill>
-                  <a:latin typeface="Amasis MT Pro Black"/>
-                </a:rPr>
-                <a:t>공정을 완료한 총 </a:t>
-              </a:r>
-              <a:r>
-                <a:rPr lang="en-US" altLang="ko-KR" sz="1200" b="1">
-                  <a:solidFill>
-                    <a:srgbClr val="0070c0"/>
-                  </a:solidFill>
-                  <a:latin typeface="Amasis MT Pro Black"/>
-                </a:rPr>
-                <a:t>Wafer </a:t>
-              </a:r>
-              <a:r>
-                <a:rPr lang="ko-KR" altLang="en-US" sz="1200" b="1">
-                  <a:solidFill>
-                    <a:srgbClr val="0070c0"/>
-                  </a:solidFill>
-                  <a:latin typeface="Amasis MT Pro Black"/>
-                </a:rPr>
-                <a:t>개수</a:t>
-              </a:r>
-              <a:endParaRPr lang="ko-KR" altLang="en-US" sz="1200" b="1">
-                <a:solidFill>
-                  <a:srgbClr val="0070c0"/>
-                </a:solidFill>
-                <a:latin typeface="Amasis MT Pro Black"/>
-              </a:endParaRPr>
-            </a:p>
-            <a:p>
-              <a:pPr marL="171450" indent="-171450">
-                <a:buFont typeface="Arial"/>
-                <a:buChar char="•"/>
-                <a:defRPr/>
-              </a:pPr>
-              <a:endParaRPr lang="en-US" altLang="ko-KR" sz="1200" b="1">
-                <a:solidFill>
-                  <a:srgbClr val="0070c0"/>
-                </a:solidFill>
-                <a:latin typeface="Amasis MT Pro Black"/>
-              </a:endParaRPr>
-            </a:p>
-            <a:p>
-              <a:pPr marL="171450" indent="-171450">
-                <a:buFont typeface="Arial"/>
-                <a:buChar char="•"/>
-                <a:defRPr/>
-              </a:pPr>
-              <a:r>
-                <a:rPr lang="en-US" altLang="ko-KR" sz="1200" b="1">
-                  <a:solidFill>
-                    <a:srgbClr val="0070c0"/>
-                  </a:solidFill>
-                  <a:latin typeface="Amasis MT Pro Black"/>
-                </a:rPr>
-                <a:t>Throughput : 1</a:t>
-              </a:r>
-              <a:r>
-                <a:rPr lang="ko-KR" altLang="en-US" sz="1200" b="1">
-                  <a:solidFill>
-                    <a:srgbClr val="0070c0"/>
-                  </a:solidFill>
-                  <a:latin typeface="Amasis MT Pro Black"/>
-                </a:rPr>
-                <a:t>시간당 공정 가능한 </a:t>
-              </a:r>
-              <a:r>
-                <a:rPr lang="en-US" altLang="ko-KR" sz="1200" b="1">
-                  <a:solidFill>
-                    <a:srgbClr val="0070c0"/>
-                  </a:solidFill>
-                  <a:latin typeface="Amasis MT Pro Black"/>
-                </a:rPr>
-                <a:t>Wafer </a:t>
-              </a:r>
-              <a:r>
-                <a:rPr lang="ko-KR" altLang="en-US" sz="1200" b="1">
-                  <a:solidFill>
-                    <a:srgbClr val="0070c0"/>
-                  </a:solidFill>
-                  <a:latin typeface="Amasis MT Pro Black"/>
-                </a:rPr>
-                <a:t>개수 </a:t>
-              </a:r>
-              <a:endParaRPr lang="ko-KR" altLang="en-US" sz="1200" b="1">
-                <a:solidFill>
-                  <a:srgbClr val="0070c0"/>
-                </a:solidFill>
-                <a:latin typeface="Amasis MT Pro Black"/>
-              </a:endParaRPr>
-            </a:p>
-            <a:p>
-              <a:pPr marL="171450" indent="-171450">
-                <a:buFont typeface="Arial"/>
-                <a:buChar char="•"/>
-                <a:defRPr/>
-              </a:pPr>
-              <a:endParaRPr lang="ko-KR" altLang="en-US" sz="1000" b="1">
-                <a:latin typeface="+mn-ea"/>
-                <a:ea typeface="+mn-ea"/>
-              </a:endParaRPr>
-            </a:p>
-          </p:txBody>
-        </p:sp>
-      </p:grpSp>
-    </p:spTree>
-  </p:cSld>
-  <p:clrMapOvr>
-    <a:masterClrMapping/>
-  </p:clrMapOvr>
-  <mc:AlternateContent xmlns:mc="http://schemas.openxmlformats.org/markup-compatibility/2006">
-    <mc:Choice xmlns:p14="http://schemas.microsoft.com/office/powerpoint/2010/main" Requires="p14">
-      <p:transition xmlns:mc="http://schemas.openxmlformats.org/markup-compatibility/2006" xmlns:p14="http://schemas.microsoft.com/office/powerpoint/2010/main" mc:Ignorable="p14" p14:dur="500"/>
-    </mc:Choice>
-    <mc:Fallback>
-      <p:transition/>
-    </mc:Fallback>
-  </mc:AlternateContent>
-</p:sld>
-</file>
-
-<file path=ppt/slides/slide11.xml><?xml version="1.0" encoding="utf-8"?>
-<p:sld xmlns:r="http://schemas.openxmlformats.org/officeDocument/2006/relationships" xmlns:c="http://schemas.openxmlformats.org/drawingml/2006/chart" xmlns:a="http://schemas.openxmlformats.org/drawingml/2006/main" xmlns:dgm="http://schemas.openxmlformats.org/drawingml/2006/diagram" xmlns:dsp="http://schemas.microsoft.com/office/drawing/2008/diagram" xmlns:p="http://schemas.openxmlformats.org/presentationml/2006/main">
-  <p:cSld>
-    <p:spTree>
-      <p:nvGrpSpPr>
-        <p:cNvPr id="1" name=""/>
-        <p:cNvGrpSpPr/>
-        <p:nvPr/>
-      </p:nvGrpSpPr>
-      <p:grpSpPr>
-        <a:xfrm>
-          <a:off x="0" y="0"/>
-          <a:ext cx="0" cy="0"/>
-          <a:chOff x="0" y="0"/>
-          <a:chExt cx="0" cy="0"/>
-        </a:xfrm>
-      </p:grpSpPr>
-      <p:sp>
-        <p:nvSpPr>
-          <p:cNvPr id="30" name="TextBox 29"/>
-          <p:cNvSpPr txBox="1"/>
-          <p:nvPr/>
-        </p:nvSpPr>
-        <p:spPr>
-          <a:xfrm>
-            <a:off x="0" y="28575"/>
-            <a:ext cx="2927701" cy="512445"/>
-          </a:xfrm>
-          <a:prstGeom prst="rect">
-            <a:avLst/>
-          </a:prstGeom>
-        </p:spPr>
-        <p:txBody>
-          <a:bodyPr wrap="square">
-            <a:spAutoFit/>
-          </a:bodyPr>
-          <a:lstStyle/>
-          <a:p>
-            <a:pPr marL="0" indent="0" algn="ctr" defTabSz="914400" rtl="0" eaLnBrk="1" latinLnBrk="1" hangingPunct="1">
-              <a:lnSpc>
-                <a:spcPct val="100000"/>
-              </a:lnSpc>
-              <a:spcBef>
-                <a:spcPct val="0"/>
-              </a:spcBef>
-              <a:spcAft>
-                <a:spcPts val="0"/>
-              </a:spcAft>
-              <a:buNone/>
-              <a:defRPr/>
-            </a:pPr>
-            <a:r>
-              <a:rPr kumimoji="0" lang="en-US" altLang="ko-KR" sz="2800" b="1" i="0" u="none" strike="noStrike" kern="1200" cap="none" spc="0" normalizeH="0" baseline="0">
-                <a:solidFill>
-                  <a:srgbClr val="000000"/>
-                </a:solidFill>
-                <a:latin typeface="Calibri"/>
-                <a:ea typeface="맑은 고딕"/>
-                <a:cs typeface="맑은 고딕"/>
-              </a:rPr>
-              <a:t>4.</a:t>
-            </a:r>
-            <a:r>
-              <a:rPr kumimoji="0" lang="ko-KR" altLang="en-US" sz="2800" b="1" i="0" u="none" strike="noStrike" kern="1200" cap="none" spc="0" normalizeH="0" baseline="0">
-                <a:solidFill>
-                  <a:srgbClr val="000000"/>
-                </a:solidFill>
-                <a:latin typeface="Calibri"/>
-                <a:ea typeface="맑은 고딕"/>
-                <a:cs typeface="맑은 고딕"/>
-              </a:rPr>
-              <a:t> </a:t>
-            </a:r>
-            <a:r>
-              <a:rPr kumimoji="0" lang="en-US" altLang="ko-KR" sz="2800" b="1" i="0" u="none" strike="noStrike" kern="1200" cap="none" spc="0" normalizeH="0" baseline="0">
-                <a:solidFill>
-                  <a:srgbClr val="000000"/>
-                </a:solidFill>
-                <a:latin typeface="Calibri"/>
-                <a:ea typeface="맑은 고딕"/>
-                <a:cs typeface="맑은 고딕"/>
-              </a:rPr>
-              <a:t>UI </a:t>
-            </a:r>
-            <a:r>
-              <a:rPr kumimoji="0" lang="ko-KR" altLang="en-US" sz="2800" b="1" i="0" u="none" strike="noStrike" kern="1200" cap="none" spc="0" normalizeH="0" baseline="0">
-                <a:solidFill>
-                  <a:srgbClr val="000000"/>
-                </a:solidFill>
-                <a:latin typeface="Calibri"/>
-                <a:ea typeface="맑은 고딕"/>
-                <a:cs typeface="맑은 고딕"/>
-              </a:rPr>
-              <a:t>구성</a:t>
-            </a:r>
-            <a:r>
-              <a:rPr kumimoji="0" lang="en-US" altLang="ko-KR" sz="2800" b="1" i="0" u="none" strike="noStrike" kern="1200" cap="none" spc="0" normalizeH="0" baseline="0">
-                <a:solidFill>
-                  <a:srgbClr val="000000"/>
-                </a:solidFill>
-                <a:latin typeface="Calibri"/>
-                <a:ea typeface="맑은 고딕"/>
-                <a:cs typeface="맑은 고딕"/>
-              </a:rPr>
-              <a:t> (Main)</a:t>
-            </a:r>
-            <a:endParaRPr kumimoji="0" lang="en-US" altLang="ko-KR" sz="2800" b="1" i="0" u="none" strike="noStrike" kern="1200" cap="none" spc="0" normalizeH="0" baseline="0">
-              <a:solidFill>
-                <a:srgbClr val="000000"/>
-              </a:solidFill>
-              <a:latin typeface="Calibri"/>
-              <a:ea typeface="맑은 고딕"/>
-              <a:cs typeface="맑은 고딕"/>
-            </a:endParaRPr>
-          </a:p>
-        </p:txBody>
-      </p:sp>
-      <p:sp>
-        <p:nvSpPr>
-          <p:cNvPr id="31" name="슬라이드 번호 개체 틀 5"/>
-          <p:cNvSpPr>
-            <a:spLocks noGrp="1"/>
-          </p:cNvSpPr>
-          <p:nvPr>
-            <p:ph type="sldNum" sz="quarter" idx="12"/>
-          </p:nvPr>
-        </p:nvSpPr>
-        <p:spPr/>
-        <p:txBody>
-          <a:bodyPr/>
-          <a:lstStyle/>
-          <a:p>
-            <a:pPr lvl="0">
-              <a:defRPr/>
-            </a:pPr>
-            <a:fld id="{800C6A38-4290-41DD-B95C-4155372FD4AF}" type="slidenum">
-              <a:rPr lang="en-US" altLang="en-US"/>
-              <a:pPr lvl="0">
-                <a:defRPr/>
-              </a:pPr>
               <a:t>10</a:t>
             </a:fld>
             <a:endParaRPr lang="en-US" altLang="en-US"/>
@@ -7014,7 +6446,7 @@
 </p:sld>
 </file>
 
-<file path=ppt/slides/slide12.xml><?xml version="1.0" encoding="utf-8"?>
+<file path=ppt/slides/slide11.xml><?xml version="1.0" encoding="utf-8"?>
 <p:sld xmlns:r="http://schemas.openxmlformats.org/officeDocument/2006/relationships" xmlns:c="http://schemas.openxmlformats.org/drawingml/2006/chart" xmlns:a="http://schemas.openxmlformats.org/drawingml/2006/main" xmlns:dgm="http://schemas.openxmlformats.org/drawingml/2006/diagram" xmlns:dsp="http://schemas.microsoft.com/office/drawing/2008/diagram" xmlns:p="http://schemas.openxmlformats.org/presentationml/2006/main">
   <p:cSld>
     <p:spTree>
@@ -7371,7 +6803,7 @@
 </p:sld>
 </file>
 
-<file path=ppt/slides/slide13.xml><?xml version="1.0" encoding="utf-8"?>
+<file path=ppt/slides/slide12.xml><?xml version="1.0" encoding="utf-8"?>
 <p:sld xmlns:r="http://schemas.openxmlformats.org/officeDocument/2006/relationships" xmlns:c="http://schemas.openxmlformats.org/drawingml/2006/chart" xmlns:a="http://schemas.openxmlformats.org/drawingml/2006/main" xmlns:dgm="http://schemas.openxmlformats.org/drawingml/2006/diagram" xmlns:dsp="http://schemas.microsoft.com/office/drawing/2008/diagram" xmlns:p="http://schemas.openxmlformats.org/presentationml/2006/main">
   <p:cSld>
     <p:spTree>
@@ -7916,7 +7348,7 @@
 </p:sld>
 </file>
 
-<file path=ppt/slides/slide14.xml><?xml version="1.0" encoding="utf-8"?>
+<file path=ppt/slides/slide13.xml><?xml version="1.0" encoding="utf-8"?>
 <p:sld xmlns:r="http://schemas.openxmlformats.org/officeDocument/2006/relationships" xmlns:c="http://schemas.openxmlformats.org/drawingml/2006/chart" xmlns:a="http://schemas.openxmlformats.org/drawingml/2006/main" xmlns:dgm="http://schemas.openxmlformats.org/drawingml/2006/diagram" xmlns:dsp="http://schemas.microsoft.com/office/drawing/2008/diagram" xmlns:p="http://schemas.openxmlformats.org/presentationml/2006/main">
   <p:cSld>
     <p:spTree>
@@ -8424,7 +7856,7 @@
 </p:sld>
 </file>
 
-<file path=ppt/slides/slide15.xml><?xml version="1.0" encoding="utf-8"?>
+<file path=ppt/slides/slide14.xml><?xml version="1.0" encoding="utf-8"?>
 <p:sld xmlns:r="http://schemas.openxmlformats.org/officeDocument/2006/relationships" xmlns:c="http://schemas.openxmlformats.org/drawingml/2006/chart" xmlns:a="http://schemas.openxmlformats.org/drawingml/2006/main" xmlns:dgm="http://schemas.openxmlformats.org/drawingml/2006/diagram" xmlns:dsp="http://schemas.microsoft.com/office/drawing/2008/diagram" xmlns:p="http://schemas.openxmlformats.org/presentationml/2006/main">
   <p:cSld>
     <p:spTree>
@@ -9285,397 +8717,151 @@
       </p:grpSpPr>
       <p:sp>
         <p:nvSpPr>
-          <p:cNvPr id="3" name="사각형: 둥근 모서리 1007"/>
-          <p:cNvSpPr/>
-          <p:nvPr/>
+          <p:cNvPr id="8" name="슬라이드 번호 개체 틀 5"/>
+          <p:cNvSpPr>
+            <a:spLocks noGrp="1"/>
+          </p:cNvSpPr>
+          <p:nvPr>
+            <p:ph type="sldNum" sz="quarter" idx="12"/>
+          </p:nvPr>
         </p:nvSpPr>
         <p:spPr>
           <a:xfrm>
-            <a:off x="315829" y="812131"/>
-            <a:ext cx="11560342" cy="1824789"/>
-          </a:xfrm>
-          <a:prstGeom prst="roundRect">
-            <a:avLst>
-              <a:gd name="adj" fmla="val 16667"/>
-            </a:avLst>
-          </a:prstGeom>
-          <a:noFill/>
-          <a:ln w="9525">
-            <a:noFill/>
-            <a:miter/>
-          </a:ln>
+            <a:off x="5641750" y="6658505"/>
+            <a:ext cx="2641600" cy="365125"/>
+          </a:xfrm>
         </p:spPr>
         <p:txBody>
-          <a:bodyPr anchor="ctr"/>
-          <a:p>
-            <a:pPr marL="0" indent="0" algn="l" defTabSz="914400" rtl="0" eaLnBrk="1" latinLnBrk="1" hangingPunct="1">
-              <a:lnSpc>
-                <a:spcPct val="150000"/>
-              </a:lnSpc>
-              <a:spcBef>
-                <a:spcPct val="0"/>
-              </a:spcBef>
+          <a:bodyPr>
+            <a:normAutofit/>
+          </a:bodyPr>
+          <a:lstStyle/>
+          <a:p>
+            <a:pPr>
               <a:spcAft>
-                <a:spcPts val="0"/>
+                <a:spcPts val="600"/>
               </a:spcAft>
-              <a:buFontTx/>
-              <a:buNone/>
-              <a:defRPr/>
-            </a:pPr>
-            <a:endParaRPr xmlns:mc="http://schemas.openxmlformats.org/markup-compatibility/2006" xmlns:hp="http://schemas.haansoft.com/office/presentation/8.0" kumimoji="0" sz="1800" b="0" i="0" u="none" strike="noStrike" kern="1200" cap="none" spc="0" normalizeH="0" baseline="0" mc:Ignorable="hp" hp:hslEmbossed="0">
-              <a:solidFill>
-                <a:srgbClr val="000099"/>
-              </a:solidFill>
-              <a:latin typeface="맑은 고딕"/>
-              <a:ea typeface="맑은 고딕"/>
-              <a:cs typeface="Arial Unicode MS"/>
+              <a:defRPr/>
+            </a:pPr>
+            <a:fld id="{AD22CD3B-FDDF-4998-970C-76E6E0BEC65F}" type="slidenum">
+              <a:rPr lang="en-US" altLang="en-US" b="0" kern="1200">
+                <a:latin typeface="Arial"/>
+                <a:ea typeface="+mn-ea"/>
+                <a:cs typeface="Arial"/>
+              </a:rPr>
+              <a:pPr>
+                <a:spcAft>
+                  <a:spcPts val="600"/>
+                </a:spcAft>
+                <a:defRPr/>
+              </a:pPr>
+              <a:t>2</a:t>
+            </a:fld>
+            <a:endParaRPr lang="en-US" altLang="en-US" b="0" kern="1200">
+              <a:latin typeface="Arial"/>
+              <a:ea typeface="+mn-ea"/>
+              <a:cs typeface="Arial"/>
             </a:endParaRPr>
           </a:p>
         </p:txBody>
       </p:sp>
       <p:sp>
         <p:nvSpPr>
-          <p:cNvPr id="4" name="TextBox 1006"/>
-          <p:cNvSpPr txBox="1"/>
+          <p:cNvPr id="14" name=""/>
+          <p:cNvSpPr/>
           <p:nvPr/>
         </p:nvSpPr>
         <p:spPr>
           <a:xfrm>
-            <a:off x="945491" y="873008"/>
-            <a:ext cx="10301016" cy="1706362"/>
-          </a:xfrm>
-          <a:prstGeom prst="rect">
+            <a:off x="609599" y="1210665"/>
+            <a:ext cx="10972798" cy="0"/>
+          </a:xfrm>
+          <a:prstGeom prst="line">
             <a:avLst/>
           </a:prstGeom>
-          <a:noFill/>
-          <a:ln>
-            <a:noFill/>
+          <a:solidFill>
+            <a:schemeClr val="accent1">
+              <a:hueOff val="0"/>
+              <a:satOff val="0"/>
+              <a:lumOff val="0"/>
+              <a:alphaOff val="0"/>
+            </a:schemeClr>
+          </a:solidFill>
+          <a:ln w="25400" cap="flat" cmpd="sng" algn="ctr">
+            <a:solidFill>
+              <a:srgbClr val="bd3d00"/>
+            </a:solidFill>
+            <a:prstDash val="solid"/>
+            <a:round/>
+            <a:headEnd w="med" len="med"/>
+            <a:tailEnd w="med" len="med"/>
           </a:ln>
-        </p:spPr>
+          <a:effectLst/>
+        </p:spPr>
+        <p:style>
+          <a:lnRef idx="2">
+            <a:scrgbClr r="0" g="0" b="0"/>
+          </a:lnRef>
+          <a:fillRef idx="1">
+            <a:scrgbClr r="0" g="0" b="0"/>
+          </a:fillRef>
+          <a:effectRef idx="0">
+            <a:scrgbClr r="0" g="0" b="0"/>
+          </a:effectRef>
+          <a:fontRef idx="minor">
+            <a:schemeClr val="lt1"/>
+          </a:fontRef>
+        </p:style>
         <p:txBody>
-          <a:bodyPr wrap="square">
-            <a:spAutoFit/>
-          </a:bodyPr>
-          <a:p>
-            <a:pPr marL="0" indent="0" algn="ctr" defTabSz="914400" rtl="0" eaLnBrk="1" latinLnBrk="1" hangingPunct="1">
-              <a:lnSpc>
-                <a:spcPct val="100000"/>
-              </a:lnSpc>
-              <a:spcBef>
-                <a:spcPct val="0"/>
-              </a:spcBef>
-              <a:spcAft>
-                <a:spcPts val="0"/>
-              </a:spcAft>
-              <a:buNone/>
-              <a:defRPr/>
-            </a:pPr>
-            <a:r>
-              <a:rPr xmlns:mc="http://schemas.openxmlformats.org/markup-compatibility/2006" xmlns:hp="http://schemas.haansoft.com/office/presentation/8.0" kumimoji="0" lang="en-US" altLang="ko-KR" sz="5300" b="1" i="0" u="none" strike="noStrike" kern="1200" cap="none" spc="0" normalizeH="0" baseline="0" mc:Ignorable="hp" hp:hslEmbossed="0">
-                <a:solidFill>
-                  <a:schemeClr val="dk1"/>
-                </a:solidFill>
-                <a:latin typeface="맑은 고딕"/>
-                <a:ea typeface="맑은 고딕"/>
-              </a:rPr>
-              <a:t>Fab Simulator Only Look Once</a:t>
-            </a:r>
-            <a:endParaRPr xmlns:mc="http://schemas.openxmlformats.org/markup-compatibility/2006" xmlns:hp="http://schemas.haansoft.com/office/presentation/8.0" kumimoji="0" lang="en-US" altLang="ko-KR" sz="5300" b="1" i="0" u="none" strike="noStrike" kern="1200" cap="none" spc="0" normalizeH="0" baseline="0" mc:Ignorable="hp" hp:hslEmbossed="0">
-              <a:solidFill>
-                <a:schemeClr val="dk1"/>
-              </a:solidFill>
-              <a:latin typeface="맑은 고딕"/>
-              <a:ea typeface="맑은 고딕"/>
-            </a:endParaRPr>
-          </a:p>
-          <a:p>
-            <a:pPr marL="0" indent="0" algn="ctr" defTabSz="914400" rtl="0" eaLnBrk="1" latinLnBrk="1" hangingPunct="1">
-              <a:lnSpc>
-                <a:spcPct val="100000"/>
-              </a:lnSpc>
-              <a:spcBef>
-                <a:spcPct val="0"/>
-              </a:spcBef>
-              <a:spcAft>
-                <a:spcPts val="0"/>
-              </a:spcAft>
-              <a:buNone/>
-              <a:defRPr/>
-            </a:pPr>
-            <a:r>
-              <a:rPr xmlns:mc="http://schemas.openxmlformats.org/markup-compatibility/2006" xmlns:hp="http://schemas.haansoft.com/office/presentation/8.0" kumimoji="0" lang="en-US" altLang="ko-KR" sz="5300" b="1" i="0" u="none" strike="noStrike" kern="1200" cap="none" spc="0" normalizeH="0" baseline="0" mc:Ignorable="hp" hp:hslEmbossed="0">
-                <a:solidFill>
-                  <a:schemeClr val="dk1"/>
-                </a:solidFill>
-                <a:latin typeface="맑은 고딕"/>
-                <a:ea typeface="맑은 고딕"/>
-              </a:rPr>
-              <a:t>(Fab SOLO)</a:t>
-            </a:r>
-            <a:endParaRPr xmlns:mc="http://schemas.openxmlformats.org/markup-compatibility/2006" xmlns:hp="http://schemas.haansoft.com/office/presentation/8.0" kumimoji="0" lang="en-US" altLang="ko-KR" sz="5300" b="1" i="0" u="none" strike="noStrike" kern="1200" cap="none" spc="0" normalizeH="0" baseline="0" mc:Ignorable="hp" hp:hslEmbossed="0">
-              <a:solidFill>
-                <a:schemeClr val="dk1"/>
-              </a:solidFill>
-              <a:latin typeface="맑은 고딕"/>
-              <a:ea typeface="맑은 고딕"/>
-            </a:endParaRPr>
+          <a:bodyPr wrap="square"/>
+          <a:p>
+            <a:pPr>
+              <a:defRPr/>
+            </a:pPr>
+            <a:endParaRPr/>
           </a:p>
         </p:txBody>
       </p:sp>
       <p:sp>
         <p:nvSpPr>
-          <p:cNvPr id="5" name="TextBox 1008"/>
-          <p:cNvSpPr txBox="1"/>
+          <p:cNvPr id="15" name=""/>
+          <p:cNvSpPr/>
           <p:nvPr/>
         </p:nvSpPr>
         <p:spPr>
           <a:xfrm>
-            <a:off x="3714750" y="2851919"/>
-            <a:ext cx="4762500" cy="1154162"/>
+            <a:off x="609599" y="1210664"/>
+            <a:ext cx="10972798" cy="879144"/>
           </a:xfrm>
           <a:prstGeom prst="rect">
             <a:avLst/>
           </a:prstGeom>
           <a:noFill/>
-        </p:spPr>
-        <p:txBody>
-          <a:bodyPr wrap="square">
-            <a:spAutoFit/>
-          </a:bodyPr>
-          <a:p>
-            <a:pPr marL="0" indent="0" algn="ctr" defTabSz="914400" rtl="0" eaLnBrk="1" latinLnBrk="1" hangingPunct="1">
-              <a:lnSpc>
-                <a:spcPct val="100000"/>
-              </a:lnSpc>
-              <a:spcBef>
-                <a:spcPct val="0"/>
-              </a:spcBef>
-              <a:spcAft>
-                <a:spcPts val="0"/>
-              </a:spcAft>
-              <a:buNone/>
-              <a:defRPr/>
-            </a:pPr>
-            <a:r>
-              <a:rPr xmlns:mc="http://schemas.openxmlformats.org/markup-compatibility/2006" xmlns:hp="http://schemas.haansoft.com/office/presentation/8.0" kumimoji="0" lang="ko-KR" altLang="en-US" sz="2300" b="1" i="0" u="none" strike="noStrike" kern="1200" cap="none" spc="0" normalizeH="0" baseline="0" mc:Ignorable="hp" hp:hslEmbossed="0">
-                <a:solidFill>
-                  <a:srgbClr val="000000"/>
-                </a:solidFill>
-                <a:latin typeface="맑은 고딕"/>
-                <a:ea typeface="맑은 고딕"/>
-              </a:rPr>
-              <a:t>조장 </a:t>
-            </a:r>
-            <a:r>
-              <a:rPr xmlns:mc="http://schemas.openxmlformats.org/markup-compatibility/2006" xmlns:hp="http://schemas.haansoft.com/office/presentation/8.0" kumimoji="0" lang="en-US" altLang="ko-KR" sz="2300" b="1" i="0" u="none" strike="noStrike" kern="1200" cap="none" spc="0" normalizeH="0" baseline="0" mc:Ignorable="hp" hp:hslEmbossed="0">
-                <a:solidFill>
-                  <a:srgbClr val="000000"/>
-                </a:solidFill>
-                <a:latin typeface="맑은 고딕"/>
-                <a:ea typeface="맑은 고딕"/>
-              </a:rPr>
-              <a:t>:</a:t>
-            </a:r>
-            <a:r>
-              <a:rPr xmlns:mc="http://schemas.openxmlformats.org/markup-compatibility/2006" xmlns:hp="http://schemas.haansoft.com/office/presentation/8.0" kumimoji="0" lang="ko-KR" altLang="en-US" sz="2300" b="1" i="0" u="none" strike="noStrike" kern="1200" cap="none" spc="0" normalizeH="0" baseline="0" mc:Ignorable="hp" hp:hslEmbossed="0">
-                <a:solidFill>
-                  <a:srgbClr val="000000"/>
-                </a:solidFill>
-                <a:latin typeface="맑은 고딕"/>
-                <a:ea typeface="맑은 고딕"/>
-              </a:rPr>
-              <a:t> 한성현</a:t>
-            </a:r>
-            <a:endParaRPr xmlns:mc="http://schemas.openxmlformats.org/markup-compatibility/2006" xmlns:hp="http://schemas.haansoft.com/office/presentation/8.0" kumimoji="0" lang="ko-KR" altLang="en-US" sz="2300" b="1" i="0" u="none" strike="noStrike" kern="1200" cap="none" spc="0" normalizeH="0" baseline="0" mc:Ignorable="hp" hp:hslEmbossed="0">
-              <a:solidFill>
-                <a:srgbClr val="000000"/>
-              </a:solidFill>
-              <a:latin typeface="맑은 고딕"/>
-              <a:ea typeface="맑은 고딕"/>
-            </a:endParaRPr>
-          </a:p>
-          <a:p>
-            <a:pPr marL="0" indent="0" algn="ctr" defTabSz="914400" rtl="0" eaLnBrk="1" latinLnBrk="1" hangingPunct="1">
-              <a:lnSpc>
-                <a:spcPct val="100000"/>
-              </a:lnSpc>
-              <a:spcBef>
-                <a:spcPct val="0"/>
-              </a:spcBef>
-              <a:spcAft>
-                <a:spcPts val="0"/>
-              </a:spcAft>
-              <a:buNone/>
-              <a:defRPr/>
-            </a:pPr>
-            <a:endParaRPr xmlns:mc="http://schemas.openxmlformats.org/markup-compatibility/2006" xmlns:hp="http://schemas.haansoft.com/office/presentation/8.0" kumimoji="0" lang="ko-KR" altLang="en-US" sz="2300" b="1" i="0" u="none" strike="noStrike" kern="1200" cap="none" spc="0" normalizeH="0" baseline="0" mc:Ignorable="hp" hp:hslEmbossed="0">
-              <a:solidFill>
-                <a:srgbClr val="000000"/>
-              </a:solidFill>
-              <a:latin typeface="맑은 고딕"/>
-              <a:ea typeface="맑은 고딕"/>
-            </a:endParaRPr>
-          </a:p>
-          <a:p>
-            <a:pPr marL="0" indent="0" algn="ctr" defTabSz="914400" rtl="0" eaLnBrk="1" latinLnBrk="1" hangingPunct="1">
-              <a:lnSpc>
-                <a:spcPct val="100000"/>
-              </a:lnSpc>
-              <a:spcBef>
-                <a:spcPct val="0"/>
-              </a:spcBef>
-              <a:spcAft>
-                <a:spcPts val="0"/>
-              </a:spcAft>
-              <a:buNone/>
-              <a:defRPr/>
-            </a:pPr>
-            <a:r>
-              <a:rPr xmlns:mc="http://schemas.openxmlformats.org/markup-compatibility/2006" xmlns:hp="http://schemas.haansoft.com/office/presentation/8.0" kumimoji="0" lang="ko-KR" altLang="en-US" sz="2300" b="1" i="0" u="none" strike="noStrike" kern="1200" cap="none" spc="0" normalizeH="0" baseline="0" mc:Ignorable="hp" hp:hslEmbossed="0">
-                <a:solidFill>
-                  <a:srgbClr val="000000"/>
-                </a:solidFill>
-                <a:latin typeface="맑은 고딕"/>
-                <a:ea typeface="맑은 고딕"/>
-              </a:rPr>
-              <a:t>조원 </a:t>
-            </a:r>
-            <a:r>
-              <a:rPr xmlns:mc="http://schemas.openxmlformats.org/markup-compatibility/2006" xmlns:hp="http://schemas.haansoft.com/office/presentation/8.0" kumimoji="0" lang="en-US" altLang="ko-KR" sz="2300" b="1" i="0" u="none" strike="noStrike" kern="1200" cap="none" spc="0" normalizeH="0" baseline="0" mc:Ignorable="hp" hp:hslEmbossed="0">
-                <a:solidFill>
-                  <a:srgbClr val="000000"/>
-                </a:solidFill>
-                <a:latin typeface="맑은 고딕"/>
-                <a:ea typeface="맑은 고딕"/>
-              </a:rPr>
-              <a:t>:</a:t>
-            </a:r>
-            <a:r>
-              <a:rPr xmlns:mc="http://schemas.openxmlformats.org/markup-compatibility/2006" xmlns:hp="http://schemas.haansoft.com/office/presentation/8.0" kumimoji="0" lang="ko-KR" altLang="en-US" sz="2300" b="1" i="0" u="none" strike="noStrike" kern="1200" cap="none" spc="0" normalizeH="0" baseline="0" mc:Ignorable="hp" hp:hslEmbossed="0">
-                <a:solidFill>
-                  <a:srgbClr val="000000"/>
-                </a:solidFill>
-                <a:latin typeface="맑은 고딕"/>
-                <a:ea typeface="맑은 고딕"/>
-              </a:rPr>
-              <a:t>계민석</a:t>
-            </a:r>
-            <a:r>
-              <a:rPr xmlns:mc="http://schemas.openxmlformats.org/markup-compatibility/2006" xmlns:hp="http://schemas.haansoft.com/office/presentation/8.0" kumimoji="0" lang="en-US" altLang="ko-KR" sz="2300" b="1" i="0" u="none" strike="noStrike" kern="1200" cap="none" spc="0" normalizeH="0" baseline="0" mc:Ignorable="hp" hp:hslEmbossed="0">
-                <a:solidFill>
-                  <a:srgbClr val="000000"/>
-                </a:solidFill>
-                <a:latin typeface="맑은 고딕"/>
-                <a:ea typeface="맑은 고딕"/>
-              </a:rPr>
-              <a:t>, </a:t>
-            </a:r>
-            <a:r>
-              <a:rPr xmlns:mc="http://schemas.openxmlformats.org/markup-compatibility/2006" xmlns:hp="http://schemas.haansoft.com/office/presentation/8.0" kumimoji="0" lang="ko-KR" altLang="en-US" sz="2300" b="1" i="0" u="none" strike="noStrike" kern="1200" cap="none" spc="0" normalizeH="0" baseline="0" mc:Ignorable="hp" hp:hslEmbossed="0">
-                <a:solidFill>
-                  <a:srgbClr val="000000"/>
-                </a:solidFill>
-                <a:latin typeface="맑은 고딕"/>
-                <a:ea typeface="맑은 고딕"/>
-              </a:rPr>
-              <a:t>김서윤</a:t>
-            </a:r>
-            <a:r>
-              <a:rPr xmlns:mc="http://schemas.openxmlformats.org/markup-compatibility/2006" xmlns:hp="http://schemas.haansoft.com/office/presentation/8.0" kumimoji="0" lang="en-US" altLang="ko-KR" sz="2300" b="1" i="0" u="none" strike="noStrike" kern="1200" cap="none" spc="0" normalizeH="0" baseline="0" mc:Ignorable="hp" hp:hslEmbossed="0">
-                <a:solidFill>
-                  <a:srgbClr val="000000"/>
-                </a:solidFill>
-                <a:latin typeface="맑은 고딕"/>
-                <a:ea typeface="맑은 고딕"/>
-              </a:rPr>
-              <a:t>, </a:t>
-            </a:r>
-            <a:r>
-              <a:rPr xmlns:mc="http://schemas.openxmlformats.org/markup-compatibility/2006" xmlns:hp="http://schemas.haansoft.com/office/presentation/8.0" kumimoji="0" lang="ko-KR" altLang="en-US" sz="2300" b="1" i="0" u="none" strike="noStrike" kern="1200" cap="none" spc="0" normalizeH="0" baseline="0" mc:Ignorable="hp" hp:hslEmbossed="0">
-                <a:solidFill>
-                  <a:srgbClr val="000000"/>
-                </a:solidFill>
-                <a:latin typeface="맑은 고딕"/>
-                <a:ea typeface="맑은 고딕"/>
-              </a:rPr>
-              <a:t>김재곤</a:t>
-            </a:r>
-            <a:endParaRPr xmlns:mc="http://schemas.openxmlformats.org/markup-compatibility/2006" xmlns:hp="http://schemas.haansoft.com/office/presentation/8.0" kumimoji="0" lang="ko-KR" altLang="en-US" sz="2300" b="1" i="0" u="none" strike="noStrike" kern="1200" cap="none" spc="0" normalizeH="0" baseline="0" mc:Ignorable="hp" hp:hslEmbossed="0">
-              <a:solidFill>
-                <a:srgbClr val="000000"/>
-              </a:solidFill>
-              <a:latin typeface="맑은 고딕"/>
-              <a:ea typeface="맑은 고딕"/>
-            </a:endParaRPr>
-          </a:p>
-        </p:txBody>
-      </p:sp>
-      <p:sp>
-        <p:nvSpPr>
-          <p:cNvPr id="6" name=""/>
-          <p:cNvSpPr/>
-          <p:nvPr/>
-        </p:nvSpPr>
-        <p:spPr>
-          <a:xfrm>
-            <a:off x="945491" y="251825"/>
-            <a:ext cx="2142957" cy="621182"/>
-          </a:xfrm>
-          <a:prstGeom prst="rect">
-            <a:avLst/>
-          </a:prstGeom>
-          <a:solidFill>
-            <a:srgbClr val="d9d9d9"/>
-          </a:solidFill>
-          <a:ln w="9525">
-            <a:noFill/>
-            <a:miter/>
+          <a:ln cap="flat" cmpd="sng" algn="ctr">
+            <a:solidFill>
+              <a:srgbClr val="bd3d00"/>
+            </a:solidFill>
+            <a:prstDash val="solid"/>
+            <a:round/>
+            <a:headEnd w="med" len="med"/>
+            <a:tailEnd w="med" len="med"/>
           </a:ln>
-        </p:spPr>
-        <p:txBody>
-          <a:bodyPr anchor="ctr"/>
-          <a:p>
-            <a:pPr algn="l">
-              <a:lnSpc>
-                <a:spcPct val="150000"/>
-              </a:lnSpc>
-              <a:buFontTx/>
-              <a:buNone/>
-              <a:defRPr/>
-            </a:pPr>
-            <a:endParaRPr>
-              <a:solidFill>
-                <a:srgbClr val="d9d9d9"/>
-              </a:solidFill>
-              <a:latin typeface="+mn-ea"/>
-              <a:ea typeface="+mn-ea"/>
-              <a:cs typeface="Arial Unicode MS"/>
-            </a:endParaRPr>
-          </a:p>
-        </p:txBody>
-      </p:sp>
-      <p:sp>
-        <p:nvSpPr>
-          <p:cNvPr id="7" name=""/>
-          <p:cNvSpPr/>
-          <p:nvPr/>
-        </p:nvSpPr>
-        <p:spPr>
-          <a:xfrm>
-            <a:off x="7204553" y="5672725"/>
-            <a:ext cx="4061003" cy="887260"/>
-          </a:xfrm>
-          <a:prstGeom prst="rect">
-            <a:avLst/>
-          </a:prstGeom>
-          <a:solidFill>
-            <a:srgbClr val="9a191d"/>
-          </a:solidFill>
-          <a:ln w="9525">
-            <a:noFill/>
-            <a:miter/>
-          </a:ln>
-        </p:spPr>
+          <a:effectLst/>
+        </p:spPr>
+        <p:style>
+          <a:lnRef idx="0">
+            <a:scrgbClr r="0" g="0" b="0"/>
+          </a:lnRef>
+          <a:fillRef idx="0">
+            <a:scrgbClr r="0" g="0" b="0"/>
+          </a:fillRef>
+          <a:effectRef idx="0">
+            <a:scrgbClr r="0" g="0" b="0"/>
+          </a:effectRef>
+          <a:fontRef idx="minor">
+            <a:scrgbClr r="0" g="0" b="0"/>
+          </a:fontRef>
+        </p:style>
         <p:txBody>
           <a:bodyPr anchor="ctr"/>
           <a:p>
@@ -9698,6 +8884,926 @@
           </a:p>
         </p:txBody>
       </p:sp>
+      <p:sp>
+        <p:nvSpPr>
+          <p:cNvPr id="16" name=""/>
+          <p:cNvSpPr txBox="1"/>
+          <p:nvPr/>
+        </p:nvSpPr>
+        <p:spPr>
+          <a:xfrm>
+            <a:off x="609599" y="1210664"/>
+            <a:ext cx="10972798" cy="879144"/>
+          </a:xfrm>
+          <a:prstGeom prst="rect">
+            <a:avLst/>
+          </a:prstGeom>
+          <a:ln cap="flat" cmpd="sng" algn="ctr">
+            <a:solidFill>
+              <a:srgbClr val="bd3d00"/>
+            </a:solidFill>
+            <a:prstDash val="solid"/>
+            <a:round/>
+            <a:headEnd w="med" len="med"/>
+            <a:tailEnd w="med" len="med"/>
+          </a:ln>
+        </p:spPr>
+        <p:style>
+          <a:lnRef idx="0">
+            <a:schemeClr val="accent1"/>
+          </a:lnRef>
+          <a:fillRef idx="0">
+            <a:schemeClr val="accent1"/>
+          </a:fillRef>
+          <a:effectRef idx="0">
+            <a:schemeClr val="accent1"/>
+          </a:effectRef>
+          <a:fontRef idx="minor">
+            <a:scrgbClr r="0" g="0" b="0"/>
+          </a:fontRef>
+        </p:style>
+        <p:txBody>
+          <a:bodyPr vert="horz" wrap="square" lIns="99060" tIns="99060" rIns="99060" bIns="99060" anchor="t" anchorCtr="0">
+            <a:noAutofit/>
+          </a:bodyPr>
+          <a:lstStyle/>
+          <a:p>
+            <a:pPr marL="0" lvl="0" indent="0" algn="l" defTabSz="1155700">
+              <a:lnSpc>
+                <a:spcPct val="90000"/>
+              </a:lnSpc>
+              <a:spcBef>
+                <a:spcPct val="0"/>
+              </a:spcBef>
+              <a:spcAft>
+                <a:spcPct val="35000"/>
+              </a:spcAft>
+              <a:buNone/>
+              <a:defRPr/>
+            </a:pPr>
+            <a:r>
+              <a:rPr lang="en-US" sz="2600" b="1" i="0" kern="1200" baseline="0"/>
+              <a:t>1.</a:t>
+            </a:r>
+            <a:r>
+              <a:rPr lang="ko-KR" sz="2600" b="1" i="0" kern="1200" baseline="0"/>
+              <a:t> 팀 구성 및 역할</a:t>
+            </a:r>
+            <a:endParaRPr lang="en-US" sz="2600" kern="1200"/>
+          </a:p>
+        </p:txBody>
+      </p:sp>
+      <p:sp>
+        <p:nvSpPr>
+          <p:cNvPr id="17" name=""/>
+          <p:cNvSpPr/>
+          <p:nvPr/>
+        </p:nvSpPr>
+        <p:spPr>
+          <a:xfrm>
+            <a:off x="609599" y="2089810"/>
+            <a:ext cx="10972798" cy="0"/>
+          </a:xfrm>
+          <a:prstGeom prst="line">
+            <a:avLst/>
+          </a:prstGeom>
+          <a:solidFill>
+            <a:schemeClr val="accent1">
+              <a:hueOff val="0"/>
+              <a:satOff val="0"/>
+              <a:lumOff val="0"/>
+              <a:alphaOff val="0"/>
+            </a:schemeClr>
+          </a:solidFill>
+          <a:ln w="25400" cap="flat" cmpd="sng" algn="ctr">
+            <a:solidFill>
+              <a:srgbClr val="bd3d00"/>
+            </a:solidFill>
+            <a:prstDash val="solid"/>
+            <a:round/>
+            <a:headEnd w="med" len="med"/>
+            <a:tailEnd w="med" len="med"/>
+          </a:ln>
+          <a:effectLst/>
+        </p:spPr>
+        <p:style>
+          <a:lnRef idx="2">
+            <a:scrgbClr r="0" g="0" b="0"/>
+          </a:lnRef>
+          <a:fillRef idx="1">
+            <a:scrgbClr r="0" g="0" b="0"/>
+          </a:fillRef>
+          <a:effectRef idx="0">
+            <a:scrgbClr r="0" g="0" b="0"/>
+          </a:effectRef>
+          <a:fontRef idx="minor">
+            <a:schemeClr val="lt1"/>
+          </a:fontRef>
+        </p:style>
+        <p:txBody>
+          <a:bodyPr wrap="square"/>
+          <a:p>
+            <a:pPr>
+              <a:defRPr/>
+            </a:pPr>
+            <a:endParaRPr/>
+          </a:p>
+        </p:txBody>
+      </p:sp>
+      <p:sp>
+        <p:nvSpPr>
+          <p:cNvPr id="18" name=""/>
+          <p:cNvSpPr/>
+          <p:nvPr/>
+        </p:nvSpPr>
+        <p:spPr>
+          <a:xfrm>
+            <a:off x="609599" y="2089810"/>
+            <a:ext cx="10972798" cy="879144"/>
+          </a:xfrm>
+          <a:prstGeom prst="rect">
+            <a:avLst/>
+          </a:prstGeom>
+          <a:noFill/>
+          <a:ln cap="flat" cmpd="sng" algn="ctr">
+            <a:solidFill>
+              <a:srgbClr val="bd3d00"/>
+            </a:solidFill>
+            <a:prstDash val="solid"/>
+            <a:round/>
+            <a:headEnd w="med" len="med"/>
+            <a:tailEnd w="med" len="med"/>
+          </a:ln>
+          <a:effectLst/>
+        </p:spPr>
+        <p:style>
+          <a:lnRef idx="0">
+            <a:scrgbClr r="0" g="0" b="0"/>
+          </a:lnRef>
+          <a:fillRef idx="0">
+            <a:scrgbClr r="0" g="0" b="0"/>
+          </a:fillRef>
+          <a:effectRef idx="0">
+            <a:scrgbClr r="0" g="0" b="0"/>
+          </a:effectRef>
+          <a:fontRef idx="minor">
+            <a:scrgbClr r="0" g="0" b="0"/>
+          </a:fontRef>
+        </p:style>
+        <p:txBody>
+          <a:bodyPr anchor="ctr"/>
+          <a:p>
+            <a:pPr algn="l">
+              <a:lnSpc>
+                <a:spcPct val="150000"/>
+              </a:lnSpc>
+              <a:buFontTx/>
+              <a:buNone/>
+              <a:defRPr/>
+            </a:pPr>
+            <a:endParaRPr>
+              <a:solidFill>
+                <a:srgbClr val="000099"/>
+              </a:solidFill>
+              <a:latin typeface="+mn-ea"/>
+              <a:ea typeface="+mn-ea"/>
+              <a:cs typeface="Arial Unicode MS"/>
+            </a:endParaRPr>
+          </a:p>
+        </p:txBody>
+      </p:sp>
+      <p:sp>
+        <p:nvSpPr>
+          <p:cNvPr id="19" name=""/>
+          <p:cNvSpPr txBox="1"/>
+          <p:nvPr/>
+        </p:nvSpPr>
+        <p:spPr>
+          <a:xfrm>
+            <a:off x="609599" y="2089810"/>
+            <a:ext cx="10972798" cy="879144"/>
+          </a:xfrm>
+          <a:prstGeom prst="rect">
+            <a:avLst/>
+          </a:prstGeom>
+          <a:ln cap="flat" cmpd="sng" algn="ctr">
+            <a:solidFill>
+              <a:srgbClr val="bd3d00"/>
+            </a:solidFill>
+            <a:prstDash val="solid"/>
+            <a:round/>
+            <a:headEnd w="med" len="med"/>
+            <a:tailEnd w="med" len="med"/>
+          </a:ln>
+        </p:spPr>
+        <p:style>
+          <a:lnRef idx="0">
+            <a:schemeClr val="accent1"/>
+          </a:lnRef>
+          <a:fillRef idx="0">
+            <a:schemeClr val="accent1"/>
+          </a:fillRef>
+          <a:effectRef idx="0">
+            <a:schemeClr val="accent1"/>
+          </a:effectRef>
+          <a:fontRef idx="minor">
+            <a:scrgbClr r="0" g="0" b="0"/>
+          </a:fontRef>
+        </p:style>
+        <p:txBody>
+          <a:bodyPr vert="horz" wrap="square" lIns="99060" tIns="99060" rIns="99060" bIns="99060" anchor="t" anchorCtr="0">
+            <a:noAutofit/>
+          </a:bodyPr>
+          <a:lstStyle/>
+          <a:p>
+            <a:pPr marL="0" lvl="0" indent="0" algn="l" defTabSz="1155700">
+              <a:lnSpc>
+                <a:spcPct val="90000"/>
+              </a:lnSpc>
+              <a:spcBef>
+                <a:spcPct val="0"/>
+              </a:spcBef>
+              <a:spcAft>
+                <a:spcPct val="35000"/>
+              </a:spcAft>
+              <a:buNone/>
+              <a:defRPr/>
+            </a:pPr>
+            <a:r>
+              <a:rPr lang="en-US" sz="2600" b="1" i="0" kern="1200" baseline="0"/>
+              <a:t>2.</a:t>
+            </a:r>
+            <a:r>
+              <a:rPr lang="ko-KR" sz="2600" b="1" i="0" kern="1200" baseline="0"/>
+              <a:t> 개</a:t>
+            </a:r>
+            <a:r>
+              <a:rPr lang="ko-KR" altLang="en-US" sz="2600" b="1" i="0" kern="1200" baseline="0"/>
+              <a:t>발 배경 및 개발 도구 </a:t>
+            </a:r>
+            <a:r>
+              <a:rPr lang="en-US" altLang="ko-KR" sz="2600" b="1" i="0" kern="1200" baseline="0"/>
+              <a:t>&amp;</a:t>
+            </a:r>
+            <a:r>
+              <a:rPr lang="ko-KR" altLang="en-US" sz="2600" b="1" i="0" kern="1200" baseline="0"/>
+              <a:t> 환경</a:t>
+            </a:r>
+            <a:endParaRPr lang="ko-KR" altLang="en-US" sz="2600" b="1" i="0" kern="1200" baseline="0"/>
+          </a:p>
+        </p:txBody>
+      </p:sp>
+      <p:sp>
+        <p:nvSpPr>
+          <p:cNvPr id="20" name=""/>
+          <p:cNvSpPr/>
+          <p:nvPr/>
+        </p:nvSpPr>
+        <p:spPr>
+          <a:xfrm>
+            <a:off x="609599" y="2968954"/>
+            <a:ext cx="10972798" cy="0"/>
+          </a:xfrm>
+          <a:prstGeom prst="line">
+            <a:avLst/>
+          </a:prstGeom>
+          <a:solidFill>
+            <a:schemeClr val="accent1">
+              <a:hueOff val="0"/>
+              <a:satOff val="0"/>
+              <a:lumOff val="0"/>
+              <a:alphaOff val="0"/>
+            </a:schemeClr>
+          </a:solidFill>
+          <a:ln w="25400" cap="flat" cmpd="sng" algn="ctr">
+            <a:solidFill>
+              <a:srgbClr val="bd3d00"/>
+            </a:solidFill>
+            <a:prstDash val="solid"/>
+            <a:round/>
+            <a:headEnd w="med" len="med"/>
+            <a:tailEnd w="med" len="med"/>
+          </a:ln>
+          <a:effectLst/>
+        </p:spPr>
+        <p:style>
+          <a:lnRef idx="2">
+            <a:scrgbClr r="0" g="0" b="0"/>
+          </a:lnRef>
+          <a:fillRef idx="1">
+            <a:scrgbClr r="0" g="0" b="0"/>
+          </a:fillRef>
+          <a:effectRef idx="0">
+            <a:scrgbClr r="0" g="0" b="0"/>
+          </a:effectRef>
+          <a:fontRef idx="minor">
+            <a:schemeClr val="lt1"/>
+          </a:fontRef>
+        </p:style>
+        <p:txBody>
+          <a:bodyPr wrap="square"/>
+          <a:p>
+            <a:pPr>
+              <a:defRPr/>
+            </a:pPr>
+            <a:endParaRPr/>
+          </a:p>
+        </p:txBody>
+      </p:sp>
+      <p:sp>
+        <p:nvSpPr>
+          <p:cNvPr id="23" name=""/>
+          <p:cNvSpPr/>
+          <p:nvPr/>
+        </p:nvSpPr>
+        <p:spPr>
+          <a:xfrm>
+            <a:off x="609599" y="3848099"/>
+            <a:ext cx="10972798" cy="0"/>
+          </a:xfrm>
+          <a:prstGeom prst="line">
+            <a:avLst/>
+          </a:prstGeom>
+          <a:solidFill>
+            <a:schemeClr val="accent1">
+              <a:hueOff val="0"/>
+              <a:satOff val="0"/>
+              <a:lumOff val="0"/>
+              <a:alphaOff val="0"/>
+            </a:schemeClr>
+          </a:solidFill>
+          <a:ln w="25400" cap="flat" cmpd="sng" algn="ctr">
+            <a:solidFill>
+              <a:srgbClr val="bd3d00"/>
+            </a:solidFill>
+            <a:prstDash val="solid"/>
+            <a:round/>
+            <a:headEnd w="med" len="med"/>
+            <a:tailEnd w="med" len="med"/>
+          </a:ln>
+          <a:effectLst/>
+        </p:spPr>
+        <p:style>
+          <a:lnRef idx="2">
+            <a:scrgbClr r="0" g="0" b="0"/>
+          </a:lnRef>
+          <a:fillRef idx="1">
+            <a:scrgbClr r="0" g="0" b="0"/>
+          </a:fillRef>
+          <a:effectRef idx="0">
+            <a:scrgbClr r="0" g="0" b="0"/>
+          </a:effectRef>
+          <a:fontRef idx="minor">
+            <a:schemeClr val="lt1"/>
+          </a:fontRef>
+        </p:style>
+        <p:txBody>
+          <a:bodyPr wrap="square"/>
+          <a:p>
+            <a:pPr>
+              <a:defRPr/>
+            </a:pPr>
+            <a:endParaRPr/>
+          </a:p>
+        </p:txBody>
+      </p:sp>
+      <p:sp>
+        <p:nvSpPr>
+          <p:cNvPr id="24" name=""/>
+          <p:cNvSpPr/>
+          <p:nvPr/>
+        </p:nvSpPr>
+        <p:spPr>
+          <a:xfrm>
+            <a:off x="609599" y="3848100"/>
+            <a:ext cx="10972798" cy="879144"/>
+          </a:xfrm>
+          <a:prstGeom prst="rect">
+            <a:avLst/>
+          </a:prstGeom>
+          <a:noFill/>
+          <a:ln cap="flat" cmpd="sng" algn="ctr">
+            <a:solidFill>
+              <a:srgbClr val="bd3d00"/>
+            </a:solidFill>
+            <a:prstDash val="solid"/>
+            <a:round/>
+            <a:headEnd w="med" len="med"/>
+            <a:tailEnd w="med" len="med"/>
+          </a:ln>
+          <a:effectLst/>
+        </p:spPr>
+        <p:style>
+          <a:lnRef idx="0">
+            <a:scrgbClr r="0" g="0" b="0"/>
+          </a:lnRef>
+          <a:fillRef idx="0">
+            <a:scrgbClr r="0" g="0" b="0"/>
+          </a:fillRef>
+          <a:effectRef idx="0">
+            <a:scrgbClr r="0" g="0" b="0"/>
+          </a:effectRef>
+          <a:fontRef idx="minor">
+            <a:scrgbClr r="0" g="0" b="0"/>
+          </a:fontRef>
+        </p:style>
+        <p:txBody>
+          <a:bodyPr anchor="ctr"/>
+          <a:p>
+            <a:pPr algn="l">
+              <a:lnSpc>
+                <a:spcPct val="150000"/>
+              </a:lnSpc>
+              <a:buFontTx/>
+              <a:buNone/>
+              <a:defRPr/>
+            </a:pPr>
+            <a:endParaRPr>
+              <a:solidFill>
+                <a:srgbClr val="000099"/>
+              </a:solidFill>
+              <a:latin typeface="+mn-ea"/>
+              <a:ea typeface="+mn-ea"/>
+              <a:cs typeface="Arial Unicode MS"/>
+            </a:endParaRPr>
+          </a:p>
+        </p:txBody>
+      </p:sp>
+      <p:sp>
+        <p:nvSpPr>
+          <p:cNvPr id="25" name=""/>
+          <p:cNvSpPr txBox="1"/>
+          <p:nvPr/>
+        </p:nvSpPr>
+        <p:spPr>
+          <a:xfrm>
+            <a:off x="609601" y="2968956"/>
+            <a:ext cx="10972798" cy="879144"/>
+          </a:xfrm>
+          <a:prstGeom prst="rect">
+            <a:avLst/>
+          </a:prstGeom>
+          <a:ln cap="flat" cmpd="sng" algn="ctr">
+            <a:solidFill>
+              <a:srgbClr val="bd3d00"/>
+            </a:solidFill>
+            <a:prstDash val="solid"/>
+            <a:round/>
+            <a:headEnd w="med" len="med"/>
+            <a:tailEnd w="med" len="med"/>
+          </a:ln>
+        </p:spPr>
+        <p:style>
+          <a:lnRef idx="0">
+            <a:schemeClr val="accent1"/>
+          </a:lnRef>
+          <a:fillRef idx="0">
+            <a:schemeClr val="accent1"/>
+          </a:fillRef>
+          <a:effectRef idx="0">
+            <a:schemeClr val="accent1"/>
+          </a:effectRef>
+          <a:fontRef idx="minor">
+            <a:scrgbClr r="0" g="0" b="0"/>
+          </a:fontRef>
+        </p:style>
+        <p:txBody>
+          <a:bodyPr vert="horz" wrap="square" lIns="99060" tIns="99060" rIns="99060" bIns="99060" anchor="t" anchorCtr="0">
+            <a:noAutofit/>
+          </a:bodyPr>
+          <a:lstStyle/>
+          <a:p>
+            <a:pPr marL="0" lvl="0" indent="0" algn="l" defTabSz="1155700">
+              <a:lnSpc>
+                <a:spcPct val="90000"/>
+              </a:lnSpc>
+              <a:spcBef>
+                <a:spcPct val="0"/>
+              </a:spcBef>
+              <a:spcAft>
+                <a:spcPct val="35000"/>
+              </a:spcAft>
+              <a:buNone/>
+              <a:defRPr/>
+            </a:pPr>
+            <a:r>
+              <a:rPr lang="en-US" altLang="ko-KR" sz="2600" b="1" i="0" kern="1200" baseline="0"/>
+              <a:t>3</a:t>
+            </a:r>
+            <a:r>
+              <a:rPr lang="en-US" sz="2600" b="1" i="0" kern="1200" baseline="0"/>
+              <a:t>.</a:t>
+            </a:r>
+            <a:r>
+              <a:rPr lang="ko-KR" sz="2600" b="1" i="0" kern="1200" baseline="0"/>
+              <a:t> </a:t>
+            </a:r>
+            <a:r>
+              <a:rPr lang="en-US" altLang="ko-KR" sz="2600" b="1" i="0" kern="1200" baseline="0"/>
+              <a:t>Thread </a:t>
+            </a:r>
+            <a:r>
+              <a:rPr lang="ko-KR" altLang="en-US" sz="2600" b="1" i="0" kern="1200" baseline="0"/>
+              <a:t>구성 및 흐름도</a:t>
+            </a:r>
+            <a:endParaRPr lang="ko-KR" altLang="en-US" sz="2600" b="1" i="0" kern="1200" baseline="0"/>
+          </a:p>
+        </p:txBody>
+      </p:sp>
+      <p:sp>
+        <p:nvSpPr>
+          <p:cNvPr id="26" name=""/>
+          <p:cNvSpPr/>
+          <p:nvPr/>
+        </p:nvSpPr>
+        <p:spPr>
+          <a:xfrm>
+            <a:off x="609599" y="4727245"/>
+            <a:ext cx="10972798" cy="0"/>
+          </a:xfrm>
+          <a:prstGeom prst="line">
+            <a:avLst/>
+          </a:prstGeom>
+          <a:solidFill>
+            <a:schemeClr val="accent1">
+              <a:hueOff val="0"/>
+              <a:satOff val="0"/>
+              <a:lumOff val="0"/>
+              <a:alphaOff val="0"/>
+            </a:schemeClr>
+          </a:solidFill>
+          <a:ln w="25400" cap="flat" cmpd="sng" algn="ctr">
+            <a:solidFill>
+              <a:srgbClr val="bd3d00"/>
+            </a:solidFill>
+            <a:prstDash val="solid"/>
+            <a:round/>
+            <a:headEnd w="med" len="med"/>
+            <a:tailEnd w="med" len="med"/>
+          </a:ln>
+          <a:effectLst/>
+        </p:spPr>
+        <p:style>
+          <a:lnRef idx="2">
+            <a:scrgbClr r="0" g="0" b="0"/>
+          </a:lnRef>
+          <a:fillRef idx="1">
+            <a:scrgbClr r="0" g="0" b="0"/>
+          </a:fillRef>
+          <a:effectRef idx="0">
+            <a:scrgbClr r="0" g="0" b="0"/>
+          </a:effectRef>
+          <a:fontRef idx="minor">
+            <a:schemeClr val="lt1"/>
+          </a:fontRef>
+        </p:style>
+        <p:txBody>
+          <a:bodyPr wrap="square"/>
+          <a:p>
+            <a:pPr>
+              <a:defRPr/>
+            </a:pPr>
+            <a:endParaRPr/>
+          </a:p>
+        </p:txBody>
+      </p:sp>
+      <p:sp>
+        <p:nvSpPr>
+          <p:cNvPr id="27" name=""/>
+          <p:cNvSpPr/>
+          <p:nvPr/>
+        </p:nvSpPr>
+        <p:spPr>
+          <a:xfrm>
+            <a:off x="609599" y="4727245"/>
+            <a:ext cx="10972798" cy="879144"/>
+          </a:xfrm>
+          <a:prstGeom prst="rect">
+            <a:avLst/>
+          </a:prstGeom>
+          <a:noFill/>
+          <a:ln cap="flat" cmpd="sng" algn="ctr">
+            <a:solidFill>
+              <a:srgbClr val="bd3d00"/>
+            </a:solidFill>
+            <a:prstDash val="solid"/>
+            <a:round/>
+            <a:headEnd w="med" len="med"/>
+            <a:tailEnd w="med" len="med"/>
+          </a:ln>
+          <a:effectLst/>
+        </p:spPr>
+        <p:style>
+          <a:lnRef idx="0">
+            <a:scrgbClr r="0" g="0" b="0"/>
+          </a:lnRef>
+          <a:fillRef idx="0">
+            <a:scrgbClr r="0" g="0" b="0"/>
+          </a:fillRef>
+          <a:effectRef idx="0">
+            <a:scrgbClr r="0" g="0" b="0"/>
+          </a:effectRef>
+          <a:fontRef idx="minor">
+            <a:scrgbClr r="0" g="0" b="0"/>
+          </a:fontRef>
+        </p:style>
+        <p:txBody>
+          <a:bodyPr anchor="ctr"/>
+          <a:p>
+            <a:pPr algn="l">
+              <a:lnSpc>
+                <a:spcPct val="150000"/>
+              </a:lnSpc>
+              <a:buFontTx/>
+              <a:buNone/>
+              <a:defRPr/>
+            </a:pPr>
+            <a:endParaRPr>
+              <a:solidFill>
+                <a:srgbClr val="000099"/>
+              </a:solidFill>
+              <a:latin typeface="+mn-ea"/>
+              <a:ea typeface="+mn-ea"/>
+              <a:cs typeface="Arial Unicode MS"/>
+            </a:endParaRPr>
+          </a:p>
+        </p:txBody>
+      </p:sp>
+      <p:sp>
+        <p:nvSpPr>
+          <p:cNvPr id="28" name=""/>
+          <p:cNvSpPr txBox="1"/>
+          <p:nvPr/>
+        </p:nvSpPr>
+        <p:spPr>
+          <a:xfrm>
+            <a:off x="609601" y="3848101"/>
+            <a:ext cx="10972798" cy="879144"/>
+          </a:xfrm>
+          <a:prstGeom prst="rect">
+            <a:avLst/>
+          </a:prstGeom>
+          <a:ln cap="flat" cmpd="sng" algn="ctr">
+            <a:solidFill>
+              <a:srgbClr val="bd3d00"/>
+            </a:solidFill>
+            <a:prstDash val="solid"/>
+            <a:round/>
+            <a:headEnd w="med" len="med"/>
+            <a:tailEnd w="med" len="med"/>
+          </a:ln>
+        </p:spPr>
+        <p:style>
+          <a:lnRef idx="0">
+            <a:schemeClr val="accent1"/>
+          </a:lnRef>
+          <a:fillRef idx="0">
+            <a:schemeClr val="accent1"/>
+          </a:fillRef>
+          <a:effectRef idx="0">
+            <a:schemeClr val="accent1"/>
+          </a:effectRef>
+          <a:fontRef idx="minor">
+            <a:scrgbClr r="0" g="0" b="0"/>
+          </a:fontRef>
+        </p:style>
+        <p:txBody>
+          <a:bodyPr vert="horz" wrap="square" lIns="99060" tIns="99060" rIns="99060" bIns="99060" anchor="t" anchorCtr="0">
+            <a:noAutofit/>
+          </a:bodyPr>
+          <a:lstStyle/>
+          <a:p>
+            <a:pPr marL="0" lvl="0" indent="0" algn="l" defTabSz="1155700">
+              <a:lnSpc>
+                <a:spcPct val="90000"/>
+              </a:lnSpc>
+              <a:spcBef>
+                <a:spcPct val="0"/>
+              </a:spcBef>
+              <a:spcAft>
+                <a:spcPct val="35000"/>
+              </a:spcAft>
+              <a:buNone/>
+              <a:defRPr/>
+            </a:pPr>
+            <a:r>
+              <a:rPr lang="en-US" altLang="ko-KR" sz="2600" b="1" i="0" kern="1200" baseline="0"/>
+              <a:t>4</a:t>
+            </a:r>
+            <a:r>
+              <a:rPr lang="en-US" sz="2600" b="1" i="0" kern="1200" baseline="0"/>
+              <a:t>.</a:t>
+            </a:r>
+            <a:r>
+              <a:rPr lang="ko-KR" sz="2600" b="1" i="0" kern="1200" baseline="0"/>
+              <a:t> </a:t>
+            </a:r>
+            <a:r>
+              <a:rPr lang="en-US" sz="2600" b="1" i="0" kern="1200" baseline="0"/>
+              <a:t>UI </a:t>
+            </a:r>
+            <a:r>
+              <a:rPr lang="ko-KR" sz="2600" b="1" i="0" kern="1200" baseline="0"/>
+              <a:t>구성</a:t>
+            </a:r>
+            <a:endParaRPr lang="ko-KR" sz="2600" b="1" i="0" kern="1200" baseline="0"/>
+          </a:p>
+        </p:txBody>
+      </p:sp>
+      <p:sp>
+        <p:nvSpPr>
+          <p:cNvPr id="29" name=""/>
+          <p:cNvSpPr/>
+          <p:nvPr/>
+        </p:nvSpPr>
+        <p:spPr>
+          <a:xfrm>
+            <a:off x="609599" y="5606389"/>
+            <a:ext cx="10972798" cy="0"/>
+          </a:xfrm>
+          <a:prstGeom prst="line">
+            <a:avLst/>
+          </a:prstGeom>
+          <a:solidFill>
+            <a:schemeClr val="accent1">
+              <a:hueOff val="0"/>
+              <a:satOff val="0"/>
+              <a:lumOff val="0"/>
+              <a:alphaOff val="0"/>
+            </a:schemeClr>
+          </a:solidFill>
+          <a:ln w="25400" cap="flat" cmpd="sng" algn="ctr">
+            <a:solidFill>
+              <a:srgbClr val="bd3d00"/>
+            </a:solidFill>
+            <a:prstDash val="solid"/>
+            <a:round/>
+            <a:headEnd w="med" len="med"/>
+            <a:tailEnd w="med" len="med"/>
+          </a:ln>
+          <a:effectLst/>
+        </p:spPr>
+        <p:style>
+          <a:lnRef idx="2">
+            <a:scrgbClr r="0" g="0" b="0"/>
+          </a:lnRef>
+          <a:fillRef idx="1">
+            <a:scrgbClr r="0" g="0" b="0"/>
+          </a:fillRef>
+          <a:effectRef idx="0">
+            <a:scrgbClr r="0" g="0" b="0"/>
+          </a:effectRef>
+          <a:fontRef idx="minor">
+            <a:schemeClr val="lt1"/>
+          </a:fontRef>
+        </p:style>
+        <p:txBody>
+          <a:bodyPr wrap="square"/>
+          <a:p>
+            <a:pPr>
+              <a:defRPr/>
+            </a:pPr>
+            <a:endParaRPr/>
+          </a:p>
+        </p:txBody>
+      </p:sp>
+      <p:sp>
+        <p:nvSpPr>
+          <p:cNvPr id="31" name=""/>
+          <p:cNvSpPr txBox="1"/>
+          <p:nvPr/>
+        </p:nvSpPr>
+        <p:spPr>
+          <a:xfrm>
+            <a:off x="609601" y="4727246"/>
+            <a:ext cx="10972798" cy="879144"/>
+          </a:xfrm>
+          <a:prstGeom prst="rect">
+            <a:avLst/>
+          </a:prstGeom>
+          <a:ln cap="flat" cmpd="sng" algn="ctr">
+            <a:solidFill>
+              <a:srgbClr val="bd3d00"/>
+            </a:solidFill>
+            <a:prstDash val="solid"/>
+            <a:round/>
+            <a:headEnd w="med" len="med"/>
+            <a:tailEnd w="med" len="med"/>
+          </a:ln>
+        </p:spPr>
+        <p:style>
+          <a:lnRef idx="0">
+            <a:schemeClr val="accent1"/>
+          </a:lnRef>
+          <a:fillRef idx="0">
+            <a:schemeClr val="accent1"/>
+          </a:fillRef>
+          <a:effectRef idx="0">
+            <a:schemeClr val="accent1"/>
+          </a:effectRef>
+          <a:fontRef idx="minor">
+            <a:scrgbClr r="0" g="0" b="0"/>
+          </a:fontRef>
+        </p:style>
+        <p:txBody>
+          <a:bodyPr vert="horz" wrap="square" lIns="99060" tIns="99060" rIns="99060" bIns="99060" anchor="t" anchorCtr="0">
+            <a:noAutofit/>
+          </a:bodyPr>
+          <a:lstStyle/>
+          <a:p>
+            <a:pPr marL="0" lvl="0" indent="0" algn="l" defTabSz="1155700">
+              <a:lnSpc>
+                <a:spcPct val="90000"/>
+              </a:lnSpc>
+              <a:spcBef>
+                <a:spcPct val="0"/>
+              </a:spcBef>
+              <a:spcAft>
+                <a:spcPct val="35000"/>
+              </a:spcAft>
+              <a:buNone/>
+              <a:defRPr/>
+            </a:pPr>
+            <a:r>
+              <a:rPr lang="en-US" altLang="ko-KR" sz="2600" b="1" i="0" kern="1200" baseline="0"/>
+              <a:t>5</a:t>
+            </a:r>
+            <a:r>
+              <a:rPr lang="en-US" sz="2600" b="1" i="0" kern="1200" baseline="0"/>
+              <a:t>.</a:t>
+            </a:r>
+            <a:r>
+              <a:rPr lang="ko-KR" sz="2600" b="1" i="0" kern="1200" baseline="0"/>
+              <a:t> 의견 및 평가</a:t>
+            </a:r>
+            <a:endParaRPr lang="ko-KR" sz="2600" b="1" i="0" kern="1200" baseline="0"/>
+          </a:p>
+        </p:txBody>
+      </p:sp>
+      <p:cxnSp>
+        <p:nvCxnSpPr>
+          <p:cNvPr id="32" name=""/>
+          <p:cNvCxnSpPr/>
+          <p:nvPr/>
+        </p:nvCxnSpPr>
+        <p:spPr>
+          <a:xfrm rot="16200000" flipH="1">
+            <a:off x="-1588262" y="3408527"/>
+            <a:ext cx="4395726" cy="0"/>
+          </a:xfrm>
+          <a:prstGeom prst="line">
+            <a:avLst/>
+          </a:prstGeom>
+          <a:ln>
+            <a:solidFill>
+              <a:schemeClr val="lt1"/>
+            </a:solidFill>
+            <a:headEnd w="med" len="med"/>
+            <a:tailEnd w="med" len="med"/>
+          </a:ln>
+        </p:spPr>
+        <p:style>
+          <a:lnRef idx="1">
+            <a:schemeClr val="accent1"/>
+          </a:lnRef>
+          <a:fillRef idx="0">
+            <a:schemeClr val="accent1"/>
+          </a:fillRef>
+          <a:effectRef idx="0">
+            <a:schemeClr val="accent1"/>
+          </a:effectRef>
+          <a:fontRef idx="minor">
+            <a:schemeClr val="tx1"/>
+          </a:fontRef>
+        </p:style>
+      </p:cxnSp>
+      <p:cxnSp>
+        <p:nvCxnSpPr>
+          <p:cNvPr id="33" name=""/>
+          <p:cNvCxnSpPr/>
+          <p:nvPr/>
+        </p:nvCxnSpPr>
+        <p:spPr>
+          <a:xfrm rot="16200000" flipH="1">
+            <a:off x="9384534" y="3429000"/>
+            <a:ext cx="4395726" cy="0"/>
+          </a:xfrm>
+          <a:prstGeom prst="line">
+            <a:avLst/>
+          </a:prstGeom>
+          <a:noFill/>
+          <a:ln w="9525" cap="flat" cmpd="sng" algn="ctr">
+            <a:solidFill>
+              <a:schemeClr val="lt1">
+                <a:alpha val="100000"/>
+              </a:schemeClr>
+            </a:solidFill>
+            <a:prstDash val="solid"/>
+            <a:headEnd w="med" len="med"/>
+            <a:tailEnd w="med" len="med"/>
+          </a:ln>
+        </p:spPr>
+      </p:cxnSp>
     </p:spTree>
   </p:cSld>
   <p:clrMapOvr>
@@ -9733,6 +9839,73 @@
       </p:grpSpPr>
       <p:sp>
         <p:nvSpPr>
+          <p:cNvPr id="7" name="TextBox 6"/>
+          <p:cNvSpPr txBox="1"/>
+          <p:nvPr/>
+        </p:nvSpPr>
+        <p:spPr>
+          <a:xfrm>
+            <a:off x="0" y="28575"/>
+            <a:ext cx="2927701" cy="512445"/>
+          </a:xfrm>
+          <a:prstGeom prst="rect">
+            <a:avLst/>
+          </a:prstGeom>
+        </p:spPr>
+        <p:txBody>
+          <a:bodyPr wrap="square">
+            <a:spAutoFit/>
+          </a:bodyPr>
+          <a:lstStyle/>
+          <a:p>
+            <a:pPr marL="0" indent="0" algn="ctr" defTabSz="914400" rtl="0" eaLnBrk="1" latinLnBrk="1" hangingPunct="1">
+              <a:lnSpc>
+                <a:spcPct val="100000"/>
+              </a:lnSpc>
+              <a:spcBef>
+                <a:spcPct val="0"/>
+              </a:spcBef>
+              <a:spcAft>
+                <a:spcPts val="0"/>
+              </a:spcAft>
+              <a:buNone/>
+              <a:defRPr/>
+            </a:pPr>
+            <a:r>
+              <a:rPr kumimoji="0" lang="en-US" altLang="ko-KR" sz="2800" b="1" i="0" u="none" strike="noStrike" kern="1200" cap="none" spc="0" normalizeH="0" baseline="0">
+                <a:solidFill>
+                  <a:srgbClr val="000000"/>
+                </a:solidFill>
+                <a:latin typeface="Calibri"/>
+                <a:ea typeface="맑은 고딕"/>
+                <a:cs typeface="맑은 고딕"/>
+              </a:rPr>
+              <a:t>1.</a:t>
+            </a:r>
+            <a:r>
+              <a:rPr kumimoji="0" lang="ko-KR" altLang="en-US" sz="2800" b="1" i="0" u="none" strike="noStrike" kern="1200" cap="none" spc="0" normalizeH="0" baseline="0">
+                <a:solidFill>
+                  <a:srgbClr val="000000"/>
+                </a:solidFill>
+                <a:latin typeface="Calibri"/>
+                <a:ea typeface="맑은 고딕"/>
+                <a:cs typeface="맑은 고딕"/>
+              </a:rPr>
+              <a:t> 팀 구성 및 역할</a:t>
+            </a:r>
+            <a:endParaRPr kumimoji="0" lang="ko-KR" altLang="en-US" sz="2800" b="1" i="0" u="none" strike="noStrike" kern="1200" cap="none" spc="0" normalizeH="0" baseline="0">
+              <a:solidFill>
+                <a:srgbClr val="000000"/>
+              </a:solidFill>
+              <a:latin typeface="Calibri"/>
+              <a:ea typeface="맑은 고딕"/>
+              <a:cs typeface="맑은 고딕"/>
+            </a:endParaRPr>
+          </a:p>
+        </p:txBody>
+      </p:sp>
+      <p:sp>
+        <p:nvSpPr>
           <p:cNvPr id="8" name="슬라이드 번호 개체 틀 5"/>
           <p:cNvSpPr>
             <a:spLocks noGrp="1"/>
@@ -9741,1085 +9914,800 @@
             <p:ph type="sldNum" sz="quarter" idx="12"/>
           </p:nvPr>
         </p:nvSpPr>
-        <p:spPr>
-          <a:xfrm>
-            <a:off x="5641750" y="6658505"/>
-            <a:ext cx="2641600" cy="365125"/>
-          </a:xfrm>
-        </p:spPr>
+        <p:spPr/>
         <p:txBody>
-          <a:bodyPr>
-            <a:normAutofit/>
-          </a:bodyPr>
+          <a:bodyPr/>
           <a:lstStyle/>
           <a:p>
-            <a:pPr>
-              <a:spcAft>
-                <a:spcPts val="600"/>
-              </a:spcAft>
+            <a:pPr lvl="0">
               <a:defRPr/>
             </a:pPr>
             <a:fld id="{AD22CD3B-FDDF-4998-970C-76E6E0BEC65F}" type="slidenum">
-              <a:rPr lang="en-US" altLang="en-US" b="0" kern="1200">
-                <a:latin typeface="Arial"/>
-                <a:ea typeface="+mn-ea"/>
-                <a:cs typeface="Arial"/>
-              </a:rPr>
-              <a:pPr>
-                <a:spcAft>
-                  <a:spcPts val="600"/>
-                </a:spcAft>
+              <a:rPr lang="en-US" altLang="en-US"/>
+              <a:pPr lvl="0">
                 <a:defRPr/>
               </a:pPr>
-              <a:t>2</a:t>
+              <a:t>3</a:t>
             </a:fld>
-            <a:endParaRPr lang="en-US" altLang="en-US" b="0" kern="1200">
-              <a:latin typeface="Arial"/>
-              <a:ea typeface="+mn-ea"/>
-              <a:cs typeface="Arial"/>
-            </a:endParaRPr>
+            <a:endParaRPr lang="en-US" altLang="en-US"/>
           </a:p>
         </p:txBody>
       </p:sp>
       <p:sp>
         <p:nvSpPr>
-          <p:cNvPr id="14" name=""/>
+          <p:cNvPr id="9" name="사각형: 둥근 모서리 8"/>
           <p:cNvSpPr/>
           <p:nvPr/>
         </p:nvSpPr>
         <p:spPr>
           <a:xfrm>
-            <a:off x="609599" y="1210665"/>
-            <a:ext cx="10972798" cy="0"/>
-          </a:xfrm>
-          <a:prstGeom prst="line">
-            <a:avLst/>
-          </a:prstGeom>
-          <a:solidFill>
-            <a:schemeClr val="accent1">
-              <a:hueOff val="0"/>
-              <a:satOff val="0"/>
-              <a:lumOff val="0"/>
-              <a:alphaOff val="0"/>
-            </a:schemeClr>
-          </a:solidFill>
-          <a:ln w="25400" cap="flat" cmpd="sng" algn="ctr">
+            <a:off x="560234" y="952685"/>
+            <a:ext cx="2509274" cy="870564"/>
+          </a:xfrm>
+          <a:prstGeom prst="roundRect">
+            <a:avLst>
+              <a:gd name="adj" fmla="val 16667"/>
+            </a:avLst>
+          </a:prstGeom>
+          <a:noFill/>
+          <a:ln w="38100">
             <a:solidFill>
-              <a:srgbClr val="bd3d00"/>
+              <a:srgbClr val="000000">
+                <a:alpha val="100000"/>
+              </a:srgbClr>
             </a:solidFill>
-            <a:prstDash val="solid"/>
-            <a:round/>
-            <a:headEnd w="med" len="med"/>
-            <a:tailEnd w="med" len="med"/>
+            <a:miter/>
           </a:ln>
-          <a:effectLst/>
-        </p:spPr>
-        <p:style>
-          <a:lnRef idx="2">
-            <a:scrgbClr r="0" g="0" b="0"/>
-          </a:lnRef>
-          <a:fillRef idx="1">
-            <a:scrgbClr r="0" g="0" b="0"/>
-          </a:fillRef>
-          <a:effectRef idx="0">
-            <a:scrgbClr r="0" g="0" b="0"/>
-          </a:effectRef>
-          <a:fontRef idx="minor">
-            <a:schemeClr val="lt1"/>
-          </a:fontRef>
-        </p:style>
-        <p:txBody>
-          <a:bodyPr wrap="square"/>
-          <a:p>
-            <a:pPr>
-              <a:defRPr/>
-            </a:pPr>
-            <a:endParaRPr/>
-          </a:p>
-        </p:txBody>
-      </p:sp>
-      <p:sp>
-        <p:nvSpPr>
-          <p:cNvPr id="15" name=""/>
-          <p:cNvSpPr/>
-          <p:nvPr/>
-        </p:nvSpPr>
-        <p:spPr>
-          <a:xfrm>
-            <a:off x="609599" y="1210664"/>
-            <a:ext cx="10972798" cy="879144"/>
-          </a:xfrm>
-          <a:prstGeom prst="rect">
-            <a:avLst/>
-          </a:prstGeom>
-          <a:noFill/>
-          <a:ln cap="flat" cmpd="sng" algn="ctr">
-            <a:solidFill>
-              <a:srgbClr val="bd3d00"/>
-            </a:solidFill>
-            <a:prstDash val="solid"/>
-            <a:round/>
-            <a:headEnd w="med" len="med"/>
-            <a:tailEnd w="med" len="med"/>
-          </a:ln>
-          <a:effectLst/>
-        </p:spPr>
-        <p:style>
-          <a:lnRef idx="0">
-            <a:scrgbClr r="0" g="0" b="0"/>
-          </a:lnRef>
-          <a:fillRef idx="0">
-            <a:scrgbClr r="0" g="0" b="0"/>
-          </a:fillRef>
-          <a:effectRef idx="0">
-            <a:scrgbClr r="0" g="0" b="0"/>
-          </a:effectRef>
-          <a:fontRef idx="minor">
-            <a:scrgbClr r="0" g="0" b="0"/>
-          </a:fontRef>
-        </p:style>
+        </p:spPr>
         <p:txBody>
           <a:bodyPr anchor="ctr"/>
-          <a:p>
-            <a:pPr algn="l">
+          <a:lstStyle/>
+          <a:p>
+            <a:pPr marL="0" indent="0" algn="ctr" defTabSz="914400" rtl="0" eaLnBrk="1" latinLnBrk="1" hangingPunct="1">
               <a:lnSpc>
                 <a:spcPct val="150000"/>
-              </a:lnSpc>
-              <a:buFontTx/>
-              <a:buNone/>
-              <a:defRPr/>
-            </a:pPr>
-            <a:endParaRPr>
-              <a:solidFill>
-                <a:srgbClr val="000099"/>
-              </a:solidFill>
-              <a:latin typeface="+mn-ea"/>
-              <a:ea typeface="+mn-ea"/>
-              <a:cs typeface="Arial Unicode MS"/>
-            </a:endParaRPr>
-          </a:p>
-        </p:txBody>
-      </p:sp>
-      <p:sp>
-        <p:nvSpPr>
-          <p:cNvPr id="16" name=""/>
-          <p:cNvSpPr txBox="1"/>
-          <p:nvPr/>
-        </p:nvSpPr>
-        <p:spPr>
-          <a:xfrm>
-            <a:off x="609599" y="1210664"/>
-            <a:ext cx="10972798" cy="879144"/>
-          </a:xfrm>
-          <a:prstGeom prst="rect">
-            <a:avLst/>
-          </a:prstGeom>
-          <a:ln cap="flat" cmpd="sng" algn="ctr">
-            <a:solidFill>
-              <a:srgbClr val="bd3d00"/>
-            </a:solidFill>
-            <a:prstDash val="solid"/>
-            <a:round/>
-            <a:headEnd w="med" len="med"/>
-            <a:tailEnd w="med" len="med"/>
-          </a:ln>
-        </p:spPr>
-        <p:style>
-          <a:lnRef idx="0">
-            <a:schemeClr val="accent1"/>
-          </a:lnRef>
-          <a:fillRef idx="0">
-            <a:schemeClr val="accent1"/>
-          </a:fillRef>
-          <a:effectRef idx="0">
-            <a:schemeClr val="accent1"/>
-          </a:effectRef>
-          <a:fontRef idx="minor">
-            <a:scrgbClr r="0" g="0" b="0"/>
-          </a:fontRef>
-        </p:style>
-        <p:txBody>
-          <a:bodyPr vert="horz" wrap="square" lIns="99060" tIns="99060" rIns="99060" bIns="99060" anchor="t" anchorCtr="0">
-            <a:noAutofit/>
-          </a:bodyPr>
-          <a:lstStyle/>
-          <a:p>
-            <a:pPr marL="0" lvl="0" indent="0" algn="l" defTabSz="1155700">
-              <a:lnSpc>
-                <a:spcPct val="90000"/>
               </a:lnSpc>
               <a:spcBef>
                 <a:spcPct val="0"/>
               </a:spcBef>
               <a:spcAft>
-                <a:spcPct val="35000"/>
+                <a:spcPts val="0"/>
               </a:spcAft>
+              <a:buFontTx/>
               <a:buNone/>
               <a:defRPr/>
             </a:pPr>
             <a:r>
-              <a:rPr lang="en-US" sz="2600" b="1" i="0" kern="1200" baseline="0"/>
-              <a:t>1.</a:t>
-            </a:r>
-            <a:r>
-              <a:rPr lang="ko-KR" sz="2600" b="1" i="0" kern="1200" baseline="0"/>
-              <a:t> 팀 구성 및 역할</a:t>
-            </a:r>
-            <a:endParaRPr lang="en-US" sz="2600" kern="1200"/>
+              <a:rPr kumimoji="0" lang="ko-KR" altLang="en-US" sz="2500" b="0" i="0" u="none" strike="noStrike" kern="1200" cap="none" spc="0" normalizeH="0" baseline="0">
+                <a:solidFill>
+                  <a:srgbClr val="000000"/>
+                </a:solidFill>
+                <a:latin typeface="맑은 고딕"/>
+                <a:ea typeface="맑은 고딕"/>
+                <a:cs typeface="Arial Unicode MS"/>
+              </a:rPr>
+              <a:t>김서윤</a:t>
+            </a:r>
+            <a:endParaRPr kumimoji="0" lang="ko-KR" altLang="en-US" sz="2500" b="0" i="0" u="none" strike="noStrike" kern="1200" cap="none" spc="0" normalizeH="0" baseline="0">
+              <a:solidFill>
+                <a:srgbClr val="000000"/>
+              </a:solidFill>
+              <a:latin typeface="맑은 고딕"/>
+              <a:ea typeface="맑은 고딕"/>
+              <a:cs typeface="Arial Unicode MS"/>
+            </a:endParaRPr>
           </a:p>
         </p:txBody>
       </p:sp>
       <p:sp>
         <p:nvSpPr>
-          <p:cNvPr id="17" name=""/>
+          <p:cNvPr id="10" name="사각형: 둥근 모서리 9"/>
           <p:cNvSpPr/>
           <p:nvPr/>
         </p:nvSpPr>
         <p:spPr>
           <a:xfrm>
-            <a:off x="609599" y="2089810"/>
-            <a:ext cx="10972798" cy="0"/>
-          </a:xfrm>
-          <a:prstGeom prst="line">
-            <a:avLst/>
-          </a:prstGeom>
-          <a:solidFill>
-            <a:schemeClr val="accent1">
-              <a:hueOff val="0"/>
-              <a:satOff val="0"/>
-              <a:lumOff val="0"/>
-              <a:alphaOff val="0"/>
-            </a:schemeClr>
-          </a:solidFill>
-          <a:ln w="25400" cap="flat" cmpd="sng" algn="ctr">
+            <a:off x="560234" y="3972827"/>
+            <a:ext cx="2509274" cy="870564"/>
+          </a:xfrm>
+          <a:prstGeom prst="roundRect">
+            <a:avLst>
+              <a:gd name="adj" fmla="val 16667"/>
+            </a:avLst>
+          </a:prstGeom>
+          <a:noFill/>
+          <a:ln w="38100">
             <a:solidFill>
-              <a:srgbClr val="bd3d00"/>
+              <a:srgbClr val="000000">
+                <a:alpha val="100000"/>
+              </a:srgbClr>
             </a:solidFill>
-            <a:prstDash val="solid"/>
-            <a:round/>
-            <a:headEnd w="med" len="med"/>
-            <a:tailEnd w="med" len="med"/>
+            <a:miter/>
           </a:ln>
-          <a:effectLst/>
-        </p:spPr>
-        <p:style>
-          <a:lnRef idx="2">
-            <a:scrgbClr r="0" g="0" b="0"/>
-          </a:lnRef>
-          <a:fillRef idx="1">
-            <a:scrgbClr r="0" g="0" b="0"/>
-          </a:fillRef>
-          <a:effectRef idx="0">
-            <a:scrgbClr r="0" g="0" b="0"/>
-          </a:effectRef>
-          <a:fontRef idx="minor">
-            <a:schemeClr val="lt1"/>
-          </a:fontRef>
-        </p:style>
-        <p:txBody>
-          <a:bodyPr wrap="square"/>
-          <a:p>
-            <a:pPr>
-              <a:defRPr/>
-            </a:pPr>
-            <a:endParaRPr/>
-          </a:p>
-        </p:txBody>
-      </p:sp>
-      <p:sp>
-        <p:nvSpPr>
-          <p:cNvPr id="18" name=""/>
-          <p:cNvSpPr/>
-          <p:nvPr/>
-        </p:nvSpPr>
-        <p:spPr>
-          <a:xfrm>
-            <a:off x="609599" y="2089810"/>
-            <a:ext cx="10972798" cy="879144"/>
-          </a:xfrm>
-          <a:prstGeom prst="rect">
-            <a:avLst/>
-          </a:prstGeom>
-          <a:noFill/>
-          <a:ln cap="flat" cmpd="sng" algn="ctr">
-            <a:solidFill>
-              <a:srgbClr val="bd3d00"/>
-            </a:solidFill>
-            <a:prstDash val="solid"/>
-            <a:round/>
-            <a:headEnd w="med" len="med"/>
-            <a:tailEnd w="med" len="med"/>
-          </a:ln>
-          <a:effectLst/>
-        </p:spPr>
-        <p:style>
-          <a:lnRef idx="0">
-            <a:scrgbClr r="0" g="0" b="0"/>
-          </a:lnRef>
-          <a:fillRef idx="0">
-            <a:scrgbClr r="0" g="0" b="0"/>
-          </a:fillRef>
-          <a:effectRef idx="0">
-            <a:scrgbClr r="0" g="0" b="0"/>
-          </a:effectRef>
-          <a:fontRef idx="minor">
-            <a:scrgbClr r="0" g="0" b="0"/>
-          </a:fontRef>
-        </p:style>
+        </p:spPr>
         <p:txBody>
           <a:bodyPr anchor="ctr"/>
-          <a:p>
-            <a:pPr algn="l">
+          <a:lstStyle/>
+          <a:p>
+            <a:pPr marL="0" indent="0" algn="ctr" defTabSz="914400" rtl="0" eaLnBrk="1" latinLnBrk="1" hangingPunct="1">
               <a:lnSpc>
                 <a:spcPct val="150000"/>
-              </a:lnSpc>
-              <a:buFontTx/>
-              <a:buNone/>
-              <a:defRPr/>
-            </a:pPr>
-            <a:endParaRPr>
-              <a:solidFill>
-                <a:srgbClr val="000099"/>
-              </a:solidFill>
-              <a:latin typeface="+mn-ea"/>
-              <a:ea typeface="+mn-ea"/>
-              <a:cs typeface="Arial Unicode MS"/>
-            </a:endParaRPr>
-          </a:p>
-        </p:txBody>
-      </p:sp>
-      <p:sp>
-        <p:nvSpPr>
-          <p:cNvPr id="19" name=""/>
-          <p:cNvSpPr txBox="1"/>
-          <p:nvPr/>
-        </p:nvSpPr>
-        <p:spPr>
-          <a:xfrm>
-            <a:off x="609599" y="2089810"/>
-            <a:ext cx="10972798" cy="879144"/>
-          </a:xfrm>
-          <a:prstGeom prst="rect">
-            <a:avLst/>
-          </a:prstGeom>
-          <a:ln cap="flat" cmpd="sng" algn="ctr">
-            <a:solidFill>
-              <a:srgbClr val="bd3d00"/>
-            </a:solidFill>
-            <a:prstDash val="solid"/>
-            <a:round/>
-            <a:headEnd w="med" len="med"/>
-            <a:tailEnd w="med" len="med"/>
-          </a:ln>
-        </p:spPr>
-        <p:style>
-          <a:lnRef idx="0">
-            <a:schemeClr val="accent1"/>
-          </a:lnRef>
-          <a:fillRef idx="0">
-            <a:schemeClr val="accent1"/>
-          </a:fillRef>
-          <a:effectRef idx="0">
-            <a:schemeClr val="accent1"/>
-          </a:effectRef>
-          <a:fontRef idx="minor">
-            <a:scrgbClr r="0" g="0" b="0"/>
-          </a:fontRef>
-        </p:style>
-        <p:txBody>
-          <a:bodyPr vert="horz" wrap="square" lIns="99060" tIns="99060" rIns="99060" bIns="99060" anchor="t" anchorCtr="0">
-            <a:noAutofit/>
-          </a:bodyPr>
-          <a:lstStyle/>
-          <a:p>
-            <a:pPr marL="0" lvl="0" indent="0" algn="l" defTabSz="1155700">
-              <a:lnSpc>
-                <a:spcPct val="90000"/>
               </a:lnSpc>
               <a:spcBef>
                 <a:spcPct val="0"/>
               </a:spcBef>
               <a:spcAft>
-                <a:spcPct val="35000"/>
+                <a:spcPts val="0"/>
               </a:spcAft>
+              <a:buFontTx/>
               <a:buNone/>
               <a:defRPr/>
             </a:pPr>
             <a:r>
-              <a:rPr lang="en-US" sz="2600" b="1" i="0" kern="1200" baseline="0"/>
-              <a:t>2.</a:t>
-            </a:r>
-            <a:r>
-              <a:rPr lang="ko-KR" sz="2600" b="1" i="0" kern="1200" baseline="0"/>
-              <a:t> 개</a:t>
-            </a:r>
-            <a:r>
-              <a:rPr lang="ko-KR" altLang="en-US" sz="2600" b="1" i="0" kern="1200" baseline="0"/>
-              <a:t>발 배경 및 개발 도구 </a:t>
-            </a:r>
-            <a:r>
-              <a:rPr lang="en-US" altLang="ko-KR" sz="2600" b="1" i="0" kern="1200" baseline="0"/>
-              <a:t>&amp;</a:t>
-            </a:r>
-            <a:r>
-              <a:rPr lang="ko-KR" altLang="en-US" sz="2600" b="1" i="0" kern="1200" baseline="0"/>
-              <a:t> 환경</a:t>
-            </a:r>
-            <a:endParaRPr lang="ko-KR" altLang="en-US" sz="2600" b="1" i="0" kern="1200" baseline="0"/>
+              <a:rPr kumimoji="0" lang="ko-KR" altLang="en-US" sz="2500" b="0" i="0" u="none" strike="noStrike" kern="1200" cap="none" spc="0" normalizeH="0" baseline="0">
+                <a:solidFill>
+                  <a:srgbClr val="000000"/>
+                </a:solidFill>
+                <a:latin typeface="맑은 고딕"/>
+                <a:ea typeface="맑은 고딕"/>
+                <a:cs typeface="Arial Unicode MS"/>
+              </a:rPr>
+              <a:t>김재곤</a:t>
+            </a:r>
+            <a:endParaRPr kumimoji="0" lang="ko-KR" altLang="en-US" sz="2500" b="0" i="0" u="none" strike="noStrike" kern="1200" cap="none" spc="0" normalizeH="0" baseline="0">
+              <a:solidFill>
+                <a:srgbClr val="000000"/>
+              </a:solidFill>
+              <a:latin typeface="맑은 고딕"/>
+              <a:ea typeface="맑은 고딕"/>
+              <a:cs typeface="Arial Unicode MS"/>
+            </a:endParaRPr>
           </a:p>
         </p:txBody>
       </p:sp>
       <p:sp>
         <p:nvSpPr>
-          <p:cNvPr id="20" name=""/>
+          <p:cNvPr id="11" name="사각형: 둥근 모서리 10"/>
           <p:cNvSpPr/>
           <p:nvPr/>
         </p:nvSpPr>
         <p:spPr>
           <a:xfrm>
-            <a:off x="609599" y="2968954"/>
-            <a:ext cx="10972798" cy="0"/>
-          </a:xfrm>
-          <a:prstGeom prst="line">
-            <a:avLst/>
-          </a:prstGeom>
-          <a:solidFill>
-            <a:schemeClr val="accent1">
-              <a:hueOff val="0"/>
-              <a:satOff val="0"/>
-              <a:lumOff val="0"/>
-              <a:alphaOff val="0"/>
-            </a:schemeClr>
-          </a:solidFill>
-          <a:ln w="25400" cap="flat" cmpd="sng" algn="ctr">
+            <a:off x="6409335" y="952685"/>
+            <a:ext cx="2509274" cy="870564"/>
+          </a:xfrm>
+          <a:prstGeom prst="roundRect">
+            <a:avLst>
+              <a:gd name="adj" fmla="val 16667"/>
+            </a:avLst>
+          </a:prstGeom>
+          <a:noFill/>
+          <a:ln w="38100">
             <a:solidFill>
-              <a:srgbClr val="bd3d00"/>
+              <a:srgbClr val="000000">
+                <a:alpha val="100000"/>
+              </a:srgbClr>
             </a:solidFill>
-            <a:prstDash val="solid"/>
-            <a:round/>
-            <a:headEnd w="med" len="med"/>
-            <a:tailEnd w="med" len="med"/>
+            <a:miter/>
           </a:ln>
-          <a:effectLst/>
-        </p:spPr>
-        <p:style>
-          <a:lnRef idx="2">
-            <a:scrgbClr r="0" g="0" b="0"/>
-          </a:lnRef>
-          <a:fillRef idx="1">
-            <a:scrgbClr r="0" g="0" b="0"/>
-          </a:fillRef>
-          <a:effectRef idx="0">
-            <a:scrgbClr r="0" g="0" b="0"/>
-          </a:effectRef>
-          <a:fontRef idx="minor">
-            <a:schemeClr val="lt1"/>
-          </a:fontRef>
-        </p:style>
-        <p:txBody>
-          <a:bodyPr wrap="square"/>
-          <a:p>
-            <a:pPr>
-              <a:defRPr/>
-            </a:pPr>
-            <a:endParaRPr/>
-          </a:p>
-        </p:txBody>
-      </p:sp>
-      <p:sp>
-        <p:nvSpPr>
-          <p:cNvPr id="23" name=""/>
-          <p:cNvSpPr/>
-          <p:nvPr/>
-        </p:nvSpPr>
-        <p:spPr>
-          <a:xfrm>
-            <a:off x="609599" y="3848099"/>
-            <a:ext cx="10972798" cy="0"/>
-          </a:xfrm>
-          <a:prstGeom prst="line">
-            <a:avLst/>
-          </a:prstGeom>
-          <a:solidFill>
-            <a:schemeClr val="accent1">
-              <a:hueOff val="0"/>
-              <a:satOff val="0"/>
-              <a:lumOff val="0"/>
-              <a:alphaOff val="0"/>
-            </a:schemeClr>
-          </a:solidFill>
-          <a:ln w="25400" cap="flat" cmpd="sng" algn="ctr">
-            <a:solidFill>
-              <a:srgbClr val="bd3d00"/>
-            </a:solidFill>
-            <a:prstDash val="solid"/>
-            <a:round/>
-            <a:headEnd w="med" len="med"/>
-            <a:tailEnd w="med" len="med"/>
-          </a:ln>
-          <a:effectLst/>
-        </p:spPr>
-        <p:style>
-          <a:lnRef idx="2">
-            <a:scrgbClr r="0" g="0" b="0"/>
-          </a:lnRef>
-          <a:fillRef idx="1">
-            <a:scrgbClr r="0" g="0" b="0"/>
-          </a:fillRef>
-          <a:effectRef idx="0">
-            <a:scrgbClr r="0" g="0" b="0"/>
-          </a:effectRef>
-          <a:fontRef idx="minor">
-            <a:schemeClr val="lt1"/>
-          </a:fontRef>
-        </p:style>
-        <p:txBody>
-          <a:bodyPr wrap="square"/>
-          <a:p>
-            <a:pPr>
-              <a:defRPr/>
-            </a:pPr>
-            <a:endParaRPr/>
-          </a:p>
-        </p:txBody>
-      </p:sp>
-      <p:sp>
-        <p:nvSpPr>
-          <p:cNvPr id="24" name=""/>
-          <p:cNvSpPr/>
-          <p:nvPr/>
-        </p:nvSpPr>
-        <p:spPr>
-          <a:xfrm>
-            <a:off x="609599" y="3848100"/>
-            <a:ext cx="10972798" cy="879144"/>
-          </a:xfrm>
-          <a:prstGeom prst="rect">
-            <a:avLst/>
-          </a:prstGeom>
-          <a:noFill/>
-          <a:ln cap="flat" cmpd="sng" algn="ctr">
-            <a:solidFill>
-              <a:srgbClr val="bd3d00"/>
-            </a:solidFill>
-            <a:prstDash val="solid"/>
-            <a:round/>
-            <a:headEnd w="med" len="med"/>
-            <a:tailEnd w="med" len="med"/>
-          </a:ln>
-          <a:effectLst/>
-        </p:spPr>
-        <p:style>
-          <a:lnRef idx="0">
-            <a:scrgbClr r="0" g="0" b="0"/>
-          </a:lnRef>
-          <a:fillRef idx="0">
-            <a:scrgbClr r="0" g="0" b="0"/>
-          </a:fillRef>
-          <a:effectRef idx="0">
-            <a:scrgbClr r="0" g="0" b="0"/>
-          </a:effectRef>
-          <a:fontRef idx="minor">
-            <a:scrgbClr r="0" g="0" b="0"/>
-          </a:fontRef>
-        </p:style>
+        </p:spPr>
         <p:txBody>
           <a:bodyPr anchor="ctr"/>
-          <a:p>
-            <a:pPr algn="l">
+          <a:lstStyle/>
+          <a:p>
+            <a:pPr marL="0" indent="0" algn="ctr" defTabSz="914400" rtl="0" eaLnBrk="1" latinLnBrk="1" hangingPunct="1">
               <a:lnSpc>
                 <a:spcPct val="150000"/>
-              </a:lnSpc>
-              <a:buFontTx/>
-              <a:buNone/>
-              <a:defRPr/>
-            </a:pPr>
-            <a:endParaRPr>
-              <a:solidFill>
-                <a:srgbClr val="000099"/>
-              </a:solidFill>
-              <a:latin typeface="+mn-ea"/>
-              <a:ea typeface="+mn-ea"/>
-              <a:cs typeface="Arial Unicode MS"/>
-            </a:endParaRPr>
-          </a:p>
-        </p:txBody>
-      </p:sp>
-      <p:sp>
-        <p:nvSpPr>
-          <p:cNvPr id="25" name=""/>
-          <p:cNvSpPr txBox="1"/>
-          <p:nvPr/>
-        </p:nvSpPr>
-        <p:spPr>
-          <a:xfrm>
-            <a:off x="609601" y="2968956"/>
-            <a:ext cx="10972798" cy="879144"/>
-          </a:xfrm>
-          <a:prstGeom prst="rect">
-            <a:avLst/>
-          </a:prstGeom>
-          <a:ln cap="flat" cmpd="sng" algn="ctr">
-            <a:solidFill>
-              <a:srgbClr val="bd3d00"/>
-            </a:solidFill>
-            <a:prstDash val="solid"/>
-            <a:round/>
-            <a:headEnd w="med" len="med"/>
-            <a:tailEnd w="med" len="med"/>
-          </a:ln>
-        </p:spPr>
-        <p:style>
-          <a:lnRef idx="0">
-            <a:schemeClr val="accent1"/>
-          </a:lnRef>
-          <a:fillRef idx="0">
-            <a:schemeClr val="accent1"/>
-          </a:fillRef>
-          <a:effectRef idx="0">
-            <a:schemeClr val="accent1"/>
-          </a:effectRef>
-          <a:fontRef idx="minor">
-            <a:scrgbClr r="0" g="0" b="0"/>
-          </a:fontRef>
-        </p:style>
-        <p:txBody>
-          <a:bodyPr vert="horz" wrap="square" lIns="99060" tIns="99060" rIns="99060" bIns="99060" anchor="t" anchorCtr="0">
-            <a:noAutofit/>
-          </a:bodyPr>
-          <a:lstStyle/>
-          <a:p>
-            <a:pPr marL="0" lvl="0" indent="0" algn="l" defTabSz="1155700">
-              <a:lnSpc>
-                <a:spcPct val="90000"/>
               </a:lnSpc>
               <a:spcBef>
                 <a:spcPct val="0"/>
               </a:spcBef>
               <a:spcAft>
-                <a:spcPct val="35000"/>
+                <a:spcPts val="0"/>
               </a:spcAft>
+              <a:buFontTx/>
               <a:buNone/>
               <a:defRPr/>
             </a:pPr>
             <a:r>
-              <a:rPr lang="en-US" altLang="ko-KR" sz="2600" b="1" i="0" kern="1200" baseline="0"/>
-              <a:t>3</a:t>
-            </a:r>
-            <a:r>
-              <a:rPr lang="en-US" sz="2600" b="1" i="0" kern="1200" baseline="0"/>
-              <a:t>.</a:t>
-            </a:r>
-            <a:r>
-              <a:rPr lang="ko-KR" sz="2600" b="1" i="0" kern="1200" baseline="0"/>
-              <a:t> </a:t>
-            </a:r>
-            <a:r>
-              <a:rPr lang="en-US" altLang="ko-KR" sz="2600" b="1" i="0" kern="1200" baseline="0"/>
-              <a:t>Thread </a:t>
-            </a:r>
-            <a:r>
-              <a:rPr lang="ko-KR" altLang="en-US" sz="2600" b="1" i="0" kern="1200" baseline="0"/>
-              <a:t>구성 및 흐름도</a:t>
-            </a:r>
-            <a:endParaRPr lang="ko-KR" altLang="en-US" sz="2600" b="1" i="0" kern="1200" baseline="0"/>
+              <a:rPr kumimoji="0" lang="ko-KR" altLang="en-US" sz="2500" b="0" i="0" u="none" strike="noStrike" kern="1200" cap="none" spc="0" normalizeH="0" baseline="0">
+                <a:solidFill>
+                  <a:srgbClr val="000000"/>
+                </a:solidFill>
+                <a:latin typeface="맑은 고딕"/>
+                <a:ea typeface="맑은 고딕"/>
+                <a:cs typeface="Arial Unicode MS"/>
+              </a:rPr>
+              <a:t>계민석</a:t>
+            </a:r>
+            <a:endParaRPr kumimoji="0" lang="ko-KR" altLang="en-US" sz="2500" b="0" i="0" u="none" strike="noStrike" kern="1200" cap="none" spc="0" normalizeH="0" baseline="0">
+              <a:solidFill>
+                <a:srgbClr val="000000"/>
+              </a:solidFill>
+              <a:latin typeface="맑은 고딕"/>
+              <a:ea typeface="맑은 고딕"/>
+              <a:cs typeface="Arial Unicode MS"/>
+            </a:endParaRPr>
           </a:p>
         </p:txBody>
       </p:sp>
       <p:sp>
         <p:nvSpPr>
-          <p:cNvPr id="26" name=""/>
+          <p:cNvPr id="12" name="사각형: 둥근 모서리 11"/>
           <p:cNvSpPr/>
           <p:nvPr/>
         </p:nvSpPr>
         <p:spPr>
           <a:xfrm>
-            <a:off x="609599" y="4727245"/>
-            <a:ext cx="10972798" cy="0"/>
-          </a:xfrm>
-          <a:prstGeom prst="line">
-            <a:avLst/>
-          </a:prstGeom>
-          <a:solidFill>
-            <a:schemeClr val="accent1">
-              <a:hueOff val="0"/>
-              <a:satOff val="0"/>
-              <a:lumOff val="0"/>
-              <a:alphaOff val="0"/>
-            </a:schemeClr>
-          </a:solidFill>
-          <a:ln w="25400" cap="flat" cmpd="sng" algn="ctr">
+            <a:off x="6409334" y="3972827"/>
+            <a:ext cx="2509274" cy="870564"/>
+          </a:xfrm>
+          <a:prstGeom prst="roundRect">
+            <a:avLst>
+              <a:gd name="adj" fmla="val 16667"/>
+            </a:avLst>
+          </a:prstGeom>
+          <a:noFill/>
+          <a:ln w="38100">
             <a:solidFill>
-              <a:srgbClr val="bd3d00"/>
+              <a:srgbClr val="000000">
+                <a:alpha val="100000"/>
+              </a:srgbClr>
             </a:solidFill>
-            <a:prstDash val="solid"/>
-            <a:round/>
-            <a:headEnd w="med" len="med"/>
-            <a:tailEnd w="med" len="med"/>
+            <a:miter/>
           </a:ln>
-          <a:effectLst/>
-        </p:spPr>
-        <p:style>
-          <a:lnRef idx="2">
-            <a:scrgbClr r="0" g="0" b="0"/>
-          </a:lnRef>
-          <a:fillRef idx="1">
-            <a:scrgbClr r="0" g="0" b="0"/>
-          </a:fillRef>
-          <a:effectRef idx="0">
-            <a:scrgbClr r="0" g="0" b="0"/>
-          </a:effectRef>
-          <a:fontRef idx="minor">
-            <a:schemeClr val="lt1"/>
-          </a:fontRef>
-        </p:style>
-        <p:txBody>
-          <a:bodyPr wrap="square"/>
-          <a:p>
-            <a:pPr>
-              <a:defRPr/>
-            </a:pPr>
-            <a:endParaRPr/>
-          </a:p>
-        </p:txBody>
-      </p:sp>
-      <p:sp>
-        <p:nvSpPr>
-          <p:cNvPr id="27" name=""/>
-          <p:cNvSpPr/>
-          <p:nvPr/>
-        </p:nvSpPr>
-        <p:spPr>
-          <a:xfrm>
-            <a:off x="609599" y="4727245"/>
-            <a:ext cx="10972798" cy="879144"/>
-          </a:xfrm>
-          <a:prstGeom prst="rect">
-            <a:avLst/>
-          </a:prstGeom>
-          <a:noFill/>
-          <a:ln cap="flat" cmpd="sng" algn="ctr">
-            <a:solidFill>
-              <a:srgbClr val="bd3d00"/>
-            </a:solidFill>
-            <a:prstDash val="solid"/>
-            <a:round/>
-            <a:headEnd w="med" len="med"/>
-            <a:tailEnd w="med" len="med"/>
-          </a:ln>
-          <a:effectLst/>
-        </p:spPr>
-        <p:style>
-          <a:lnRef idx="0">
-            <a:scrgbClr r="0" g="0" b="0"/>
-          </a:lnRef>
-          <a:fillRef idx="0">
-            <a:scrgbClr r="0" g="0" b="0"/>
-          </a:fillRef>
-          <a:effectRef idx="0">
-            <a:scrgbClr r="0" g="0" b="0"/>
-          </a:effectRef>
-          <a:fontRef idx="minor">
-            <a:scrgbClr r="0" g="0" b="0"/>
-          </a:fontRef>
-        </p:style>
+        </p:spPr>
         <p:txBody>
           <a:bodyPr anchor="ctr"/>
-          <a:p>
-            <a:pPr algn="l">
+          <a:lstStyle/>
+          <a:p>
+            <a:pPr marL="0" indent="0" algn="ctr" defTabSz="914400" rtl="0" eaLnBrk="1" latinLnBrk="1" hangingPunct="1">
               <a:lnSpc>
                 <a:spcPct val="150000"/>
-              </a:lnSpc>
-              <a:buFontTx/>
-              <a:buNone/>
-              <a:defRPr/>
-            </a:pPr>
-            <a:endParaRPr>
-              <a:solidFill>
-                <a:srgbClr val="000099"/>
-              </a:solidFill>
-              <a:latin typeface="+mn-ea"/>
-              <a:ea typeface="+mn-ea"/>
-              <a:cs typeface="Arial Unicode MS"/>
-            </a:endParaRPr>
-          </a:p>
-        </p:txBody>
-      </p:sp>
-      <p:sp>
-        <p:nvSpPr>
-          <p:cNvPr id="28" name=""/>
-          <p:cNvSpPr txBox="1"/>
-          <p:nvPr/>
-        </p:nvSpPr>
-        <p:spPr>
-          <a:xfrm>
-            <a:off x="609601" y="3848101"/>
-            <a:ext cx="10972798" cy="879144"/>
-          </a:xfrm>
-          <a:prstGeom prst="rect">
-            <a:avLst/>
-          </a:prstGeom>
-          <a:ln cap="flat" cmpd="sng" algn="ctr">
-            <a:solidFill>
-              <a:srgbClr val="bd3d00"/>
-            </a:solidFill>
-            <a:prstDash val="solid"/>
-            <a:round/>
-            <a:headEnd w="med" len="med"/>
-            <a:tailEnd w="med" len="med"/>
-          </a:ln>
-        </p:spPr>
-        <p:style>
-          <a:lnRef idx="0">
-            <a:schemeClr val="accent1"/>
-          </a:lnRef>
-          <a:fillRef idx="0">
-            <a:schemeClr val="accent1"/>
-          </a:fillRef>
-          <a:effectRef idx="0">
-            <a:schemeClr val="accent1"/>
-          </a:effectRef>
-          <a:fontRef idx="minor">
-            <a:scrgbClr r="0" g="0" b="0"/>
-          </a:fontRef>
-        </p:style>
-        <p:txBody>
-          <a:bodyPr vert="horz" wrap="square" lIns="99060" tIns="99060" rIns="99060" bIns="99060" anchor="t" anchorCtr="0">
-            <a:noAutofit/>
-          </a:bodyPr>
-          <a:lstStyle/>
-          <a:p>
-            <a:pPr marL="0" lvl="0" indent="0" algn="l" defTabSz="1155700">
-              <a:lnSpc>
-                <a:spcPct val="90000"/>
               </a:lnSpc>
               <a:spcBef>
                 <a:spcPct val="0"/>
               </a:spcBef>
               <a:spcAft>
-                <a:spcPct val="35000"/>
+                <a:spcPts val="0"/>
               </a:spcAft>
+              <a:buFontTx/>
               <a:buNone/>
               <a:defRPr/>
             </a:pPr>
             <a:r>
-              <a:rPr lang="en-US" altLang="ko-KR" sz="2600" b="1" i="0" kern="1200" baseline="0"/>
-              <a:t>4</a:t>
-            </a:r>
-            <a:r>
-              <a:rPr lang="en-US" sz="2600" b="1" i="0" kern="1200" baseline="0"/>
-              <a:t>.</a:t>
-            </a:r>
-            <a:r>
-              <a:rPr lang="ko-KR" sz="2600" b="1" i="0" kern="1200" baseline="0"/>
-              <a:t> </a:t>
-            </a:r>
-            <a:r>
-              <a:rPr lang="en-US" sz="2600" b="1" i="0" kern="1200" baseline="0"/>
-              <a:t>UI </a:t>
-            </a:r>
-            <a:r>
-              <a:rPr lang="ko-KR" sz="2600" b="1" i="0" kern="1200" baseline="0"/>
-              <a:t>구성</a:t>
-            </a:r>
-            <a:endParaRPr lang="ko-KR" sz="2600" b="1" i="0" kern="1200" baseline="0"/>
+              <a:rPr kumimoji="0" lang="ko-KR" altLang="en-US" sz="2500" b="0" i="0" u="none" strike="noStrike" kern="1200" cap="none" spc="0" normalizeH="0" baseline="0">
+                <a:solidFill>
+                  <a:srgbClr val="000000"/>
+                </a:solidFill>
+                <a:latin typeface="맑은 고딕"/>
+                <a:ea typeface="맑은 고딕"/>
+                <a:cs typeface="Arial Unicode MS"/>
+              </a:rPr>
+              <a:t>한성현</a:t>
+            </a:r>
+            <a:endParaRPr kumimoji="0" lang="ko-KR" altLang="en-US" sz="2500" b="0" i="0" u="none" strike="noStrike" kern="1200" cap="none" spc="0" normalizeH="0" baseline="0">
+              <a:solidFill>
+                <a:srgbClr val="000000"/>
+              </a:solidFill>
+              <a:latin typeface="맑은 고딕"/>
+              <a:ea typeface="맑은 고딕"/>
+              <a:cs typeface="Arial Unicode MS"/>
+            </a:endParaRPr>
           </a:p>
         </p:txBody>
       </p:sp>
       <p:sp>
         <p:nvSpPr>
-          <p:cNvPr id="29" name=""/>
+          <p:cNvPr id="14" name="직사각형 13"/>
           <p:cNvSpPr/>
           <p:nvPr/>
         </p:nvSpPr>
         <p:spPr>
           <a:xfrm>
-            <a:off x="609599" y="5606389"/>
-            <a:ext cx="10972798" cy="0"/>
-          </a:xfrm>
-          <a:prstGeom prst="line">
-            <a:avLst/>
-          </a:prstGeom>
-          <a:solidFill>
-            <a:schemeClr val="accent1">
-              <a:hueOff val="0"/>
-              <a:satOff val="0"/>
-              <a:lumOff val="0"/>
-              <a:alphaOff val="0"/>
-            </a:schemeClr>
-          </a:solidFill>
-          <a:ln w="25400" cap="flat" cmpd="sng" algn="ctr">
-            <a:solidFill>
-              <a:srgbClr val="bd3d00"/>
-            </a:solidFill>
-            <a:prstDash val="solid"/>
-            <a:round/>
-            <a:headEnd w="med" len="med"/>
-            <a:tailEnd w="med" len="med"/>
-          </a:ln>
-          <a:effectLst/>
-        </p:spPr>
-        <p:style>
-          <a:lnRef idx="2">
-            <a:scrgbClr r="0" g="0" b="0"/>
-          </a:lnRef>
-          <a:fillRef idx="1">
-            <a:scrgbClr r="0" g="0" b="0"/>
-          </a:fillRef>
-          <a:effectRef idx="0">
-            <a:scrgbClr r="0" g="0" b="0"/>
-          </a:effectRef>
-          <a:fontRef idx="minor">
-            <a:schemeClr val="lt1"/>
-          </a:fontRef>
-        </p:style>
-        <p:txBody>
-          <a:bodyPr wrap="square"/>
-          <a:p>
-            <a:pPr>
-              <a:defRPr/>
-            </a:pPr>
-            <a:endParaRPr/>
-          </a:p>
-        </p:txBody>
-      </p:sp>
-      <p:sp>
-        <p:nvSpPr>
-          <p:cNvPr id="31" name=""/>
-          <p:cNvSpPr txBox="1"/>
-          <p:nvPr/>
-        </p:nvSpPr>
-        <p:spPr>
-          <a:xfrm>
-            <a:off x="609601" y="4727246"/>
-            <a:ext cx="10972798" cy="879144"/>
+            <a:off x="560234" y="4843392"/>
+            <a:ext cx="5081516" cy="1025072"/>
           </a:xfrm>
           <a:prstGeom prst="rect">
             <a:avLst/>
           </a:prstGeom>
-          <a:ln cap="flat" cmpd="sng" algn="ctr">
+          <a:noFill/>
+          <a:ln w="38100">
             <a:solidFill>
-              <a:srgbClr val="bd3d00"/>
+              <a:srgbClr val="000000">
+                <a:alpha val="100000"/>
+              </a:srgbClr>
             </a:solidFill>
-            <a:prstDash val="solid"/>
-            <a:round/>
-            <a:headEnd w="med" len="med"/>
-            <a:tailEnd w="med" len="med"/>
+            <a:miter/>
           </a:ln>
         </p:spPr>
-        <p:style>
-          <a:lnRef idx="0">
-            <a:schemeClr val="accent1"/>
-          </a:lnRef>
-          <a:fillRef idx="0">
-            <a:schemeClr val="accent1"/>
-          </a:fillRef>
-          <a:effectRef idx="0">
-            <a:schemeClr val="accent1"/>
-          </a:effectRef>
-          <a:fontRef idx="minor">
-            <a:scrgbClr r="0" g="0" b="0"/>
-          </a:fontRef>
-        </p:style>
         <p:txBody>
-          <a:bodyPr vert="horz" wrap="square" lIns="99060" tIns="99060" rIns="99060" bIns="99060" anchor="t" anchorCtr="0">
-            <a:noAutofit/>
-          </a:bodyPr>
+          <a:bodyPr anchor="t"/>
           <a:lstStyle/>
           <a:p>
-            <a:pPr marL="0" lvl="0" indent="0" algn="l" defTabSz="1155700">
+            <a:pPr marL="285750" indent="-285750" algn="l" defTabSz="914400" rtl="0" eaLnBrk="1" latinLnBrk="1" hangingPunct="1">
               <a:lnSpc>
-                <a:spcPct val="90000"/>
+                <a:spcPct val="150000"/>
               </a:lnSpc>
               <a:spcBef>
                 <a:spcPct val="0"/>
               </a:spcBef>
               <a:spcAft>
-                <a:spcPct val="35000"/>
+                <a:spcPts val="0"/>
               </a:spcAft>
-              <a:buNone/>
-              <a:defRPr/>
-            </a:pPr>
-            <a:r>
-              <a:rPr lang="en-US" altLang="ko-KR" sz="2600" b="1" i="0" kern="1200" baseline="0"/>
-              <a:t>5</a:t>
-            </a:r>
-            <a:r>
-              <a:rPr lang="en-US" sz="2600" b="1" i="0" kern="1200" baseline="0"/>
-              <a:t>.</a:t>
-            </a:r>
-            <a:r>
-              <a:rPr lang="ko-KR" sz="2600" b="1" i="0" kern="1200" baseline="0"/>
-              <a:t> 의견 및 평가</a:t>
-            </a:r>
-            <a:endParaRPr lang="ko-KR" sz="2600" b="1" i="0" kern="1200" baseline="0"/>
+              <a:buFont typeface="Arial"/>
+              <a:buChar char="•"/>
+              <a:defRPr/>
+            </a:pPr>
+            <a:r>
+              <a:rPr lang="en-US" altLang="ko-KR" sz="2100">
+                <a:latin typeface="맑은 고딕"/>
+                <a:ea typeface="맑은 고딕"/>
+                <a:cs typeface="Arial Unicode MS"/>
+              </a:rPr>
+              <a:t>System Info UI</a:t>
+            </a:r>
+            <a:r>
+              <a:rPr lang="ko-KR" altLang="en-US" sz="2100">
+                <a:latin typeface="맑은 고딕"/>
+                <a:ea typeface="맑은 고딕"/>
+                <a:cs typeface="Arial Unicode MS"/>
+              </a:rPr>
+              <a:t> 설계 및 제작</a:t>
+            </a:r>
+            <a:endParaRPr lang="ko-KR" altLang="en-US" sz="2100">
+              <a:latin typeface="맑은 고딕"/>
+              <a:ea typeface="맑은 고딕"/>
+              <a:cs typeface="Arial Unicode MS"/>
+            </a:endParaRPr>
+          </a:p>
+          <a:p>
+            <a:pPr marL="285750" indent="-285750" algn="l" defTabSz="914400" rtl="0" eaLnBrk="1" latinLnBrk="1" hangingPunct="1">
+              <a:lnSpc>
+                <a:spcPct val="150000"/>
+              </a:lnSpc>
+              <a:spcBef>
+                <a:spcPct val="0"/>
+              </a:spcBef>
+              <a:spcAft>
+                <a:spcPts val="0"/>
+              </a:spcAft>
+              <a:buFont typeface="Arial"/>
+              <a:buChar char="•"/>
+              <a:defRPr/>
+            </a:pPr>
+            <a:r>
+              <a:rPr lang="en-US" altLang="ko-KR" sz="2100">
+                <a:latin typeface="맑은 고딕"/>
+                <a:ea typeface="맑은 고딕"/>
+                <a:cs typeface="Arial Unicode MS"/>
+              </a:rPr>
+              <a:t>Main UI Input</a:t>
+            </a:r>
+            <a:r>
+              <a:rPr lang="ko-KR" altLang="en-US" sz="2100">
+                <a:latin typeface="맑은 고딕"/>
+                <a:ea typeface="맑은 고딕"/>
+                <a:cs typeface="Arial Unicode MS"/>
+              </a:rPr>
+              <a:t> 그림 제작</a:t>
+            </a:r>
+            <a:endParaRPr lang="ko-KR" altLang="en-US" sz="2100">
+              <a:latin typeface="맑은 고딕"/>
+              <a:ea typeface="맑은 고딕"/>
+              <a:cs typeface="Arial Unicode MS"/>
+            </a:endParaRPr>
+          </a:p>
+          <a:p>
+            <a:pPr marL="285750" indent="-285750">
+              <a:lnSpc>
+                <a:spcPct val="150000"/>
+              </a:lnSpc>
+              <a:spcBef>
+                <a:spcPct val="0"/>
+              </a:spcBef>
+              <a:buFont typeface="Arial"/>
+              <a:buChar char="•"/>
+              <a:defRPr/>
+            </a:pPr>
+            <a:endParaRPr lang="en-US" altLang="ko-KR" sz="2100">
+              <a:latin typeface="맑은 고딕"/>
+              <a:ea typeface="맑은 고딕"/>
+              <a:cs typeface="Arial Unicode MS"/>
+            </a:endParaRPr>
           </a:p>
         </p:txBody>
       </p:sp>
-      <p:cxnSp>
-        <p:nvCxnSpPr>
-          <p:cNvPr id="32" name=""/>
-          <p:cNvCxnSpPr/>
-          <p:nvPr/>
-        </p:nvCxnSpPr>
-        <p:spPr>
-          <a:xfrm rot="16200000" flipH="1">
-            <a:off x="-1588262" y="3408527"/>
-            <a:ext cx="4395726" cy="0"/>
-          </a:xfrm>
-          <a:prstGeom prst="line">
+      <p:sp>
+        <p:nvSpPr>
+          <p:cNvPr id="16" name="직사각형 15"/>
+          <p:cNvSpPr/>
+          <p:nvPr/>
+        </p:nvSpPr>
+        <p:spPr>
+          <a:xfrm>
+            <a:off x="560234" y="1817906"/>
+            <a:ext cx="5081516" cy="1025073"/>
+          </a:xfrm>
+          <a:prstGeom prst="rect">
             <a:avLst/>
           </a:prstGeom>
-          <a:ln>
+          <a:noFill/>
+          <a:ln w="38100" cap="flat">
             <a:solidFill>
-              <a:schemeClr val="lt1"/>
+              <a:srgbClr val="000000">
+                <a:alpha val="100000"/>
+              </a:srgbClr>
             </a:solidFill>
-            <a:headEnd w="med" len="med"/>
-            <a:tailEnd w="med" len="med"/>
+            <a:miter/>
           </a:ln>
         </p:spPr>
-        <p:style>
-          <a:lnRef idx="1">
-            <a:schemeClr val="accent1"/>
-          </a:lnRef>
-          <a:fillRef idx="0">
-            <a:schemeClr val="accent1"/>
-          </a:fillRef>
-          <a:effectRef idx="0">
-            <a:schemeClr val="accent1"/>
-          </a:effectRef>
-          <a:fontRef idx="minor">
-            <a:schemeClr val="tx1"/>
-          </a:fontRef>
-        </p:style>
-      </p:cxnSp>
-      <p:cxnSp>
-        <p:nvCxnSpPr>
-          <p:cNvPr id="33" name=""/>
-          <p:cNvCxnSpPr/>
-          <p:nvPr/>
-        </p:nvCxnSpPr>
-        <p:spPr>
-          <a:xfrm rot="16200000" flipH="1">
-            <a:off x="9384534" y="3429000"/>
-            <a:ext cx="4395726" cy="0"/>
-          </a:xfrm>
-          <a:prstGeom prst="line">
+        <p:txBody>
+          <a:bodyPr anchor="t"/>
+          <a:lstStyle/>
+          <a:p>
+            <a:pPr marL="285750" indent="-285750" algn="l" defTabSz="914400" rtl="0" eaLnBrk="1" latinLnBrk="1" hangingPunct="1">
+              <a:lnSpc>
+                <a:spcPct val="150000"/>
+              </a:lnSpc>
+              <a:spcBef>
+                <a:spcPct val="0"/>
+              </a:spcBef>
+              <a:spcAft>
+                <a:spcPts val="0"/>
+              </a:spcAft>
+              <a:buFont typeface="Arial"/>
+              <a:buChar char="•"/>
+              <a:defRPr/>
+            </a:pPr>
+            <a:r>
+              <a:rPr lang="en-US" altLang="ko-KR" sz="2100">
+                <a:latin typeface="맑은 고딕"/>
+                <a:ea typeface="맑은 고딕"/>
+                <a:cs typeface="Arial Unicode MS"/>
+              </a:rPr>
+              <a:t>Main UI</a:t>
+            </a:r>
+            <a:r>
+              <a:rPr lang="ko-KR" altLang="en-US" sz="2100">
+                <a:latin typeface="맑은 고딕"/>
+                <a:ea typeface="맑은 고딕"/>
+                <a:cs typeface="Arial Unicode MS"/>
+              </a:rPr>
+              <a:t> 설계 및 제작</a:t>
+            </a:r>
+            <a:endParaRPr lang="ko-KR" altLang="en-US" sz="2100">
+              <a:latin typeface="맑은 고딕"/>
+              <a:ea typeface="맑은 고딕"/>
+              <a:cs typeface="Arial Unicode MS"/>
+            </a:endParaRPr>
+          </a:p>
+          <a:p>
+            <a:pPr marL="285750" indent="-285750" algn="l" defTabSz="914400" rtl="0" eaLnBrk="1" latinLnBrk="1" hangingPunct="1">
+              <a:lnSpc>
+                <a:spcPct val="150000"/>
+              </a:lnSpc>
+              <a:spcBef>
+                <a:spcPct val="0"/>
+              </a:spcBef>
+              <a:spcAft>
+                <a:spcPts val="0"/>
+              </a:spcAft>
+              <a:buFont typeface="Arial"/>
+              <a:buChar char="•"/>
+              <a:defRPr/>
+            </a:pPr>
+            <a:r>
+              <a:rPr lang="en-US" altLang="ko-KR" sz="2100">
+                <a:latin typeface="맑은 고딕"/>
+                <a:ea typeface="맑은 고딕"/>
+                <a:cs typeface="Arial Unicode MS"/>
+              </a:rPr>
+              <a:t>Main UI Input</a:t>
+            </a:r>
+            <a:r>
+              <a:rPr lang="ko-KR" altLang="en-US" sz="2100">
+                <a:latin typeface="맑은 고딕"/>
+                <a:ea typeface="맑은 고딕"/>
+                <a:cs typeface="Arial Unicode MS"/>
+              </a:rPr>
+              <a:t> 그림 제작</a:t>
+            </a:r>
+            <a:endParaRPr lang="ko-KR" altLang="en-US" sz="2100">
+              <a:latin typeface="맑은 고딕"/>
+              <a:ea typeface="맑은 고딕"/>
+              <a:cs typeface="Arial Unicode MS"/>
+            </a:endParaRPr>
+          </a:p>
+        </p:txBody>
+      </p:sp>
+      <p:sp>
+        <p:nvSpPr>
+          <p:cNvPr id="18" name="직사각형 17"/>
+          <p:cNvSpPr/>
+          <p:nvPr/>
+        </p:nvSpPr>
+        <p:spPr>
+          <a:xfrm>
+            <a:off x="6409335" y="1817906"/>
+            <a:ext cx="5081516" cy="1025073"/>
+          </a:xfrm>
+          <a:prstGeom prst="rect">
             <a:avLst/>
           </a:prstGeom>
           <a:noFill/>
-          <a:ln w="9525" cap="flat" cmpd="sng" algn="ctr">
+          <a:ln w="38100">
             <a:solidFill>
-              <a:schemeClr val="lt1">
+              <a:srgbClr val="000000">
                 <a:alpha val="100000"/>
-              </a:schemeClr>
+              </a:srgbClr>
             </a:solidFill>
-            <a:prstDash val="solid"/>
-            <a:headEnd w="med" len="med"/>
-            <a:tailEnd w="med" len="med"/>
+            <a:miter/>
           </a:ln>
         </p:spPr>
-      </p:cxnSp>
+        <p:txBody>
+          <a:bodyPr anchor="t"/>
+          <a:lstStyle/>
+          <a:p>
+            <a:pPr marL="285750" indent="-285750" algn="l" defTabSz="914400" rtl="0" eaLnBrk="1" latinLnBrk="1" hangingPunct="1">
+              <a:lnSpc>
+                <a:spcPct val="150000"/>
+              </a:lnSpc>
+              <a:spcBef>
+                <a:spcPct val="0"/>
+              </a:spcBef>
+              <a:spcAft>
+                <a:spcPts val="0"/>
+              </a:spcAft>
+              <a:buFont typeface="Arial"/>
+              <a:buChar char="•"/>
+              <a:defRPr/>
+            </a:pPr>
+            <a:r>
+              <a:rPr lang="en-US" altLang="ko-KR" sz="2100">
+                <a:latin typeface="맑은 고딕"/>
+                <a:ea typeface="맑은 고딕"/>
+                <a:cs typeface="Arial Unicode MS"/>
+              </a:rPr>
+              <a:t>FAB SOLO Flow</a:t>
+            </a:r>
+            <a:r>
+              <a:rPr lang="ko-KR" altLang="en-US" sz="2100">
+                <a:latin typeface="맑은 고딕"/>
+                <a:ea typeface="맑은 고딕"/>
+                <a:cs typeface="Arial Unicode MS"/>
+              </a:rPr>
+              <a:t> 설계 및 구현</a:t>
+            </a:r>
+            <a:endParaRPr lang="ko-KR" altLang="en-US" sz="2100">
+              <a:latin typeface="맑은 고딕"/>
+              <a:ea typeface="맑은 고딕"/>
+              <a:cs typeface="Arial Unicode MS"/>
+            </a:endParaRPr>
+          </a:p>
+          <a:p>
+            <a:pPr marL="285750" indent="-285750" algn="l" defTabSz="914400" rtl="0" eaLnBrk="1" latinLnBrk="1" hangingPunct="1">
+              <a:lnSpc>
+                <a:spcPct val="150000"/>
+              </a:lnSpc>
+              <a:spcBef>
+                <a:spcPct val="0"/>
+              </a:spcBef>
+              <a:spcAft>
+                <a:spcPts val="0"/>
+              </a:spcAft>
+              <a:buFont typeface="Arial"/>
+              <a:buChar char="•"/>
+              <a:defRPr/>
+            </a:pPr>
+            <a:r>
+              <a:rPr lang="en-US" altLang="ko-KR" sz="2100">
+                <a:latin typeface="맑은 고딕"/>
+                <a:ea typeface="맑은 고딕"/>
+                <a:cs typeface="Arial Unicode MS"/>
+              </a:rPr>
+              <a:t>Flow</a:t>
+            </a:r>
+            <a:r>
+              <a:rPr lang="ko-KR" altLang="en-US" sz="2100">
+                <a:latin typeface="맑은 고딕"/>
+                <a:ea typeface="맑은 고딕"/>
+                <a:cs typeface="Arial Unicode MS"/>
+              </a:rPr>
+              <a:t>와 </a:t>
+            </a:r>
+            <a:r>
+              <a:rPr lang="en-US" altLang="ko-KR" sz="2100">
+                <a:latin typeface="맑은 고딕"/>
+                <a:ea typeface="맑은 고딕"/>
+                <a:cs typeface="Arial Unicode MS"/>
+              </a:rPr>
+              <a:t>Main UI</a:t>
+            </a:r>
+            <a:r>
+              <a:rPr lang="ko-KR" altLang="en-US" sz="2100">
+                <a:latin typeface="맑은 고딕"/>
+                <a:ea typeface="맑은 고딕"/>
+                <a:cs typeface="Arial Unicode MS"/>
+              </a:rPr>
+              <a:t> 결합 및 기능 구현</a:t>
+            </a:r>
+            <a:endParaRPr lang="ko-KR" altLang="en-US" sz="2100">
+              <a:latin typeface="맑은 고딕"/>
+              <a:ea typeface="맑은 고딕"/>
+              <a:cs typeface="Arial Unicode MS"/>
+            </a:endParaRPr>
+          </a:p>
+          <a:p>
+            <a:pPr marL="285750" indent="-285750" algn="l" defTabSz="914400" rtl="0" eaLnBrk="1" latinLnBrk="1" hangingPunct="1">
+              <a:lnSpc>
+                <a:spcPct val="150000"/>
+              </a:lnSpc>
+              <a:spcBef>
+                <a:spcPct val="0"/>
+              </a:spcBef>
+              <a:spcAft>
+                <a:spcPts val="0"/>
+              </a:spcAft>
+              <a:buFont typeface="Arial"/>
+              <a:buChar char="•"/>
+              <a:defRPr/>
+            </a:pPr>
+            <a:endParaRPr lang="ko-KR" altLang="en-US" sz="2100">
+              <a:latin typeface="맑은 고딕"/>
+              <a:ea typeface="맑은 고딕"/>
+              <a:cs typeface="Arial Unicode MS"/>
+            </a:endParaRPr>
+          </a:p>
+          <a:p>
+            <a:pPr marL="285750" indent="-285750">
+              <a:lnSpc>
+                <a:spcPct val="150000"/>
+              </a:lnSpc>
+              <a:spcBef>
+                <a:spcPct val="0"/>
+              </a:spcBef>
+              <a:buFont typeface="Arial"/>
+              <a:buChar char="•"/>
+              <a:defRPr/>
+            </a:pPr>
+            <a:endParaRPr lang="ko-KR" altLang="en-US" sz="2100">
+              <a:latin typeface="맑은 고딕"/>
+              <a:ea typeface="맑은 고딕"/>
+              <a:cs typeface="Arial Unicode MS"/>
+            </a:endParaRPr>
+          </a:p>
+        </p:txBody>
+      </p:sp>
+      <p:sp>
+        <p:nvSpPr>
+          <p:cNvPr id="19" name="직사각형 18"/>
+          <p:cNvSpPr/>
+          <p:nvPr/>
+        </p:nvSpPr>
+        <p:spPr>
+          <a:xfrm>
+            <a:off x="6409335" y="4843391"/>
+            <a:ext cx="5081516" cy="1025073"/>
+          </a:xfrm>
+          <a:prstGeom prst="rect">
+            <a:avLst/>
+          </a:prstGeom>
+          <a:noFill/>
+          <a:ln w="38100">
+            <a:solidFill>
+              <a:srgbClr val="000000">
+                <a:alpha val="100000"/>
+              </a:srgbClr>
+            </a:solidFill>
+            <a:miter/>
+          </a:ln>
+        </p:spPr>
+        <p:txBody>
+          <a:bodyPr anchor="t"/>
+          <a:lstStyle/>
+          <a:p>
+            <a:pPr marL="285750" indent="-285750">
+              <a:lnSpc>
+                <a:spcPct val="150000"/>
+              </a:lnSpc>
+              <a:spcBef>
+                <a:spcPct val="0"/>
+              </a:spcBef>
+              <a:buFont typeface="Arial"/>
+              <a:buChar char="•"/>
+              <a:defRPr/>
+            </a:pPr>
+            <a:r>
+              <a:rPr kumimoji="0" lang="en-US" altLang="ko-KR" sz="2100" b="0" i="0" u="none" strike="noStrike" kern="1200" cap="none" spc="0" normalizeH="0" baseline="0">
+                <a:latin typeface="맑은 고딕"/>
+                <a:ea typeface="맑은 고딕"/>
+                <a:cs typeface="Arial Unicode MS"/>
+              </a:rPr>
+              <a:t>System Info UI </a:t>
+            </a:r>
+            <a:r>
+              <a:rPr kumimoji="0" lang="ko-KR" altLang="en-US" sz="2100" b="0" i="0" u="none" strike="noStrike" kern="1200" cap="none" spc="0" normalizeH="0" baseline="0">
+                <a:latin typeface="맑은 고딕"/>
+                <a:ea typeface="맑은 고딕"/>
+                <a:cs typeface="Arial Unicode MS"/>
+              </a:rPr>
+              <a:t>기능 구현</a:t>
+            </a:r>
+            <a:endParaRPr kumimoji="0" lang="ko-KR" altLang="en-US" sz="2100" b="0" i="0" u="none" strike="noStrike" kern="1200" cap="none" spc="0" normalizeH="0" baseline="0">
+              <a:latin typeface="맑은 고딕"/>
+              <a:ea typeface="맑은 고딕"/>
+              <a:cs typeface="Arial Unicode MS"/>
+            </a:endParaRPr>
+          </a:p>
+          <a:p>
+            <a:pPr marL="285750" indent="-285750">
+              <a:lnSpc>
+                <a:spcPct val="150000"/>
+              </a:lnSpc>
+              <a:spcBef>
+                <a:spcPct val="0"/>
+              </a:spcBef>
+              <a:buFont typeface="Arial"/>
+              <a:buChar char="•"/>
+              <a:defRPr/>
+            </a:pPr>
+            <a:r>
+              <a:rPr kumimoji="0" lang="en-US" altLang="ko-KR" sz="2100" b="0" i="0" u="none" strike="noStrike" kern="1200" cap="none" spc="0" normalizeH="0" baseline="0">
+                <a:latin typeface="맑은 고딕"/>
+                <a:ea typeface="맑은 고딕"/>
+                <a:cs typeface="Arial Unicode MS"/>
+              </a:rPr>
+              <a:t>File</a:t>
+            </a:r>
+            <a:r>
+              <a:rPr kumimoji="0" lang="ko-KR" altLang="en-US" sz="2100" b="0" i="0" u="none" strike="noStrike" kern="1200" cap="none" spc="0" normalizeH="0" baseline="0">
+                <a:latin typeface="맑은 고딕"/>
+                <a:ea typeface="맑은 고딕"/>
+                <a:cs typeface="Arial Unicode MS"/>
+              </a:rPr>
+              <a:t> </a:t>
+            </a:r>
+            <a:r>
+              <a:rPr kumimoji="0" lang="en-US" altLang="ko-KR" sz="2100" b="0" i="0" u="none" strike="noStrike" kern="1200" cap="none" spc="0" normalizeH="0" baseline="0">
+                <a:latin typeface="맑은 고딕"/>
+                <a:ea typeface="맑은 고딕"/>
+                <a:cs typeface="Arial Unicode MS"/>
+              </a:rPr>
+              <a:t>Save &amp;</a:t>
+            </a:r>
+            <a:r>
+              <a:rPr kumimoji="0" lang="ko-KR" altLang="en-US" sz="2100" b="0" i="0" u="none" strike="noStrike" kern="1200" cap="none" spc="0" normalizeH="0" baseline="0">
+                <a:latin typeface="맑은 고딕"/>
+                <a:ea typeface="맑은 고딕"/>
+                <a:cs typeface="Arial Unicode MS"/>
+              </a:rPr>
+              <a:t> </a:t>
+            </a:r>
+            <a:r>
+              <a:rPr kumimoji="0" lang="en-US" altLang="ko-KR" sz="2100" b="0" i="0" u="none" strike="noStrike" kern="1200" cap="none" spc="0" normalizeH="0" baseline="0">
+                <a:latin typeface="맑은 고딕"/>
+                <a:ea typeface="맑은 고딕"/>
+                <a:cs typeface="Arial Unicode MS"/>
+              </a:rPr>
+              <a:t>Load </a:t>
+            </a:r>
+            <a:r>
+              <a:rPr kumimoji="0" lang="ko-KR" altLang="en-US" sz="2100" b="0" i="0" u="none" strike="noStrike" kern="1200" cap="none" spc="0" normalizeH="0" baseline="0">
+                <a:latin typeface="맑은 고딕"/>
+                <a:ea typeface="맑은 고딕"/>
+                <a:cs typeface="Arial Unicode MS"/>
+              </a:rPr>
+              <a:t>기능 구현</a:t>
+            </a:r>
+            <a:endParaRPr kumimoji="0" lang="ko-KR" altLang="en-US" sz="2100" b="0" i="0" u="none" strike="noStrike" kern="1200" cap="none" spc="0" normalizeH="0" baseline="0">
+              <a:latin typeface="맑은 고딕"/>
+              <a:ea typeface="맑은 고딕"/>
+              <a:cs typeface="Arial Unicode MS"/>
+            </a:endParaRPr>
+          </a:p>
+        </p:txBody>
+      </p:sp>
     </p:spTree>
   </p:cSld>
   <p:clrMapOvr>
@@ -10853,9 +10741,36 @@
           <a:chExt cx="0" cy="0"/>
         </a:xfrm>
       </p:grpSpPr>
+      <p:pic>
+        <p:nvPicPr>
+          <p:cNvPr id="16" name=""/>
+          <p:cNvPicPr/>
+          <p:nvPr/>
+        </p:nvPicPr>
+        <p:blipFill rotWithShape="1">
+          <a:blip r:embed="rId3"/>
+          <a:stretch>
+            <a:fillRect/>
+          </a:stretch>
+        </p:blipFill>
+        <p:spPr>
+          <a:xfrm>
+            <a:off x="3481480" y="659899"/>
+            <a:ext cx="3899287" cy="2785094"/>
+          </a:xfrm>
+          <a:prstGeom prst="rect">
+            <a:avLst/>
+          </a:prstGeom>
+          <a:ln>
+            <a:solidFill>
+              <a:schemeClr val="tx1"/>
+            </a:solidFill>
+          </a:ln>
+        </p:spPr>
+      </p:pic>
       <p:sp>
         <p:nvSpPr>
-          <p:cNvPr id="7" name="TextBox 6"/>
+          <p:cNvPr id="9" name="TextBox 8"/>
           <p:cNvSpPr txBox="1"/>
           <p:nvPr/>
         </p:nvSpPr>
@@ -10896,7 +10811,7 @@
                 <a:ea typeface="맑은 고딕"/>
                 <a:cs typeface="맑은 고딕"/>
               </a:rPr>
-              <a:t>1.</a:t>
+              <a:t>2-1.</a:t>
             </a:r>
             <a:r>
               <a:rPr kumimoji="0" lang="ko-KR" altLang="en-US" sz="2800" b="1" i="0" u="none" strike="noStrike" kern="1200" cap="none" spc="0" normalizeH="0" baseline="0">
@@ -10907,7 +10822,7 @@
                 <a:ea typeface="맑은 고딕"/>
                 <a:cs typeface="맑은 고딕"/>
               </a:rPr>
-              <a:t> 팀 구성 및 역할</a:t>
+              <a:t> 개발 배경</a:t>
             </a:r>
             <a:endParaRPr kumimoji="0" lang="ko-KR" altLang="en-US" sz="2800" b="1" i="0" u="none" strike="noStrike" kern="1200" cap="none" spc="0" normalizeH="0" baseline="0">
               <a:solidFill>
@@ -10922,7 +10837,7 @@
       </p:sp>
       <p:sp>
         <p:nvSpPr>
-          <p:cNvPr id="8" name="슬라이드 번호 개체 틀 5"/>
+          <p:cNvPr id="10" name="슬라이드 번호 개체 틀 5"/>
           <p:cNvSpPr>
             <a:spLocks noGrp="1"/>
           </p:cNvSpPr>
@@ -10943,787 +10858,283 @@
               <a:pPr lvl="0">
                 <a:defRPr/>
               </a:pPr>
-              <a:t>3</a:t>
+              <a:t>4</a:t>
             </a:fld>
             <a:endParaRPr lang="en-US" altLang="en-US"/>
           </a:p>
         </p:txBody>
       </p:sp>
-      <p:sp>
-        <p:nvSpPr>
-          <p:cNvPr id="9" name="사각형: 둥근 모서리 8"/>
-          <p:cNvSpPr/>
-          <p:nvPr/>
-        </p:nvSpPr>
-        <p:spPr>
-          <a:xfrm>
-            <a:off x="560234" y="952685"/>
-            <a:ext cx="2509274" cy="870564"/>
-          </a:xfrm>
-          <a:prstGeom prst="roundRect">
-            <a:avLst>
-              <a:gd name="adj" fmla="val 16667"/>
-            </a:avLst>
+      <p:pic>
+        <p:nvPicPr>
+          <p:cNvPr id="17" name=""/>
+          <p:cNvPicPr>
+            <a:picLocks noChangeAspect="1"/>
+          </p:cNvPicPr>
+          <p:nvPr/>
+        </p:nvPicPr>
+        <p:blipFill rotWithShape="1">
+          <a:blip r:embed="rId4"/>
+          <a:stretch>
+            <a:fillRect/>
+          </a:stretch>
+        </p:blipFill>
+        <p:spPr>
+          <a:xfrm>
+            <a:off x="473187" y="2707588"/>
+            <a:ext cx="1981326" cy="1981326"/>
+          </a:xfrm>
+          <a:prstGeom prst="rect">
+            <a:avLst/>
+          </a:prstGeom>
+          <a:solidFill>
+            <a:schemeClr val="lt1"/>
+          </a:solidFill>
+          <a:ln w="38100" cap="flat" cmpd="sng" algn="ctr">
+            <a:solidFill>
+              <a:schemeClr val="dk1"/>
+            </a:solidFill>
+            <a:prstDash val="solid"/>
+            <a:round/>
+            <a:headEnd w="med" len="med"/>
+            <a:tailEnd w="med" len="med"/>
+          </a:ln>
+        </p:spPr>
+      </p:pic>
+      <p:pic>
+        <p:nvPicPr>
+          <p:cNvPr id="18" name=""/>
+          <p:cNvPicPr/>
+          <p:nvPr/>
+        </p:nvPicPr>
+        <p:blipFill rotWithShape="1">
+          <a:blip r:embed="rId5"/>
+          <a:stretch>
+            <a:fillRect/>
+          </a:stretch>
+        </p:blipFill>
+        <p:spPr>
+          <a:xfrm>
+            <a:off x="3481480" y="3726825"/>
+            <a:ext cx="3899287" cy="2785094"/>
+          </a:xfrm>
+          <a:prstGeom prst="rect">
+            <a:avLst/>
+          </a:prstGeom>
+        </p:spPr>
+      </p:pic>
+      <p:cxnSp>
+        <p:nvCxnSpPr>
+          <p:cNvPr id="21" name=""/>
+          <p:cNvCxnSpPr>
+            <a:stCxn id="17" idx="3"/>
+            <a:endCxn id="16" idx="1"/>
+          </p:cNvCxnSpPr>
+          <p:nvPr/>
+        </p:nvCxnSpPr>
+        <p:spPr>
+          <a:xfrm rot="5400000" flipH="1" flipV="1">
+            <a:off x="2145094" y="2361865"/>
+            <a:ext cx="1645804" cy="1026966"/>
+          </a:xfrm>
+          <a:prstGeom prst="straightConnector1">
+            <a:avLst/>
+          </a:prstGeom>
+          <a:ln w="38100">
+            <a:solidFill>
+              <a:schemeClr val="tx1"/>
+            </a:solidFill>
+            <a:headEnd w="med" len="med"/>
+            <a:tailEnd type="arrow" w="med" len="med"/>
+          </a:ln>
+        </p:spPr>
+        <p:style>
+          <a:lnRef idx="1">
+            <a:schemeClr val="accent1"/>
+          </a:lnRef>
+          <a:fillRef idx="0">
+            <a:schemeClr val="accent1"/>
+          </a:fillRef>
+          <a:effectRef idx="0">
+            <a:schemeClr val="accent1"/>
+          </a:effectRef>
+          <a:fontRef idx="minor">
+            <a:schemeClr val="tx1"/>
+          </a:fontRef>
+        </p:style>
+      </p:cxnSp>
+      <p:cxnSp>
+        <p:nvCxnSpPr>
+          <p:cNvPr id="22" name=""/>
+          <p:cNvCxnSpPr>
+            <a:endCxn id="18" idx="1"/>
+          </p:cNvCxnSpPr>
+          <p:nvPr/>
+        </p:nvCxnSpPr>
+        <p:spPr>
+          <a:xfrm rot="16200000" flipH="1">
+            <a:off x="2257436" y="3895329"/>
+            <a:ext cx="1421122" cy="1026966"/>
+          </a:xfrm>
+          <a:prstGeom prst="straightConnector1">
+            <a:avLst/>
           </a:prstGeom>
           <a:noFill/>
-          <a:ln w="38100">
+          <a:ln w="38100" cap="flat" cmpd="sng" algn="ctr">
             <a:solidFill>
               <a:srgbClr val="000000">
                 <a:alpha val="100000"/>
               </a:srgbClr>
             </a:solidFill>
-            <a:miter/>
+            <a:prstDash val="solid"/>
+            <a:headEnd w="med" len="med"/>
+            <a:tailEnd type="arrow" w="med" len="med"/>
           </a:ln>
         </p:spPr>
-        <p:txBody>
-          <a:bodyPr anchor="ctr"/>
-          <a:lstStyle/>
-          <a:p>
-            <a:pPr marL="0" indent="0" algn="ctr" defTabSz="914400" rtl="0" eaLnBrk="1" latinLnBrk="1" hangingPunct="1">
-              <a:lnSpc>
-                <a:spcPct val="150000"/>
-              </a:lnSpc>
-              <a:spcBef>
-                <a:spcPct val="0"/>
-              </a:spcBef>
-              <a:spcAft>
-                <a:spcPts val="0"/>
-              </a:spcAft>
-              <a:buFontTx/>
-              <a:buNone/>
-              <a:defRPr/>
-            </a:pPr>
-            <a:r>
-              <a:rPr kumimoji="0" lang="ko-KR" altLang="en-US" sz="2500" b="0" i="0" u="none" strike="noStrike" kern="1200" cap="none" spc="0" normalizeH="0" baseline="0">
-                <a:solidFill>
-                  <a:srgbClr val="000000"/>
-                </a:solidFill>
-                <a:latin typeface="맑은 고딕"/>
-                <a:ea typeface="맑은 고딕"/>
-                <a:cs typeface="Arial Unicode MS"/>
-              </a:rPr>
-              <a:t>김서윤</a:t>
-            </a:r>
-            <a:endParaRPr kumimoji="0" lang="ko-KR" altLang="en-US" sz="2500" b="0" i="0" u="none" strike="noStrike" kern="1200" cap="none" spc="0" normalizeH="0" baseline="0">
-              <a:solidFill>
-                <a:srgbClr val="000000"/>
-              </a:solidFill>
-              <a:latin typeface="맑은 고딕"/>
-              <a:ea typeface="맑은 고딕"/>
-              <a:cs typeface="Arial Unicode MS"/>
-            </a:endParaRPr>
-          </a:p>
-        </p:txBody>
-      </p:sp>
-      <p:sp>
-        <p:nvSpPr>
-          <p:cNvPr id="10" name="사각형: 둥근 모서리 9"/>
-          <p:cNvSpPr/>
-          <p:nvPr/>
-        </p:nvSpPr>
-        <p:spPr>
-          <a:xfrm>
-            <a:off x="560234" y="3972827"/>
-            <a:ext cx="2509274" cy="870564"/>
-          </a:xfrm>
-          <a:prstGeom prst="roundRect">
-            <a:avLst>
-              <a:gd name="adj" fmla="val 16667"/>
-            </a:avLst>
+      </p:cxnSp>
+      <p:pic>
+        <p:nvPicPr>
+          <p:cNvPr id="23" name=""/>
+          <p:cNvPicPr>
+            <a:picLocks noChangeAspect="1"/>
+          </p:cNvPicPr>
+          <p:nvPr/>
+        </p:nvPicPr>
+        <p:blipFill rotWithShape="1">
+          <a:blip r:embed="rId6"/>
+          <a:stretch>
+            <a:fillRect/>
+          </a:stretch>
+        </p:blipFill>
+        <p:spPr>
+          <a:xfrm>
+            <a:off x="8061309" y="659899"/>
+            <a:ext cx="3899286" cy="2788151"/>
+          </a:xfrm>
+          <a:prstGeom prst="rect">
+            <a:avLst/>
+          </a:prstGeom>
+        </p:spPr>
+      </p:pic>
+      <p:cxnSp>
+        <p:nvCxnSpPr>
+          <p:cNvPr id="25" name=""/>
+          <p:cNvCxnSpPr>
+            <a:stCxn id="16" idx="3"/>
+            <a:endCxn id="23" idx="1"/>
+          </p:cNvCxnSpPr>
+          <p:nvPr/>
+        </p:nvCxnSpPr>
+        <p:spPr>
+          <a:xfrm>
+            <a:off x="7380767" y="2052446"/>
+            <a:ext cx="680542" cy="1528"/>
+          </a:xfrm>
+          <a:prstGeom prst="straightConnector1">
+            <a:avLst/>
+          </a:prstGeom>
+          <a:ln w="38100">
+            <a:solidFill>
+              <a:schemeClr val="tx1"/>
+            </a:solidFill>
+            <a:headEnd w="med" len="med"/>
+            <a:tailEnd type="arrow" w="med" len="med"/>
+          </a:ln>
+        </p:spPr>
+        <p:style>
+          <a:lnRef idx="1">
+            <a:schemeClr val="accent1"/>
+          </a:lnRef>
+          <a:fillRef idx="0">
+            <a:schemeClr val="accent1"/>
+          </a:fillRef>
+          <a:effectRef idx="0">
+            <a:schemeClr val="accent1"/>
+          </a:effectRef>
+          <a:fontRef idx="minor">
+            <a:schemeClr val="tx1"/>
+          </a:fontRef>
+        </p:style>
+      </p:cxnSp>
+      <p:pic>
+        <p:nvPicPr>
+          <p:cNvPr id="27" name=""/>
+          <p:cNvPicPr>
+            <a:picLocks noChangeAspect="1"/>
+          </p:cNvPicPr>
+          <p:nvPr/>
+        </p:nvPicPr>
+        <p:blipFill rotWithShape="1">
+          <a:blip r:embed="rId7"/>
+          <a:stretch>
+            <a:fillRect/>
+          </a:stretch>
+        </p:blipFill>
+        <p:spPr>
+          <a:xfrm>
+            <a:off x="8061310" y="3726826"/>
+            <a:ext cx="3899286" cy="2746295"/>
+          </a:xfrm>
+          <a:prstGeom prst="rect">
+            <a:avLst/>
+          </a:prstGeom>
+          <a:ln w="38100">
+            <a:solidFill>
+              <a:srgbClr val="000000"/>
+            </a:solidFill>
+          </a:ln>
+        </p:spPr>
+      </p:pic>
+      <p:cxnSp>
+        <p:nvCxnSpPr>
+          <p:cNvPr id="28" name=""/>
+          <p:cNvCxnSpPr/>
+          <p:nvPr/>
+        </p:nvCxnSpPr>
+        <p:spPr>
+          <a:xfrm>
+            <a:off x="7380768" y="5119373"/>
+            <a:ext cx="680542" cy="1528"/>
+          </a:xfrm>
+          <a:prstGeom prst="straightConnector1">
+            <a:avLst/>
           </a:prstGeom>
           <a:noFill/>
-          <a:ln w="38100">
+          <a:ln w="38100" cap="flat" cmpd="sng" algn="ctr">
             <a:solidFill>
               <a:srgbClr val="000000">
                 <a:alpha val="100000"/>
               </a:srgbClr>
             </a:solidFill>
-            <a:miter/>
+            <a:prstDash val="solid"/>
+            <a:headEnd w="med" len="med"/>
+            <a:tailEnd type="arrow" w="med" len="med"/>
           </a:ln>
         </p:spPr>
-        <p:txBody>
-          <a:bodyPr anchor="ctr"/>
-          <a:lstStyle/>
-          <a:p>
-            <a:pPr marL="0" indent="0" algn="ctr" defTabSz="914400" rtl="0" eaLnBrk="1" latinLnBrk="1" hangingPunct="1">
-              <a:lnSpc>
-                <a:spcPct val="150000"/>
-              </a:lnSpc>
-              <a:spcBef>
-                <a:spcPct val="0"/>
-              </a:spcBef>
-              <a:spcAft>
-                <a:spcPts val="0"/>
-              </a:spcAft>
-              <a:buFontTx/>
-              <a:buNone/>
-              <a:defRPr/>
-            </a:pPr>
-            <a:r>
-              <a:rPr kumimoji="0" lang="ko-KR" altLang="en-US" sz="2500" b="0" i="0" u="none" strike="noStrike" kern="1200" cap="none" spc="0" normalizeH="0" baseline="0">
-                <a:solidFill>
-                  <a:srgbClr val="000000"/>
-                </a:solidFill>
-                <a:latin typeface="맑은 고딕"/>
-                <a:ea typeface="맑은 고딕"/>
-                <a:cs typeface="Arial Unicode MS"/>
-              </a:rPr>
-              <a:t>김재곤</a:t>
-            </a:r>
-            <a:endParaRPr kumimoji="0" lang="ko-KR" altLang="en-US" sz="2500" b="0" i="0" u="none" strike="noStrike" kern="1200" cap="none" spc="0" normalizeH="0" baseline="0">
-              <a:solidFill>
-                <a:srgbClr val="000000"/>
-              </a:solidFill>
-              <a:latin typeface="맑은 고딕"/>
-              <a:ea typeface="맑은 고딕"/>
-              <a:cs typeface="Arial Unicode MS"/>
-            </a:endParaRPr>
-          </a:p>
-        </p:txBody>
-      </p:sp>
-      <p:sp>
-        <p:nvSpPr>
-          <p:cNvPr id="11" name="사각형: 둥근 모서리 10"/>
-          <p:cNvSpPr/>
-          <p:nvPr/>
-        </p:nvSpPr>
-        <p:spPr>
-          <a:xfrm>
-            <a:off x="6409335" y="952685"/>
-            <a:ext cx="2509274" cy="870564"/>
-          </a:xfrm>
-          <a:prstGeom prst="roundRect">
-            <a:avLst>
-              <a:gd name="adj" fmla="val 16667"/>
-            </a:avLst>
-          </a:prstGeom>
-          <a:noFill/>
-          <a:ln w="38100">
-            <a:solidFill>
-              <a:srgbClr val="000000">
-                <a:alpha val="100000"/>
-              </a:srgbClr>
-            </a:solidFill>
-            <a:miter/>
-          </a:ln>
-        </p:spPr>
-        <p:txBody>
-          <a:bodyPr anchor="ctr"/>
-          <a:lstStyle/>
-          <a:p>
-            <a:pPr marL="0" indent="0" algn="ctr" defTabSz="914400" rtl="0" eaLnBrk="1" latinLnBrk="1" hangingPunct="1">
-              <a:lnSpc>
-                <a:spcPct val="150000"/>
-              </a:lnSpc>
-              <a:spcBef>
-                <a:spcPct val="0"/>
-              </a:spcBef>
-              <a:spcAft>
-                <a:spcPts val="0"/>
-              </a:spcAft>
-              <a:buFontTx/>
-              <a:buNone/>
-              <a:defRPr/>
-            </a:pPr>
-            <a:r>
-              <a:rPr kumimoji="0" lang="ko-KR" altLang="en-US" sz="2500" b="0" i="0" u="none" strike="noStrike" kern="1200" cap="none" spc="0" normalizeH="0" baseline="0">
-                <a:solidFill>
-                  <a:srgbClr val="000000"/>
-                </a:solidFill>
-                <a:latin typeface="맑은 고딕"/>
-                <a:ea typeface="맑은 고딕"/>
-                <a:cs typeface="Arial Unicode MS"/>
-              </a:rPr>
-              <a:t>계민석</a:t>
-            </a:r>
-            <a:endParaRPr kumimoji="0" lang="ko-KR" altLang="en-US" sz="2500" b="0" i="0" u="none" strike="noStrike" kern="1200" cap="none" spc="0" normalizeH="0" baseline="0">
-              <a:solidFill>
-                <a:srgbClr val="000000"/>
-              </a:solidFill>
-              <a:latin typeface="맑은 고딕"/>
-              <a:ea typeface="맑은 고딕"/>
-              <a:cs typeface="Arial Unicode MS"/>
-            </a:endParaRPr>
-          </a:p>
-        </p:txBody>
-      </p:sp>
-      <p:sp>
-        <p:nvSpPr>
-          <p:cNvPr id="12" name="사각형: 둥근 모서리 11"/>
-          <p:cNvSpPr/>
-          <p:nvPr/>
-        </p:nvSpPr>
-        <p:spPr>
-          <a:xfrm>
-            <a:off x="6409334" y="3972827"/>
-            <a:ext cx="2509274" cy="870564"/>
-          </a:xfrm>
-          <a:prstGeom prst="roundRect">
-            <a:avLst>
-              <a:gd name="adj" fmla="val 16667"/>
-            </a:avLst>
-          </a:prstGeom>
-          <a:noFill/>
-          <a:ln w="38100">
-            <a:solidFill>
-              <a:srgbClr val="000000">
-                <a:alpha val="100000"/>
-              </a:srgbClr>
-            </a:solidFill>
-            <a:miter/>
-          </a:ln>
-        </p:spPr>
-        <p:txBody>
-          <a:bodyPr anchor="ctr"/>
-          <a:lstStyle/>
-          <a:p>
-            <a:pPr marL="0" indent="0" algn="ctr" defTabSz="914400" rtl="0" eaLnBrk="1" latinLnBrk="1" hangingPunct="1">
-              <a:lnSpc>
-                <a:spcPct val="150000"/>
-              </a:lnSpc>
-              <a:spcBef>
-                <a:spcPct val="0"/>
-              </a:spcBef>
-              <a:spcAft>
-                <a:spcPts val="0"/>
-              </a:spcAft>
-              <a:buFontTx/>
-              <a:buNone/>
-              <a:defRPr/>
-            </a:pPr>
-            <a:r>
-              <a:rPr kumimoji="0" lang="ko-KR" altLang="en-US" sz="2500" b="0" i="0" u="none" strike="noStrike" kern="1200" cap="none" spc="0" normalizeH="0" baseline="0">
-                <a:solidFill>
-                  <a:srgbClr val="000000"/>
-                </a:solidFill>
-                <a:latin typeface="맑은 고딕"/>
-                <a:ea typeface="맑은 고딕"/>
-                <a:cs typeface="Arial Unicode MS"/>
-              </a:rPr>
-              <a:t>한성현</a:t>
-            </a:r>
-            <a:endParaRPr kumimoji="0" lang="ko-KR" altLang="en-US" sz="2500" b="0" i="0" u="none" strike="noStrike" kern="1200" cap="none" spc="0" normalizeH="0" baseline="0">
-              <a:solidFill>
-                <a:srgbClr val="000000"/>
-              </a:solidFill>
-              <a:latin typeface="맑은 고딕"/>
-              <a:ea typeface="맑은 고딕"/>
-              <a:cs typeface="Arial Unicode MS"/>
-            </a:endParaRPr>
-          </a:p>
-        </p:txBody>
-      </p:sp>
-      <p:sp>
-        <p:nvSpPr>
-          <p:cNvPr id="14" name="직사각형 13"/>
-          <p:cNvSpPr/>
-          <p:nvPr/>
-        </p:nvSpPr>
-        <p:spPr>
-          <a:xfrm>
-            <a:off x="560234" y="4843392"/>
-            <a:ext cx="5081516" cy="1025072"/>
+      </p:cxnSp>
+      <p:pic>
+        <p:nvPicPr>
+          <p:cNvPr id="29" name="그림 14"/>
+          <p:cNvPicPr>
+            <a:picLocks noChangeAspect="1"/>
+          </p:cNvPicPr>
+          <p:nvPr/>
+        </p:nvPicPr>
+        <p:blipFill rotWithShape="1">
+          <a:blip r:embed="rId8"/>
+          <a:stretch>
+            <a:fillRect/>
+          </a:stretch>
+        </p:blipFill>
+        <p:spPr>
+          <a:xfrm>
+            <a:off x="2927701" y="659899"/>
+            <a:ext cx="6836609" cy="5914055"/>
           </a:xfrm>
           <a:prstGeom prst="rect">
             <a:avLst/>
           </a:prstGeom>
-          <a:noFill/>
-          <a:ln w="38100">
-            <a:solidFill>
-              <a:srgbClr val="000000">
-                <a:alpha val="100000"/>
-              </a:srgbClr>
-            </a:solidFill>
-            <a:miter/>
-          </a:ln>
-        </p:spPr>
-        <p:txBody>
-          <a:bodyPr anchor="t"/>
-          <a:lstStyle/>
-          <a:p>
-            <a:pPr marL="285750" indent="-285750" algn="l" defTabSz="914400" rtl="0" eaLnBrk="1" latinLnBrk="1" hangingPunct="1">
-              <a:lnSpc>
-                <a:spcPct val="150000"/>
-              </a:lnSpc>
-              <a:spcBef>
-                <a:spcPct val="0"/>
-              </a:spcBef>
-              <a:spcAft>
-                <a:spcPts val="0"/>
-              </a:spcAft>
-              <a:buFont typeface="Arial"/>
-              <a:buChar char="•"/>
-              <a:defRPr/>
-            </a:pPr>
-            <a:r>
-              <a:rPr lang="en-US" altLang="ko-KR" sz="2100">
-                <a:latin typeface="맑은 고딕"/>
-                <a:ea typeface="맑은 고딕"/>
-                <a:cs typeface="Arial Unicode MS"/>
-              </a:rPr>
-              <a:t>System Info UI</a:t>
-            </a:r>
-            <a:r>
-              <a:rPr lang="ko-KR" altLang="en-US" sz="2100">
-                <a:latin typeface="맑은 고딕"/>
-                <a:ea typeface="맑은 고딕"/>
-                <a:cs typeface="Arial Unicode MS"/>
-              </a:rPr>
-              <a:t> 설계 및 제작</a:t>
-            </a:r>
-            <a:endParaRPr lang="ko-KR" altLang="en-US" sz="2100">
-              <a:latin typeface="맑은 고딕"/>
-              <a:ea typeface="맑은 고딕"/>
-              <a:cs typeface="Arial Unicode MS"/>
-            </a:endParaRPr>
-          </a:p>
-          <a:p>
-            <a:pPr marL="285750" indent="-285750" algn="l" defTabSz="914400" rtl="0" eaLnBrk="1" latinLnBrk="1" hangingPunct="1">
-              <a:lnSpc>
-                <a:spcPct val="150000"/>
-              </a:lnSpc>
-              <a:spcBef>
-                <a:spcPct val="0"/>
-              </a:spcBef>
-              <a:spcAft>
-                <a:spcPts val="0"/>
-              </a:spcAft>
-              <a:buFont typeface="Arial"/>
-              <a:buChar char="•"/>
-              <a:defRPr/>
-            </a:pPr>
-            <a:r>
-              <a:rPr lang="en-US" altLang="ko-KR" sz="2100">
-                <a:latin typeface="맑은 고딕"/>
-                <a:ea typeface="맑은 고딕"/>
-                <a:cs typeface="Arial Unicode MS"/>
-              </a:rPr>
-              <a:t>Main UI Input</a:t>
-            </a:r>
-            <a:r>
-              <a:rPr lang="ko-KR" altLang="en-US" sz="2100">
-                <a:latin typeface="맑은 고딕"/>
-                <a:ea typeface="맑은 고딕"/>
-                <a:cs typeface="Arial Unicode MS"/>
-              </a:rPr>
-              <a:t> 그림 제작</a:t>
-            </a:r>
-            <a:endParaRPr lang="ko-KR" altLang="en-US" sz="2100">
-              <a:latin typeface="맑은 고딕"/>
-              <a:ea typeface="맑은 고딕"/>
-              <a:cs typeface="Arial Unicode MS"/>
-            </a:endParaRPr>
-          </a:p>
-          <a:p>
-            <a:pPr marL="285750" indent="-285750">
-              <a:lnSpc>
-                <a:spcPct val="150000"/>
-              </a:lnSpc>
-              <a:spcBef>
-                <a:spcPct val="0"/>
-              </a:spcBef>
-              <a:buFont typeface="Arial"/>
-              <a:buChar char="•"/>
-              <a:defRPr/>
-            </a:pPr>
-            <a:endParaRPr lang="en-US" altLang="ko-KR" sz="2100">
-              <a:latin typeface="맑은 고딕"/>
-              <a:ea typeface="맑은 고딕"/>
-              <a:cs typeface="Arial Unicode MS"/>
-            </a:endParaRPr>
-          </a:p>
-        </p:txBody>
-      </p:sp>
-      <p:sp>
-        <p:nvSpPr>
-          <p:cNvPr id="16" name="직사각형 15"/>
-          <p:cNvSpPr/>
-          <p:nvPr/>
-        </p:nvSpPr>
-        <p:spPr>
-          <a:xfrm>
-            <a:off x="560234" y="1817906"/>
-            <a:ext cx="5081516" cy="1025073"/>
-          </a:xfrm>
-          <a:prstGeom prst="rect">
-            <a:avLst/>
-          </a:prstGeom>
-          <a:noFill/>
-          <a:ln w="38100" cap="flat">
-            <a:solidFill>
-              <a:srgbClr val="000000">
-                <a:alpha val="100000"/>
-              </a:srgbClr>
-            </a:solidFill>
-            <a:miter/>
-          </a:ln>
-        </p:spPr>
-        <p:txBody>
-          <a:bodyPr anchor="t"/>
-          <a:lstStyle/>
-          <a:p>
-            <a:pPr marL="285750" indent="-285750" algn="l" defTabSz="914400" rtl="0" eaLnBrk="1" latinLnBrk="1" hangingPunct="1">
-              <a:lnSpc>
-                <a:spcPct val="150000"/>
-              </a:lnSpc>
-              <a:spcBef>
-                <a:spcPct val="0"/>
-              </a:spcBef>
-              <a:spcAft>
-                <a:spcPts val="0"/>
-              </a:spcAft>
-              <a:buFont typeface="Arial"/>
-              <a:buChar char="•"/>
-              <a:defRPr/>
-            </a:pPr>
-            <a:r>
-              <a:rPr lang="en-US" altLang="ko-KR" sz="2100">
-                <a:latin typeface="맑은 고딕"/>
-                <a:ea typeface="맑은 고딕"/>
-                <a:cs typeface="Arial Unicode MS"/>
-              </a:rPr>
-              <a:t>Main UI</a:t>
-            </a:r>
-            <a:r>
-              <a:rPr lang="ko-KR" altLang="en-US" sz="2100">
-                <a:latin typeface="맑은 고딕"/>
-                <a:ea typeface="맑은 고딕"/>
-                <a:cs typeface="Arial Unicode MS"/>
-              </a:rPr>
-              <a:t> 설계 및 제작</a:t>
-            </a:r>
-            <a:endParaRPr lang="ko-KR" altLang="en-US" sz="2100">
-              <a:latin typeface="맑은 고딕"/>
-              <a:ea typeface="맑은 고딕"/>
-              <a:cs typeface="Arial Unicode MS"/>
-            </a:endParaRPr>
-          </a:p>
-          <a:p>
-            <a:pPr marL="285750" indent="-285750" algn="l" defTabSz="914400" rtl="0" eaLnBrk="1" latinLnBrk="1" hangingPunct="1">
-              <a:lnSpc>
-                <a:spcPct val="150000"/>
-              </a:lnSpc>
-              <a:spcBef>
-                <a:spcPct val="0"/>
-              </a:spcBef>
-              <a:spcAft>
-                <a:spcPts val="0"/>
-              </a:spcAft>
-              <a:buFont typeface="Arial"/>
-              <a:buChar char="•"/>
-              <a:defRPr/>
-            </a:pPr>
-            <a:r>
-              <a:rPr lang="en-US" altLang="ko-KR" sz="2100">
-                <a:latin typeface="맑은 고딕"/>
-                <a:ea typeface="맑은 고딕"/>
-                <a:cs typeface="Arial Unicode MS"/>
-              </a:rPr>
-              <a:t>Main UI Input</a:t>
-            </a:r>
-            <a:r>
-              <a:rPr lang="ko-KR" altLang="en-US" sz="2100">
-                <a:latin typeface="맑은 고딕"/>
-                <a:ea typeface="맑은 고딕"/>
-                <a:cs typeface="Arial Unicode MS"/>
-              </a:rPr>
-              <a:t> 그림 제작</a:t>
-            </a:r>
-            <a:endParaRPr lang="ko-KR" altLang="en-US" sz="2100">
-              <a:latin typeface="맑은 고딕"/>
-              <a:ea typeface="맑은 고딕"/>
-              <a:cs typeface="Arial Unicode MS"/>
-            </a:endParaRPr>
-          </a:p>
-        </p:txBody>
-      </p:sp>
-      <p:sp>
-        <p:nvSpPr>
-          <p:cNvPr id="18" name="직사각형 17"/>
-          <p:cNvSpPr/>
-          <p:nvPr/>
-        </p:nvSpPr>
-        <p:spPr>
-          <a:xfrm>
-            <a:off x="6409335" y="1817906"/>
-            <a:ext cx="5081516" cy="1025073"/>
-          </a:xfrm>
-          <a:prstGeom prst="rect">
-            <a:avLst/>
-          </a:prstGeom>
-          <a:noFill/>
-          <a:ln w="38100">
-            <a:solidFill>
-              <a:srgbClr val="000000">
-                <a:alpha val="100000"/>
-              </a:srgbClr>
-            </a:solidFill>
-            <a:miter/>
-          </a:ln>
-        </p:spPr>
-        <p:txBody>
-          <a:bodyPr anchor="t"/>
-          <a:lstStyle/>
-          <a:p>
-            <a:pPr marL="285750" indent="-285750" algn="l" defTabSz="914400" rtl="0" eaLnBrk="1" latinLnBrk="1" hangingPunct="1">
-              <a:lnSpc>
-                <a:spcPct val="150000"/>
-              </a:lnSpc>
-              <a:spcBef>
-                <a:spcPct val="0"/>
-              </a:spcBef>
-              <a:spcAft>
-                <a:spcPts val="0"/>
-              </a:spcAft>
-              <a:buFont typeface="Arial"/>
-              <a:buChar char="•"/>
-              <a:defRPr/>
-            </a:pPr>
-            <a:r>
-              <a:rPr lang="en-US" altLang="ko-KR" sz="2100">
-                <a:latin typeface="맑은 고딕"/>
-                <a:ea typeface="맑은 고딕"/>
-                <a:cs typeface="Arial Unicode MS"/>
-              </a:rPr>
-              <a:t>FAB SOLO Flow</a:t>
-            </a:r>
-            <a:r>
-              <a:rPr lang="ko-KR" altLang="en-US" sz="2100">
-                <a:latin typeface="맑은 고딕"/>
-                <a:ea typeface="맑은 고딕"/>
-                <a:cs typeface="Arial Unicode MS"/>
-              </a:rPr>
-              <a:t> 설계 및 구현</a:t>
-            </a:r>
-            <a:endParaRPr lang="ko-KR" altLang="en-US" sz="2100">
-              <a:latin typeface="맑은 고딕"/>
-              <a:ea typeface="맑은 고딕"/>
-              <a:cs typeface="Arial Unicode MS"/>
-            </a:endParaRPr>
-          </a:p>
-          <a:p>
-            <a:pPr marL="285750" indent="-285750" algn="l" defTabSz="914400" rtl="0" eaLnBrk="1" latinLnBrk="1" hangingPunct="1">
-              <a:lnSpc>
-                <a:spcPct val="150000"/>
-              </a:lnSpc>
-              <a:spcBef>
-                <a:spcPct val="0"/>
-              </a:spcBef>
-              <a:spcAft>
-                <a:spcPts val="0"/>
-              </a:spcAft>
-              <a:buFont typeface="Arial"/>
-              <a:buChar char="•"/>
-              <a:defRPr/>
-            </a:pPr>
-            <a:r>
-              <a:rPr lang="en-US" altLang="ko-KR" sz="2100">
-                <a:latin typeface="맑은 고딕"/>
-                <a:ea typeface="맑은 고딕"/>
-                <a:cs typeface="Arial Unicode MS"/>
-              </a:rPr>
-              <a:t>Flow</a:t>
-            </a:r>
-            <a:r>
-              <a:rPr lang="ko-KR" altLang="en-US" sz="2100">
-                <a:latin typeface="맑은 고딕"/>
-                <a:ea typeface="맑은 고딕"/>
-                <a:cs typeface="Arial Unicode MS"/>
-              </a:rPr>
-              <a:t>와 </a:t>
-            </a:r>
-            <a:r>
-              <a:rPr lang="en-US" altLang="ko-KR" sz="2100">
-                <a:latin typeface="맑은 고딕"/>
-                <a:ea typeface="맑은 고딕"/>
-                <a:cs typeface="Arial Unicode MS"/>
-              </a:rPr>
-              <a:t>Main UI</a:t>
-            </a:r>
-            <a:r>
-              <a:rPr lang="ko-KR" altLang="en-US" sz="2100">
-                <a:latin typeface="맑은 고딕"/>
-                <a:ea typeface="맑은 고딕"/>
-                <a:cs typeface="Arial Unicode MS"/>
-              </a:rPr>
-              <a:t> 결합 및 기능 구현</a:t>
-            </a:r>
-            <a:endParaRPr lang="ko-KR" altLang="en-US" sz="2100">
-              <a:latin typeface="맑은 고딕"/>
-              <a:ea typeface="맑은 고딕"/>
-              <a:cs typeface="Arial Unicode MS"/>
-            </a:endParaRPr>
-          </a:p>
-          <a:p>
-            <a:pPr marL="285750" indent="-285750" algn="l" defTabSz="914400" rtl="0" eaLnBrk="1" latinLnBrk="1" hangingPunct="1">
-              <a:lnSpc>
-                <a:spcPct val="150000"/>
-              </a:lnSpc>
-              <a:spcBef>
-                <a:spcPct val="0"/>
-              </a:spcBef>
-              <a:spcAft>
-                <a:spcPts val="0"/>
-              </a:spcAft>
-              <a:buFont typeface="Arial"/>
-              <a:buChar char="•"/>
-              <a:defRPr/>
-            </a:pPr>
-            <a:endParaRPr lang="ko-KR" altLang="en-US" sz="2100">
-              <a:latin typeface="맑은 고딕"/>
-              <a:ea typeface="맑은 고딕"/>
-              <a:cs typeface="Arial Unicode MS"/>
-            </a:endParaRPr>
-          </a:p>
-          <a:p>
-            <a:pPr marL="285750" indent="-285750">
-              <a:lnSpc>
-                <a:spcPct val="150000"/>
-              </a:lnSpc>
-              <a:spcBef>
-                <a:spcPct val="0"/>
-              </a:spcBef>
-              <a:buFont typeface="Arial"/>
-              <a:buChar char="•"/>
-              <a:defRPr/>
-            </a:pPr>
-            <a:endParaRPr lang="ko-KR" altLang="en-US" sz="2100">
-              <a:latin typeface="맑은 고딕"/>
-              <a:ea typeface="맑은 고딕"/>
-              <a:cs typeface="Arial Unicode MS"/>
-            </a:endParaRPr>
-          </a:p>
-        </p:txBody>
-      </p:sp>
-      <p:sp>
-        <p:nvSpPr>
-          <p:cNvPr id="19" name="직사각형 18"/>
-          <p:cNvSpPr/>
-          <p:nvPr/>
-        </p:nvSpPr>
-        <p:spPr>
-          <a:xfrm>
-            <a:off x="6409335" y="4843391"/>
-            <a:ext cx="5081516" cy="1025073"/>
-          </a:xfrm>
-          <a:prstGeom prst="rect">
-            <a:avLst/>
-          </a:prstGeom>
-          <a:noFill/>
-          <a:ln w="38100">
-            <a:solidFill>
-              <a:srgbClr val="000000">
-                <a:alpha val="100000"/>
-              </a:srgbClr>
-            </a:solidFill>
-            <a:miter/>
-          </a:ln>
-        </p:spPr>
-        <p:txBody>
-          <a:bodyPr anchor="t"/>
-          <a:lstStyle/>
-          <a:p>
-            <a:pPr marL="285750" indent="-285750">
-              <a:lnSpc>
-                <a:spcPct val="150000"/>
-              </a:lnSpc>
-              <a:spcBef>
-                <a:spcPct val="0"/>
-              </a:spcBef>
-              <a:buFont typeface="Arial"/>
-              <a:buChar char="•"/>
-              <a:defRPr/>
-            </a:pPr>
-            <a:r>
-              <a:rPr kumimoji="0" lang="en-US" altLang="ko-KR" sz="2100" b="0" i="0" u="none" strike="noStrike" kern="1200" cap="none" spc="0" normalizeH="0" baseline="0">
-                <a:latin typeface="맑은 고딕"/>
-                <a:ea typeface="맑은 고딕"/>
-                <a:cs typeface="Arial Unicode MS"/>
-              </a:rPr>
-              <a:t>System Info UI </a:t>
-            </a:r>
-            <a:r>
-              <a:rPr kumimoji="0" lang="ko-KR" altLang="en-US" sz="2100" b="0" i="0" u="none" strike="noStrike" kern="1200" cap="none" spc="0" normalizeH="0" baseline="0">
-                <a:latin typeface="맑은 고딕"/>
-                <a:ea typeface="맑은 고딕"/>
-                <a:cs typeface="Arial Unicode MS"/>
-              </a:rPr>
-              <a:t>기능 구현</a:t>
-            </a:r>
-            <a:endParaRPr kumimoji="0" lang="ko-KR" altLang="en-US" sz="2100" b="0" i="0" u="none" strike="noStrike" kern="1200" cap="none" spc="0" normalizeH="0" baseline="0">
-              <a:latin typeface="맑은 고딕"/>
-              <a:ea typeface="맑은 고딕"/>
-              <a:cs typeface="Arial Unicode MS"/>
-            </a:endParaRPr>
-          </a:p>
-          <a:p>
-            <a:pPr marL="285750" indent="-285750">
-              <a:lnSpc>
-                <a:spcPct val="150000"/>
-              </a:lnSpc>
-              <a:spcBef>
-                <a:spcPct val="0"/>
-              </a:spcBef>
-              <a:buFont typeface="Arial"/>
-              <a:buChar char="•"/>
-              <a:defRPr/>
-            </a:pPr>
-            <a:r>
-              <a:rPr kumimoji="0" lang="en-US" altLang="ko-KR" sz="2100" b="0" i="0" u="none" strike="noStrike" kern="1200" cap="none" spc="0" normalizeH="0" baseline="0">
-                <a:latin typeface="맑은 고딕"/>
-                <a:ea typeface="맑은 고딕"/>
-                <a:cs typeface="Arial Unicode MS"/>
-              </a:rPr>
-              <a:t>File</a:t>
-            </a:r>
-            <a:r>
-              <a:rPr kumimoji="0" lang="ko-KR" altLang="en-US" sz="2100" b="0" i="0" u="none" strike="noStrike" kern="1200" cap="none" spc="0" normalizeH="0" baseline="0">
-                <a:latin typeface="맑은 고딕"/>
-                <a:ea typeface="맑은 고딕"/>
-                <a:cs typeface="Arial Unicode MS"/>
-              </a:rPr>
-              <a:t> </a:t>
-            </a:r>
-            <a:r>
-              <a:rPr kumimoji="0" lang="en-US" altLang="ko-KR" sz="2100" b="0" i="0" u="none" strike="noStrike" kern="1200" cap="none" spc="0" normalizeH="0" baseline="0">
-                <a:latin typeface="맑은 고딕"/>
-                <a:ea typeface="맑은 고딕"/>
-                <a:cs typeface="Arial Unicode MS"/>
-              </a:rPr>
-              <a:t>Save &amp;</a:t>
-            </a:r>
-            <a:r>
-              <a:rPr kumimoji="0" lang="ko-KR" altLang="en-US" sz="2100" b="0" i="0" u="none" strike="noStrike" kern="1200" cap="none" spc="0" normalizeH="0" baseline="0">
-                <a:latin typeface="맑은 고딕"/>
-                <a:ea typeface="맑은 고딕"/>
-                <a:cs typeface="Arial Unicode MS"/>
-              </a:rPr>
-              <a:t> </a:t>
-            </a:r>
-            <a:r>
-              <a:rPr kumimoji="0" lang="en-US" altLang="ko-KR" sz="2100" b="0" i="0" u="none" strike="noStrike" kern="1200" cap="none" spc="0" normalizeH="0" baseline="0">
-                <a:latin typeface="맑은 고딕"/>
-                <a:ea typeface="맑은 고딕"/>
-                <a:cs typeface="Arial Unicode MS"/>
-              </a:rPr>
-              <a:t>Load </a:t>
-            </a:r>
-            <a:r>
-              <a:rPr kumimoji="0" lang="ko-KR" altLang="en-US" sz="2100" b="0" i="0" u="none" strike="noStrike" kern="1200" cap="none" spc="0" normalizeH="0" baseline="0">
-                <a:latin typeface="맑은 고딕"/>
-                <a:ea typeface="맑은 고딕"/>
-                <a:cs typeface="Arial Unicode MS"/>
-              </a:rPr>
-              <a:t>기능 구현</a:t>
-            </a:r>
-            <a:endParaRPr kumimoji="0" lang="ko-KR" altLang="en-US" sz="2100" b="0" i="0" u="none" strike="noStrike" kern="1200" cap="none" spc="0" normalizeH="0" baseline="0">
-              <a:latin typeface="맑은 고딕"/>
-              <a:ea typeface="맑은 고딕"/>
-              <a:cs typeface="Arial Unicode MS"/>
-            </a:endParaRPr>
-          </a:p>
-        </p:txBody>
-      </p:sp>
+        </p:spPr>
+      </p:pic>
     </p:spTree>
   </p:cSld>
   <p:clrMapOvr>
@@ -11737,6 +11148,375 @@
       <p:transition/>
     </mc:Fallback>
   </mc:AlternateContent>
+  <p:timing>
+    <p:tnLst>
+      <p:par>
+        <p:cTn id="1" dur="indefinite" restart="never" nodeType="tmRoot">
+          <p:childTnLst>
+            <p:seq concurrent="1" nextAc="seek">
+              <p:cTn id="2" dur="indefinite" nodeType="mainSeq">
+                <p:childTnLst>
+                  <p:par>
+                    <p:cTn id="3" fill="hold">
+                      <p:stCondLst>
+                        <p:cond delay="indefinite"/>
+                      </p:stCondLst>
+                      <p:childTnLst>
+                        <p:par>
+                          <p:cTn id="4" fill="hold">
+                            <p:stCondLst>
+                              <p:cond delay="0"/>
+                            </p:stCondLst>
+                            <p:childTnLst>
+                              <p:par>
+                                <p:cTn id="5" presetID="1" presetClass="entr" presetSubtype="0" fill="hold" nodeType="clickEffect">
+                                  <p:stCondLst>
+                                    <p:cond delay="0"/>
+                                  </p:stCondLst>
+                                  <p:childTnLst>
+                                    <p:set>
+                                      <p:cBhvr>
+                                        <p:cTn id="6" dur="1" fill="hold">
+                                          <p:stCondLst>
+                                            <p:cond delay="0"/>
+                                          </p:stCondLst>
+                                        </p:cTn>
+                                        <p:tgtEl>
+                                          <p:spTgt spid="16"/>
+                                        </p:tgtEl>
+                                        <p:attrNameLst>
+                                          <p:attrName>style.visibility</p:attrName>
+                                        </p:attrNameLst>
+                                      </p:cBhvr>
+                                      <p:to>
+                                        <p:strVal val="visible"/>
+                                      </p:to>
+                                    </p:set>
+                                  </p:childTnLst>
+                                </p:cTn>
+                              </p:par>
+                              <p:par>
+                                <p:cTn id="7" presetID="1" presetClass="entr" presetSubtype="0" fill="hold" grpId="0" nodeType="withEffect">
+                                  <p:stCondLst>
+                                    <p:cond delay="0"/>
+                                  </p:stCondLst>
+                                  <p:childTnLst>
+                                    <p:set>
+                                      <p:cBhvr>
+                                        <p:cTn id="8" dur="1" fill="hold">
+                                          <p:stCondLst>
+                                            <p:cond delay="0"/>
+                                          </p:stCondLst>
+                                        </p:cTn>
+                                        <p:tgtEl>
+                                          <p:spTgt spid="21"/>
+                                        </p:tgtEl>
+                                        <p:attrNameLst>
+                                          <p:attrName>style.visibility</p:attrName>
+                                        </p:attrNameLst>
+                                      </p:cBhvr>
+                                      <p:to>
+                                        <p:strVal val="visible"/>
+                                      </p:to>
+                                    </p:set>
+                                  </p:childTnLst>
+                                </p:cTn>
+                              </p:par>
+                            </p:childTnLst>
+                          </p:cTn>
+                        </p:par>
+                      </p:childTnLst>
+                    </p:cTn>
+                  </p:par>
+                  <p:par>
+                    <p:cTn id="9" fill="hold">
+                      <p:stCondLst>
+                        <p:cond delay="indefinite"/>
+                      </p:stCondLst>
+                      <p:childTnLst>
+                        <p:par>
+                          <p:cTn id="10" fill="hold">
+                            <p:stCondLst>
+                              <p:cond delay="0"/>
+                            </p:stCondLst>
+                            <p:childTnLst>
+                              <p:par>
+                                <p:cTn id="11" presetID="1" presetClass="entr" presetSubtype="0" fill="hold" nodeType="clickEffect">
+                                  <p:stCondLst>
+                                    <p:cond delay="0"/>
+                                  </p:stCondLst>
+                                  <p:childTnLst>
+                                    <p:set>
+                                      <p:cBhvr>
+                                        <p:cTn id="12" dur="1" fill="hold">
+                                          <p:stCondLst>
+                                            <p:cond delay="0"/>
+                                          </p:stCondLst>
+                                        </p:cTn>
+                                        <p:tgtEl>
+                                          <p:spTgt spid="23"/>
+                                        </p:tgtEl>
+                                        <p:attrNameLst>
+                                          <p:attrName>style.visibility</p:attrName>
+                                        </p:attrNameLst>
+                                      </p:cBhvr>
+                                      <p:to>
+                                        <p:strVal val="visible"/>
+                                      </p:to>
+                                    </p:set>
+                                  </p:childTnLst>
+                                </p:cTn>
+                              </p:par>
+                              <p:par>
+                                <p:cTn id="13" presetID="1" presetClass="entr" presetSubtype="0" fill="hold" grpId="1" nodeType="withEffect">
+                                  <p:stCondLst>
+                                    <p:cond delay="0"/>
+                                  </p:stCondLst>
+                                  <p:childTnLst>
+                                    <p:set>
+                                      <p:cBhvr>
+                                        <p:cTn id="14" dur="1" fill="hold">
+                                          <p:stCondLst>
+                                            <p:cond delay="0"/>
+                                          </p:stCondLst>
+                                        </p:cTn>
+                                        <p:tgtEl>
+                                          <p:spTgt spid="25"/>
+                                        </p:tgtEl>
+                                        <p:attrNameLst>
+                                          <p:attrName>style.visibility</p:attrName>
+                                        </p:attrNameLst>
+                                      </p:cBhvr>
+                                      <p:to>
+                                        <p:strVal val="visible"/>
+                                      </p:to>
+                                    </p:set>
+                                  </p:childTnLst>
+                                </p:cTn>
+                              </p:par>
+                            </p:childTnLst>
+                          </p:cTn>
+                        </p:par>
+                      </p:childTnLst>
+                    </p:cTn>
+                  </p:par>
+                  <p:par>
+                    <p:cTn id="15" fill="hold">
+                      <p:stCondLst>
+                        <p:cond delay="indefinite"/>
+                      </p:stCondLst>
+                      <p:childTnLst>
+                        <p:par>
+                          <p:cTn id="16" fill="hold">
+                            <p:stCondLst>
+                              <p:cond delay="0"/>
+                            </p:stCondLst>
+                            <p:childTnLst>
+                              <p:par>
+                                <p:cTn id="17" presetID="1" presetClass="entr" presetSubtype="0" fill="hold" nodeType="clickEffect">
+                                  <p:stCondLst>
+                                    <p:cond delay="0"/>
+                                  </p:stCondLst>
+                                  <p:childTnLst>
+                                    <p:set>
+                                      <p:cBhvr>
+                                        <p:cTn id="18" dur="1" fill="hold">
+                                          <p:stCondLst>
+                                            <p:cond delay="0"/>
+                                          </p:stCondLst>
+                                        </p:cTn>
+                                        <p:tgtEl>
+                                          <p:spTgt spid="18"/>
+                                        </p:tgtEl>
+                                        <p:attrNameLst>
+                                          <p:attrName>style.visibility</p:attrName>
+                                        </p:attrNameLst>
+                                      </p:cBhvr>
+                                      <p:to>
+                                        <p:strVal val="visible"/>
+                                      </p:to>
+                                    </p:set>
+                                  </p:childTnLst>
+                                </p:cTn>
+                              </p:par>
+                              <p:par>
+                                <p:cTn id="19" presetID="1" presetClass="entr" presetSubtype="0" fill="hold" grpId="2" nodeType="withEffect">
+                                  <p:stCondLst>
+                                    <p:cond delay="0"/>
+                                  </p:stCondLst>
+                                  <p:childTnLst>
+                                    <p:set>
+                                      <p:cBhvr>
+                                        <p:cTn id="20" dur="1" fill="hold">
+                                          <p:stCondLst>
+                                            <p:cond delay="0"/>
+                                          </p:stCondLst>
+                                        </p:cTn>
+                                        <p:tgtEl>
+                                          <p:spTgt spid="22"/>
+                                        </p:tgtEl>
+                                        <p:attrNameLst>
+                                          <p:attrName>style.visibility</p:attrName>
+                                        </p:attrNameLst>
+                                      </p:cBhvr>
+                                      <p:to>
+                                        <p:strVal val="visible"/>
+                                      </p:to>
+                                    </p:set>
+                                  </p:childTnLst>
+                                </p:cTn>
+                              </p:par>
+                            </p:childTnLst>
+                          </p:cTn>
+                        </p:par>
+                      </p:childTnLst>
+                    </p:cTn>
+                  </p:par>
+                  <p:par>
+                    <p:cTn id="21" fill="hold">
+                      <p:stCondLst>
+                        <p:cond delay="indefinite"/>
+                      </p:stCondLst>
+                      <p:childTnLst>
+                        <p:par>
+                          <p:cTn id="22" fill="hold">
+                            <p:stCondLst>
+                              <p:cond delay="0"/>
+                            </p:stCondLst>
+                            <p:childTnLst>
+                              <p:par>
+                                <p:cTn id="23" presetID="1" presetClass="entr" presetSubtype="0" fill="hold" nodeType="clickEffect">
+                                  <p:stCondLst>
+                                    <p:cond delay="0"/>
+                                  </p:stCondLst>
+                                  <p:childTnLst>
+                                    <p:set>
+                                      <p:cBhvr>
+                                        <p:cTn id="24" dur="1" fill="hold">
+                                          <p:stCondLst>
+                                            <p:cond delay="0"/>
+                                          </p:stCondLst>
+                                        </p:cTn>
+                                        <p:tgtEl>
+                                          <p:spTgt spid="27"/>
+                                        </p:tgtEl>
+                                        <p:attrNameLst>
+                                          <p:attrName>style.visibility</p:attrName>
+                                        </p:attrNameLst>
+                                      </p:cBhvr>
+                                      <p:to>
+                                        <p:strVal val="visible"/>
+                                      </p:to>
+                                    </p:set>
+                                  </p:childTnLst>
+                                </p:cTn>
+                              </p:par>
+                              <p:par>
+                                <p:cTn id="25" presetID="1" presetClass="entr" presetSubtype="0" fill="hold" grpId="3" nodeType="withEffect">
+                                  <p:stCondLst>
+                                    <p:cond delay="0"/>
+                                  </p:stCondLst>
+                                  <p:childTnLst>
+                                    <p:set>
+                                      <p:cBhvr>
+                                        <p:cTn id="26" dur="1" fill="hold">
+                                          <p:stCondLst>
+                                            <p:cond delay="0"/>
+                                          </p:stCondLst>
+                                        </p:cTn>
+                                        <p:tgtEl>
+                                          <p:spTgt spid="28"/>
+                                        </p:tgtEl>
+                                        <p:attrNameLst>
+                                          <p:attrName>style.visibility</p:attrName>
+                                        </p:attrNameLst>
+                                      </p:cBhvr>
+                                      <p:to>
+                                        <p:strVal val="visible"/>
+                                      </p:to>
+                                    </p:set>
+                                  </p:childTnLst>
+                                </p:cTn>
+                              </p:par>
+                            </p:childTnLst>
+                          </p:cTn>
+                        </p:par>
+                      </p:childTnLst>
+                    </p:cTn>
+                  </p:par>
+                  <p:par>
+                    <p:cTn id="27" fill="hold">
+                      <p:stCondLst>
+                        <p:cond delay="indefinite"/>
+                      </p:stCondLst>
+                      <p:childTnLst>
+                        <p:par>
+                          <p:cTn id="28" fill="hold">
+                            <p:stCondLst>
+                              <p:cond delay="0"/>
+                            </p:stCondLst>
+                            <p:childTnLst>
+                              <p:par>
+                                <p:cTn id="29" presetID="1" presetClass="entr" presetSubtype="0" fill="hold" nodeType="clickEffect">
+                                  <p:stCondLst>
+                                    <p:cond delay="0"/>
+                                  </p:stCondLst>
+                                  <p:childTnLst>
+                                    <p:set>
+                                      <p:cBhvr>
+                                        <p:cTn id="30" dur="1" fill="hold">
+                                          <p:stCondLst>
+                                            <p:cond delay="0"/>
+                                          </p:stCondLst>
+                                        </p:cTn>
+                                        <p:tgtEl>
+                                          <p:spTgt spid="29"/>
+                                        </p:tgtEl>
+                                        <p:attrNameLst>
+                                          <p:attrName>style.visibility</p:attrName>
+                                        </p:attrNameLst>
+                                      </p:cBhvr>
+                                      <p:to>
+                                        <p:strVal val="visible"/>
+                                      </p:to>
+                                    </p:set>
+                                  </p:childTnLst>
+                                </p:cTn>
+                              </p:par>
+                            </p:childTnLst>
+                          </p:cTn>
+                        </p:par>
+                      </p:childTnLst>
+                    </p:cTn>
+                  </p:par>
+                </p:childTnLst>
+              </p:cTn>
+              <p:prevCondLst>
+                <p:cond evt="onPrev" delay="0">
+                  <p:tgtEl>
+                    <p:sldTgt/>
+                  </p:tgtEl>
+                </p:cond>
+              </p:prevCondLst>
+              <p:nextCondLst>
+                <p:cond evt="onNext" delay="0">
+                  <p:tgtEl>
+                    <p:sldTgt/>
+                  </p:tgtEl>
+                </p:cond>
+              </p:nextCondLst>
+            </p:seq>
+          </p:childTnLst>
+        </p:cTn>
+      </p:par>
+    </p:tnLst>
+    <p:bldLst>
+      <p:bldP spid="21" grpId="0" animBg="1"/>
+      <p:bldP spid="25" grpId="1" animBg="1"/>
+      <p:bldP spid="22" grpId="2" animBg="1"/>
+      <p:bldP spid="28" grpId="3" animBg="1"/>
+    </p:bldLst>
+  </p:timing>
 </p:sld>
 </file>
 
@@ -11760,409 +11540,6 @@
       <p:pic>
         <p:nvPicPr>
           <p:cNvPr id="16" name=""/>
-          <p:cNvPicPr/>
-          <p:nvPr/>
-        </p:nvPicPr>
-        <p:blipFill rotWithShape="1">
-          <a:blip r:embed="rId3"/>
-          <a:stretch>
-            <a:fillRect/>
-          </a:stretch>
-        </p:blipFill>
-        <p:spPr>
-          <a:xfrm>
-            <a:off x="3481480" y="659899"/>
-            <a:ext cx="3899287" cy="2785094"/>
-          </a:xfrm>
-          <a:prstGeom prst="rect">
-            <a:avLst/>
-          </a:prstGeom>
-          <a:ln>
-            <a:solidFill>
-              <a:schemeClr val="tx1"/>
-            </a:solidFill>
-          </a:ln>
-        </p:spPr>
-      </p:pic>
-      <p:sp>
-        <p:nvSpPr>
-          <p:cNvPr id="9" name="TextBox 8"/>
-          <p:cNvSpPr txBox="1"/>
-          <p:nvPr/>
-        </p:nvSpPr>
-        <p:spPr>
-          <a:xfrm>
-            <a:off x="0" y="28575"/>
-            <a:ext cx="2927701" cy="512445"/>
-          </a:xfrm>
-          <a:prstGeom prst="rect">
-            <a:avLst/>
-          </a:prstGeom>
-        </p:spPr>
-        <p:txBody>
-          <a:bodyPr wrap="square">
-            <a:spAutoFit/>
-          </a:bodyPr>
-          <a:lstStyle/>
-          <a:p>
-            <a:pPr marL="0" indent="0" algn="ctr" defTabSz="914400" rtl="0" eaLnBrk="1" latinLnBrk="1" hangingPunct="1">
-              <a:lnSpc>
-                <a:spcPct val="100000"/>
-              </a:lnSpc>
-              <a:spcBef>
-                <a:spcPct val="0"/>
-              </a:spcBef>
-              <a:spcAft>
-                <a:spcPts val="0"/>
-              </a:spcAft>
-              <a:buNone/>
-              <a:defRPr/>
-            </a:pPr>
-            <a:r>
-              <a:rPr kumimoji="0" lang="en-US" altLang="ko-KR" sz="2800" b="1" i="0" u="none" strike="noStrike" kern="1200" cap="none" spc="0" normalizeH="0" baseline="0">
-                <a:solidFill>
-                  <a:srgbClr val="000000"/>
-                </a:solidFill>
-                <a:latin typeface="Calibri"/>
-                <a:ea typeface="맑은 고딕"/>
-                <a:cs typeface="맑은 고딕"/>
-              </a:rPr>
-              <a:t>2-1.</a:t>
-            </a:r>
-            <a:r>
-              <a:rPr kumimoji="0" lang="ko-KR" altLang="en-US" sz="2800" b="1" i="0" u="none" strike="noStrike" kern="1200" cap="none" spc="0" normalizeH="0" baseline="0">
-                <a:solidFill>
-                  <a:srgbClr val="000000"/>
-                </a:solidFill>
-                <a:latin typeface="Calibri"/>
-                <a:ea typeface="맑은 고딕"/>
-                <a:cs typeface="맑은 고딕"/>
-              </a:rPr>
-              <a:t> 개발 배경</a:t>
-            </a:r>
-            <a:endParaRPr kumimoji="0" lang="ko-KR" altLang="en-US" sz="2800" b="1" i="0" u="none" strike="noStrike" kern="1200" cap="none" spc="0" normalizeH="0" baseline="0">
-              <a:solidFill>
-                <a:srgbClr val="000000"/>
-              </a:solidFill>
-              <a:latin typeface="Calibri"/>
-              <a:ea typeface="맑은 고딕"/>
-              <a:cs typeface="맑은 고딕"/>
-            </a:endParaRPr>
-          </a:p>
-        </p:txBody>
-      </p:sp>
-      <p:sp>
-        <p:nvSpPr>
-          <p:cNvPr id="10" name="슬라이드 번호 개체 틀 5"/>
-          <p:cNvSpPr>
-            <a:spLocks noGrp="1"/>
-          </p:cNvSpPr>
-          <p:nvPr>
-            <p:ph type="sldNum" sz="quarter" idx="12"/>
-          </p:nvPr>
-        </p:nvSpPr>
-        <p:spPr/>
-        <p:txBody>
-          <a:bodyPr/>
-          <a:lstStyle/>
-          <a:p>
-            <a:pPr lvl="0">
-              <a:defRPr/>
-            </a:pPr>
-            <a:fld id="{AD22CD3B-FDDF-4998-970C-76E6E0BEC65F}" type="slidenum">
-              <a:rPr lang="en-US" altLang="en-US"/>
-              <a:pPr lvl="0">
-                <a:defRPr/>
-              </a:pPr>
-              <a:t>4</a:t>
-            </a:fld>
-            <a:endParaRPr lang="en-US" altLang="en-US"/>
-          </a:p>
-        </p:txBody>
-      </p:sp>
-      <p:pic>
-        <p:nvPicPr>
-          <p:cNvPr id="17" name=""/>
-          <p:cNvPicPr>
-            <a:picLocks noChangeAspect="1"/>
-          </p:cNvPicPr>
-          <p:nvPr/>
-        </p:nvPicPr>
-        <p:blipFill rotWithShape="1">
-          <a:blip r:embed="rId4"/>
-          <a:stretch>
-            <a:fillRect/>
-          </a:stretch>
-        </p:blipFill>
-        <p:spPr>
-          <a:xfrm>
-            <a:off x="473187" y="2707588"/>
-            <a:ext cx="1981326" cy="1981326"/>
-          </a:xfrm>
-          <a:prstGeom prst="rect">
-            <a:avLst/>
-          </a:prstGeom>
-          <a:solidFill>
-            <a:schemeClr val="lt1"/>
-          </a:solidFill>
-          <a:ln w="38100" cap="flat" cmpd="sng" algn="ctr">
-            <a:solidFill>
-              <a:schemeClr val="dk1"/>
-            </a:solidFill>
-            <a:prstDash val="solid"/>
-            <a:round/>
-            <a:headEnd w="med" len="med"/>
-            <a:tailEnd w="med" len="med"/>
-          </a:ln>
-        </p:spPr>
-      </p:pic>
-      <p:pic>
-        <p:nvPicPr>
-          <p:cNvPr id="18" name=""/>
-          <p:cNvPicPr/>
-          <p:nvPr/>
-        </p:nvPicPr>
-        <p:blipFill rotWithShape="1">
-          <a:blip r:embed="rId5"/>
-          <a:stretch>
-            <a:fillRect/>
-          </a:stretch>
-        </p:blipFill>
-        <p:spPr>
-          <a:xfrm>
-            <a:off x="3481480" y="3726825"/>
-            <a:ext cx="3899287" cy="2785094"/>
-          </a:xfrm>
-          <a:prstGeom prst="rect">
-            <a:avLst/>
-          </a:prstGeom>
-        </p:spPr>
-      </p:pic>
-      <p:cxnSp>
-        <p:nvCxnSpPr>
-          <p:cNvPr id="21" name=""/>
-          <p:cNvCxnSpPr>
-            <a:stCxn id="17" idx="3"/>
-            <a:endCxn id="16" idx="1"/>
-          </p:cNvCxnSpPr>
-          <p:nvPr/>
-        </p:nvCxnSpPr>
-        <p:spPr>
-          <a:xfrm rot="5400000" flipH="1" flipV="1">
-            <a:off x="2145094" y="2361865"/>
-            <a:ext cx="1645804" cy="1026966"/>
-          </a:xfrm>
-          <a:prstGeom prst="straightConnector1">
-            <a:avLst/>
-          </a:prstGeom>
-          <a:ln w="38100">
-            <a:solidFill>
-              <a:schemeClr val="tx1"/>
-            </a:solidFill>
-            <a:headEnd w="med" len="med"/>
-            <a:tailEnd type="arrow" w="med" len="med"/>
-          </a:ln>
-        </p:spPr>
-        <p:style>
-          <a:lnRef idx="1">
-            <a:schemeClr val="accent1"/>
-          </a:lnRef>
-          <a:fillRef idx="0">
-            <a:schemeClr val="accent1"/>
-          </a:fillRef>
-          <a:effectRef idx="0">
-            <a:schemeClr val="accent1"/>
-          </a:effectRef>
-          <a:fontRef idx="minor">
-            <a:schemeClr val="tx1"/>
-          </a:fontRef>
-        </p:style>
-      </p:cxnSp>
-      <p:cxnSp>
-        <p:nvCxnSpPr>
-          <p:cNvPr id="22" name=""/>
-          <p:cNvCxnSpPr>
-            <a:endCxn id="18" idx="1"/>
-          </p:cNvCxnSpPr>
-          <p:nvPr/>
-        </p:nvCxnSpPr>
-        <p:spPr>
-          <a:xfrm rot="16200000" flipH="1">
-            <a:off x="2257436" y="3895329"/>
-            <a:ext cx="1421122" cy="1026966"/>
-          </a:xfrm>
-          <a:prstGeom prst="straightConnector1">
-            <a:avLst/>
-          </a:prstGeom>
-          <a:noFill/>
-          <a:ln w="38100" cap="flat" cmpd="sng" algn="ctr">
-            <a:solidFill>
-              <a:srgbClr val="000000">
-                <a:alpha val="100000"/>
-              </a:srgbClr>
-            </a:solidFill>
-            <a:prstDash val="solid"/>
-            <a:headEnd w="med" len="med"/>
-            <a:tailEnd type="arrow" w="med" len="med"/>
-          </a:ln>
-        </p:spPr>
-      </p:cxnSp>
-      <p:pic>
-        <p:nvPicPr>
-          <p:cNvPr id="23" name=""/>
-          <p:cNvPicPr>
-            <a:picLocks noChangeAspect="1"/>
-          </p:cNvPicPr>
-          <p:nvPr/>
-        </p:nvPicPr>
-        <p:blipFill rotWithShape="1">
-          <a:blip r:embed="rId6"/>
-          <a:stretch>
-            <a:fillRect/>
-          </a:stretch>
-        </p:blipFill>
-        <p:spPr>
-          <a:xfrm>
-            <a:off x="8061309" y="659899"/>
-            <a:ext cx="3899286" cy="2788151"/>
-          </a:xfrm>
-          <a:prstGeom prst="rect">
-            <a:avLst/>
-          </a:prstGeom>
-        </p:spPr>
-      </p:pic>
-      <p:cxnSp>
-        <p:nvCxnSpPr>
-          <p:cNvPr id="25" name=""/>
-          <p:cNvCxnSpPr>
-            <a:stCxn id="16" idx="3"/>
-            <a:endCxn id="23" idx="1"/>
-          </p:cNvCxnSpPr>
-          <p:nvPr/>
-        </p:nvCxnSpPr>
-        <p:spPr>
-          <a:xfrm>
-            <a:off x="7380767" y="2052446"/>
-            <a:ext cx="680542" cy="1528"/>
-          </a:xfrm>
-          <a:prstGeom prst="straightConnector1">
-            <a:avLst/>
-          </a:prstGeom>
-          <a:ln w="38100">
-            <a:solidFill>
-              <a:schemeClr val="tx1"/>
-            </a:solidFill>
-            <a:headEnd w="med" len="med"/>
-            <a:tailEnd type="arrow" w="med" len="med"/>
-          </a:ln>
-        </p:spPr>
-        <p:style>
-          <a:lnRef idx="1">
-            <a:schemeClr val="accent1"/>
-          </a:lnRef>
-          <a:fillRef idx="0">
-            <a:schemeClr val="accent1"/>
-          </a:fillRef>
-          <a:effectRef idx="0">
-            <a:schemeClr val="accent1"/>
-          </a:effectRef>
-          <a:fontRef idx="minor">
-            <a:schemeClr val="tx1"/>
-          </a:fontRef>
-        </p:style>
-      </p:cxnSp>
-      <p:pic>
-        <p:nvPicPr>
-          <p:cNvPr id="27" name=""/>
-          <p:cNvPicPr>
-            <a:picLocks noChangeAspect="1"/>
-          </p:cNvPicPr>
-          <p:nvPr/>
-        </p:nvPicPr>
-        <p:blipFill rotWithShape="1">
-          <a:blip r:embed="rId7"/>
-          <a:stretch>
-            <a:fillRect/>
-          </a:stretch>
-        </p:blipFill>
-        <p:spPr>
-          <a:xfrm>
-            <a:off x="8061310" y="3726826"/>
-            <a:ext cx="3899286" cy="2746295"/>
-          </a:xfrm>
-          <a:prstGeom prst="rect">
-            <a:avLst/>
-          </a:prstGeom>
-          <a:ln w="38100">
-            <a:solidFill>
-              <a:srgbClr val="000000"/>
-            </a:solidFill>
-          </a:ln>
-        </p:spPr>
-      </p:pic>
-      <p:cxnSp>
-        <p:nvCxnSpPr>
-          <p:cNvPr id="28" name=""/>
-          <p:cNvCxnSpPr/>
-          <p:nvPr/>
-        </p:nvCxnSpPr>
-        <p:spPr>
-          <a:xfrm>
-            <a:off x="7380768" y="5119373"/>
-            <a:ext cx="680542" cy="1528"/>
-          </a:xfrm>
-          <a:prstGeom prst="straightConnector1">
-            <a:avLst/>
-          </a:prstGeom>
-          <a:noFill/>
-          <a:ln w="38100" cap="flat" cmpd="sng" algn="ctr">
-            <a:solidFill>
-              <a:srgbClr val="000000">
-                <a:alpha val="100000"/>
-              </a:srgbClr>
-            </a:solidFill>
-            <a:prstDash val="solid"/>
-            <a:headEnd w="med" len="med"/>
-            <a:tailEnd type="arrow" w="med" len="med"/>
-          </a:ln>
-        </p:spPr>
-      </p:cxnSp>
-    </p:spTree>
-  </p:cSld>
-  <p:clrMapOvr>
-    <a:masterClrMapping/>
-  </p:clrMapOvr>
-  <mc:AlternateContent xmlns:mc="http://schemas.openxmlformats.org/markup-compatibility/2006">
-    <mc:Choice xmlns:p14="http://schemas.microsoft.com/office/powerpoint/2010/main" Requires="p14">
-      <p:transition xmlns:mc="http://schemas.openxmlformats.org/markup-compatibility/2006" xmlns:p14="http://schemas.microsoft.com/office/powerpoint/2010/main" mc:Ignorable="p14" p14:dur="500"/>
-    </mc:Choice>
-    <mc:Fallback>
-      <p:transition/>
-    </mc:Fallback>
-  </mc:AlternateContent>
-</p:sld>
-</file>
-
-<file path=ppt/slides/slide6.xml><?xml version="1.0" encoding="utf-8"?>
-<p:sld xmlns:r="http://schemas.openxmlformats.org/officeDocument/2006/relationships" xmlns:c="http://schemas.openxmlformats.org/drawingml/2006/chart" xmlns:a="http://schemas.openxmlformats.org/drawingml/2006/main" xmlns:dgm="http://schemas.openxmlformats.org/drawingml/2006/diagram" xmlns:dsp="http://schemas.microsoft.com/office/drawing/2008/diagram" xmlns:p="http://schemas.openxmlformats.org/presentationml/2006/main">
-  <p:cSld>
-    <p:spTree>
-      <p:nvGrpSpPr>
-        <p:cNvPr id="1" name=""/>
-        <p:cNvGrpSpPr/>
-        <p:nvPr/>
-      </p:nvGrpSpPr>
-      <p:grpSpPr>
-        <a:xfrm>
-          <a:off x="0" y="0"/>
-          <a:ext cx="0" cy="0"/>
-          <a:chOff x="0" y="0"/>
-          <a:chExt cx="0" cy="0"/>
-        </a:xfrm>
-      </p:grpSpPr>
-      <p:pic>
-        <p:nvPicPr>
-          <p:cNvPr id="16" name=""/>
           <p:cNvPicPr>
             <a:picLocks noChangeAspect="1"/>
           </p:cNvPicPr>
@@ -12590,7 +11967,7 @@
 </p:sld>
 </file>
 
-<file path=ppt/slides/slide7.xml><?xml version="1.0" encoding="utf-8"?>
+<file path=ppt/slides/slide6.xml><?xml version="1.0" encoding="utf-8"?>
 <p:sld xmlns:r="http://schemas.openxmlformats.org/officeDocument/2006/relationships" xmlns:c="http://schemas.openxmlformats.org/drawingml/2006/chart" xmlns:a="http://schemas.openxmlformats.org/drawingml/2006/main" xmlns:dgm="http://schemas.openxmlformats.org/drawingml/2006/diagram" xmlns:dsp="http://schemas.microsoft.com/office/drawing/2008/diagram" xmlns:p="http://schemas.openxmlformats.org/presentationml/2006/main">
   <p:cSld>
     <p:spTree>
@@ -14066,7 +13443,7 @@
 </p:sld>
 </file>
 
-<file path=ppt/slides/slide8.xml><?xml version="1.0" encoding="utf-8"?>
+<file path=ppt/slides/slide7.xml><?xml version="1.0" encoding="utf-8"?>
 <p:sld xmlns:r="http://schemas.openxmlformats.org/officeDocument/2006/relationships" xmlns:c="http://schemas.openxmlformats.org/drawingml/2006/chart" xmlns:a="http://schemas.openxmlformats.org/drawingml/2006/main" xmlns:dgm="http://schemas.openxmlformats.org/drawingml/2006/diagram" xmlns:dsp="http://schemas.microsoft.com/office/drawing/2008/diagram" xmlns:p="http://schemas.openxmlformats.org/presentationml/2006/main">
   <p:cSld>
     <p:spTree>
@@ -15820,6 +15197,338 @@
               </a:solidFill>
               <a:latin typeface="맑은 고딕"/>
               <a:ea typeface="맑은 고딕"/>
+            </a:endParaRPr>
+          </a:p>
+        </p:txBody>
+      </p:sp>
+    </p:spTree>
+  </p:cSld>
+  <p:clrMapOvr>
+    <a:masterClrMapping/>
+  </p:clrMapOvr>
+  <mc:AlternateContent xmlns:mc="http://schemas.openxmlformats.org/markup-compatibility/2006">
+    <mc:Choice xmlns:p14="http://schemas.microsoft.com/office/powerpoint/2010/main" Requires="p14">
+      <p:transition xmlns:mc="http://schemas.openxmlformats.org/markup-compatibility/2006" xmlns:p14="http://schemas.microsoft.com/office/powerpoint/2010/main" mc:Ignorable="p14" p14:dur="500"/>
+    </mc:Choice>
+    <mc:Fallback>
+      <p:transition/>
+    </mc:Fallback>
+  </mc:AlternateContent>
+</p:sld>
+</file>
+
+<file path=ppt/slides/slide8.xml><?xml version="1.0" encoding="utf-8"?>
+<p:sld xmlns:r="http://schemas.openxmlformats.org/officeDocument/2006/relationships" xmlns:c="http://schemas.openxmlformats.org/drawingml/2006/chart" xmlns:a="http://schemas.openxmlformats.org/drawingml/2006/main" xmlns:dgm="http://schemas.openxmlformats.org/drawingml/2006/diagram" xmlns:dsp="http://schemas.microsoft.com/office/drawing/2008/diagram" xmlns:p="http://schemas.openxmlformats.org/presentationml/2006/main">
+  <p:cSld>
+    <p:spTree>
+      <p:nvGrpSpPr>
+        <p:cNvPr id="1" name=""/>
+        <p:cNvGrpSpPr/>
+        <p:nvPr/>
+      </p:nvGrpSpPr>
+      <p:grpSpPr>
+        <a:xfrm>
+          <a:off x="0" y="0"/>
+          <a:ext cx="0" cy="0"/>
+          <a:chOff x="0" y="0"/>
+          <a:chExt cx="0" cy="0"/>
+        </a:xfrm>
+      </p:grpSpPr>
+      <p:sp>
+        <p:nvSpPr>
+          <p:cNvPr id="7" name="사각형: 둥근 모서리 6"/>
+          <p:cNvSpPr/>
+          <p:nvPr/>
+        </p:nvSpPr>
+        <p:spPr>
+          <a:xfrm>
+            <a:off x="321421" y="973267"/>
+            <a:ext cx="2509274" cy="870564"/>
+          </a:xfrm>
+          <a:prstGeom prst="roundRect">
+            <a:avLst>
+              <a:gd name="adj" fmla="val 16667"/>
+            </a:avLst>
+          </a:prstGeom>
+          <a:noFill/>
+          <a:ln w="38100">
+            <a:solidFill>
+              <a:schemeClr val="tx1"/>
+            </a:solidFill>
+            <a:miter/>
+          </a:ln>
+        </p:spPr>
+        <p:txBody>
+          <a:bodyPr anchor="ctr"/>
+          <a:lstStyle/>
+          <a:p>
+            <a:pPr algn="ctr">
+              <a:lnSpc>
+                <a:spcPct val="150000"/>
+              </a:lnSpc>
+              <a:buFontTx/>
+              <a:buNone/>
+              <a:defRPr/>
+            </a:pPr>
+            <a:r>
+              <a:rPr lang="ko-KR" altLang="en-US" sz="2500">
+                <a:latin typeface="+mn-ea"/>
+                <a:cs typeface="Arial Unicode MS"/>
+              </a:rPr>
+              <a:t>기존 </a:t>
+            </a:r>
+            <a:r>
+              <a:rPr lang="en-US" altLang="ko-KR" sz="2500">
+                <a:latin typeface="+mn-ea"/>
+                <a:cs typeface="Arial Unicode MS"/>
+              </a:rPr>
+              <a:t>UI</a:t>
+            </a:r>
+            <a:endParaRPr lang="ko-KR" altLang="en-US" sz="2500">
+              <a:solidFill>
+                <a:schemeClr val="tx1"/>
+              </a:solidFill>
+              <a:latin typeface="+mn-ea"/>
+              <a:ea typeface="+mn-ea"/>
+              <a:cs typeface="Arial Unicode MS"/>
+            </a:endParaRPr>
+          </a:p>
+        </p:txBody>
+      </p:sp>
+      <p:sp>
+        <p:nvSpPr>
+          <p:cNvPr id="9" name="TextBox 8"/>
+          <p:cNvSpPr txBox="1"/>
+          <p:nvPr/>
+        </p:nvSpPr>
+        <p:spPr>
+          <a:xfrm>
+            <a:off x="0" y="28575"/>
+            <a:ext cx="2927701" cy="512445"/>
+          </a:xfrm>
+          <a:prstGeom prst="rect">
+            <a:avLst/>
+          </a:prstGeom>
+        </p:spPr>
+        <p:txBody>
+          <a:bodyPr wrap="square">
+            <a:spAutoFit/>
+          </a:bodyPr>
+          <a:lstStyle/>
+          <a:p>
+            <a:pPr marL="0" indent="0" algn="ctr" defTabSz="914400" rtl="0" eaLnBrk="1" latinLnBrk="1" hangingPunct="1">
+              <a:lnSpc>
+                <a:spcPct val="100000"/>
+              </a:lnSpc>
+              <a:spcBef>
+                <a:spcPct val="0"/>
+              </a:spcBef>
+              <a:spcAft>
+                <a:spcPts val="0"/>
+              </a:spcAft>
+              <a:buNone/>
+              <a:defRPr/>
+            </a:pPr>
+            <a:r>
+              <a:rPr kumimoji="0" lang="en-US" altLang="ko-KR" sz="2800" b="1" i="0" u="none" strike="noStrike" kern="1200" cap="none" spc="0" normalizeH="0" baseline="0">
+                <a:solidFill>
+                  <a:srgbClr val="000000"/>
+                </a:solidFill>
+                <a:latin typeface="Calibri"/>
+                <a:ea typeface="맑은 고딕"/>
+                <a:cs typeface="맑은 고딕"/>
+              </a:rPr>
+              <a:t>4.</a:t>
+            </a:r>
+            <a:r>
+              <a:rPr kumimoji="0" lang="ko-KR" altLang="en-US" sz="2800" b="1" i="0" u="none" strike="noStrike" kern="1200" cap="none" spc="0" normalizeH="0" baseline="0">
+                <a:solidFill>
+                  <a:srgbClr val="000000"/>
+                </a:solidFill>
+                <a:latin typeface="Calibri"/>
+                <a:ea typeface="맑은 고딕"/>
+                <a:cs typeface="맑은 고딕"/>
+              </a:rPr>
+              <a:t> </a:t>
+            </a:r>
+            <a:r>
+              <a:rPr kumimoji="0" lang="en-US" altLang="ko-KR" sz="2800" b="1" i="0" u="none" strike="noStrike" kern="1200" cap="none" spc="0" normalizeH="0" baseline="0">
+                <a:solidFill>
+                  <a:srgbClr val="000000"/>
+                </a:solidFill>
+                <a:latin typeface="Calibri"/>
+                <a:ea typeface="맑은 고딕"/>
+                <a:cs typeface="맑은 고딕"/>
+              </a:rPr>
+              <a:t>UI </a:t>
+            </a:r>
+            <a:r>
+              <a:rPr kumimoji="0" lang="ko-KR" altLang="en-US" sz="2800" b="1" i="0" u="none" strike="noStrike" kern="1200" cap="none" spc="0" normalizeH="0" baseline="0">
+                <a:solidFill>
+                  <a:srgbClr val="000000"/>
+                </a:solidFill>
+                <a:latin typeface="Calibri"/>
+                <a:ea typeface="맑은 고딕"/>
+                <a:cs typeface="맑은 고딕"/>
+              </a:rPr>
+              <a:t>구성</a:t>
+            </a:r>
+            <a:r>
+              <a:rPr kumimoji="0" lang="en-US" altLang="ko-KR" sz="2800" b="1" i="0" u="none" strike="noStrike" kern="1200" cap="none" spc="0" normalizeH="0" baseline="0">
+                <a:solidFill>
+                  <a:srgbClr val="000000"/>
+                </a:solidFill>
+                <a:latin typeface="Calibri"/>
+                <a:ea typeface="맑은 고딕"/>
+                <a:cs typeface="맑은 고딕"/>
+              </a:rPr>
+              <a:t> (Main)</a:t>
+            </a:r>
+            <a:endParaRPr kumimoji="0" lang="ko-KR" altLang="en-US" sz="2800" b="1" i="0" u="none" strike="noStrike" kern="1200" cap="none" spc="0" normalizeH="0" baseline="0">
+              <a:solidFill>
+                <a:srgbClr val="000000"/>
+              </a:solidFill>
+              <a:latin typeface="Calibri"/>
+              <a:ea typeface="맑은 고딕"/>
+              <a:cs typeface="맑은 고딕"/>
+            </a:endParaRPr>
+          </a:p>
+        </p:txBody>
+      </p:sp>
+      <p:sp>
+        <p:nvSpPr>
+          <p:cNvPr id="10" name="슬라이드 번호 개체 틀 5"/>
+          <p:cNvSpPr>
+            <a:spLocks noGrp="1"/>
+          </p:cNvSpPr>
+          <p:nvPr>
+            <p:ph type="sldNum" sz="quarter" idx="12"/>
+          </p:nvPr>
+        </p:nvSpPr>
+        <p:spPr/>
+        <p:txBody>
+          <a:bodyPr/>
+          <a:lstStyle/>
+          <a:p>
+            <a:pPr lvl="0">
+              <a:defRPr/>
+            </a:pPr>
+            <a:fld id="{AD22CD3B-FDDF-4998-970C-76E6E0BEC65F}" type="slidenum">
+              <a:rPr lang="en-US" altLang="en-US"/>
+              <a:pPr lvl="0">
+                <a:defRPr/>
+              </a:pPr>
+              <a:t>8</a:t>
+            </a:fld>
+            <a:endParaRPr lang="en-US" altLang="en-US"/>
+          </a:p>
+        </p:txBody>
+      </p:sp>
+      <p:pic>
+        <p:nvPicPr>
+          <p:cNvPr id="2" name="그림 1"/>
+          <p:cNvPicPr>
+            <a:picLocks noChangeAspect="1"/>
+          </p:cNvPicPr>
+          <p:nvPr/>
+        </p:nvPicPr>
+        <p:blipFill rotWithShape="1">
+          <a:blip r:embed="rId3"/>
+          <a:stretch>
+            <a:fillRect/>
+          </a:stretch>
+        </p:blipFill>
+        <p:spPr>
+          <a:xfrm>
+            <a:off x="321421" y="1877453"/>
+            <a:ext cx="5448272" cy="4130028"/>
+          </a:xfrm>
+          <a:prstGeom prst="rect">
+            <a:avLst/>
+          </a:prstGeom>
+        </p:spPr>
+      </p:pic>
+      <p:pic>
+        <p:nvPicPr>
+          <p:cNvPr id="3" name="그림 2"/>
+          <p:cNvPicPr>
+            <a:picLocks noChangeAspect="1"/>
+          </p:cNvPicPr>
+          <p:nvPr/>
+        </p:nvPicPr>
+        <p:blipFill rotWithShape="1">
+          <a:blip r:embed="rId4"/>
+          <a:stretch>
+            <a:fillRect/>
+          </a:stretch>
+        </p:blipFill>
+        <p:spPr>
+          <a:xfrm>
+            <a:off x="6096000" y="1843831"/>
+            <a:ext cx="5779184" cy="4163650"/>
+          </a:xfrm>
+          <a:prstGeom prst="rect">
+            <a:avLst/>
+          </a:prstGeom>
+        </p:spPr>
+      </p:pic>
+      <p:sp>
+        <p:nvSpPr>
+          <p:cNvPr id="4" name="사각형: 둥근 모서리 3"/>
+          <p:cNvSpPr/>
+          <p:nvPr/>
+        </p:nvSpPr>
+        <p:spPr>
+          <a:xfrm>
+            <a:off x="6006604" y="931678"/>
+            <a:ext cx="2509274" cy="870564"/>
+          </a:xfrm>
+          <a:prstGeom prst="roundRect">
+            <a:avLst>
+              <a:gd name="adj" fmla="val 16667"/>
+            </a:avLst>
+          </a:prstGeom>
+          <a:noFill/>
+          <a:ln w="38100">
+            <a:solidFill>
+              <a:schemeClr val="tx1"/>
+            </a:solidFill>
+            <a:miter/>
+          </a:ln>
+        </p:spPr>
+        <p:txBody>
+          <a:bodyPr anchor="ctr"/>
+          <a:lstStyle/>
+          <a:p>
+            <a:pPr algn="ctr">
+              <a:lnSpc>
+                <a:spcPct val="150000"/>
+              </a:lnSpc>
+              <a:buFontTx/>
+              <a:buNone/>
+              <a:defRPr/>
+            </a:pPr>
+            <a:r>
+              <a:rPr lang="ko-KR" altLang="en-US" sz="2500">
+                <a:latin typeface="+mn-ea"/>
+                <a:cs typeface="Arial Unicode MS"/>
+              </a:rPr>
+              <a:t>신규 </a:t>
+            </a:r>
+            <a:r>
+              <a:rPr lang="en-US" altLang="ko-KR" sz="2500">
+                <a:latin typeface="+mn-ea"/>
+                <a:cs typeface="Arial Unicode MS"/>
+              </a:rPr>
+              <a:t>UI</a:t>
+            </a:r>
+            <a:endParaRPr lang="ko-KR" altLang="en-US" sz="2500">
+              <a:solidFill>
+                <a:schemeClr val="tx1"/>
+              </a:solidFill>
+              <a:latin typeface="+mn-ea"/>
+              <a:ea typeface="+mn-ea"/>
+              <a:cs typeface="Arial Unicode MS"/>
             </a:endParaRPr>
           </a:p>
         </p:txBody>
@@ -15859,68 +15568,7 @@
       </p:grpSpPr>
       <p:sp>
         <p:nvSpPr>
-          <p:cNvPr id="7" name="사각형: 둥근 모서리 6"/>
-          <p:cNvSpPr/>
-          <p:nvPr/>
-        </p:nvSpPr>
-        <p:spPr>
-          <a:xfrm>
-            <a:off x="321421" y="973267"/>
-            <a:ext cx="2509274" cy="870564"/>
-          </a:xfrm>
-          <a:prstGeom prst="roundRect">
-            <a:avLst>
-              <a:gd name="adj" fmla="val 16667"/>
-            </a:avLst>
-          </a:prstGeom>
-          <a:noFill/>
-          <a:ln w="38100">
-            <a:solidFill>
-              <a:schemeClr val="tx1"/>
-            </a:solidFill>
-            <a:miter/>
-          </a:ln>
-        </p:spPr>
-        <p:txBody>
-          <a:bodyPr anchor="ctr"/>
-          <a:lstStyle/>
-          <a:p>
-            <a:pPr algn="ctr">
-              <a:lnSpc>
-                <a:spcPct val="150000"/>
-              </a:lnSpc>
-              <a:buFontTx/>
-              <a:buNone/>
-              <a:defRPr/>
-            </a:pPr>
-            <a:r>
-              <a:rPr lang="ko-KR" altLang="en-US" sz="2500">
-                <a:latin typeface="+mn-ea"/>
-                <a:cs typeface="Arial Unicode MS"/>
-              </a:rPr>
-              <a:t>기존 </a:t>
-            </a:r>
-            <a:r>
-              <a:rPr lang="en-US" altLang="ko-KR" sz="2500">
-                <a:latin typeface="+mn-ea"/>
-                <a:cs typeface="Arial Unicode MS"/>
-              </a:rPr>
-              <a:t>UI</a:t>
-            </a:r>
-            <a:endParaRPr lang="ko-KR" altLang="en-US" sz="2500">
-              <a:solidFill>
-                <a:schemeClr val="tx1"/>
-              </a:solidFill>
-              <a:latin typeface="+mn-ea"/>
-              <a:ea typeface="+mn-ea"/>
-              <a:cs typeface="Arial Unicode MS"/>
-            </a:endParaRPr>
-          </a:p>
-        </p:txBody>
-      </p:sp>
-      <p:sp>
-        <p:nvSpPr>
-          <p:cNvPr id="9" name="TextBox 8"/>
+          <p:cNvPr id="30" name="TextBox 29"/>
           <p:cNvSpPr txBox="1"/>
           <p:nvPr/>
         </p:nvSpPr>
@@ -16007,7 +15655,7 @@
               </a:rPr>
               <a:t> (Main)</a:t>
             </a:r>
-            <a:endParaRPr kumimoji="0" lang="ko-KR" altLang="en-US" sz="2800" b="1" i="0" u="none" strike="noStrike" kern="1200" cap="none" spc="0" normalizeH="0" baseline="0">
+            <a:endParaRPr kumimoji="0" lang="en-US" altLang="ko-KR" sz="2800" b="1" i="0" u="none" strike="noStrike" kern="1200" cap="none" spc="0" normalizeH="0" baseline="0">
               <a:solidFill>
                 <a:srgbClr val="000000"/>
               </a:solidFill>
@@ -16020,7 +15668,7 @@
       </p:sp>
       <p:sp>
         <p:nvSpPr>
-          <p:cNvPr id="10" name="슬라이드 번호 개체 틀 5"/>
+          <p:cNvPr id="31" name="슬라이드 번호 개체 틀 5"/>
           <p:cNvSpPr>
             <a:spLocks noGrp="1"/>
           </p:cNvSpPr>
@@ -16036,126 +15684,422 @@
             <a:pPr lvl="0">
               <a:defRPr/>
             </a:pPr>
-            <a:fld id="{AD22CD3B-FDDF-4998-970C-76E6E0BEC65F}" type="slidenum">
+            <a:fld id="{800C6A38-4290-41DD-B95C-4155372FD4AF}" type="slidenum">
               <a:rPr lang="en-US" altLang="en-US"/>
               <a:pPr lvl="0">
                 <a:defRPr/>
               </a:pPr>
-              <a:t>8</a:t>
+              <a:t>9</a:t>
             </a:fld>
             <a:endParaRPr lang="en-US" altLang="en-US"/>
           </a:p>
         </p:txBody>
       </p:sp>
-      <p:pic>
-        <p:nvPicPr>
-          <p:cNvPr id="2" name="그림 1"/>
-          <p:cNvPicPr>
-            <a:picLocks noChangeAspect="1"/>
-          </p:cNvPicPr>
-          <p:nvPr/>
-        </p:nvPicPr>
-        <p:blipFill rotWithShape="1">
-          <a:blip r:embed="rId3"/>
-          <a:stretch>
-            <a:fillRect/>
-          </a:stretch>
-        </p:blipFill>
-        <p:spPr>
-          <a:xfrm>
-            <a:off x="321421" y="1877453"/>
-            <a:ext cx="5448272" cy="4130028"/>
-          </a:xfrm>
-          <a:prstGeom prst="rect">
-            <a:avLst/>
-          </a:prstGeom>
-        </p:spPr>
-      </p:pic>
-      <p:pic>
-        <p:nvPicPr>
-          <p:cNvPr id="3" name="그림 2"/>
-          <p:cNvPicPr>
-            <a:picLocks noChangeAspect="1"/>
-          </p:cNvPicPr>
-          <p:nvPr/>
-        </p:nvPicPr>
-        <p:blipFill rotWithShape="1">
-          <a:blip r:embed="rId4"/>
-          <a:stretch>
-            <a:fillRect/>
-          </a:stretch>
-        </p:blipFill>
-        <p:spPr>
-          <a:xfrm>
-            <a:off x="6096000" y="1843831"/>
-            <a:ext cx="5779184" cy="4163650"/>
-          </a:xfrm>
-          <a:prstGeom prst="rect">
-            <a:avLst/>
-          </a:prstGeom>
-        </p:spPr>
-      </p:pic>
-      <p:sp>
-        <p:nvSpPr>
-          <p:cNvPr id="4" name="사각형: 둥근 모서리 3"/>
-          <p:cNvSpPr/>
-          <p:nvPr/>
-        </p:nvSpPr>
-        <p:spPr>
-          <a:xfrm>
-            <a:off x="6006604" y="931678"/>
-            <a:ext cx="2509274" cy="870564"/>
-          </a:xfrm>
-          <a:prstGeom prst="roundRect">
-            <a:avLst>
-              <a:gd name="adj" fmla="val 16667"/>
-            </a:avLst>
-          </a:prstGeom>
-          <a:noFill/>
-          <a:ln w="38100">
-            <a:solidFill>
-              <a:schemeClr val="tx1"/>
-            </a:solidFill>
-            <a:miter/>
-          </a:ln>
-        </p:spPr>
-        <p:txBody>
-          <a:bodyPr anchor="ctr"/>
-          <a:lstStyle/>
-          <a:p>
-            <a:pPr algn="ctr">
-              <a:lnSpc>
-                <a:spcPct val="150000"/>
-              </a:lnSpc>
-              <a:buFontTx/>
-              <a:buNone/>
-              <a:defRPr/>
-            </a:pPr>
-            <a:r>
-              <a:rPr lang="ko-KR" altLang="en-US" sz="2500">
+      <p:grpSp>
+        <p:nvGrpSpPr>
+          <p:cNvPr id="8" name="그룹 7"/>
+          <p:cNvGrpSpPr/>
+          <p:nvPr/>
+        </p:nvGrpSpPr>
+        <p:grpSpPr>
+          <a:xfrm rot="0">
+            <a:off x="299752" y="1231636"/>
+            <a:ext cx="5088185" cy="4401569"/>
+            <a:chOff x="299752" y="1231636"/>
+            <a:chExt cx="5088185" cy="4401569"/>
+          </a:xfrm>
+        </p:grpSpPr>
+        <p:pic>
+          <p:nvPicPr>
+            <p:cNvPr id="15" name="그림 14"/>
+            <p:cNvPicPr>
+              <a:picLocks noChangeAspect="1"/>
+            </p:cNvPicPr>
+            <p:nvPr/>
+          </p:nvPicPr>
+          <p:blipFill rotWithShape="1">
+            <a:blip r:embed="rId3"/>
+            <a:stretch>
+              <a:fillRect/>
+            </a:stretch>
+          </p:blipFill>
+          <p:spPr>
+            <a:xfrm>
+              <a:off x="299752" y="1231636"/>
+              <a:ext cx="5088185" cy="4401569"/>
+            </a:xfrm>
+            <a:prstGeom prst="rect">
+              <a:avLst/>
+            </a:prstGeom>
+          </p:spPr>
+        </p:pic>
+        <p:sp>
+          <p:nvSpPr>
+            <p:cNvPr id="14" name="직사각형 13"/>
+            <p:cNvSpPr/>
+            <p:nvPr/>
+          </p:nvSpPr>
+          <p:spPr>
+            <a:xfrm>
+              <a:off x="429208" y="1295721"/>
+              <a:ext cx="4879910" cy="550609"/>
+            </a:xfrm>
+            <a:prstGeom prst="rect">
+              <a:avLst/>
+            </a:prstGeom>
+            <a:noFill/>
+            <a:ln w="38100">
+              <a:solidFill>
+                <a:srgbClr val="c00000"/>
+              </a:solidFill>
+              <a:miter/>
+            </a:ln>
+          </p:spPr>
+          <p:txBody>
+            <a:bodyPr anchor="ctr"/>
+            <a:lstStyle/>
+            <a:p>
+              <a:pPr algn="l">
+                <a:lnSpc>
+                  <a:spcPct val="150000"/>
+                </a:lnSpc>
+                <a:buFontTx/>
+                <a:buNone/>
+                <a:defRPr/>
+              </a:pPr>
+              <a:endParaRPr lang="ko-KR" altLang="en-US">
+                <a:solidFill>
+                  <a:srgbClr val="000099"/>
+                </a:solidFill>
                 <a:latin typeface="+mn-ea"/>
+                <a:ea typeface="+mn-ea"/>
                 <a:cs typeface="Arial Unicode MS"/>
-              </a:rPr>
-              <a:t>신규 </a:t>
-            </a:r>
-            <a:r>
-              <a:rPr lang="en-US" altLang="ko-KR" sz="2500">
+              </a:endParaRPr>
+            </a:p>
+          </p:txBody>
+        </p:sp>
+      </p:grpSp>
+      <p:grpSp>
+        <p:nvGrpSpPr>
+          <p:cNvPr id="2" name="그룹 1"/>
+          <p:cNvGrpSpPr/>
+          <p:nvPr/>
+        </p:nvGrpSpPr>
+        <p:grpSpPr>
+          <a:xfrm rot="0">
+            <a:off x="5641750" y="1483005"/>
+            <a:ext cx="6024637" cy="1250590"/>
+            <a:chOff x="5946705" y="1716543"/>
+            <a:chExt cx="5719681" cy="1250590"/>
+          </a:xfrm>
+        </p:grpSpPr>
+        <p:sp>
+          <p:nvSpPr>
+            <p:cNvPr id="12" name="TextBox 11"/>
+            <p:cNvSpPr txBox="1"/>
+            <p:nvPr/>
+          </p:nvSpPr>
+          <p:spPr>
+            <a:xfrm>
+              <a:off x="5946705" y="1716543"/>
+              <a:ext cx="3167701" cy="332931"/>
+            </a:xfrm>
+            <a:prstGeom prst="rect">
+              <a:avLst/>
+            </a:prstGeom>
+            <a:noFill/>
+          </p:spPr>
+          <p:txBody>
+            <a:bodyPr wrap="square">
+              <a:spAutoFit/>
+            </a:bodyPr>
+            <a:lstStyle/>
+            <a:p>
+              <a:pPr lvl="0">
+                <a:defRPr/>
+              </a:pPr>
+              <a:r>
+                <a:rPr lang="en-US" altLang="ko-KR" sz="1600" b="1">
+                  <a:latin typeface="Amasis MT Pro Black"/>
+                </a:rPr>
+                <a:t>[ Total Running/ Cleaning  Time</a:t>
+              </a:r>
+              <a:r>
+                <a:rPr lang="ko-KR" altLang="en-US" sz="1600" b="1">
+                  <a:latin typeface="Amasis MT Pro Black"/>
+                </a:rPr>
+                <a:t> </a:t>
+              </a:r>
+              <a:r>
+                <a:rPr lang="en-US" altLang="ko-KR" sz="1600" b="1">
+                  <a:latin typeface="Amasis MT Pro Black"/>
+                </a:rPr>
+                <a:t>]</a:t>
+              </a:r>
+              <a:endParaRPr lang="en-US" altLang="ko-KR" sz="1600" b="1">
+                <a:latin typeface="Amasis MT Pro Black"/>
+              </a:endParaRPr>
+            </a:p>
+          </p:txBody>
+        </p:sp>
+        <p:pic>
+          <p:nvPicPr>
+            <p:cNvPr id="3" name="그림 2" descr="텍스트이(가) 표시된 사진  자동 생성된 설명"/>
+            <p:cNvPicPr>
+              <a:picLocks noChangeAspect="1"/>
+            </p:cNvPicPr>
+            <p:nvPr/>
+          </p:nvPicPr>
+          <p:blipFill rotWithShape="1">
+            <a:blip r:embed="rId4"/>
+            <a:stretch>
+              <a:fillRect/>
+            </a:stretch>
+          </p:blipFill>
+          <p:spPr>
+            <a:xfrm>
+              <a:off x="6040013" y="2164087"/>
+              <a:ext cx="5626374" cy="803047"/>
+            </a:xfrm>
+            <a:prstGeom prst="rect">
+              <a:avLst/>
+            </a:prstGeom>
+          </p:spPr>
+        </p:pic>
+      </p:grpSp>
+      <p:grpSp>
+        <p:nvGrpSpPr>
+          <p:cNvPr id="4" name="그룹 3"/>
+          <p:cNvGrpSpPr/>
+          <p:nvPr/>
+        </p:nvGrpSpPr>
+        <p:grpSpPr>
+          <a:xfrm rot="0">
+            <a:off x="5641750" y="3519066"/>
+            <a:ext cx="6365958" cy="2125959"/>
+            <a:chOff x="5946707" y="3519066"/>
+            <a:chExt cx="6061001" cy="2125959"/>
+          </a:xfrm>
+        </p:grpSpPr>
+        <p:sp>
+          <p:nvSpPr>
+            <p:cNvPr id="9" name="TextBox 8"/>
+            <p:cNvSpPr txBox="1"/>
+            <p:nvPr/>
+          </p:nvSpPr>
+          <p:spPr>
+            <a:xfrm>
+              <a:off x="5946707" y="3519066"/>
+              <a:ext cx="2730762" cy="338554"/>
+            </a:xfrm>
+            <a:prstGeom prst="rect">
+              <a:avLst/>
+            </a:prstGeom>
+            <a:noFill/>
+          </p:spPr>
+          <p:txBody>
+            <a:bodyPr wrap="square">
+              <a:spAutoFit/>
+            </a:bodyPr>
+            <a:lstStyle/>
+            <a:p>
+              <a:pPr lvl="0">
+                <a:defRPr/>
+              </a:pPr>
+              <a:r>
+                <a:rPr lang="en-US" altLang="ko-KR" sz="1600" b="1">
+                  <a:latin typeface="Amasis MT Pro Black"/>
+                </a:rPr>
+                <a:t>[ Output / Throughput</a:t>
+              </a:r>
+              <a:r>
+                <a:rPr lang="ko-KR" altLang="en-US" sz="1600" b="1">
+                  <a:latin typeface="Amasis MT Pro Black"/>
+                </a:rPr>
+                <a:t> </a:t>
+              </a:r>
+              <a:r>
+                <a:rPr lang="en-US" altLang="ko-KR" sz="1600" b="1">
+                  <a:latin typeface="Amasis MT Pro Black"/>
+                </a:rPr>
+                <a:t>]</a:t>
+              </a:r>
+              <a:endParaRPr lang="ko-KR" altLang="en-US" sz="1600" b="1">
+                <a:latin typeface="Amasis MT Pro Black"/>
+              </a:endParaRPr>
+            </a:p>
+          </p:txBody>
+        </p:sp>
+        <p:pic>
+          <p:nvPicPr>
+            <p:cNvPr id="6" name="그림 5"/>
+            <p:cNvPicPr>
+              <a:picLocks noChangeAspect="1"/>
+            </p:cNvPicPr>
+            <p:nvPr/>
+          </p:nvPicPr>
+          <p:blipFill rotWithShape="1">
+            <a:blip r:embed="rId5"/>
+            <a:stretch>
+              <a:fillRect/>
+            </a:stretch>
+          </p:blipFill>
+          <p:spPr>
+            <a:xfrm>
+              <a:off x="6040014" y="4178589"/>
+              <a:ext cx="3165993" cy="1466436"/>
+            </a:xfrm>
+            <a:prstGeom prst="rect">
+              <a:avLst/>
+            </a:prstGeom>
+          </p:spPr>
+        </p:pic>
+        <p:sp>
+          <p:nvSpPr>
+            <p:cNvPr id="10" name="TextBox 9"/>
+            <p:cNvSpPr txBox="1"/>
+            <p:nvPr/>
+          </p:nvSpPr>
+          <p:spPr>
+            <a:xfrm>
+              <a:off x="9162659" y="4327031"/>
+              <a:ext cx="2845049" cy="976489"/>
+            </a:xfrm>
+            <a:prstGeom prst="rect">
+              <a:avLst/>
+            </a:prstGeom>
+            <a:noFill/>
+          </p:spPr>
+          <p:txBody>
+            <a:bodyPr wrap="square">
+              <a:spAutoFit/>
+            </a:bodyPr>
+            <a:lstStyle/>
+            <a:p>
+              <a:pPr marL="171450" indent="-171450">
+                <a:buFont typeface="Arial"/>
+                <a:buChar char="•"/>
+                <a:defRPr/>
+              </a:pPr>
+              <a:r>
+                <a:rPr lang="en-US" altLang="ko-KR" sz="1200" b="1">
+                  <a:solidFill>
+                    <a:srgbClr val="0070c0"/>
+                  </a:solidFill>
+                  <a:latin typeface="Amasis MT Pro Black"/>
+                </a:rPr>
+                <a:t>Output : </a:t>
+              </a:r>
+              <a:r>
+                <a:rPr lang="ko-KR" altLang="en-US" sz="1200" b="1">
+                  <a:solidFill>
+                    <a:srgbClr val="0070c0"/>
+                  </a:solidFill>
+                  <a:latin typeface="Amasis MT Pro Black"/>
+                </a:rPr>
+                <a:t>공정을 완료한 총 </a:t>
+              </a:r>
+              <a:r>
+                <a:rPr lang="en-US" altLang="ko-KR" sz="1200" b="1">
+                  <a:solidFill>
+                    <a:srgbClr val="0070c0"/>
+                  </a:solidFill>
+                  <a:latin typeface="Amasis MT Pro Black"/>
+                </a:rPr>
+                <a:t>Wafer </a:t>
+              </a:r>
+              <a:r>
+                <a:rPr lang="ko-KR" altLang="en-US" sz="1200" b="1">
+                  <a:solidFill>
+                    <a:srgbClr val="0070c0"/>
+                  </a:solidFill>
+                  <a:latin typeface="Amasis MT Pro Black"/>
+                </a:rPr>
+                <a:t>개수</a:t>
+              </a:r>
+              <a:endParaRPr lang="ko-KR" altLang="en-US" sz="1200" b="1">
+                <a:solidFill>
+                  <a:srgbClr val="0070c0"/>
+                </a:solidFill>
+                <a:latin typeface="Amasis MT Pro Black"/>
+              </a:endParaRPr>
+            </a:p>
+            <a:p>
+              <a:pPr marL="171450" indent="-171450">
+                <a:buFont typeface="Arial"/>
+                <a:buChar char="•"/>
+                <a:defRPr/>
+              </a:pPr>
+              <a:endParaRPr lang="en-US" altLang="ko-KR" sz="1200" b="1">
+                <a:solidFill>
+                  <a:srgbClr val="0070c0"/>
+                </a:solidFill>
+                <a:latin typeface="Amasis MT Pro Black"/>
+              </a:endParaRPr>
+            </a:p>
+            <a:p>
+              <a:pPr marL="171450" indent="-171450">
+                <a:buFont typeface="Arial"/>
+                <a:buChar char="•"/>
+                <a:defRPr/>
+              </a:pPr>
+              <a:r>
+                <a:rPr lang="en-US" altLang="ko-KR" sz="1200" b="1">
+                  <a:solidFill>
+                    <a:srgbClr val="0070c0"/>
+                  </a:solidFill>
+                  <a:latin typeface="Amasis MT Pro Black"/>
+                </a:rPr>
+                <a:t>Throughput : 1</a:t>
+              </a:r>
+              <a:r>
+                <a:rPr lang="ko-KR" altLang="en-US" sz="1200" b="1">
+                  <a:solidFill>
+                    <a:srgbClr val="0070c0"/>
+                  </a:solidFill>
+                  <a:latin typeface="Amasis MT Pro Black"/>
+                </a:rPr>
+                <a:t>시간당 공정 가능한 </a:t>
+              </a:r>
+              <a:r>
+                <a:rPr lang="en-US" altLang="ko-KR" sz="1200" b="1">
+                  <a:solidFill>
+                    <a:srgbClr val="0070c0"/>
+                  </a:solidFill>
+                  <a:latin typeface="Amasis MT Pro Black"/>
+                </a:rPr>
+                <a:t>Wafer </a:t>
+              </a:r>
+              <a:r>
+                <a:rPr lang="ko-KR" altLang="en-US" sz="1200" b="1">
+                  <a:solidFill>
+                    <a:srgbClr val="0070c0"/>
+                  </a:solidFill>
+                  <a:latin typeface="Amasis MT Pro Black"/>
+                </a:rPr>
+                <a:t>개수 </a:t>
+              </a:r>
+              <a:endParaRPr lang="ko-KR" altLang="en-US" sz="1200" b="1">
+                <a:solidFill>
+                  <a:srgbClr val="0070c0"/>
+                </a:solidFill>
+                <a:latin typeface="Amasis MT Pro Black"/>
+              </a:endParaRPr>
+            </a:p>
+            <a:p>
+              <a:pPr marL="171450" indent="-171450">
+                <a:buFont typeface="Arial"/>
+                <a:buChar char="•"/>
+                <a:defRPr/>
+              </a:pPr>
+              <a:endParaRPr lang="ko-KR" altLang="en-US" sz="1000" b="1">
                 <a:latin typeface="+mn-ea"/>
-                <a:cs typeface="Arial Unicode MS"/>
-              </a:rPr>
-              <a:t>UI</a:t>
-            </a:r>
-            <a:endParaRPr lang="ko-KR" altLang="en-US" sz="2500">
-              <a:solidFill>
-                <a:schemeClr val="tx1"/>
-              </a:solidFill>
-              <a:latin typeface="+mn-ea"/>
-              <a:ea typeface="+mn-ea"/>
-              <a:cs typeface="Arial Unicode MS"/>
-            </a:endParaRPr>
-          </a:p>
-        </p:txBody>
-      </p:sp>
+                <a:ea typeface="+mn-ea"/>
+              </a:endParaRPr>
+            </a:p>
+          </p:txBody>
+        </p:sp>
+      </p:grpSp>
     </p:spTree>
   </p:cSld>
   <p:clrMapOvr>
